--- a/Architecture.pptx
+++ b/Architecture.pptx
@@ -104,6 +104,11 @@
       </a:defRPr>
     </a:lvl9pPr>
   </p:defaultTextStyle>
+  <p:extLst>
+    <p:ext uri="{EFAFB233-063F-42B5-8137-9DF3F51BA10A}">
+      <p15:sldGuideLst xmlns:p15="http://schemas.microsoft.com/office/powerpoint/2012/main"/>
+    </p:ext>
+  </p:extLst>
 </p:presentation>
 </file>
 
@@ -3243,8 +3248,8 @@
         </p:nvCxnSpPr>
         <p:spPr>
           <a:xfrm flipH="1" flipV="1">
-            <a:off x="8593166" y="280975"/>
-            <a:ext cx="2282419" cy="6983"/>
+            <a:off x="8613775" y="282913"/>
+            <a:ext cx="2270024" cy="10988"/>
           </a:xfrm>
           <a:prstGeom prst="line">
             <a:avLst/>
@@ -3844,7 +3849,7 @@
         </p:nvSpPr>
         <p:spPr>
           <a:xfrm>
-            <a:off x="9802532" y="4153799"/>
+            <a:off x="9802532" y="4104575"/>
             <a:ext cx="457200" cy="307777"/>
           </a:xfrm>
           <a:prstGeom prst="rect">
@@ -3882,7 +3887,7 @@
         </p:nvSpPr>
         <p:spPr>
           <a:xfrm>
-            <a:off x="9422315" y="4567476"/>
+            <a:off x="9414762" y="4560668"/>
             <a:ext cx="457200" cy="307777"/>
           </a:xfrm>
           <a:prstGeom prst="rect">
@@ -4376,8 +4381,8 @@
         </p:nvCxnSpPr>
         <p:spPr>
           <a:xfrm flipH="1" flipV="1">
-            <a:off x="7504741" y="2480733"/>
-            <a:ext cx="5668" cy="1291774"/>
+            <a:off x="7513879" y="2654295"/>
+            <a:ext cx="8735" cy="1128074"/>
           </a:xfrm>
           <a:prstGeom prst="line">
             <a:avLst/>
@@ -4410,9 +4415,9 @@
           <p:nvPr/>
         </p:nvCxnSpPr>
         <p:spPr>
-          <a:xfrm flipV="1">
-            <a:off x="6357991" y="1611865"/>
-            <a:ext cx="1713" cy="868868"/>
+          <a:xfrm flipH="1" flipV="1">
+            <a:off x="6359704" y="1611865"/>
+            <a:ext cx="4863" cy="1052056"/>
           </a:xfrm>
           <a:prstGeom prst="line">
             <a:avLst/>
@@ -4446,7 +4451,7 @@
         </p:nvCxnSpPr>
         <p:spPr>
           <a:xfrm flipH="1">
-            <a:off x="6353758" y="2480733"/>
+            <a:off x="6362224" y="2654295"/>
             <a:ext cx="1162525" cy="0"/>
           </a:xfrm>
           <a:prstGeom prst="line">
@@ -4481,8 +4486,8 @@
         </p:nvCxnSpPr>
         <p:spPr>
           <a:xfrm flipH="1">
-            <a:off x="5212809" y="1611865"/>
-            <a:ext cx="1164455" cy="0"/>
+            <a:off x="5212810" y="1611865"/>
+            <a:ext cx="1159415" cy="0"/>
           </a:xfrm>
           <a:prstGeom prst="line">
             <a:avLst/>
@@ -4548,59 +4553,13 @@
       </p:sp>
       <p:sp>
         <p:nvSpPr>
-          <p:cNvPr id="149" name="Rectangle 148"/>
-          <p:cNvSpPr/>
-          <p:nvPr/>
-        </p:nvSpPr>
-        <p:spPr>
-          <a:xfrm>
-            <a:off x="5503059" y="2046299"/>
-            <a:ext cx="473832" cy="143181"/>
-          </a:xfrm>
-          <a:prstGeom prst="rect">
-            <a:avLst/>
-          </a:prstGeom>
-          <a:solidFill>
-            <a:schemeClr val="bg1"/>
-          </a:solidFill>
-          <a:ln>
-            <a:noFill/>
-          </a:ln>
-        </p:spPr>
-        <p:style>
-          <a:lnRef idx="2">
-            <a:schemeClr val="accent1">
-              <a:shade val="50000"/>
-            </a:schemeClr>
-          </a:lnRef>
-          <a:fillRef idx="1">
-            <a:schemeClr val="accent1"/>
-          </a:fillRef>
-          <a:effectRef idx="0">
-            <a:schemeClr val="accent1"/>
-          </a:effectRef>
-          <a:fontRef idx="minor">
-            <a:schemeClr val="lt1"/>
-          </a:fontRef>
-        </p:style>
-        <p:txBody>
-          <a:bodyPr rtlCol="0" anchor="ctr"/>
-          <a:lstStyle/>
-          <a:p>
-            <a:pPr algn="ctr"/>
-            <a:endParaRPr lang="en-US"/>
-          </a:p>
-        </p:txBody>
-      </p:sp>
-      <p:sp>
-        <p:nvSpPr>
           <p:cNvPr id="148" name="TextBox 147"/>
           <p:cNvSpPr txBox="1"/>
           <p:nvPr/>
         </p:nvSpPr>
         <p:spPr>
           <a:xfrm>
-            <a:off x="5420017" y="1979389"/>
+            <a:off x="5410072" y="1725935"/>
             <a:ext cx="838296" cy="276999"/>
           </a:xfrm>
           <a:prstGeom prst="rect">
@@ -4745,8 +4704,8 @@
         </p:nvCxnSpPr>
         <p:spPr>
           <a:xfrm flipH="1">
-            <a:off x="7801975" y="2215604"/>
-            <a:ext cx="716990" cy="7496"/>
+            <a:off x="7801106" y="2219711"/>
+            <a:ext cx="318982" cy="1430"/>
           </a:xfrm>
           <a:prstGeom prst="line">
             <a:avLst/>
@@ -4826,7 +4785,7 @@
         </p:nvGrpSpPr>
         <p:grpSpPr>
           <a:xfrm>
-            <a:off x="8316460" y="116138"/>
+            <a:off x="8346940" y="116138"/>
             <a:ext cx="305587" cy="588323"/>
             <a:chOff x="941506" y="548908"/>
             <a:chExt cx="305587" cy="567267"/>
@@ -4917,8 +4876,8 @@
         </p:nvCxnSpPr>
         <p:spPr>
           <a:xfrm flipH="1" flipV="1">
-            <a:off x="8593166" y="399747"/>
-            <a:ext cx="1587024" cy="4419"/>
+            <a:off x="8616701" y="396066"/>
+            <a:ext cx="1563489" cy="8101"/>
           </a:xfrm>
           <a:prstGeom prst="line">
             <a:avLst/>
@@ -4952,8 +4911,8 @@
         </p:nvCxnSpPr>
         <p:spPr>
           <a:xfrm flipH="1">
-            <a:off x="8573097" y="519052"/>
-            <a:ext cx="1296049" cy="0"/>
+            <a:off x="8616701" y="519052"/>
+            <a:ext cx="1266738" cy="0"/>
           </a:xfrm>
           <a:prstGeom prst="line">
             <a:avLst/>
@@ -5149,43 +5108,8 @@
         </p:nvCxnSpPr>
         <p:spPr>
           <a:xfrm>
-            <a:off x="8042097" y="2016993"/>
+            <a:off x="8042097" y="2078921"/>
             <a:ext cx="3904" cy="323202"/>
-          </a:xfrm>
-          <a:prstGeom prst="line">
-            <a:avLst/>
-          </a:prstGeom>
-          <a:ln w="22225">
-            <a:solidFill>
-              <a:srgbClr val="6AD4F5"/>
-            </a:solidFill>
-          </a:ln>
-        </p:spPr>
-        <p:style>
-          <a:lnRef idx="3">
-            <a:schemeClr val="accent1"/>
-          </a:lnRef>
-          <a:fillRef idx="0">
-            <a:schemeClr val="accent1"/>
-          </a:fillRef>
-          <a:effectRef idx="2">
-            <a:schemeClr val="accent1"/>
-          </a:effectRef>
-          <a:fontRef idx="minor">
-            <a:schemeClr val="tx1"/>
-          </a:fontRef>
-        </p:style>
-      </p:cxnSp>
-      <p:cxnSp>
-        <p:nvCxnSpPr>
-          <p:cNvPr id="198" name="Straight Connector 197"/>
-          <p:cNvCxnSpPr/>
-          <p:nvPr/>
-        </p:nvCxnSpPr>
-        <p:spPr>
-          <a:xfrm>
-            <a:off x="8440283" y="667610"/>
-            <a:ext cx="4569" cy="1233781"/>
           </a:xfrm>
           <a:prstGeom prst="line">
             <a:avLst/>
@@ -5218,9 +5142,9 @@
           <p:nvPr/>
         </p:nvCxnSpPr>
         <p:spPr>
-          <a:xfrm>
-            <a:off x="8504360" y="672751"/>
-            <a:ext cx="5595" cy="1542853"/>
+          <a:xfrm flipH="1">
+            <a:off x="8503529" y="672751"/>
+            <a:ext cx="831" cy="1816067"/>
           </a:xfrm>
           <a:prstGeom prst="line">
             <a:avLst/>
@@ -5230,41 +5154,6 @@
               <a:srgbClr val="CC3300"/>
             </a:solidFill>
             <a:headEnd type="stealth" w="lg" len="lg"/>
-          </a:ln>
-        </p:spPr>
-        <p:style>
-          <a:lnRef idx="3">
-            <a:schemeClr val="accent1"/>
-          </a:lnRef>
-          <a:fillRef idx="0">
-            <a:schemeClr val="accent1"/>
-          </a:fillRef>
-          <a:effectRef idx="2">
-            <a:schemeClr val="accent1"/>
-          </a:effectRef>
-          <a:fontRef idx="minor">
-            <a:schemeClr val="tx1"/>
-          </a:fontRef>
-        </p:style>
-      </p:cxnSp>
-      <p:cxnSp>
-        <p:nvCxnSpPr>
-          <p:cNvPr id="206" name="Straight Connector 205"/>
-          <p:cNvCxnSpPr/>
-          <p:nvPr/>
-        </p:nvCxnSpPr>
-        <p:spPr>
-          <a:xfrm>
-            <a:off x="8443923" y="1496856"/>
-            <a:ext cx="2284" cy="530153"/>
-          </a:xfrm>
-          <a:prstGeom prst="line">
-            <a:avLst/>
-          </a:prstGeom>
-          <a:ln w="22225">
-            <a:solidFill>
-              <a:srgbClr val="6AD4F5"/>
-            </a:solidFill>
           </a:ln>
         </p:spPr>
         <p:style>
@@ -5289,9 +5178,9 @@
           <p:nvPr/>
         </p:nvCxnSpPr>
         <p:spPr>
-          <a:xfrm flipH="1">
-            <a:off x="8033915" y="2027009"/>
-            <a:ext cx="427210" cy="0"/>
+          <a:xfrm>
+            <a:off x="8043234" y="2092073"/>
+            <a:ext cx="76854" cy="615"/>
           </a:xfrm>
           <a:prstGeom prst="line">
             <a:avLst/>
@@ -5559,7 +5448,7 @@
         </p:nvCxnSpPr>
         <p:spPr>
           <a:xfrm flipH="1">
-            <a:off x="8541385" y="5437787"/>
+            <a:off x="8541385" y="5442867"/>
             <a:ext cx="730845" cy="0"/>
           </a:xfrm>
           <a:prstGeom prst="line">
@@ -6162,6 +6051,617 @@
               <a:t>ready</a:t>
             </a:r>
             <a:endParaRPr lang="en-US" sz="1000" dirty="0">
+              <a:solidFill>
+                <a:srgbClr val="CC3300"/>
+              </a:solidFill>
+            </a:endParaRPr>
+          </a:p>
+        </p:txBody>
+      </p:sp>
+      <p:sp>
+        <p:nvSpPr>
+          <p:cNvPr id="90" name="Oval 89"/>
+          <p:cNvSpPr/>
+          <p:nvPr/>
+        </p:nvSpPr>
+        <p:spPr>
+          <a:xfrm>
+            <a:off x="9717365" y="6361671"/>
+            <a:ext cx="66815" cy="69792"/>
+          </a:xfrm>
+          <a:prstGeom prst="ellipse">
+            <a:avLst/>
+          </a:prstGeom>
+          <a:solidFill>
+            <a:srgbClr val="272A30"/>
+          </a:solidFill>
+          <a:ln>
+            <a:noFill/>
+          </a:ln>
+        </p:spPr>
+        <p:style>
+          <a:lnRef idx="2">
+            <a:schemeClr val="accent1">
+              <a:shade val="50000"/>
+            </a:schemeClr>
+          </a:lnRef>
+          <a:fillRef idx="1">
+            <a:schemeClr val="accent1"/>
+          </a:fillRef>
+          <a:effectRef idx="0">
+            <a:schemeClr val="accent1"/>
+          </a:effectRef>
+          <a:fontRef idx="minor">
+            <a:schemeClr val="lt1"/>
+          </a:fontRef>
+        </p:style>
+        <p:txBody>
+          <a:bodyPr rtlCol="0" anchor="ctr"/>
+          <a:lstStyle/>
+          <a:p>
+            <a:pPr algn="ctr"/>
+            <a:endParaRPr lang="en-US"/>
+          </a:p>
+        </p:txBody>
+      </p:sp>
+      <p:sp>
+        <p:nvSpPr>
+          <p:cNvPr id="94" name="TextBox 93"/>
+          <p:cNvSpPr txBox="1"/>
+          <p:nvPr/>
+        </p:nvSpPr>
+        <p:spPr>
+          <a:xfrm>
+            <a:off x="8329942" y="112917"/>
+            <a:ext cx="457200" cy="276999"/>
+          </a:xfrm>
+          <a:prstGeom prst="rect">
+            <a:avLst/>
+          </a:prstGeom>
+          <a:noFill/>
+        </p:spPr>
+        <p:txBody>
+          <a:bodyPr wrap="square" rtlCol="0">
+            <a:spAutoFit/>
+          </a:bodyPr>
+          <a:lstStyle/>
+          <a:p>
+            <a:r>
+              <a:rPr lang="en-US" sz="1200" dirty="0" smtClean="0">
+                <a:solidFill>
+                  <a:srgbClr val="CC3300"/>
+                </a:solidFill>
+              </a:rPr>
+              <a:t>11</a:t>
+            </a:r>
+            <a:endParaRPr lang="en-US" sz="1200" dirty="0">
+              <a:solidFill>
+                <a:srgbClr val="CC3300"/>
+              </a:solidFill>
+            </a:endParaRPr>
+          </a:p>
+        </p:txBody>
+      </p:sp>
+      <p:sp>
+        <p:nvSpPr>
+          <p:cNvPr id="95" name="TextBox 94"/>
+          <p:cNvSpPr txBox="1"/>
+          <p:nvPr/>
+        </p:nvSpPr>
+        <p:spPr>
+          <a:xfrm>
+            <a:off x="8336292" y="259047"/>
+            <a:ext cx="457200" cy="276999"/>
+          </a:xfrm>
+          <a:prstGeom prst="rect">
+            <a:avLst/>
+          </a:prstGeom>
+          <a:noFill/>
+        </p:spPr>
+        <p:txBody>
+          <a:bodyPr wrap="square" rtlCol="0">
+            <a:spAutoFit/>
+          </a:bodyPr>
+          <a:lstStyle/>
+          <a:p>
+            <a:r>
+              <a:rPr lang="en-US" sz="1200" dirty="0" smtClean="0">
+                <a:solidFill>
+                  <a:srgbClr val="CC3300"/>
+                </a:solidFill>
+              </a:rPr>
+              <a:t>10</a:t>
+            </a:r>
+            <a:endParaRPr lang="en-US" sz="1200" dirty="0">
+              <a:solidFill>
+                <a:srgbClr val="CC3300"/>
+              </a:solidFill>
+            </a:endParaRPr>
+          </a:p>
+        </p:txBody>
+      </p:sp>
+      <p:sp>
+        <p:nvSpPr>
+          <p:cNvPr id="98" name="TextBox 97"/>
+          <p:cNvSpPr txBox="1"/>
+          <p:nvPr/>
+        </p:nvSpPr>
+        <p:spPr>
+          <a:xfrm>
+            <a:off x="8339979" y="400220"/>
+            <a:ext cx="457200" cy="276999"/>
+          </a:xfrm>
+          <a:prstGeom prst="rect">
+            <a:avLst/>
+          </a:prstGeom>
+          <a:noFill/>
+        </p:spPr>
+        <p:txBody>
+          <a:bodyPr wrap="square" rtlCol="0">
+            <a:spAutoFit/>
+          </a:bodyPr>
+          <a:lstStyle/>
+          <a:p>
+            <a:r>
+              <a:rPr lang="en-US" sz="1200" dirty="0" smtClean="0">
+                <a:solidFill>
+                  <a:srgbClr val="CC3300"/>
+                </a:solidFill>
+              </a:rPr>
+              <a:t>00</a:t>
+            </a:r>
+            <a:endParaRPr lang="en-US" sz="1200" dirty="0">
+              <a:solidFill>
+                <a:srgbClr val="CC3300"/>
+              </a:solidFill>
+            </a:endParaRPr>
+          </a:p>
+        </p:txBody>
+      </p:sp>
+      <p:pic>
+        <p:nvPicPr>
+          <p:cNvPr id="4" name="Picture 3"/>
+          <p:cNvPicPr>
+            <a:picLocks noChangeAspect="1"/>
+          </p:cNvPicPr>
+          <p:nvPr/>
+        </p:nvPicPr>
+        <p:blipFill>
+          <a:blip r:embed="rId6"/>
+          <a:stretch>
+            <a:fillRect/>
+          </a:stretch>
+        </p:blipFill>
+        <p:spPr>
+          <a:xfrm>
+            <a:off x="8109491" y="1981858"/>
+            <a:ext cx="311166" cy="336567"/>
+          </a:xfrm>
+          <a:prstGeom prst="rect">
+            <a:avLst/>
+          </a:prstGeom>
+        </p:spPr>
+      </p:pic>
+      <p:cxnSp>
+        <p:nvCxnSpPr>
+          <p:cNvPr id="104" name="Straight Connector 103"/>
+          <p:cNvCxnSpPr/>
+          <p:nvPr/>
+        </p:nvCxnSpPr>
+        <p:spPr>
+          <a:xfrm flipH="1" flipV="1">
+            <a:off x="5293597" y="1954709"/>
+            <a:ext cx="1183211" cy="448"/>
+          </a:xfrm>
+          <a:prstGeom prst="line">
+            <a:avLst/>
+          </a:prstGeom>
+          <a:ln w="28575">
+            <a:solidFill>
+              <a:srgbClr val="C00000"/>
+            </a:solidFill>
+          </a:ln>
+        </p:spPr>
+        <p:style>
+          <a:lnRef idx="3">
+            <a:schemeClr val="accent1"/>
+          </a:lnRef>
+          <a:fillRef idx="0">
+            <a:schemeClr val="accent1"/>
+          </a:fillRef>
+          <a:effectRef idx="2">
+            <a:schemeClr val="accent1"/>
+          </a:effectRef>
+          <a:fontRef idx="minor">
+            <a:schemeClr val="tx1"/>
+          </a:fontRef>
+        </p:style>
+      </p:cxnSp>
+      <p:cxnSp>
+        <p:nvCxnSpPr>
+          <p:cNvPr id="106" name="Straight Connector 105"/>
+          <p:cNvCxnSpPr/>
+          <p:nvPr/>
+        </p:nvCxnSpPr>
+        <p:spPr>
+          <a:xfrm flipH="1">
+            <a:off x="6485079" y="2479192"/>
+            <a:ext cx="2012721" cy="0"/>
+          </a:xfrm>
+          <a:prstGeom prst="line">
+            <a:avLst/>
+          </a:prstGeom>
+          <a:ln w="28575">
+            <a:solidFill>
+              <a:srgbClr val="C00000"/>
+            </a:solidFill>
+          </a:ln>
+        </p:spPr>
+        <p:style>
+          <a:lnRef idx="3">
+            <a:schemeClr val="accent1"/>
+          </a:lnRef>
+          <a:fillRef idx="0">
+            <a:schemeClr val="accent1"/>
+          </a:fillRef>
+          <a:effectRef idx="2">
+            <a:schemeClr val="accent1"/>
+          </a:effectRef>
+          <a:fontRef idx="minor">
+            <a:schemeClr val="tx1"/>
+          </a:fontRef>
+        </p:style>
+      </p:cxnSp>
+      <p:cxnSp>
+        <p:nvCxnSpPr>
+          <p:cNvPr id="112" name="Straight Connector 111"/>
+          <p:cNvCxnSpPr/>
+          <p:nvPr/>
+        </p:nvCxnSpPr>
+        <p:spPr>
+          <a:xfrm flipH="1" flipV="1">
+            <a:off x="6475903" y="1945084"/>
+            <a:ext cx="1329" cy="551040"/>
+          </a:xfrm>
+          <a:prstGeom prst="line">
+            <a:avLst/>
+          </a:prstGeom>
+          <a:ln w="28575">
+            <a:solidFill>
+              <a:srgbClr val="CC3300"/>
+            </a:solidFill>
+          </a:ln>
+        </p:spPr>
+        <p:style>
+          <a:lnRef idx="3">
+            <a:schemeClr val="accent1"/>
+          </a:lnRef>
+          <a:fillRef idx="0">
+            <a:schemeClr val="accent1"/>
+          </a:fillRef>
+          <a:effectRef idx="2">
+            <a:schemeClr val="accent1"/>
+          </a:effectRef>
+          <a:fontRef idx="minor">
+            <a:schemeClr val="tx1"/>
+          </a:fontRef>
+        </p:style>
+      </p:cxnSp>
+      <p:cxnSp>
+        <p:nvCxnSpPr>
+          <p:cNvPr id="122" name="Straight Connector 121"/>
+          <p:cNvCxnSpPr/>
+          <p:nvPr/>
+        </p:nvCxnSpPr>
+        <p:spPr>
+          <a:xfrm flipH="1" flipV="1">
+            <a:off x="6123834" y="2172267"/>
+            <a:ext cx="1861496" cy="6338"/>
+          </a:xfrm>
+          <a:prstGeom prst="line">
+            <a:avLst/>
+          </a:prstGeom>
+          <a:ln w="22225">
+            <a:solidFill>
+              <a:srgbClr val="6ED3F4"/>
+            </a:solidFill>
+          </a:ln>
+        </p:spPr>
+        <p:style>
+          <a:lnRef idx="3">
+            <a:schemeClr val="accent1"/>
+          </a:lnRef>
+          <a:fillRef idx="0">
+            <a:schemeClr val="accent1"/>
+          </a:fillRef>
+          <a:effectRef idx="2">
+            <a:schemeClr val="accent1"/>
+          </a:effectRef>
+          <a:fontRef idx="minor">
+            <a:schemeClr val="tx1"/>
+          </a:fontRef>
+        </p:style>
+      </p:cxnSp>
+      <p:cxnSp>
+        <p:nvCxnSpPr>
+          <p:cNvPr id="126" name="Straight Connector 125"/>
+          <p:cNvCxnSpPr/>
+          <p:nvPr/>
+        </p:nvCxnSpPr>
+        <p:spPr>
+          <a:xfrm flipH="1" flipV="1">
+            <a:off x="5341064" y="2044040"/>
+            <a:ext cx="789290" cy="1281"/>
+          </a:xfrm>
+          <a:prstGeom prst="line">
+            <a:avLst/>
+          </a:prstGeom>
+          <a:ln w="22225">
+            <a:solidFill>
+              <a:srgbClr val="6ED3F4"/>
+            </a:solidFill>
+            <a:tailEnd type="stealth" w="med" len="lg"/>
+          </a:ln>
+        </p:spPr>
+        <p:style>
+          <a:lnRef idx="3">
+            <a:schemeClr val="accent1"/>
+          </a:lnRef>
+          <a:fillRef idx="0">
+            <a:schemeClr val="accent1"/>
+          </a:fillRef>
+          <a:effectRef idx="2">
+            <a:schemeClr val="accent1"/>
+          </a:effectRef>
+          <a:fontRef idx="minor">
+            <a:schemeClr val="tx1"/>
+          </a:fontRef>
+        </p:style>
+      </p:cxnSp>
+      <p:cxnSp>
+        <p:nvCxnSpPr>
+          <p:cNvPr id="129" name="Straight Connector 128"/>
+          <p:cNvCxnSpPr/>
+          <p:nvPr/>
+        </p:nvCxnSpPr>
+        <p:spPr>
+          <a:xfrm flipH="1">
+            <a:off x="8445382" y="1940656"/>
+            <a:ext cx="1647" cy="209329"/>
+          </a:xfrm>
+          <a:prstGeom prst="line">
+            <a:avLst/>
+          </a:prstGeom>
+          <a:ln w="22225">
+            <a:solidFill>
+              <a:srgbClr val="6AD4F5"/>
+            </a:solidFill>
+          </a:ln>
+        </p:spPr>
+        <p:style>
+          <a:lnRef idx="3">
+            <a:schemeClr val="accent1"/>
+          </a:lnRef>
+          <a:fillRef idx="0">
+            <a:schemeClr val="accent1"/>
+          </a:fillRef>
+          <a:effectRef idx="2">
+            <a:schemeClr val="accent1"/>
+          </a:effectRef>
+          <a:fontRef idx="minor">
+            <a:schemeClr val="tx1"/>
+          </a:fontRef>
+        </p:style>
+      </p:cxnSp>
+      <p:cxnSp>
+        <p:nvCxnSpPr>
+          <p:cNvPr id="130" name="Straight Connector 129"/>
+          <p:cNvCxnSpPr/>
+          <p:nvPr/>
+        </p:nvCxnSpPr>
+        <p:spPr>
+          <a:xfrm flipH="1">
+            <a:off x="7979344" y="1940362"/>
+            <a:ext cx="1313" cy="237563"/>
+          </a:xfrm>
+          <a:prstGeom prst="line">
+            <a:avLst/>
+          </a:prstGeom>
+          <a:ln w="22225">
+            <a:solidFill>
+              <a:srgbClr val="6AD4F5"/>
+            </a:solidFill>
+          </a:ln>
+        </p:spPr>
+        <p:style>
+          <a:lnRef idx="3">
+            <a:schemeClr val="accent1"/>
+          </a:lnRef>
+          <a:fillRef idx="0">
+            <a:schemeClr val="accent1"/>
+          </a:fillRef>
+          <a:effectRef idx="2">
+            <a:schemeClr val="accent1"/>
+          </a:effectRef>
+          <a:fontRef idx="minor">
+            <a:schemeClr val="tx1"/>
+          </a:fontRef>
+        </p:style>
+      </p:cxnSp>
+      <p:cxnSp>
+        <p:nvCxnSpPr>
+          <p:cNvPr id="131" name="Straight Connector 130"/>
+          <p:cNvCxnSpPr/>
+          <p:nvPr/>
+        </p:nvCxnSpPr>
+        <p:spPr>
+          <a:xfrm>
+            <a:off x="6130354" y="2044040"/>
+            <a:ext cx="394" cy="127511"/>
+          </a:xfrm>
+          <a:prstGeom prst="line">
+            <a:avLst/>
+          </a:prstGeom>
+          <a:ln w="22225">
+            <a:solidFill>
+              <a:srgbClr val="6AD4F5"/>
+            </a:solidFill>
+          </a:ln>
+        </p:spPr>
+        <p:style>
+          <a:lnRef idx="3">
+            <a:schemeClr val="accent1"/>
+          </a:lnRef>
+          <a:fillRef idx="0">
+            <a:schemeClr val="accent1"/>
+          </a:fillRef>
+          <a:effectRef idx="2">
+            <a:schemeClr val="accent1"/>
+          </a:effectRef>
+          <a:fontRef idx="minor">
+            <a:schemeClr val="tx1"/>
+          </a:fontRef>
+        </p:style>
+      </p:cxnSp>
+      <p:cxnSp>
+        <p:nvCxnSpPr>
+          <p:cNvPr id="140" name="Straight Connector 139"/>
+          <p:cNvCxnSpPr/>
+          <p:nvPr/>
+        </p:nvCxnSpPr>
+        <p:spPr>
+          <a:xfrm flipH="1">
+            <a:off x="7974295" y="1951179"/>
+            <a:ext cx="469742" cy="1430"/>
+          </a:xfrm>
+          <a:prstGeom prst="line">
+            <a:avLst/>
+          </a:prstGeom>
+          <a:ln w="22225">
+            <a:solidFill>
+              <a:srgbClr val="6ED3F4"/>
+            </a:solidFill>
+          </a:ln>
+        </p:spPr>
+        <p:style>
+          <a:lnRef idx="3">
+            <a:schemeClr val="accent1"/>
+          </a:lnRef>
+          <a:fillRef idx="0">
+            <a:schemeClr val="accent1"/>
+          </a:fillRef>
+          <a:effectRef idx="2">
+            <a:schemeClr val="accent1"/>
+          </a:effectRef>
+          <a:fontRef idx="minor">
+            <a:schemeClr val="tx1"/>
+          </a:fontRef>
+        </p:style>
+      </p:cxnSp>
+      <p:cxnSp>
+        <p:nvCxnSpPr>
+          <p:cNvPr id="150" name="Straight Connector 149"/>
+          <p:cNvCxnSpPr/>
+          <p:nvPr/>
+        </p:nvCxnSpPr>
+        <p:spPr>
+          <a:xfrm>
+            <a:off x="8380405" y="2142112"/>
+            <a:ext cx="76854" cy="615"/>
+          </a:xfrm>
+          <a:prstGeom prst="line">
+            <a:avLst/>
+          </a:prstGeom>
+          <a:ln w="22225">
+            <a:solidFill>
+              <a:srgbClr val="6ED3F4"/>
+            </a:solidFill>
+          </a:ln>
+        </p:spPr>
+        <p:style>
+          <a:lnRef idx="3">
+            <a:schemeClr val="accent1"/>
+          </a:lnRef>
+          <a:fillRef idx="0">
+            <a:schemeClr val="accent1"/>
+          </a:fillRef>
+          <a:effectRef idx="2">
+            <a:schemeClr val="accent1"/>
+          </a:effectRef>
+          <a:fontRef idx="minor">
+            <a:schemeClr val="tx1"/>
+          </a:fontRef>
+        </p:style>
+      </p:cxnSp>
+      <p:sp>
+        <p:nvSpPr>
+          <p:cNvPr id="170" name="TextBox 169"/>
+          <p:cNvSpPr txBox="1"/>
+          <p:nvPr/>
+        </p:nvSpPr>
+        <p:spPr>
+          <a:xfrm>
+            <a:off x="5086073" y="248152"/>
+            <a:ext cx="245039" cy="276999"/>
+          </a:xfrm>
+          <a:prstGeom prst="rect">
+            <a:avLst/>
+          </a:prstGeom>
+          <a:noFill/>
+        </p:spPr>
+        <p:txBody>
+          <a:bodyPr wrap="square" rtlCol="0">
+            <a:spAutoFit/>
+          </a:bodyPr>
+          <a:lstStyle/>
+          <a:p>
+            <a:r>
+              <a:rPr lang="en-US" sz="1200" dirty="0" smtClean="0">
+                <a:solidFill>
+                  <a:srgbClr val="CC3300"/>
+                </a:solidFill>
+              </a:rPr>
+              <a:t>0</a:t>
+            </a:r>
+            <a:endParaRPr lang="en-US" sz="1200" dirty="0">
+              <a:solidFill>
+                <a:srgbClr val="CC3300"/>
+              </a:solidFill>
+            </a:endParaRPr>
+          </a:p>
+        </p:txBody>
+      </p:sp>
+      <p:sp>
+        <p:nvSpPr>
+          <p:cNvPr id="173" name="TextBox 172"/>
+          <p:cNvSpPr txBox="1"/>
+          <p:nvPr/>
+        </p:nvSpPr>
+        <p:spPr>
+          <a:xfrm>
+            <a:off x="5087191" y="438998"/>
+            <a:ext cx="245039" cy="276999"/>
+          </a:xfrm>
+          <a:prstGeom prst="rect">
+            <a:avLst/>
+          </a:prstGeom>
+          <a:noFill/>
+        </p:spPr>
+        <p:txBody>
+          <a:bodyPr wrap="square" rtlCol="0">
+            <a:spAutoFit/>
+          </a:bodyPr>
+          <a:lstStyle/>
+          <a:p>
+            <a:r>
+              <a:rPr lang="en-US" sz="1200" dirty="0" smtClean="0">
+                <a:solidFill>
+                  <a:srgbClr val="CC3300"/>
+                </a:solidFill>
+              </a:rPr>
+              <a:t>1</a:t>
+            </a:r>
+            <a:endParaRPr lang="en-US" sz="1200" dirty="0">
               <a:solidFill>
                 <a:srgbClr val="CC3300"/>
               </a:solidFill>

--- a/Architecture.pptx
+++ b/Architecture.pptx
@@ -4,8 +4,11 @@
   <p:sldMasterIdLst>
     <p:sldMasterId id="2147483648" r:id="rId1"/>
   </p:sldMasterIdLst>
+  <p:notesMasterIdLst>
+    <p:notesMasterId r:id="rId3"/>
+  </p:notesMasterIdLst>
   <p:sldIdLst>
-    <p:sldId id="256" r:id="rId2"/>
+    <p:sldId id="257" r:id="rId2"/>
   </p:sldIdLst>
   <p:sldSz cx="12192000" cy="6858000"/>
   <p:notesSz cx="6858000" cy="9144000"/>
@@ -112,6 +115,440 @@
 </p:presentation>
 </file>
 
+<file path=ppt/notesMasters/notesMaster1.xml><?xml version="1.0" encoding="utf-8"?>
+<p:notesMaster xmlns:a="http://schemas.openxmlformats.org/drawingml/2006/main" xmlns:r="http://schemas.openxmlformats.org/officeDocument/2006/relationships" xmlns:p="http://schemas.openxmlformats.org/presentationml/2006/main">
+  <p:cSld>
+    <p:bg>
+      <p:bgRef idx="1001">
+        <a:schemeClr val="bg1"/>
+      </p:bgRef>
+    </p:bg>
+    <p:spTree>
+      <p:nvGrpSpPr>
+        <p:cNvPr id="1" name=""/>
+        <p:cNvGrpSpPr/>
+        <p:nvPr/>
+      </p:nvGrpSpPr>
+      <p:grpSpPr>
+        <a:xfrm>
+          <a:off x="0" y="0"/>
+          <a:ext cx="0" cy="0"/>
+          <a:chOff x="0" y="0"/>
+          <a:chExt cx="0" cy="0"/>
+        </a:xfrm>
+      </p:grpSpPr>
+      <p:sp>
+        <p:nvSpPr>
+          <p:cNvPr id="2" name="Header Placeholder 1"/>
+          <p:cNvSpPr>
+            <a:spLocks noGrp="1"/>
+          </p:cNvSpPr>
+          <p:nvPr>
+            <p:ph type="hdr" sz="quarter"/>
+          </p:nvPr>
+        </p:nvSpPr>
+        <p:spPr>
+          <a:xfrm>
+            <a:off x="0" y="0"/>
+            <a:ext cx="2971800" cy="458788"/>
+          </a:xfrm>
+          <a:prstGeom prst="rect">
+            <a:avLst/>
+          </a:prstGeom>
+        </p:spPr>
+        <p:txBody>
+          <a:bodyPr vert="horz" lIns="91440" tIns="45720" rIns="91440" bIns="45720" rtlCol="0"/>
+          <a:lstStyle>
+            <a:lvl1pPr algn="l">
+              <a:defRPr sz="1200"/>
+            </a:lvl1pPr>
+          </a:lstStyle>
+          <a:p>
+            <a:endParaRPr lang="en-US"/>
+          </a:p>
+        </p:txBody>
+      </p:sp>
+      <p:sp>
+        <p:nvSpPr>
+          <p:cNvPr id="3" name="Date Placeholder 2"/>
+          <p:cNvSpPr>
+            <a:spLocks noGrp="1"/>
+          </p:cNvSpPr>
+          <p:nvPr>
+            <p:ph type="dt" idx="1"/>
+          </p:nvPr>
+        </p:nvSpPr>
+        <p:spPr>
+          <a:xfrm>
+            <a:off x="3884613" y="0"/>
+            <a:ext cx="2971800" cy="458788"/>
+          </a:xfrm>
+          <a:prstGeom prst="rect">
+            <a:avLst/>
+          </a:prstGeom>
+        </p:spPr>
+        <p:txBody>
+          <a:bodyPr vert="horz" lIns="91440" tIns="45720" rIns="91440" bIns="45720" rtlCol="0"/>
+          <a:lstStyle>
+            <a:lvl1pPr algn="r">
+              <a:defRPr sz="1200"/>
+            </a:lvl1pPr>
+          </a:lstStyle>
+          <a:p>
+            <a:fld id="{7FCD568C-22E6-4DFA-9332-2D86616A9A46}" type="datetimeFigureOut">
+              <a:rPr lang="en-US" smtClean="0"/>
+              <a:t>6/30/2020</a:t>
+            </a:fld>
+            <a:endParaRPr lang="en-US"/>
+          </a:p>
+        </p:txBody>
+      </p:sp>
+      <p:sp>
+        <p:nvSpPr>
+          <p:cNvPr id="4" name="Slide Image Placeholder 3"/>
+          <p:cNvSpPr>
+            <a:spLocks noGrp="1" noRot="1" noChangeAspect="1"/>
+          </p:cNvSpPr>
+          <p:nvPr>
+            <p:ph type="sldImg" idx="2"/>
+          </p:nvPr>
+        </p:nvSpPr>
+        <p:spPr>
+          <a:xfrm>
+            <a:off x="685800" y="1143000"/>
+            <a:ext cx="5486400" cy="3086100"/>
+          </a:xfrm>
+          <a:prstGeom prst="rect">
+            <a:avLst/>
+          </a:prstGeom>
+          <a:noFill/>
+          <a:ln w="12700">
+            <a:solidFill>
+              <a:prstClr val="black"/>
+            </a:solidFill>
+          </a:ln>
+        </p:spPr>
+        <p:txBody>
+          <a:bodyPr vert="horz" lIns="91440" tIns="45720" rIns="91440" bIns="45720" rtlCol="0" anchor="ctr"/>
+          <a:lstStyle/>
+          <a:p>
+            <a:endParaRPr lang="en-US"/>
+          </a:p>
+        </p:txBody>
+      </p:sp>
+      <p:sp>
+        <p:nvSpPr>
+          <p:cNvPr id="5" name="Notes Placeholder 4"/>
+          <p:cNvSpPr>
+            <a:spLocks noGrp="1"/>
+          </p:cNvSpPr>
+          <p:nvPr>
+            <p:ph type="body" sz="quarter" idx="3"/>
+          </p:nvPr>
+        </p:nvSpPr>
+        <p:spPr>
+          <a:xfrm>
+            <a:off x="685800" y="4400550"/>
+            <a:ext cx="5486400" cy="3600450"/>
+          </a:xfrm>
+          <a:prstGeom prst="rect">
+            <a:avLst/>
+          </a:prstGeom>
+        </p:spPr>
+        <p:txBody>
+          <a:bodyPr vert="horz" lIns="91440" tIns="45720" rIns="91440" bIns="45720" rtlCol="0"/>
+          <a:lstStyle/>
+          <a:p>
+            <a:pPr lvl="0"/>
+            <a:r>
+              <a:rPr lang="en-US" smtClean="0"/>
+              <a:t>Edit Master text styles</a:t>
+            </a:r>
+          </a:p>
+          <a:p>
+            <a:pPr lvl="1"/>
+            <a:r>
+              <a:rPr lang="en-US" smtClean="0"/>
+              <a:t>Second level</a:t>
+            </a:r>
+          </a:p>
+          <a:p>
+            <a:pPr lvl="2"/>
+            <a:r>
+              <a:rPr lang="en-US" smtClean="0"/>
+              <a:t>Third level</a:t>
+            </a:r>
+          </a:p>
+          <a:p>
+            <a:pPr lvl="3"/>
+            <a:r>
+              <a:rPr lang="en-US" smtClean="0"/>
+              <a:t>Fourth level</a:t>
+            </a:r>
+          </a:p>
+          <a:p>
+            <a:pPr lvl="4"/>
+            <a:r>
+              <a:rPr lang="en-US" smtClean="0"/>
+              <a:t>Fifth level</a:t>
+            </a:r>
+            <a:endParaRPr lang="en-US"/>
+          </a:p>
+        </p:txBody>
+      </p:sp>
+      <p:sp>
+        <p:nvSpPr>
+          <p:cNvPr id="6" name="Footer Placeholder 5"/>
+          <p:cNvSpPr>
+            <a:spLocks noGrp="1"/>
+          </p:cNvSpPr>
+          <p:nvPr>
+            <p:ph type="ftr" sz="quarter" idx="4"/>
+          </p:nvPr>
+        </p:nvSpPr>
+        <p:spPr>
+          <a:xfrm>
+            <a:off x="0" y="8685213"/>
+            <a:ext cx="2971800" cy="458787"/>
+          </a:xfrm>
+          <a:prstGeom prst="rect">
+            <a:avLst/>
+          </a:prstGeom>
+        </p:spPr>
+        <p:txBody>
+          <a:bodyPr vert="horz" lIns="91440" tIns="45720" rIns="91440" bIns="45720" rtlCol="0" anchor="b"/>
+          <a:lstStyle>
+            <a:lvl1pPr algn="l">
+              <a:defRPr sz="1200"/>
+            </a:lvl1pPr>
+          </a:lstStyle>
+          <a:p>
+            <a:endParaRPr lang="en-US"/>
+          </a:p>
+        </p:txBody>
+      </p:sp>
+      <p:sp>
+        <p:nvSpPr>
+          <p:cNvPr id="7" name="Slide Number Placeholder 6"/>
+          <p:cNvSpPr>
+            <a:spLocks noGrp="1"/>
+          </p:cNvSpPr>
+          <p:nvPr>
+            <p:ph type="sldNum" sz="quarter" idx="5"/>
+          </p:nvPr>
+        </p:nvSpPr>
+        <p:spPr>
+          <a:xfrm>
+            <a:off x="3884613" y="8685213"/>
+            <a:ext cx="2971800" cy="458787"/>
+          </a:xfrm>
+          <a:prstGeom prst="rect">
+            <a:avLst/>
+          </a:prstGeom>
+        </p:spPr>
+        <p:txBody>
+          <a:bodyPr vert="horz" lIns="91440" tIns="45720" rIns="91440" bIns="45720" rtlCol="0" anchor="b"/>
+          <a:lstStyle>
+            <a:lvl1pPr algn="r">
+              <a:defRPr sz="1200"/>
+            </a:lvl1pPr>
+          </a:lstStyle>
+          <a:p>
+            <a:fld id="{14454538-0CA5-491E-B729-497A3A0FB365}" type="slidenum">
+              <a:rPr lang="en-US" smtClean="0"/>
+              <a:t>‹#›</a:t>
+            </a:fld>
+            <a:endParaRPr lang="en-US"/>
+          </a:p>
+        </p:txBody>
+      </p:sp>
+    </p:spTree>
+    <p:extLst>
+      <p:ext uri="{BB962C8B-B14F-4D97-AF65-F5344CB8AC3E}">
+        <p14:creationId xmlns:p14="http://schemas.microsoft.com/office/powerpoint/2010/main" val="2929795373"/>
+      </p:ext>
+    </p:extLst>
+  </p:cSld>
+  <p:clrMap bg1="lt1" tx1="dk1" bg2="lt2" tx2="dk2" accent1="accent1" accent2="accent2" accent3="accent3" accent4="accent4" accent5="accent5" accent6="accent6" hlink="hlink" folHlink="folHlink"/>
+  <p:notesStyle>
+    <a:lvl1pPr marL="0" algn="l" defTabSz="914400" rtl="0" eaLnBrk="1" latinLnBrk="0" hangingPunct="1">
+      <a:defRPr sz="1200" kern="1200">
+        <a:solidFill>
+          <a:schemeClr val="tx1"/>
+        </a:solidFill>
+        <a:latin typeface="+mn-lt"/>
+        <a:ea typeface="+mn-ea"/>
+        <a:cs typeface="+mn-cs"/>
+      </a:defRPr>
+    </a:lvl1pPr>
+    <a:lvl2pPr marL="457200" algn="l" defTabSz="914400" rtl="0" eaLnBrk="1" latinLnBrk="0" hangingPunct="1">
+      <a:defRPr sz="1200" kern="1200">
+        <a:solidFill>
+          <a:schemeClr val="tx1"/>
+        </a:solidFill>
+        <a:latin typeface="+mn-lt"/>
+        <a:ea typeface="+mn-ea"/>
+        <a:cs typeface="+mn-cs"/>
+      </a:defRPr>
+    </a:lvl2pPr>
+    <a:lvl3pPr marL="914400" algn="l" defTabSz="914400" rtl="0" eaLnBrk="1" latinLnBrk="0" hangingPunct="1">
+      <a:defRPr sz="1200" kern="1200">
+        <a:solidFill>
+          <a:schemeClr val="tx1"/>
+        </a:solidFill>
+        <a:latin typeface="+mn-lt"/>
+        <a:ea typeface="+mn-ea"/>
+        <a:cs typeface="+mn-cs"/>
+      </a:defRPr>
+    </a:lvl3pPr>
+    <a:lvl4pPr marL="1371600" algn="l" defTabSz="914400" rtl="0" eaLnBrk="1" latinLnBrk="0" hangingPunct="1">
+      <a:defRPr sz="1200" kern="1200">
+        <a:solidFill>
+          <a:schemeClr val="tx1"/>
+        </a:solidFill>
+        <a:latin typeface="+mn-lt"/>
+        <a:ea typeface="+mn-ea"/>
+        <a:cs typeface="+mn-cs"/>
+      </a:defRPr>
+    </a:lvl4pPr>
+    <a:lvl5pPr marL="1828800" algn="l" defTabSz="914400" rtl="0" eaLnBrk="1" latinLnBrk="0" hangingPunct="1">
+      <a:defRPr sz="1200" kern="1200">
+        <a:solidFill>
+          <a:schemeClr val="tx1"/>
+        </a:solidFill>
+        <a:latin typeface="+mn-lt"/>
+        <a:ea typeface="+mn-ea"/>
+        <a:cs typeface="+mn-cs"/>
+      </a:defRPr>
+    </a:lvl5pPr>
+    <a:lvl6pPr marL="2286000" algn="l" defTabSz="914400" rtl="0" eaLnBrk="1" latinLnBrk="0" hangingPunct="1">
+      <a:defRPr sz="1200" kern="1200">
+        <a:solidFill>
+          <a:schemeClr val="tx1"/>
+        </a:solidFill>
+        <a:latin typeface="+mn-lt"/>
+        <a:ea typeface="+mn-ea"/>
+        <a:cs typeface="+mn-cs"/>
+      </a:defRPr>
+    </a:lvl6pPr>
+    <a:lvl7pPr marL="2743200" algn="l" defTabSz="914400" rtl="0" eaLnBrk="1" latinLnBrk="0" hangingPunct="1">
+      <a:defRPr sz="1200" kern="1200">
+        <a:solidFill>
+          <a:schemeClr val="tx1"/>
+        </a:solidFill>
+        <a:latin typeface="+mn-lt"/>
+        <a:ea typeface="+mn-ea"/>
+        <a:cs typeface="+mn-cs"/>
+      </a:defRPr>
+    </a:lvl7pPr>
+    <a:lvl8pPr marL="3200400" algn="l" defTabSz="914400" rtl="0" eaLnBrk="1" latinLnBrk="0" hangingPunct="1">
+      <a:defRPr sz="1200" kern="1200">
+        <a:solidFill>
+          <a:schemeClr val="tx1"/>
+        </a:solidFill>
+        <a:latin typeface="+mn-lt"/>
+        <a:ea typeface="+mn-ea"/>
+        <a:cs typeface="+mn-cs"/>
+      </a:defRPr>
+    </a:lvl8pPr>
+    <a:lvl9pPr marL="3657600" algn="l" defTabSz="914400" rtl="0" eaLnBrk="1" latinLnBrk="0" hangingPunct="1">
+      <a:defRPr sz="1200" kern="1200">
+        <a:solidFill>
+          <a:schemeClr val="tx1"/>
+        </a:solidFill>
+        <a:latin typeface="+mn-lt"/>
+        <a:ea typeface="+mn-ea"/>
+        <a:cs typeface="+mn-cs"/>
+      </a:defRPr>
+    </a:lvl9pPr>
+  </p:notesStyle>
+</p:notesMaster>
+</file>
+
+<file path=ppt/notesSlides/notesSlide1.xml><?xml version="1.0" encoding="utf-8"?>
+<p:notes xmlns:a="http://schemas.openxmlformats.org/drawingml/2006/main" xmlns:r="http://schemas.openxmlformats.org/officeDocument/2006/relationships" xmlns:p="http://schemas.openxmlformats.org/presentationml/2006/main">
+  <p:cSld>
+    <p:spTree>
+      <p:nvGrpSpPr>
+        <p:cNvPr id="1" name=""/>
+        <p:cNvGrpSpPr/>
+        <p:nvPr/>
+      </p:nvGrpSpPr>
+      <p:grpSpPr>
+        <a:xfrm>
+          <a:off x="0" y="0"/>
+          <a:ext cx="0" cy="0"/>
+          <a:chOff x="0" y="0"/>
+          <a:chExt cx="0" cy="0"/>
+        </a:xfrm>
+      </p:grpSpPr>
+      <p:sp>
+        <p:nvSpPr>
+          <p:cNvPr id="2" name="Slide Image Placeholder 1"/>
+          <p:cNvSpPr>
+            <a:spLocks noGrp="1" noRot="1" noChangeAspect="1"/>
+          </p:cNvSpPr>
+          <p:nvPr>
+            <p:ph type="sldImg"/>
+          </p:nvPr>
+        </p:nvSpPr>
+        <p:spPr/>
+      </p:sp>
+      <p:sp>
+        <p:nvSpPr>
+          <p:cNvPr id="3" name="Notes Placeholder 2"/>
+          <p:cNvSpPr>
+            <a:spLocks noGrp="1"/>
+          </p:cNvSpPr>
+          <p:nvPr>
+            <p:ph type="body" idx="1"/>
+          </p:nvPr>
+        </p:nvSpPr>
+        <p:spPr/>
+        <p:txBody>
+          <a:bodyPr/>
+          <a:lstStyle/>
+          <a:p>
+            <a:endParaRPr lang="en-US" dirty="0"/>
+          </a:p>
+        </p:txBody>
+      </p:sp>
+      <p:sp>
+        <p:nvSpPr>
+          <p:cNvPr id="4" name="Slide Number Placeholder 3"/>
+          <p:cNvSpPr>
+            <a:spLocks noGrp="1"/>
+          </p:cNvSpPr>
+          <p:nvPr>
+            <p:ph type="sldNum" sz="quarter" idx="10"/>
+          </p:nvPr>
+        </p:nvSpPr>
+        <p:spPr/>
+        <p:txBody>
+          <a:bodyPr/>
+          <a:lstStyle/>
+          <a:p>
+            <a:fld id="{14454538-0CA5-491E-B729-497A3A0FB365}" type="slidenum">
+              <a:rPr lang="en-US" smtClean="0"/>
+              <a:t>1</a:t>
+            </a:fld>
+            <a:endParaRPr lang="en-US"/>
+          </a:p>
+        </p:txBody>
+      </p:sp>
+    </p:spTree>
+    <p:extLst>
+      <p:ext uri="{BB962C8B-B14F-4D97-AF65-F5344CB8AC3E}">
+        <p14:creationId xmlns:p14="http://schemas.microsoft.com/office/powerpoint/2010/main" val="3253348855"/>
+      </p:ext>
+    </p:extLst>
+  </p:cSld>
+  <p:clrMapOvr>
+    <a:masterClrMapping/>
+  </p:clrMapOvr>
+</p:notes>
+</file>
+
 <file path=ppt/slideLayouts/slideLayout1.xml><?xml version="1.0" encoding="utf-8"?>
 <p:sldLayout xmlns:a="http://schemas.openxmlformats.org/drawingml/2006/main" xmlns:r="http://schemas.openxmlformats.org/officeDocument/2006/relationships" xmlns:p="http://schemas.openxmlformats.org/presentationml/2006/main" type="title" preserve="1">
   <p:cSld name="Title Slide">
@@ -243,7 +680,7 @@
           <a:p>
             <a:fld id="{49029631-3C87-45DA-85C7-F684ED824E81}" type="datetimeFigureOut">
               <a:rPr lang="en-US" smtClean="0"/>
-              <a:t>6/28/2020</a:t>
+              <a:t>6/30/2020</a:t>
             </a:fld>
             <a:endParaRPr lang="en-US"/>
           </a:p>
@@ -413,7 +850,7 @@
           <a:p>
             <a:fld id="{49029631-3C87-45DA-85C7-F684ED824E81}" type="datetimeFigureOut">
               <a:rPr lang="en-US" smtClean="0"/>
-              <a:t>6/28/2020</a:t>
+              <a:t>6/30/2020</a:t>
             </a:fld>
             <a:endParaRPr lang="en-US"/>
           </a:p>
@@ -593,7 +1030,7 @@
           <a:p>
             <a:fld id="{49029631-3C87-45DA-85C7-F684ED824E81}" type="datetimeFigureOut">
               <a:rPr lang="en-US" smtClean="0"/>
-              <a:t>6/28/2020</a:t>
+              <a:t>6/30/2020</a:t>
             </a:fld>
             <a:endParaRPr lang="en-US"/>
           </a:p>
@@ -763,7 +1200,7 @@
           <a:p>
             <a:fld id="{49029631-3C87-45DA-85C7-F684ED824E81}" type="datetimeFigureOut">
               <a:rPr lang="en-US" smtClean="0"/>
-              <a:t>6/28/2020</a:t>
+              <a:t>6/30/2020</a:t>
             </a:fld>
             <a:endParaRPr lang="en-US"/>
           </a:p>
@@ -1009,7 +1446,7 @@
           <a:p>
             <a:fld id="{49029631-3C87-45DA-85C7-F684ED824E81}" type="datetimeFigureOut">
               <a:rPr lang="en-US" smtClean="0"/>
-              <a:t>6/28/2020</a:t>
+              <a:t>6/30/2020</a:t>
             </a:fld>
             <a:endParaRPr lang="en-US"/>
           </a:p>
@@ -1241,7 +1678,7 @@
           <a:p>
             <a:fld id="{49029631-3C87-45DA-85C7-F684ED824E81}" type="datetimeFigureOut">
               <a:rPr lang="en-US" smtClean="0"/>
-              <a:t>6/28/2020</a:t>
+              <a:t>6/30/2020</a:t>
             </a:fld>
             <a:endParaRPr lang="en-US"/>
           </a:p>
@@ -1608,7 +2045,7 @@
           <a:p>
             <a:fld id="{49029631-3C87-45DA-85C7-F684ED824E81}" type="datetimeFigureOut">
               <a:rPr lang="en-US" smtClean="0"/>
-              <a:t>6/28/2020</a:t>
+              <a:t>6/30/2020</a:t>
             </a:fld>
             <a:endParaRPr lang="en-US"/>
           </a:p>
@@ -1726,7 +2163,7 @@
           <a:p>
             <a:fld id="{49029631-3C87-45DA-85C7-F684ED824E81}" type="datetimeFigureOut">
               <a:rPr lang="en-US" smtClean="0"/>
-              <a:t>6/28/2020</a:t>
+              <a:t>6/30/2020</a:t>
             </a:fld>
             <a:endParaRPr lang="en-US"/>
           </a:p>
@@ -1821,7 +2258,7 @@
           <a:p>
             <a:fld id="{49029631-3C87-45DA-85C7-F684ED824E81}" type="datetimeFigureOut">
               <a:rPr lang="en-US" smtClean="0"/>
-              <a:t>6/28/2020</a:t>
+              <a:t>6/30/2020</a:t>
             </a:fld>
             <a:endParaRPr lang="en-US"/>
           </a:p>
@@ -2098,7 +2535,7 @@
           <a:p>
             <a:fld id="{49029631-3C87-45DA-85C7-F684ED824E81}" type="datetimeFigureOut">
               <a:rPr lang="en-US" smtClean="0"/>
-              <a:t>6/28/2020</a:t>
+              <a:t>6/30/2020</a:t>
             </a:fld>
             <a:endParaRPr lang="en-US"/>
           </a:p>
@@ -2351,7 +2788,7 @@
           <a:p>
             <a:fld id="{49029631-3C87-45DA-85C7-F684ED824E81}" type="datetimeFigureOut">
               <a:rPr lang="en-US" smtClean="0"/>
-              <a:t>6/28/2020</a:t>
+              <a:t>6/30/2020</a:t>
             </a:fld>
             <a:endParaRPr lang="en-US"/>
           </a:p>
@@ -2564,7 +3001,7 @@
           <a:p>
             <a:fld id="{49029631-3C87-45DA-85C7-F684ED824E81}" type="datetimeFigureOut">
               <a:rPr lang="en-US" smtClean="0"/>
-              <a:t>6/28/2020</a:t>
+              <a:t>6/30/2020</a:t>
             </a:fld>
             <a:endParaRPr lang="en-US"/>
           </a:p>
@@ -2978,7 +3415,7 @@
           <p:nvPr/>
         </p:nvPicPr>
         <p:blipFill>
-          <a:blip r:embed="rId2">
+          <a:blip r:embed="rId3">
             <a:extLst>
               <a:ext uri="{28A0092B-C50C-407E-A947-70E740481C1C}">
                 <a14:useLocalDpi xmlns:a14="http://schemas.microsoft.com/office/drawing/2010/main" val="0"/>
@@ -3390,7 +3827,7 @@
             <p:nvPr/>
           </p:nvPicPr>
           <p:blipFill>
-            <a:blip r:embed="rId3">
+            <a:blip r:embed="rId4">
               <a:extLst>
                 <a:ext uri="{28A0092B-C50C-407E-A947-70E740481C1C}">
                   <a14:useLocalDpi xmlns:a14="http://schemas.microsoft.com/office/drawing/2010/main" val="0"/>
@@ -3650,7 +4087,7 @@
           <p:nvPr/>
         </p:nvPicPr>
         <p:blipFill>
-          <a:blip r:embed="rId4"/>
+          <a:blip r:embed="rId5"/>
           <a:stretch>
             <a:fillRect/>
           </a:stretch>
@@ -4115,7 +4552,7 @@
           <p:nvPr/>
         </p:nvPicPr>
         <p:blipFill>
-          <a:blip r:embed="rId5"/>
+          <a:blip r:embed="rId6"/>
           <a:stretch>
             <a:fillRect/>
           </a:stretch>
@@ -4305,7 +4742,7 @@
             <p:nvPr/>
           </p:nvPicPr>
           <p:blipFill>
-            <a:blip r:embed="rId3">
+            <a:blip r:embed="rId4">
               <a:extLst>
                 <a:ext uri="{28A0092B-C50C-407E-A947-70E740481C1C}">
                   <a14:useLocalDpi xmlns:a14="http://schemas.microsoft.com/office/drawing/2010/main" val="0"/>
@@ -4800,7 +5237,7 @@
             <p:nvPr/>
           </p:nvPicPr>
           <p:blipFill>
-            <a:blip r:embed="rId3">
+            <a:blip r:embed="rId4">
               <a:extLst>
                 <a:ext uri="{28A0092B-C50C-407E-A947-70E740481C1C}">
                   <a14:useLocalDpi xmlns:a14="http://schemas.microsoft.com/office/drawing/2010/main" val="0"/>
@@ -6227,7 +6664,7 @@
           <p:nvPr/>
         </p:nvPicPr>
         <p:blipFill>
-          <a:blip r:embed="rId6"/>
+          <a:blip r:embed="rId7"/>
           <a:stretch>
             <a:fillRect/>
           </a:stretch>
@@ -6672,7 +7109,7 @@
     </p:spTree>
     <p:extLst>
       <p:ext uri="{BB962C8B-B14F-4D97-AF65-F5344CB8AC3E}">
-        <p14:creationId xmlns:p14="http://schemas.microsoft.com/office/powerpoint/2010/main" val="1164952478"/>
+        <p14:creationId xmlns:p14="http://schemas.microsoft.com/office/powerpoint/2010/main" val="935639813"/>
       </p:ext>
     </p:extLst>
   </p:cSld>
@@ -6941,4 +7378,265 @@
     </a:ext>
   </a:extLst>
 </a:theme>
+</file>
+
+<file path=ppt/theme/theme2.xml><?xml version="1.0" encoding="utf-8"?>
+<a:theme xmlns:a="http://schemas.openxmlformats.org/drawingml/2006/main" name="Office Theme">
+  <a:themeElements>
+    <a:clrScheme name="Office">
+      <a:dk1>
+        <a:sysClr val="windowText" lastClr="000000"/>
+      </a:dk1>
+      <a:lt1>
+        <a:sysClr val="window" lastClr="FFFFFF"/>
+      </a:lt1>
+      <a:dk2>
+        <a:srgbClr val="44546A"/>
+      </a:dk2>
+      <a:lt2>
+        <a:srgbClr val="E7E6E6"/>
+      </a:lt2>
+      <a:accent1>
+        <a:srgbClr val="5B9BD5"/>
+      </a:accent1>
+      <a:accent2>
+        <a:srgbClr val="ED7D31"/>
+      </a:accent2>
+      <a:accent3>
+        <a:srgbClr val="A5A5A5"/>
+      </a:accent3>
+      <a:accent4>
+        <a:srgbClr val="FFC000"/>
+      </a:accent4>
+      <a:accent5>
+        <a:srgbClr val="4472C4"/>
+      </a:accent5>
+      <a:accent6>
+        <a:srgbClr val="70AD47"/>
+      </a:accent6>
+      <a:hlink>
+        <a:srgbClr val="0563C1"/>
+      </a:hlink>
+      <a:folHlink>
+        <a:srgbClr val="954F72"/>
+      </a:folHlink>
+    </a:clrScheme>
+    <a:fontScheme name="Office">
+      <a:majorFont>
+        <a:latin typeface="Calibri Light" panose="020F0302020204030204"/>
+        <a:ea typeface=""/>
+        <a:cs typeface=""/>
+        <a:font script="Jpan" typeface="游ゴシック Light"/>
+        <a:font script="Hang" typeface="맑은 고딕"/>
+        <a:font script="Hans" typeface="等线 Light"/>
+        <a:font script="Hant" typeface="新細明體"/>
+        <a:font script="Arab" typeface="Times New Roman"/>
+        <a:font script="Hebr" typeface="Times New Roman"/>
+        <a:font script="Thai" typeface="Angsana New"/>
+        <a:font script="Ethi" typeface="Nyala"/>
+        <a:font script="Beng" typeface="Vrinda"/>
+        <a:font script="Gujr" typeface="Shruti"/>
+        <a:font script="Khmr" typeface="MoolBoran"/>
+        <a:font script="Knda" typeface="Tunga"/>
+        <a:font script="Guru" typeface="Raavi"/>
+        <a:font script="Cans" typeface="Euphemia"/>
+        <a:font script="Cher" typeface="Plantagenet Cherokee"/>
+        <a:font script="Yiii" typeface="Microsoft Yi Baiti"/>
+        <a:font script="Tibt" typeface="Microsoft Himalaya"/>
+        <a:font script="Thaa" typeface="MV Boli"/>
+        <a:font script="Deva" typeface="Mangal"/>
+        <a:font script="Telu" typeface="Gautami"/>
+        <a:font script="Taml" typeface="Latha"/>
+        <a:font script="Syrc" typeface="Estrangelo Edessa"/>
+        <a:font script="Orya" typeface="Kalinga"/>
+        <a:font script="Mlym" typeface="Kartika"/>
+        <a:font script="Laoo" typeface="DokChampa"/>
+        <a:font script="Sinh" typeface="Iskoola Pota"/>
+        <a:font script="Mong" typeface="Mongolian Baiti"/>
+        <a:font script="Viet" typeface="Times New Roman"/>
+        <a:font script="Uigh" typeface="Microsoft Uighur"/>
+        <a:font script="Geor" typeface="Sylfaen"/>
+      </a:majorFont>
+      <a:minorFont>
+        <a:latin typeface="Calibri" panose="020F0502020204030204"/>
+        <a:ea typeface=""/>
+        <a:cs typeface=""/>
+        <a:font script="Jpan" typeface="游ゴシック"/>
+        <a:font script="Hang" typeface="맑은 고딕"/>
+        <a:font script="Hans" typeface="等线"/>
+        <a:font script="Hant" typeface="新細明體"/>
+        <a:font script="Arab" typeface="Arial"/>
+        <a:font script="Hebr" typeface="Arial"/>
+        <a:font script="Thai" typeface="Cordia New"/>
+        <a:font script="Ethi" typeface="Nyala"/>
+        <a:font script="Beng" typeface="Vrinda"/>
+        <a:font script="Gujr" typeface="Shruti"/>
+        <a:font script="Khmr" typeface="DaunPenh"/>
+        <a:font script="Knda" typeface="Tunga"/>
+        <a:font script="Guru" typeface="Raavi"/>
+        <a:font script="Cans" typeface="Euphemia"/>
+        <a:font script="Cher" typeface="Plantagenet Cherokee"/>
+        <a:font script="Yiii" typeface="Microsoft Yi Baiti"/>
+        <a:font script="Tibt" typeface="Microsoft Himalaya"/>
+        <a:font script="Thaa" typeface="MV Boli"/>
+        <a:font script="Deva" typeface="Mangal"/>
+        <a:font script="Telu" typeface="Gautami"/>
+        <a:font script="Taml" typeface="Latha"/>
+        <a:font script="Syrc" typeface="Estrangelo Edessa"/>
+        <a:font script="Orya" typeface="Kalinga"/>
+        <a:font script="Mlym" typeface="Kartika"/>
+        <a:font script="Laoo" typeface="DokChampa"/>
+        <a:font script="Sinh" typeface="Iskoola Pota"/>
+        <a:font script="Mong" typeface="Mongolian Baiti"/>
+        <a:font script="Viet" typeface="Arial"/>
+        <a:font script="Uigh" typeface="Microsoft Uighur"/>
+        <a:font script="Geor" typeface="Sylfaen"/>
+      </a:minorFont>
+    </a:fontScheme>
+    <a:fmtScheme name="Office">
+      <a:fillStyleLst>
+        <a:solidFill>
+          <a:schemeClr val="phClr"/>
+        </a:solidFill>
+        <a:gradFill rotWithShape="1">
+          <a:gsLst>
+            <a:gs pos="0">
+              <a:schemeClr val="phClr">
+                <a:lumMod val="110000"/>
+                <a:satMod val="105000"/>
+                <a:tint val="67000"/>
+              </a:schemeClr>
+            </a:gs>
+            <a:gs pos="50000">
+              <a:schemeClr val="phClr">
+                <a:lumMod val="105000"/>
+                <a:satMod val="103000"/>
+                <a:tint val="73000"/>
+              </a:schemeClr>
+            </a:gs>
+            <a:gs pos="100000">
+              <a:schemeClr val="phClr">
+                <a:lumMod val="105000"/>
+                <a:satMod val="109000"/>
+                <a:tint val="81000"/>
+              </a:schemeClr>
+            </a:gs>
+          </a:gsLst>
+          <a:lin ang="5400000" scaled="0"/>
+        </a:gradFill>
+        <a:gradFill rotWithShape="1">
+          <a:gsLst>
+            <a:gs pos="0">
+              <a:schemeClr val="phClr">
+                <a:satMod val="103000"/>
+                <a:lumMod val="102000"/>
+                <a:tint val="94000"/>
+              </a:schemeClr>
+            </a:gs>
+            <a:gs pos="50000">
+              <a:schemeClr val="phClr">
+                <a:satMod val="110000"/>
+                <a:lumMod val="100000"/>
+                <a:shade val="100000"/>
+              </a:schemeClr>
+            </a:gs>
+            <a:gs pos="100000">
+              <a:schemeClr val="phClr">
+                <a:lumMod val="99000"/>
+                <a:satMod val="120000"/>
+                <a:shade val="78000"/>
+              </a:schemeClr>
+            </a:gs>
+          </a:gsLst>
+          <a:lin ang="5400000" scaled="0"/>
+        </a:gradFill>
+      </a:fillStyleLst>
+      <a:lnStyleLst>
+        <a:ln w="6350" cap="flat" cmpd="sng" algn="ctr">
+          <a:solidFill>
+            <a:schemeClr val="phClr"/>
+          </a:solidFill>
+          <a:prstDash val="solid"/>
+          <a:miter lim="800000"/>
+        </a:ln>
+        <a:ln w="12700" cap="flat" cmpd="sng" algn="ctr">
+          <a:solidFill>
+            <a:schemeClr val="phClr"/>
+          </a:solidFill>
+          <a:prstDash val="solid"/>
+          <a:miter lim="800000"/>
+        </a:ln>
+        <a:ln w="19050" cap="flat" cmpd="sng" algn="ctr">
+          <a:solidFill>
+            <a:schemeClr val="phClr"/>
+          </a:solidFill>
+          <a:prstDash val="solid"/>
+          <a:miter lim="800000"/>
+        </a:ln>
+      </a:lnStyleLst>
+      <a:effectStyleLst>
+        <a:effectStyle>
+          <a:effectLst/>
+        </a:effectStyle>
+        <a:effectStyle>
+          <a:effectLst/>
+        </a:effectStyle>
+        <a:effectStyle>
+          <a:effectLst>
+            <a:outerShdw blurRad="57150" dist="19050" dir="5400000" algn="ctr" rotWithShape="0">
+              <a:srgbClr val="000000">
+                <a:alpha val="63000"/>
+              </a:srgbClr>
+            </a:outerShdw>
+          </a:effectLst>
+        </a:effectStyle>
+      </a:effectStyleLst>
+      <a:bgFillStyleLst>
+        <a:solidFill>
+          <a:schemeClr val="phClr"/>
+        </a:solidFill>
+        <a:solidFill>
+          <a:schemeClr val="phClr">
+            <a:tint val="95000"/>
+            <a:satMod val="170000"/>
+          </a:schemeClr>
+        </a:solidFill>
+        <a:gradFill rotWithShape="1">
+          <a:gsLst>
+            <a:gs pos="0">
+              <a:schemeClr val="phClr">
+                <a:tint val="93000"/>
+                <a:satMod val="150000"/>
+                <a:shade val="98000"/>
+                <a:lumMod val="102000"/>
+              </a:schemeClr>
+            </a:gs>
+            <a:gs pos="50000">
+              <a:schemeClr val="phClr">
+                <a:tint val="98000"/>
+                <a:satMod val="130000"/>
+                <a:shade val="90000"/>
+                <a:lumMod val="103000"/>
+              </a:schemeClr>
+            </a:gs>
+            <a:gs pos="100000">
+              <a:schemeClr val="phClr">
+                <a:shade val="63000"/>
+                <a:satMod val="120000"/>
+              </a:schemeClr>
+            </a:gs>
+          </a:gsLst>
+          <a:lin ang="5400000" scaled="0"/>
+        </a:gradFill>
+      </a:bgFillStyleLst>
+    </a:fmtScheme>
+  </a:themeElements>
+  <a:objectDefaults/>
+  <a:extraClrSchemeLst/>
+  <a:extLst>
+    <a:ext uri="{05A4C25C-085E-4340-85A3-A5531E510DB2}">
+      <thm15:themeFamily xmlns:thm15="http://schemas.microsoft.com/office/thememl/2012/main" name="Office Theme" id="{62F939B6-93AF-4DB8-9C6B-D6C7DFDC589F}" vid="{4A3C46E8-61CC-4603-A589-7422A47A8E4A}"/>
+    </a:ext>
+  </a:extLst>
+</a:theme>
 </file>
--- a/Architecture.pptx
+++ b/Architecture.pptx
@@ -5,10 +5,12 @@
     <p:sldMasterId id="2147483648" r:id="rId1"/>
   </p:sldMasterIdLst>
   <p:notesMasterIdLst>
-    <p:notesMasterId r:id="rId3"/>
+    <p:notesMasterId r:id="rId5"/>
   </p:notesMasterIdLst>
   <p:sldIdLst>
     <p:sldId id="257" r:id="rId2"/>
+    <p:sldId id="258" r:id="rId3"/>
+    <p:sldId id="259" r:id="rId4"/>
   </p:sldIdLst>
   <p:sldSz cx="12192000" cy="6858000"/>
   <p:notesSz cx="6858000" cy="9144000"/>
@@ -7106,10 +7108,7892 @@
           </a:p>
         </p:txBody>
       </p:sp>
+      <p:sp>
+        <p:nvSpPr>
+          <p:cNvPr id="108" name="TextBox 107"/>
+          <p:cNvSpPr txBox="1"/>
+          <p:nvPr/>
+        </p:nvSpPr>
+        <p:spPr>
+          <a:xfrm>
+            <a:off x="6796862" y="3882376"/>
+            <a:ext cx="245039" cy="276999"/>
+          </a:xfrm>
+          <a:prstGeom prst="rect">
+            <a:avLst/>
+          </a:prstGeom>
+          <a:noFill/>
+        </p:spPr>
+        <p:txBody>
+          <a:bodyPr wrap="square" rtlCol="0">
+            <a:spAutoFit/>
+          </a:bodyPr>
+          <a:lstStyle/>
+          <a:p>
+            <a:r>
+              <a:rPr lang="en-US" sz="1200" dirty="0" smtClean="0">
+                <a:solidFill>
+                  <a:srgbClr val="CC3300"/>
+                </a:solidFill>
+              </a:rPr>
+              <a:t>0</a:t>
+            </a:r>
+            <a:endParaRPr lang="en-US" sz="1200" dirty="0">
+              <a:solidFill>
+                <a:srgbClr val="CC3300"/>
+              </a:solidFill>
+            </a:endParaRPr>
+          </a:p>
+        </p:txBody>
+      </p:sp>
+      <p:sp>
+        <p:nvSpPr>
+          <p:cNvPr id="109" name="TextBox 108"/>
+          <p:cNvSpPr txBox="1"/>
+          <p:nvPr/>
+        </p:nvSpPr>
+        <p:spPr>
+          <a:xfrm>
+            <a:off x="6949262" y="4034776"/>
+            <a:ext cx="245039" cy="276999"/>
+          </a:xfrm>
+          <a:prstGeom prst="rect">
+            <a:avLst/>
+          </a:prstGeom>
+          <a:noFill/>
+        </p:spPr>
+        <p:txBody>
+          <a:bodyPr wrap="square" rtlCol="0">
+            <a:spAutoFit/>
+          </a:bodyPr>
+          <a:lstStyle/>
+          <a:p>
+            <a:r>
+              <a:rPr lang="en-US" sz="1200" dirty="0" smtClean="0">
+                <a:solidFill>
+                  <a:srgbClr val="CC3300"/>
+                </a:solidFill>
+              </a:rPr>
+              <a:t>0</a:t>
+            </a:r>
+            <a:endParaRPr lang="en-US" sz="1200" dirty="0">
+              <a:solidFill>
+                <a:srgbClr val="CC3300"/>
+              </a:solidFill>
+            </a:endParaRPr>
+          </a:p>
+        </p:txBody>
+      </p:sp>
     </p:spTree>
     <p:extLst>
       <p:ext uri="{BB962C8B-B14F-4D97-AF65-F5344CB8AC3E}">
         <p14:creationId xmlns:p14="http://schemas.microsoft.com/office/powerpoint/2010/main" val="935639813"/>
+      </p:ext>
+    </p:extLst>
+  </p:cSld>
+  <p:clrMapOvr>
+    <a:masterClrMapping/>
+  </p:clrMapOvr>
+</p:sld>
+</file>
+
+<file path=ppt/slides/slide2.xml><?xml version="1.0" encoding="utf-8"?>
+<p:sld xmlns:a="http://schemas.openxmlformats.org/drawingml/2006/main" xmlns:r="http://schemas.openxmlformats.org/officeDocument/2006/relationships" xmlns:p="http://schemas.openxmlformats.org/presentationml/2006/main">
+  <p:cSld>
+    <p:spTree>
+      <p:nvGrpSpPr>
+        <p:cNvPr id="1" name=""/>
+        <p:cNvGrpSpPr/>
+        <p:nvPr/>
+      </p:nvGrpSpPr>
+      <p:grpSpPr>
+        <a:xfrm>
+          <a:off x="0" y="0"/>
+          <a:ext cx="0" cy="0"/>
+          <a:chOff x="0" y="0"/>
+          <a:chExt cx="0" cy="0"/>
+        </a:xfrm>
+      </p:grpSpPr>
+      <p:pic>
+        <p:nvPicPr>
+          <p:cNvPr id="5" name="Picture 4"/>
+          <p:cNvPicPr>
+            <a:picLocks noChangeAspect="1"/>
+          </p:cNvPicPr>
+          <p:nvPr/>
+        </p:nvPicPr>
+        <p:blipFill>
+          <a:blip r:embed="rId2">
+            <a:extLst>
+              <a:ext uri="{28A0092B-C50C-407E-A947-70E740481C1C}">
+                <a14:useLocalDpi xmlns:a14="http://schemas.microsoft.com/office/drawing/2010/main" val="0"/>
+              </a:ext>
+            </a:extLst>
+          </a:blip>
+          <a:stretch>
+            <a:fillRect/>
+          </a:stretch>
+        </p:blipFill>
+        <p:spPr>
+          <a:xfrm>
+            <a:off x="2036231" y="209473"/>
+            <a:ext cx="8040641" cy="6351431"/>
+          </a:xfrm>
+          <a:prstGeom prst="rect">
+            <a:avLst/>
+          </a:prstGeom>
+        </p:spPr>
+      </p:pic>
+      <p:grpSp>
+        <p:nvGrpSpPr>
+          <p:cNvPr id="18" name="Group 17"/>
+          <p:cNvGrpSpPr/>
+          <p:nvPr/>
+        </p:nvGrpSpPr>
+        <p:grpSpPr>
+          <a:xfrm>
+            <a:off x="8340945" y="304800"/>
+            <a:ext cx="759772" cy="1845733"/>
+            <a:chOff x="8340945" y="304800"/>
+            <a:chExt cx="759772" cy="1845733"/>
+          </a:xfrm>
+        </p:grpSpPr>
+        <p:sp>
+          <p:nvSpPr>
+            <p:cNvPr id="10" name="Rectangle 9"/>
+            <p:cNvSpPr/>
+            <p:nvPr/>
+          </p:nvSpPr>
+          <p:spPr>
+            <a:xfrm>
+              <a:off x="8528062" y="304800"/>
+              <a:ext cx="572655" cy="1845733"/>
+            </a:xfrm>
+            <a:prstGeom prst="rect">
+              <a:avLst/>
+            </a:prstGeom>
+            <a:solidFill>
+              <a:schemeClr val="bg1"/>
+            </a:solidFill>
+            <a:ln>
+              <a:noFill/>
+            </a:ln>
+          </p:spPr>
+          <p:style>
+            <a:lnRef idx="2">
+              <a:schemeClr val="accent1">
+                <a:shade val="50000"/>
+              </a:schemeClr>
+            </a:lnRef>
+            <a:fillRef idx="1">
+              <a:schemeClr val="accent1"/>
+            </a:fillRef>
+            <a:effectRef idx="0">
+              <a:schemeClr val="accent1"/>
+            </a:effectRef>
+            <a:fontRef idx="minor">
+              <a:schemeClr val="lt1"/>
+            </a:fontRef>
+          </p:style>
+          <p:txBody>
+            <a:bodyPr rtlCol="0" anchor="ctr"/>
+            <a:lstStyle/>
+            <a:p>
+              <a:pPr algn="ctr"/>
+              <a:endParaRPr lang="en-US"/>
+            </a:p>
+          </p:txBody>
+        </p:sp>
+        <p:sp>
+          <p:nvSpPr>
+            <p:cNvPr id="16" name="Rectangle 15"/>
+            <p:cNvSpPr/>
+            <p:nvPr/>
+          </p:nvSpPr>
+          <p:spPr>
+            <a:xfrm>
+              <a:off x="8340945" y="734177"/>
+              <a:ext cx="430519" cy="933756"/>
+            </a:xfrm>
+            <a:prstGeom prst="rect">
+              <a:avLst/>
+            </a:prstGeom>
+            <a:solidFill>
+              <a:schemeClr val="bg1"/>
+            </a:solidFill>
+            <a:ln>
+              <a:noFill/>
+            </a:ln>
+          </p:spPr>
+          <p:style>
+            <a:lnRef idx="2">
+              <a:schemeClr val="accent1">
+                <a:shade val="50000"/>
+              </a:schemeClr>
+            </a:lnRef>
+            <a:fillRef idx="1">
+              <a:schemeClr val="accent1"/>
+            </a:fillRef>
+            <a:effectRef idx="0">
+              <a:schemeClr val="accent1"/>
+            </a:effectRef>
+            <a:fontRef idx="minor">
+              <a:schemeClr val="lt1"/>
+            </a:fontRef>
+          </p:style>
+          <p:txBody>
+            <a:bodyPr rtlCol="0" anchor="ctr"/>
+            <a:lstStyle/>
+            <a:p>
+              <a:pPr algn="ctr"/>
+              <a:endParaRPr lang="en-US"/>
+            </a:p>
+          </p:txBody>
+        </p:sp>
+      </p:grpSp>
+      <p:sp>
+        <p:nvSpPr>
+          <p:cNvPr id="6" name="TextBox 5"/>
+          <p:cNvSpPr txBox="1"/>
+          <p:nvPr/>
+        </p:nvSpPr>
+        <p:spPr>
+          <a:xfrm>
+            <a:off x="3401900" y="156140"/>
+            <a:ext cx="849745" cy="276999"/>
+          </a:xfrm>
+          <a:prstGeom prst="rect">
+            <a:avLst/>
+          </a:prstGeom>
+          <a:noFill/>
+        </p:spPr>
+        <p:txBody>
+          <a:bodyPr wrap="square" rtlCol="0">
+            <a:spAutoFit/>
+          </a:bodyPr>
+          <a:lstStyle/>
+          <a:p>
+            <a:r>
+              <a:rPr lang="en-US" sz="1200" dirty="0" smtClean="0">
+                <a:solidFill>
+                  <a:srgbClr val="CC3300"/>
+                </a:solidFill>
+              </a:rPr>
+              <a:t>PC_nxt</a:t>
+            </a:r>
+            <a:endParaRPr lang="en-US" sz="1200" dirty="0">
+              <a:solidFill>
+                <a:srgbClr val="CC3300"/>
+              </a:solidFill>
+            </a:endParaRPr>
+          </a:p>
+        </p:txBody>
+      </p:sp>
+      <p:sp>
+        <p:nvSpPr>
+          <p:cNvPr id="7" name="TextBox 6"/>
+          <p:cNvSpPr txBox="1"/>
+          <p:nvPr/>
+        </p:nvSpPr>
+        <p:spPr>
+          <a:xfrm>
+            <a:off x="8608239" y="1280366"/>
+            <a:ext cx="1296313" cy="461665"/>
+          </a:xfrm>
+          <a:prstGeom prst="rect">
+            <a:avLst/>
+          </a:prstGeom>
+          <a:noFill/>
+        </p:spPr>
+        <p:txBody>
+          <a:bodyPr wrap="square" rtlCol="0">
+            <a:spAutoFit/>
+          </a:bodyPr>
+          <a:lstStyle/>
+          <a:p>
+            <a:r>
+              <a:rPr lang="en-US" sz="1200" dirty="0" smtClean="0">
+                <a:solidFill>
+                  <a:srgbClr val="CC3300"/>
+                </a:solidFill>
+              </a:rPr>
+              <a:t>PC+(ImmOut &lt;&lt;1)</a:t>
+            </a:r>
+          </a:p>
+          <a:p>
+            <a:r>
+              <a:rPr lang="en-US" sz="1200" dirty="0" smtClean="0">
+                <a:solidFill>
+                  <a:srgbClr val="CC3300"/>
+                </a:solidFill>
+              </a:rPr>
+              <a:t>[JAL, BEQ, … ]</a:t>
+            </a:r>
+            <a:endParaRPr lang="en-US" sz="1200" dirty="0">
+              <a:solidFill>
+                <a:srgbClr val="CC3300"/>
+              </a:solidFill>
+            </a:endParaRPr>
+          </a:p>
+        </p:txBody>
+      </p:sp>
+      <p:sp>
+        <p:nvSpPr>
+          <p:cNvPr id="9" name="TextBox 8"/>
+          <p:cNvSpPr txBox="1"/>
+          <p:nvPr/>
+        </p:nvSpPr>
+        <p:spPr>
+          <a:xfrm>
+            <a:off x="8622047" y="647155"/>
+            <a:ext cx="1886683" cy="461665"/>
+          </a:xfrm>
+          <a:prstGeom prst="rect">
+            <a:avLst/>
+          </a:prstGeom>
+          <a:noFill/>
+        </p:spPr>
+        <p:txBody>
+          <a:bodyPr wrap="square" rtlCol="0">
+            <a:spAutoFit/>
+          </a:bodyPr>
+          <a:lstStyle/>
+          <a:p>
+            <a:r>
+              <a:rPr lang="en-US" sz="1200" dirty="0" smtClean="0">
+                <a:solidFill>
+                  <a:srgbClr val="CC3300"/>
+                </a:solidFill>
+              </a:rPr>
+              <a:t>PC+4</a:t>
+            </a:r>
+          </a:p>
+          <a:p>
+            <a:r>
+              <a:rPr lang="en-US" sz="1200" dirty="0" smtClean="0">
+                <a:solidFill>
+                  <a:srgbClr val="CC3300"/>
+                </a:solidFill>
+              </a:rPr>
+              <a:t>[Arithmetic, …]</a:t>
+            </a:r>
+            <a:endParaRPr lang="en-US" sz="1200" dirty="0">
+              <a:solidFill>
+                <a:srgbClr val="CC3300"/>
+              </a:solidFill>
+            </a:endParaRPr>
+          </a:p>
+        </p:txBody>
+      </p:sp>
+      <p:cxnSp>
+        <p:nvCxnSpPr>
+          <p:cNvPr id="20" name="Straight Connector 19"/>
+          <p:cNvCxnSpPr/>
+          <p:nvPr/>
+        </p:nvCxnSpPr>
+        <p:spPr>
+          <a:xfrm flipH="1" flipV="1">
+            <a:off x="8613775" y="282913"/>
+            <a:ext cx="2270024" cy="10988"/>
+          </a:xfrm>
+          <a:prstGeom prst="line">
+            <a:avLst/>
+          </a:prstGeom>
+          <a:ln w="28575">
+            <a:solidFill>
+              <a:srgbClr val="7F8084"/>
+            </a:solidFill>
+          </a:ln>
+        </p:spPr>
+        <p:style>
+          <a:lnRef idx="3">
+            <a:schemeClr val="accent1"/>
+          </a:lnRef>
+          <a:fillRef idx="0">
+            <a:schemeClr val="accent1"/>
+          </a:fillRef>
+          <a:effectRef idx="2">
+            <a:schemeClr val="accent1"/>
+          </a:effectRef>
+          <a:fontRef idx="minor">
+            <a:schemeClr val="tx1"/>
+          </a:fontRef>
+        </p:style>
+      </p:cxnSp>
+      <p:sp>
+        <p:nvSpPr>
+          <p:cNvPr id="48" name="Rectangle 47"/>
+          <p:cNvSpPr/>
+          <p:nvPr/>
+        </p:nvSpPr>
+        <p:spPr>
+          <a:xfrm>
+            <a:off x="10249345" y="988822"/>
+            <a:ext cx="600003" cy="1336155"/>
+          </a:xfrm>
+          <a:prstGeom prst="rect">
+            <a:avLst/>
+          </a:prstGeom>
+          <a:solidFill>
+            <a:schemeClr val="bg1"/>
+          </a:solidFill>
+          <a:ln>
+            <a:noFill/>
+          </a:ln>
+        </p:spPr>
+        <p:style>
+          <a:lnRef idx="2">
+            <a:schemeClr val="accent1">
+              <a:shade val="50000"/>
+            </a:schemeClr>
+          </a:lnRef>
+          <a:fillRef idx="1">
+            <a:schemeClr val="accent1"/>
+          </a:fillRef>
+          <a:effectRef idx="0">
+            <a:schemeClr val="accent1"/>
+          </a:effectRef>
+          <a:fontRef idx="minor">
+            <a:schemeClr val="lt1"/>
+          </a:fontRef>
+        </p:style>
+        <p:txBody>
+          <a:bodyPr rtlCol="0" anchor="ctr"/>
+          <a:lstStyle/>
+          <a:p>
+            <a:pPr algn="ctr"/>
+            <a:endParaRPr lang="en-US"/>
+          </a:p>
+        </p:txBody>
+      </p:sp>
+      <p:sp>
+        <p:nvSpPr>
+          <p:cNvPr id="49" name="Rectangle 48"/>
+          <p:cNvSpPr/>
+          <p:nvPr/>
+        </p:nvSpPr>
+        <p:spPr>
+          <a:xfrm>
+            <a:off x="9402099" y="2556934"/>
+            <a:ext cx="600003" cy="2707846"/>
+          </a:xfrm>
+          <a:prstGeom prst="rect">
+            <a:avLst/>
+          </a:prstGeom>
+          <a:solidFill>
+            <a:schemeClr val="bg1"/>
+          </a:solidFill>
+          <a:ln>
+            <a:noFill/>
+          </a:ln>
+        </p:spPr>
+        <p:style>
+          <a:lnRef idx="2">
+            <a:schemeClr val="accent1">
+              <a:shade val="50000"/>
+            </a:schemeClr>
+          </a:lnRef>
+          <a:fillRef idx="1">
+            <a:schemeClr val="accent1"/>
+          </a:fillRef>
+          <a:effectRef idx="0">
+            <a:schemeClr val="accent1"/>
+          </a:effectRef>
+          <a:fontRef idx="minor">
+            <a:schemeClr val="lt1"/>
+          </a:fontRef>
+        </p:style>
+        <p:txBody>
+          <a:bodyPr rtlCol="0" anchor="ctr"/>
+          <a:lstStyle/>
+          <a:p>
+            <a:pPr algn="ctr"/>
+            <a:endParaRPr lang="en-US"/>
+          </a:p>
+        </p:txBody>
+      </p:sp>
+      <p:grpSp>
+        <p:nvGrpSpPr>
+          <p:cNvPr id="47" name="Group 46"/>
+          <p:cNvGrpSpPr/>
+          <p:nvPr/>
+        </p:nvGrpSpPr>
+        <p:grpSpPr>
+          <a:xfrm>
+            <a:off x="9315603" y="3588525"/>
+            <a:ext cx="916808" cy="1438537"/>
+            <a:chOff x="10993273" y="1946651"/>
+            <a:chExt cx="686607" cy="1438537"/>
+          </a:xfrm>
+        </p:grpSpPr>
+        <p:pic>
+          <p:nvPicPr>
+            <p:cNvPr id="15" name="Picture 14"/>
+            <p:cNvPicPr>
+              <a:picLocks noChangeAspect="1"/>
+            </p:cNvPicPr>
+            <p:nvPr/>
+          </p:nvPicPr>
+          <p:blipFill>
+            <a:blip r:embed="rId3">
+              <a:extLst>
+                <a:ext uri="{28A0092B-C50C-407E-A947-70E740481C1C}">
+                  <a14:useLocalDpi xmlns:a14="http://schemas.microsoft.com/office/drawing/2010/main" val="0"/>
+                </a:ext>
+              </a:extLst>
+            </a:blip>
+            <a:stretch>
+              <a:fillRect/>
+            </a:stretch>
+          </p:blipFill>
+          <p:spPr>
+            <a:xfrm>
+              <a:off x="10993273" y="1946651"/>
+              <a:ext cx="686607" cy="1438537"/>
+            </a:xfrm>
+            <a:prstGeom prst="rect">
+              <a:avLst/>
+            </a:prstGeom>
+          </p:spPr>
+        </p:pic>
+        <p:sp>
+          <p:nvSpPr>
+            <p:cNvPr id="39" name="Rectangle 38"/>
+            <p:cNvSpPr/>
+            <p:nvPr/>
+          </p:nvSpPr>
+          <p:spPr>
+            <a:xfrm>
+              <a:off x="11179641" y="2300778"/>
+              <a:ext cx="326559" cy="685803"/>
+            </a:xfrm>
+            <a:prstGeom prst="rect">
+              <a:avLst/>
+            </a:prstGeom>
+            <a:solidFill>
+              <a:schemeClr val="bg1"/>
+            </a:solidFill>
+            <a:ln>
+              <a:noFill/>
+            </a:ln>
+          </p:spPr>
+          <p:style>
+            <a:lnRef idx="2">
+              <a:schemeClr val="accent1">
+                <a:shade val="50000"/>
+              </a:schemeClr>
+            </a:lnRef>
+            <a:fillRef idx="1">
+              <a:schemeClr val="accent1"/>
+            </a:fillRef>
+            <a:effectRef idx="0">
+              <a:schemeClr val="accent1"/>
+            </a:effectRef>
+            <a:fontRef idx="minor">
+              <a:schemeClr val="lt1"/>
+            </a:fontRef>
+          </p:style>
+          <p:txBody>
+            <a:bodyPr rtlCol="0" anchor="ctr"/>
+            <a:lstStyle/>
+            <a:p>
+              <a:pPr algn="ctr"/>
+              <a:endParaRPr lang="en-US"/>
+            </a:p>
+          </p:txBody>
+        </p:sp>
+      </p:grpSp>
+      <p:cxnSp>
+        <p:nvCxnSpPr>
+          <p:cNvPr id="42" name="Straight Connector 41"/>
+          <p:cNvCxnSpPr/>
+          <p:nvPr/>
+        </p:nvCxnSpPr>
+        <p:spPr>
+          <a:xfrm flipV="1">
+            <a:off x="9726642" y="2555393"/>
+            <a:ext cx="0" cy="1067000"/>
+          </a:xfrm>
+          <a:prstGeom prst="line">
+            <a:avLst/>
+          </a:prstGeom>
+          <a:ln w="28575">
+            <a:solidFill>
+              <a:srgbClr val="CC3300"/>
+            </a:solidFill>
+            <a:headEnd type="stealth" w="lg" len="lg"/>
+          </a:ln>
+        </p:spPr>
+        <p:style>
+          <a:lnRef idx="3">
+            <a:schemeClr val="accent1"/>
+          </a:lnRef>
+          <a:fillRef idx="0">
+            <a:schemeClr val="accent1"/>
+          </a:fillRef>
+          <a:effectRef idx="2">
+            <a:schemeClr val="accent1"/>
+          </a:effectRef>
+          <a:fontRef idx="minor">
+            <a:schemeClr val="tx1"/>
+          </a:fontRef>
+        </p:style>
+      </p:cxnSp>
+      <p:cxnSp>
+        <p:nvCxnSpPr>
+          <p:cNvPr id="53" name="Straight Connector 52"/>
+          <p:cNvCxnSpPr/>
+          <p:nvPr/>
+        </p:nvCxnSpPr>
+        <p:spPr>
+          <a:xfrm flipH="1">
+            <a:off x="9392719" y="2567305"/>
+            <a:ext cx="334783" cy="1"/>
+          </a:xfrm>
+          <a:prstGeom prst="line">
+            <a:avLst/>
+          </a:prstGeom>
+          <a:ln w="19050">
+            <a:solidFill>
+              <a:srgbClr val="42C4F1"/>
+            </a:solidFill>
+          </a:ln>
+        </p:spPr>
+        <p:style>
+          <a:lnRef idx="3">
+            <a:schemeClr val="accent1"/>
+          </a:lnRef>
+          <a:fillRef idx="0">
+            <a:schemeClr val="accent1"/>
+          </a:fillRef>
+          <a:effectRef idx="2">
+            <a:schemeClr val="accent1"/>
+          </a:effectRef>
+          <a:fontRef idx="minor">
+            <a:schemeClr val="tx1"/>
+          </a:fontRef>
+        </p:style>
+      </p:cxnSp>
+      <p:cxnSp>
+        <p:nvCxnSpPr>
+          <p:cNvPr id="63" name="Straight Connector 62"/>
+          <p:cNvCxnSpPr/>
+          <p:nvPr/>
+        </p:nvCxnSpPr>
+        <p:spPr>
+          <a:xfrm flipV="1">
+            <a:off x="10156633" y="3931182"/>
+            <a:ext cx="350575" cy="1252"/>
+          </a:xfrm>
+          <a:prstGeom prst="line">
+            <a:avLst/>
+          </a:prstGeom>
+          <a:ln w="28575">
+            <a:solidFill>
+              <a:srgbClr val="CC3300"/>
+            </a:solidFill>
+            <a:headEnd type="stealth" w="lg" len="lg"/>
+          </a:ln>
+        </p:spPr>
+        <p:style>
+          <a:lnRef idx="3">
+            <a:schemeClr val="accent1"/>
+          </a:lnRef>
+          <a:fillRef idx="0">
+            <a:schemeClr val="accent1"/>
+          </a:fillRef>
+          <a:effectRef idx="2">
+            <a:schemeClr val="accent1"/>
+          </a:effectRef>
+          <a:fontRef idx="minor">
+            <a:schemeClr val="tx1"/>
+          </a:fontRef>
+        </p:style>
+      </p:cxnSp>
+      <p:sp>
+        <p:nvSpPr>
+          <p:cNvPr id="40" name="TextBox 39"/>
+          <p:cNvSpPr txBox="1"/>
+          <p:nvPr/>
+        </p:nvSpPr>
+        <p:spPr>
+          <a:xfrm>
+            <a:off x="9802532" y="3782369"/>
+            <a:ext cx="457200" cy="307777"/>
+          </a:xfrm>
+          <a:prstGeom prst="rect">
+            <a:avLst/>
+          </a:prstGeom>
+          <a:noFill/>
+        </p:spPr>
+        <p:txBody>
+          <a:bodyPr wrap="square" rtlCol="0">
+            <a:spAutoFit/>
+          </a:bodyPr>
+          <a:lstStyle/>
+          <a:p>
+            <a:r>
+              <a:rPr lang="en-US" sz="1400" dirty="0" smtClean="0">
+                <a:solidFill>
+                  <a:srgbClr val="CC3300"/>
+                </a:solidFill>
+              </a:rPr>
+              <a:t>00</a:t>
+            </a:r>
+            <a:endParaRPr lang="en-US" sz="1400" dirty="0">
+              <a:solidFill>
+                <a:srgbClr val="CC3300"/>
+              </a:solidFill>
+            </a:endParaRPr>
+          </a:p>
+        </p:txBody>
+      </p:sp>
+      <p:pic>
+        <p:nvPicPr>
+          <p:cNvPr id="38" name="Picture 37"/>
+          <p:cNvPicPr>
+            <a:picLocks noChangeAspect="1"/>
+          </p:cNvPicPr>
+          <p:nvPr/>
+        </p:nvPicPr>
+        <p:blipFill>
+          <a:blip r:embed="rId4"/>
+          <a:stretch>
+            <a:fillRect/>
+          </a:stretch>
+        </p:blipFill>
+        <p:spPr>
+          <a:xfrm>
+            <a:off x="9711822" y="4001921"/>
+            <a:ext cx="165108" cy="495325"/>
+          </a:xfrm>
+          <a:prstGeom prst="rect">
+            <a:avLst/>
+          </a:prstGeom>
+        </p:spPr>
+      </p:pic>
+      <p:cxnSp>
+        <p:nvCxnSpPr>
+          <p:cNvPr id="70" name="Straight Connector 69"/>
+          <p:cNvCxnSpPr/>
+          <p:nvPr/>
+        </p:nvCxnSpPr>
+        <p:spPr>
+          <a:xfrm>
+            <a:off x="10156629" y="4262639"/>
+            <a:ext cx="524644" cy="915"/>
+          </a:xfrm>
+          <a:prstGeom prst="line">
+            <a:avLst/>
+          </a:prstGeom>
+          <a:ln w="28575">
+            <a:solidFill>
+              <a:srgbClr val="CC3300"/>
+            </a:solidFill>
+            <a:headEnd type="stealth" w="lg" len="lg"/>
+          </a:ln>
+        </p:spPr>
+        <p:style>
+          <a:lnRef idx="3">
+            <a:schemeClr val="accent1"/>
+          </a:lnRef>
+          <a:fillRef idx="0">
+            <a:schemeClr val="accent1"/>
+          </a:fillRef>
+          <a:effectRef idx="2">
+            <a:schemeClr val="accent1"/>
+          </a:effectRef>
+          <a:fontRef idx="minor">
+            <a:schemeClr val="tx1"/>
+          </a:fontRef>
+        </p:style>
+      </p:cxnSp>
+      <p:cxnSp>
+        <p:nvCxnSpPr>
+          <p:cNvPr id="71" name="Straight Connector 70"/>
+          <p:cNvCxnSpPr/>
+          <p:nvPr/>
+        </p:nvCxnSpPr>
+        <p:spPr>
+          <a:xfrm flipH="1">
+            <a:off x="8338288" y="882131"/>
+            <a:ext cx="2139017" cy="1904"/>
+          </a:xfrm>
+          <a:prstGeom prst="line">
+            <a:avLst/>
+          </a:prstGeom>
+          <a:ln w="28575">
+            <a:solidFill>
+              <a:srgbClr val="7F8084"/>
+            </a:solidFill>
+          </a:ln>
+        </p:spPr>
+        <p:style>
+          <a:lnRef idx="3">
+            <a:schemeClr val="accent1"/>
+          </a:lnRef>
+          <a:fillRef idx="0">
+            <a:schemeClr val="accent1"/>
+          </a:fillRef>
+          <a:effectRef idx="2">
+            <a:schemeClr val="accent1"/>
+          </a:effectRef>
+          <a:fontRef idx="minor">
+            <a:schemeClr val="tx1"/>
+          </a:fontRef>
+        </p:style>
+      </p:cxnSp>
+      <p:cxnSp>
+        <p:nvCxnSpPr>
+          <p:cNvPr id="74" name="Straight Connector 73"/>
+          <p:cNvCxnSpPr/>
+          <p:nvPr/>
+        </p:nvCxnSpPr>
+        <p:spPr>
+          <a:xfrm flipH="1" flipV="1">
+            <a:off x="10489342" y="871018"/>
+            <a:ext cx="7032" cy="3060518"/>
+          </a:xfrm>
+          <a:prstGeom prst="line">
+            <a:avLst/>
+          </a:prstGeom>
+          <a:ln w="28575">
+            <a:solidFill>
+              <a:srgbClr val="CC3300"/>
+            </a:solidFill>
+          </a:ln>
+        </p:spPr>
+        <p:style>
+          <a:lnRef idx="3">
+            <a:schemeClr val="accent1"/>
+          </a:lnRef>
+          <a:fillRef idx="0">
+            <a:schemeClr val="accent1"/>
+          </a:fillRef>
+          <a:effectRef idx="2">
+            <a:schemeClr val="accent1"/>
+          </a:effectRef>
+          <a:fontRef idx="minor">
+            <a:schemeClr val="tx1"/>
+          </a:fontRef>
+        </p:style>
+      </p:cxnSp>
+      <p:cxnSp>
+        <p:nvCxnSpPr>
+          <p:cNvPr id="85" name="Straight Connector 84"/>
+          <p:cNvCxnSpPr/>
+          <p:nvPr/>
+        </p:nvCxnSpPr>
+        <p:spPr>
+          <a:xfrm flipH="1" flipV="1">
+            <a:off x="8330856" y="1504871"/>
+            <a:ext cx="2350417" cy="9334"/>
+          </a:xfrm>
+          <a:prstGeom prst="line">
+            <a:avLst/>
+          </a:prstGeom>
+          <a:ln w="28575">
+            <a:solidFill>
+              <a:srgbClr val="7F8084"/>
+            </a:solidFill>
+          </a:ln>
+        </p:spPr>
+        <p:style>
+          <a:lnRef idx="3">
+            <a:schemeClr val="accent1"/>
+          </a:lnRef>
+          <a:fillRef idx="0">
+            <a:schemeClr val="accent1"/>
+          </a:fillRef>
+          <a:effectRef idx="2">
+            <a:schemeClr val="accent1"/>
+          </a:effectRef>
+          <a:fontRef idx="minor">
+            <a:schemeClr val="tx1"/>
+          </a:fontRef>
+        </p:style>
+      </p:cxnSp>
+      <p:cxnSp>
+        <p:nvCxnSpPr>
+          <p:cNvPr id="88" name="Straight Connector 87"/>
+          <p:cNvCxnSpPr/>
+          <p:nvPr/>
+        </p:nvCxnSpPr>
+        <p:spPr>
+          <a:xfrm flipV="1">
+            <a:off x="10678703" y="1503284"/>
+            <a:ext cx="2571" cy="2768733"/>
+          </a:xfrm>
+          <a:prstGeom prst="line">
+            <a:avLst/>
+          </a:prstGeom>
+          <a:ln w="28575">
+            <a:solidFill>
+              <a:srgbClr val="CC3300"/>
+            </a:solidFill>
+          </a:ln>
+        </p:spPr>
+        <p:style>
+          <a:lnRef idx="3">
+            <a:schemeClr val="accent1"/>
+          </a:lnRef>
+          <a:fillRef idx="0">
+            <a:schemeClr val="accent1"/>
+          </a:fillRef>
+          <a:effectRef idx="2">
+            <a:schemeClr val="accent1"/>
+          </a:effectRef>
+          <a:fontRef idx="minor">
+            <a:schemeClr val="tx1"/>
+          </a:fontRef>
+        </p:style>
+      </p:cxnSp>
+      <p:cxnSp>
+        <p:nvCxnSpPr>
+          <p:cNvPr id="97" name="Straight Connector 96"/>
+          <p:cNvCxnSpPr/>
+          <p:nvPr/>
+        </p:nvCxnSpPr>
+        <p:spPr>
+          <a:xfrm flipV="1">
+            <a:off x="9747810" y="4955511"/>
+            <a:ext cx="1347" cy="368538"/>
+          </a:xfrm>
+          <a:prstGeom prst="line">
+            <a:avLst/>
+          </a:prstGeom>
+          <a:ln w="28575">
+            <a:solidFill>
+              <a:srgbClr val="7D7F82"/>
+            </a:solidFill>
+          </a:ln>
+        </p:spPr>
+        <p:style>
+          <a:lnRef idx="3">
+            <a:schemeClr val="accent1"/>
+          </a:lnRef>
+          <a:fillRef idx="0">
+            <a:schemeClr val="accent1"/>
+          </a:fillRef>
+          <a:effectRef idx="2">
+            <a:schemeClr val="accent1"/>
+          </a:effectRef>
+          <a:fontRef idx="minor">
+            <a:schemeClr val="tx1"/>
+          </a:fontRef>
+        </p:style>
+      </p:cxnSp>
+      <p:cxnSp>
+        <p:nvCxnSpPr>
+          <p:cNvPr id="100" name="Straight Connector 99"/>
+          <p:cNvCxnSpPr/>
+          <p:nvPr/>
+        </p:nvCxnSpPr>
+        <p:spPr>
+          <a:xfrm flipV="1">
+            <a:off x="10866192" y="280975"/>
+            <a:ext cx="2198" cy="6128292"/>
+          </a:xfrm>
+          <a:prstGeom prst="line">
+            <a:avLst/>
+          </a:prstGeom>
+          <a:ln w="28575">
+            <a:solidFill>
+              <a:srgbClr val="7F8084"/>
+            </a:solidFill>
+          </a:ln>
+        </p:spPr>
+        <p:style>
+          <a:lnRef idx="3">
+            <a:schemeClr val="accent1"/>
+          </a:lnRef>
+          <a:fillRef idx="0">
+            <a:schemeClr val="accent1"/>
+          </a:fillRef>
+          <a:effectRef idx="2">
+            <a:schemeClr val="accent1"/>
+          </a:effectRef>
+          <a:fontRef idx="minor">
+            <a:schemeClr val="tx1"/>
+          </a:fontRef>
+        </p:style>
+      </p:cxnSp>
+      <p:cxnSp>
+        <p:nvCxnSpPr>
+          <p:cNvPr id="103" name="Straight Connector 102"/>
+          <p:cNvCxnSpPr/>
+          <p:nvPr/>
+        </p:nvCxnSpPr>
+        <p:spPr>
+          <a:xfrm flipH="1">
+            <a:off x="9743576" y="6396319"/>
+            <a:ext cx="1105773" cy="2919"/>
+          </a:xfrm>
+          <a:prstGeom prst="line">
+            <a:avLst/>
+          </a:prstGeom>
+          <a:ln w="28575">
+            <a:solidFill>
+              <a:srgbClr val="7F8084"/>
+            </a:solidFill>
+          </a:ln>
+        </p:spPr>
+        <p:style>
+          <a:lnRef idx="3">
+            <a:schemeClr val="accent1"/>
+          </a:lnRef>
+          <a:fillRef idx="0">
+            <a:schemeClr val="accent1"/>
+          </a:fillRef>
+          <a:effectRef idx="2">
+            <a:schemeClr val="accent1"/>
+          </a:effectRef>
+          <a:fontRef idx="minor">
+            <a:schemeClr val="tx1"/>
+          </a:fontRef>
+        </p:style>
+      </p:cxnSp>
+      <p:sp>
+        <p:nvSpPr>
+          <p:cNvPr id="105" name="TextBox 104"/>
+          <p:cNvSpPr txBox="1"/>
+          <p:nvPr/>
+        </p:nvSpPr>
+        <p:spPr>
+          <a:xfrm>
+            <a:off x="9659798" y="4364408"/>
+            <a:ext cx="284228" cy="307777"/>
+          </a:xfrm>
+          <a:prstGeom prst="rect">
+            <a:avLst/>
+          </a:prstGeom>
+          <a:noFill/>
+        </p:spPr>
+        <p:txBody>
+          <a:bodyPr wrap="square" rtlCol="0">
+            <a:spAutoFit/>
+          </a:bodyPr>
+          <a:lstStyle/>
+          <a:p>
+            <a:r>
+              <a:rPr lang="en-US" sz="1400" b="1" dirty="0" smtClean="0">
+                <a:solidFill>
+                  <a:srgbClr val="364251"/>
+                </a:solidFill>
+              </a:rPr>
+              <a:t>4</a:t>
+            </a:r>
+            <a:endParaRPr lang="en-US" sz="1400" b="1" dirty="0">
+              <a:solidFill>
+                <a:srgbClr val="364251"/>
+              </a:solidFill>
+            </a:endParaRPr>
+          </a:p>
+        </p:txBody>
+      </p:sp>
+      <p:sp>
+        <p:nvSpPr>
+          <p:cNvPr id="107" name="Rectangle 106"/>
+          <p:cNvSpPr/>
+          <p:nvPr/>
+        </p:nvSpPr>
+        <p:spPr>
+          <a:xfrm>
+            <a:off x="6796862" y="4352925"/>
+            <a:ext cx="143688" cy="373752"/>
+          </a:xfrm>
+          <a:prstGeom prst="rect">
+            <a:avLst/>
+          </a:prstGeom>
+          <a:solidFill>
+            <a:schemeClr val="bg1"/>
+          </a:solidFill>
+          <a:ln>
+            <a:noFill/>
+          </a:ln>
+        </p:spPr>
+        <p:style>
+          <a:lnRef idx="2">
+            <a:schemeClr val="accent1">
+              <a:shade val="50000"/>
+            </a:schemeClr>
+          </a:lnRef>
+          <a:fillRef idx="1">
+            <a:schemeClr val="accent1"/>
+          </a:fillRef>
+          <a:effectRef idx="0">
+            <a:schemeClr val="accent1"/>
+          </a:effectRef>
+          <a:fontRef idx="minor">
+            <a:schemeClr val="lt1"/>
+          </a:fontRef>
+        </p:style>
+        <p:txBody>
+          <a:bodyPr rtlCol="0" anchor="ctr"/>
+          <a:lstStyle/>
+          <a:p>
+            <a:pPr algn="ctr"/>
+            <a:endParaRPr lang="en-US"/>
+          </a:p>
+        </p:txBody>
+      </p:sp>
+      <p:pic>
+        <p:nvPicPr>
+          <p:cNvPr id="110" name="Picture 109"/>
+          <p:cNvPicPr>
+            <a:picLocks noChangeAspect="1"/>
+          </p:cNvPicPr>
+          <p:nvPr/>
+        </p:nvPicPr>
+        <p:blipFill>
+          <a:blip r:embed="rId5"/>
+          <a:stretch>
+            <a:fillRect/>
+          </a:stretch>
+        </p:blipFill>
+        <p:spPr>
+          <a:xfrm>
+            <a:off x="6758971" y="4373933"/>
+            <a:ext cx="225819" cy="432419"/>
+          </a:xfrm>
+          <a:prstGeom prst="rect">
+            <a:avLst/>
+          </a:prstGeom>
+        </p:spPr>
+      </p:pic>
+      <p:cxnSp>
+        <p:nvCxnSpPr>
+          <p:cNvPr id="111" name="Straight Connector 110"/>
+          <p:cNvCxnSpPr/>
+          <p:nvPr/>
+        </p:nvCxnSpPr>
+        <p:spPr>
+          <a:xfrm>
+            <a:off x="5212953" y="734177"/>
+            <a:ext cx="0" cy="898235"/>
+          </a:xfrm>
+          <a:prstGeom prst="line">
+            <a:avLst/>
+          </a:prstGeom>
+          <a:ln w="28575">
+            <a:solidFill>
+              <a:srgbClr val="CC3300"/>
+            </a:solidFill>
+            <a:headEnd type="stealth" w="lg" len="lg"/>
+          </a:ln>
+        </p:spPr>
+        <p:style>
+          <a:lnRef idx="3">
+            <a:schemeClr val="accent1"/>
+          </a:lnRef>
+          <a:fillRef idx="0">
+            <a:schemeClr val="accent1"/>
+          </a:fillRef>
+          <a:effectRef idx="2">
+            <a:schemeClr val="accent1"/>
+          </a:effectRef>
+          <a:fontRef idx="minor">
+            <a:schemeClr val="tx1"/>
+          </a:fontRef>
+        </p:style>
+      </p:cxnSp>
+      <p:cxnSp>
+        <p:nvCxnSpPr>
+          <p:cNvPr id="118" name="Straight Connector 117"/>
+          <p:cNvCxnSpPr/>
+          <p:nvPr/>
+        </p:nvCxnSpPr>
+        <p:spPr>
+          <a:xfrm flipV="1">
+            <a:off x="5892236" y="570454"/>
+            <a:ext cx="0" cy="630601"/>
+          </a:xfrm>
+          <a:prstGeom prst="line">
+            <a:avLst/>
+          </a:prstGeom>
+          <a:ln w="28575">
+            <a:solidFill>
+              <a:srgbClr val="7D7F82"/>
+            </a:solidFill>
+          </a:ln>
+        </p:spPr>
+        <p:style>
+          <a:lnRef idx="3">
+            <a:schemeClr val="accent1"/>
+          </a:lnRef>
+          <a:fillRef idx="0">
+            <a:schemeClr val="accent1"/>
+          </a:fillRef>
+          <a:effectRef idx="2">
+            <a:schemeClr val="accent1"/>
+          </a:effectRef>
+          <a:fontRef idx="minor">
+            <a:schemeClr val="tx1"/>
+          </a:fontRef>
+        </p:style>
+      </p:cxnSp>
+      <p:cxnSp>
+        <p:nvCxnSpPr>
+          <p:cNvPr id="121" name="Straight Connector 120"/>
+          <p:cNvCxnSpPr/>
+          <p:nvPr/>
+        </p:nvCxnSpPr>
+        <p:spPr>
+          <a:xfrm flipH="1">
+            <a:off x="5341788" y="570454"/>
+            <a:ext cx="565763" cy="6351"/>
+          </a:xfrm>
+          <a:prstGeom prst="line">
+            <a:avLst/>
+          </a:prstGeom>
+          <a:ln w="28575">
+            <a:solidFill>
+              <a:srgbClr val="7F8084"/>
+            </a:solidFill>
+          </a:ln>
+        </p:spPr>
+        <p:style>
+          <a:lnRef idx="3">
+            <a:schemeClr val="accent1"/>
+          </a:lnRef>
+          <a:fillRef idx="0">
+            <a:schemeClr val="accent1"/>
+          </a:fillRef>
+          <a:effectRef idx="2">
+            <a:schemeClr val="accent1"/>
+          </a:effectRef>
+          <a:fontRef idx="minor">
+            <a:schemeClr val="tx1"/>
+          </a:fontRef>
+        </p:style>
+      </p:cxnSp>
+      <p:sp>
+        <p:nvSpPr>
+          <p:cNvPr id="124" name="Oval 123"/>
+          <p:cNvSpPr/>
+          <p:nvPr/>
+        </p:nvSpPr>
+        <p:spPr>
+          <a:xfrm>
+            <a:off x="5865242" y="1170575"/>
+            <a:ext cx="66815" cy="69792"/>
+          </a:xfrm>
+          <a:prstGeom prst="ellipse">
+            <a:avLst/>
+          </a:prstGeom>
+          <a:solidFill>
+            <a:srgbClr val="272A30"/>
+          </a:solidFill>
+          <a:ln>
+            <a:noFill/>
+          </a:ln>
+        </p:spPr>
+        <p:style>
+          <a:lnRef idx="2">
+            <a:schemeClr val="accent1">
+              <a:shade val="50000"/>
+            </a:schemeClr>
+          </a:lnRef>
+          <a:fillRef idx="1">
+            <a:schemeClr val="accent1"/>
+          </a:fillRef>
+          <a:effectRef idx="0">
+            <a:schemeClr val="accent1"/>
+          </a:effectRef>
+          <a:fontRef idx="minor">
+            <a:schemeClr val="lt1"/>
+          </a:fontRef>
+        </p:style>
+        <p:txBody>
+          <a:bodyPr rtlCol="0" anchor="ctr"/>
+          <a:lstStyle/>
+          <a:p>
+            <a:pPr algn="ctr"/>
+            <a:endParaRPr lang="en-US"/>
+          </a:p>
+        </p:txBody>
+      </p:sp>
+      <p:grpSp>
+        <p:nvGrpSpPr>
+          <p:cNvPr id="125" name="Group 124"/>
+          <p:cNvGrpSpPr/>
+          <p:nvPr/>
+        </p:nvGrpSpPr>
+        <p:grpSpPr>
+          <a:xfrm>
+            <a:off x="5060160" y="199848"/>
+            <a:ext cx="305587" cy="567267"/>
+            <a:chOff x="941506" y="548908"/>
+            <a:chExt cx="305587" cy="567267"/>
+          </a:xfrm>
+        </p:grpSpPr>
+        <p:pic>
+          <p:nvPicPr>
+            <p:cNvPr id="116" name="Picture 115"/>
+            <p:cNvPicPr>
+              <a:picLocks noChangeAspect="1"/>
+            </p:cNvPicPr>
+            <p:nvPr/>
+          </p:nvPicPr>
+          <p:blipFill>
+            <a:blip r:embed="rId3">
+              <a:extLst>
+                <a:ext uri="{28A0092B-C50C-407E-A947-70E740481C1C}">
+                  <a14:useLocalDpi xmlns:a14="http://schemas.microsoft.com/office/drawing/2010/main" val="0"/>
+                </a:ext>
+              </a:extLst>
+            </a:blip>
+            <a:stretch>
+              <a:fillRect/>
+            </a:stretch>
+          </p:blipFill>
+          <p:spPr>
+            <a:xfrm>
+              <a:off x="941506" y="548908"/>
+              <a:ext cx="305587" cy="567267"/>
+            </a:xfrm>
+            <a:prstGeom prst="rect">
+              <a:avLst/>
+            </a:prstGeom>
+          </p:spPr>
+        </p:pic>
+        <p:sp>
+          <p:nvSpPr>
+            <p:cNvPr id="117" name="Rectangle 116"/>
+            <p:cNvSpPr/>
+            <p:nvPr/>
+          </p:nvSpPr>
+          <p:spPr>
+            <a:xfrm>
+              <a:off x="993775" y="660400"/>
+              <a:ext cx="203200" cy="328422"/>
+            </a:xfrm>
+            <a:prstGeom prst="rect">
+              <a:avLst/>
+            </a:prstGeom>
+            <a:solidFill>
+              <a:schemeClr val="bg1"/>
+            </a:solidFill>
+            <a:ln>
+              <a:noFill/>
+            </a:ln>
+          </p:spPr>
+          <p:style>
+            <a:lnRef idx="2">
+              <a:schemeClr val="accent1">
+                <a:shade val="50000"/>
+              </a:schemeClr>
+            </a:lnRef>
+            <a:fillRef idx="1">
+              <a:schemeClr val="accent1"/>
+            </a:fillRef>
+            <a:effectRef idx="0">
+              <a:schemeClr val="accent1"/>
+            </a:effectRef>
+            <a:fontRef idx="minor">
+              <a:schemeClr val="lt1"/>
+            </a:fontRef>
+          </p:style>
+          <p:txBody>
+            <a:bodyPr rtlCol="0" anchor="ctr"/>
+            <a:lstStyle/>
+            <a:p>
+              <a:pPr algn="ctr"/>
+              <a:endParaRPr lang="en-US"/>
+            </a:p>
+          </p:txBody>
+        </p:sp>
+      </p:grpSp>
+      <p:cxnSp>
+        <p:nvCxnSpPr>
+          <p:cNvPr id="133" name="Straight Connector 132"/>
+          <p:cNvCxnSpPr/>
+          <p:nvPr/>
+        </p:nvCxnSpPr>
+        <p:spPr>
+          <a:xfrm flipH="1" flipV="1">
+            <a:off x="7513879" y="2654295"/>
+            <a:ext cx="8735" cy="1128074"/>
+          </a:xfrm>
+          <a:prstGeom prst="line">
+            <a:avLst/>
+          </a:prstGeom>
+          <a:ln w="28575">
+            <a:solidFill>
+              <a:srgbClr val="CC3300"/>
+            </a:solidFill>
+          </a:ln>
+        </p:spPr>
+        <p:style>
+          <a:lnRef idx="3">
+            <a:schemeClr val="accent1"/>
+          </a:lnRef>
+          <a:fillRef idx="0">
+            <a:schemeClr val="accent1"/>
+          </a:fillRef>
+          <a:effectRef idx="2">
+            <a:schemeClr val="accent1"/>
+          </a:effectRef>
+          <a:fontRef idx="minor">
+            <a:schemeClr val="tx1"/>
+          </a:fontRef>
+        </p:style>
+      </p:cxnSp>
+      <p:cxnSp>
+        <p:nvCxnSpPr>
+          <p:cNvPr id="138" name="Straight Connector 137"/>
+          <p:cNvCxnSpPr/>
+          <p:nvPr/>
+        </p:nvCxnSpPr>
+        <p:spPr>
+          <a:xfrm flipH="1" flipV="1">
+            <a:off x="6359704" y="1611865"/>
+            <a:ext cx="4863" cy="1052056"/>
+          </a:xfrm>
+          <a:prstGeom prst="line">
+            <a:avLst/>
+          </a:prstGeom>
+          <a:ln w="28575">
+            <a:solidFill>
+              <a:srgbClr val="CC3300"/>
+            </a:solidFill>
+          </a:ln>
+        </p:spPr>
+        <p:style>
+          <a:lnRef idx="3">
+            <a:schemeClr val="accent1"/>
+          </a:lnRef>
+          <a:fillRef idx="0">
+            <a:schemeClr val="accent1"/>
+          </a:fillRef>
+          <a:effectRef idx="2">
+            <a:schemeClr val="accent1"/>
+          </a:effectRef>
+          <a:fontRef idx="minor">
+            <a:schemeClr val="tx1"/>
+          </a:fontRef>
+        </p:style>
+      </p:cxnSp>
+      <p:cxnSp>
+        <p:nvCxnSpPr>
+          <p:cNvPr id="142" name="Straight Connector 141"/>
+          <p:cNvCxnSpPr/>
+          <p:nvPr/>
+        </p:nvCxnSpPr>
+        <p:spPr>
+          <a:xfrm flipH="1">
+            <a:off x="6362224" y="2654295"/>
+            <a:ext cx="1162525" cy="0"/>
+          </a:xfrm>
+          <a:prstGeom prst="line">
+            <a:avLst/>
+          </a:prstGeom>
+          <a:ln w="28575">
+            <a:solidFill>
+              <a:srgbClr val="C00000"/>
+            </a:solidFill>
+          </a:ln>
+        </p:spPr>
+        <p:style>
+          <a:lnRef idx="3">
+            <a:schemeClr val="accent1"/>
+          </a:lnRef>
+          <a:fillRef idx="0">
+            <a:schemeClr val="accent1"/>
+          </a:fillRef>
+          <a:effectRef idx="2">
+            <a:schemeClr val="accent1"/>
+          </a:effectRef>
+          <a:fontRef idx="minor">
+            <a:schemeClr val="tx1"/>
+          </a:fontRef>
+        </p:style>
+      </p:cxnSp>
+      <p:cxnSp>
+        <p:nvCxnSpPr>
+          <p:cNvPr id="146" name="Straight Connector 145"/>
+          <p:cNvCxnSpPr/>
+          <p:nvPr/>
+        </p:nvCxnSpPr>
+        <p:spPr>
+          <a:xfrm flipH="1">
+            <a:off x="5212810" y="1611865"/>
+            <a:ext cx="1159415" cy="0"/>
+          </a:xfrm>
+          <a:prstGeom prst="line">
+            <a:avLst/>
+          </a:prstGeom>
+          <a:ln w="28575">
+            <a:solidFill>
+              <a:srgbClr val="C00000"/>
+            </a:solidFill>
+          </a:ln>
+        </p:spPr>
+        <p:style>
+          <a:lnRef idx="3">
+            <a:schemeClr val="accent1"/>
+          </a:lnRef>
+          <a:fillRef idx="0">
+            <a:schemeClr val="accent1"/>
+          </a:fillRef>
+          <a:effectRef idx="2">
+            <a:schemeClr val="accent1"/>
+          </a:effectRef>
+          <a:fontRef idx="minor">
+            <a:schemeClr val="tx1"/>
+          </a:fontRef>
+        </p:style>
+      </p:cxnSp>
+      <p:sp>
+        <p:nvSpPr>
+          <p:cNvPr id="147" name="TextBox 146"/>
+          <p:cNvSpPr txBox="1"/>
+          <p:nvPr/>
+        </p:nvSpPr>
+        <p:spPr>
+          <a:xfrm>
+            <a:off x="5418173" y="1369450"/>
+            <a:ext cx="767932" cy="276999"/>
+          </a:xfrm>
+          <a:prstGeom prst="rect">
+            <a:avLst/>
+          </a:prstGeom>
+          <a:noFill/>
+        </p:spPr>
+        <p:txBody>
+          <a:bodyPr wrap="square" rtlCol="0">
+            <a:spAutoFit/>
+          </a:bodyPr>
+          <a:lstStyle/>
+          <a:p>
+            <a:r>
+              <a:rPr lang="en-US" sz="1200" dirty="0" smtClean="0">
+                <a:solidFill>
+                  <a:srgbClr val="CC3300"/>
+                </a:solidFill>
+              </a:rPr>
+              <a:t>ALUState</a:t>
+            </a:r>
+            <a:endParaRPr lang="en-US" sz="1200" dirty="0">
+              <a:solidFill>
+                <a:srgbClr val="CC3300"/>
+              </a:solidFill>
+            </a:endParaRPr>
+          </a:p>
+        </p:txBody>
+      </p:sp>
+      <p:sp>
+        <p:nvSpPr>
+          <p:cNvPr id="148" name="TextBox 147"/>
+          <p:cNvSpPr txBox="1"/>
+          <p:nvPr/>
+        </p:nvSpPr>
+        <p:spPr>
+          <a:xfrm>
+            <a:off x="5410072" y="1725935"/>
+            <a:ext cx="838296" cy="276999"/>
+          </a:xfrm>
+          <a:prstGeom prst="rect">
+            <a:avLst/>
+          </a:prstGeom>
+          <a:noFill/>
+        </p:spPr>
+        <p:txBody>
+          <a:bodyPr wrap="square" rtlCol="0">
+            <a:spAutoFit/>
+          </a:bodyPr>
+          <a:lstStyle/>
+          <a:p>
+            <a:r>
+              <a:rPr lang="en-US" sz="1200" dirty="0" smtClean="0">
+                <a:solidFill>
+                  <a:srgbClr val="CC3300"/>
+                </a:solidFill>
+              </a:rPr>
+              <a:t>PCControl</a:t>
+            </a:r>
+            <a:endParaRPr lang="en-US" sz="1200" dirty="0">
+              <a:solidFill>
+                <a:srgbClr val="CC3300"/>
+              </a:solidFill>
+            </a:endParaRPr>
+          </a:p>
+        </p:txBody>
+      </p:sp>
+      <p:grpSp>
+        <p:nvGrpSpPr>
+          <p:cNvPr id="153" name="Group 152"/>
+          <p:cNvGrpSpPr/>
+          <p:nvPr/>
+        </p:nvGrpSpPr>
+        <p:grpSpPr>
+          <a:xfrm>
+            <a:off x="7691967" y="1881522"/>
+            <a:ext cx="974937" cy="456776"/>
+            <a:chOff x="7691967" y="1881522"/>
+            <a:chExt cx="974937" cy="456776"/>
+          </a:xfrm>
+        </p:grpSpPr>
+        <p:sp>
+          <p:nvSpPr>
+            <p:cNvPr id="151" name="Rectangle 150"/>
+            <p:cNvSpPr/>
+            <p:nvPr/>
+          </p:nvSpPr>
+          <p:spPr>
+            <a:xfrm>
+              <a:off x="7914640" y="1881522"/>
+              <a:ext cx="752264" cy="456776"/>
+            </a:xfrm>
+            <a:prstGeom prst="rect">
+              <a:avLst/>
+            </a:prstGeom>
+            <a:solidFill>
+              <a:schemeClr val="bg1"/>
+            </a:solidFill>
+            <a:ln>
+              <a:noFill/>
+            </a:ln>
+          </p:spPr>
+          <p:style>
+            <a:lnRef idx="2">
+              <a:schemeClr val="accent1">
+                <a:shade val="50000"/>
+              </a:schemeClr>
+            </a:lnRef>
+            <a:fillRef idx="1">
+              <a:schemeClr val="accent1"/>
+            </a:fillRef>
+            <a:effectRef idx="0">
+              <a:schemeClr val="accent1"/>
+            </a:effectRef>
+            <a:fontRef idx="minor">
+              <a:schemeClr val="lt1"/>
+            </a:fontRef>
+          </p:style>
+          <p:txBody>
+            <a:bodyPr rtlCol="0" anchor="ctr"/>
+            <a:lstStyle/>
+            <a:p>
+              <a:pPr algn="ctr"/>
+              <a:endParaRPr lang="en-US"/>
+            </a:p>
+          </p:txBody>
+        </p:sp>
+        <p:sp>
+          <p:nvSpPr>
+            <p:cNvPr id="152" name="Rectangle 151"/>
+            <p:cNvSpPr/>
+            <p:nvPr/>
+          </p:nvSpPr>
+          <p:spPr>
+            <a:xfrm>
+              <a:off x="7691967" y="1981082"/>
+              <a:ext cx="752264" cy="222466"/>
+            </a:xfrm>
+            <a:prstGeom prst="rect">
+              <a:avLst/>
+            </a:prstGeom>
+            <a:solidFill>
+              <a:schemeClr val="bg1"/>
+            </a:solidFill>
+            <a:ln>
+              <a:noFill/>
+            </a:ln>
+          </p:spPr>
+          <p:style>
+            <a:lnRef idx="2">
+              <a:schemeClr val="accent1">
+                <a:shade val="50000"/>
+              </a:schemeClr>
+            </a:lnRef>
+            <a:fillRef idx="1">
+              <a:schemeClr val="accent1"/>
+            </a:fillRef>
+            <a:effectRef idx="0">
+              <a:schemeClr val="accent1"/>
+            </a:effectRef>
+            <a:fontRef idx="minor">
+              <a:schemeClr val="lt1"/>
+            </a:fontRef>
+          </p:style>
+          <p:txBody>
+            <a:bodyPr rtlCol="0" anchor="ctr"/>
+            <a:lstStyle/>
+            <a:p>
+              <a:pPr algn="ctr"/>
+              <a:endParaRPr lang="en-US"/>
+            </a:p>
+          </p:txBody>
+        </p:sp>
+      </p:grpSp>
+      <p:cxnSp>
+        <p:nvCxnSpPr>
+          <p:cNvPr id="154" name="Straight Connector 153"/>
+          <p:cNvCxnSpPr/>
+          <p:nvPr/>
+        </p:nvCxnSpPr>
+        <p:spPr>
+          <a:xfrm flipH="1">
+            <a:off x="7801106" y="2219711"/>
+            <a:ext cx="318982" cy="1430"/>
+          </a:xfrm>
+          <a:prstGeom prst="line">
+            <a:avLst/>
+          </a:prstGeom>
+          <a:ln w="22225">
+            <a:solidFill>
+              <a:srgbClr val="6ED3F4"/>
+            </a:solidFill>
+          </a:ln>
+        </p:spPr>
+        <p:style>
+          <a:lnRef idx="3">
+            <a:schemeClr val="accent1"/>
+          </a:lnRef>
+          <a:fillRef idx="0">
+            <a:schemeClr val="accent1"/>
+          </a:fillRef>
+          <a:effectRef idx="2">
+            <a:schemeClr val="accent1"/>
+          </a:effectRef>
+          <a:fontRef idx="minor">
+            <a:schemeClr val="tx1"/>
+          </a:fontRef>
+        </p:style>
+      </p:cxnSp>
+      <p:sp>
+        <p:nvSpPr>
+          <p:cNvPr id="159" name="Rectangle 158"/>
+          <p:cNvSpPr/>
+          <p:nvPr/>
+        </p:nvSpPr>
+        <p:spPr>
+          <a:xfrm>
+            <a:off x="9820151" y="3105034"/>
+            <a:ext cx="360039" cy="68501"/>
+          </a:xfrm>
+          <a:prstGeom prst="rect">
+            <a:avLst/>
+          </a:prstGeom>
+          <a:solidFill>
+            <a:schemeClr val="bg1"/>
+          </a:solidFill>
+          <a:ln>
+            <a:noFill/>
+          </a:ln>
+        </p:spPr>
+        <p:style>
+          <a:lnRef idx="2">
+            <a:schemeClr val="accent1">
+              <a:shade val="50000"/>
+            </a:schemeClr>
+          </a:lnRef>
+          <a:fillRef idx="1">
+            <a:schemeClr val="accent1"/>
+          </a:fillRef>
+          <a:effectRef idx="0">
+            <a:schemeClr val="accent1"/>
+          </a:effectRef>
+          <a:fontRef idx="minor">
+            <a:schemeClr val="lt1"/>
+          </a:fontRef>
+        </p:style>
+        <p:txBody>
+          <a:bodyPr rtlCol="0" anchor="ctr"/>
+          <a:lstStyle/>
+          <a:p>
+            <a:pPr algn="ctr"/>
+            <a:endParaRPr lang="en-US"/>
+          </a:p>
+        </p:txBody>
+      </p:sp>
+      <p:grpSp>
+        <p:nvGrpSpPr>
+          <p:cNvPr id="161" name="Group 160"/>
+          <p:cNvGrpSpPr/>
+          <p:nvPr/>
+        </p:nvGrpSpPr>
+        <p:grpSpPr>
+          <a:xfrm>
+            <a:off x="8346940" y="116138"/>
+            <a:ext cx="305587" cy="588323"/>
+            <a:chOff x="941506" y="548908"/>
+            <a:chExt cx="305587" cy="567267"/>
+          </a:xfrm>
+        </p:grpSpPr>
+        <p:pic>
+          <p:nvPicPr>
+            <p:cNvPr id="162" name="Picture 161"/>
+            <p:cNvPicPr>
+              <a:picLocks noChangeAspect="1"/>
+            </p:cNvPicPr>
+            <p:nvPr/>
+          </p:nvPicPr>
+          <p:blipFill>
+            <a:blip r:embed="rId3">
+              <a:extLst>
+                <a:ext uri="{28A0092B-C50C-407E-A947-70E740481C1C}">
+                  <a14:useLocalDpi xmlns:a14="http://schemas.microsoft.com/office/drawing/2010/main" val="0"/>
+                </a:ext>
+              </a:extLst>
+            </a:blip>
+            <a:stretch>
+              <a:fillRect/>
+            </a:stretch>
+          </p:blipFill>
+          <p:spPr>
+            <a:xfrm>
+              <a:off x="941506" y="548908"/>
+              <a:ext cx="305587" cy="567267"/>
+            </a:xfrm>
+            <a:prstGeom prst="rect">
+              <a:avLst/>
+            </a:prstGeom>
+          </p:spPr>
+        </p:pic>
+        <p:sp>
+          <p:nvSpPr>
+            <p:cNvPr id="163" name="Rectangle 162"/>
+            <p:cNvSpPr/>
+            <p:nvPr/>
+          </p:nvSpPr>
+          <p:spPr>
+            <a:xfrm>
+              <a:off x="993775" y="660400"/>
+              <a:ext cx="203200" cy="328422"/>
+            </a:xfrm>
+            <a:prstGeom prst="rect">
+              <a:avLst/>
+            </a:prstGeom>
+            <a:solidFill>
+              <a:schemeClr val="bg1"/>
+            </a:solidFill>
+            <a:ln>
+              <a:noFill/>
+            </a:ln>
+          </p:spPr>
+          <p:style>
+            <a:lnRef idx="2">
+              <a:schemeClr val="accent1">
+                <a:shade val="50000"/>
+              </a:schemeClr>
+            </a:lnRef>
+            <a:fillRef idx="1">
+              <a:schemeClr val="accent1"/>
+            </a:fillRef>
+            <a:effectRef idx="0">
+              <a:schemeClr val="accent1"/>
+            </a:effectRef>
+            <a:fontRef idx="minor">
+              <a:schemeClr val="lt1"/>
+            </a:fontRef>
+          </p:style>
+          <p:txBody>
+            <a:bodyPr rtlCol="0" anchor="ctr"/>
+            <a:lstStyle/>
+            <a:p>
+              <a:pPr algn="ctr"/>
+              <a:endParaRPr lang="en-US"/>
+            </a:p>
+          </p:txBody>
+        </p:sp>
+      </p:grpSp>
+      <p:cxnSp>
+        <p:nvCxnSpPr>
+          <p:cNvPr id="169" name="Straight Connector 168"/>
+          <p:cNvCxnSpPr/>
+          <p:nvPr/>
+        </p:nvCxnSpPr>
+        <p:spPr>
+          <a:xfrm flipH="1" flipV="1">
+            <a:off x="8616701" y="396066"/>
+            <a:ext cx="1563489" cy="8101"/>
+          </a:xfrm>
+          <a:prstGeom prst="line">
+            <a:avLst/>
+          </a:prstGeom>
+          <a:ln w="28575">
+            <a:solidFill>
+              <a:srgbClr val="7F8084"/>
+            </a:solidFill>
+          </a:ln>
+        </p:spPr>
+        <p:style>
+          <a:lnRef idx="3">
+            <a:schemeClr val="accent1"/>
+          </a:lnRef>
+          <a:fillRef idx="0">
+            <a:schemeClr val="accent1"/>
+          </a:fillRef>
+          <a:effectRef idx="2">
+            <a:schemeClr val="accent1"/>
+          </a:effectRef>
+          <a:fontRef idx="minor">
+            <a:schemeClr val="tx1"/>
+          </a:fontRef>
+        </p:style>
+      </p:cxnSp>
+      <p:cxnSp>
+        <p:nvCxnSpPr>
+          <p:cNvPr id="171" name="Straight Connector 170"/>
+          <p:cNvCxnSpPr/>
+          <p:nvPr/>
+        </p:nvCxnSpPr>
+        <p:spPr>
+          <a:xfrm flipH="1">
+            <a:off x="8616701" y="519052"/>
+            <a:ext cx="1266738" cy="0"/>
+          </a:xfrm>
+          <a:prstGeom prst="line">
+            <a:avLst/>
+          </a:prstGeom>
+          <a:ln w="28575">
+            <a:solidFill>
+              <a:srgbClr val="7F8084"/>
+            </a:solidFill>
+          </a:ln>
+        </p:spPr>
+        <p:style>
+          <a:lnRef idx="3">
+            <a:schemeClr val="accent1"/>
+          </a:lnRef>
+          <a:fillRef idx="0">
+            <a:schemeClr val="accent1"/>
+          </a:fillRef>
+          <a:effectRef idx="2">
+            <a:schemeClr val="accent1"/>
+          </a:effectRef>
+          <a:fontRef idx="minor">
+            <a:schemeClr val="tx1"/>
+          </a:fontRef>
+        </p:style>
+      </p:cxnSp>
+      <p:cxnSp>
+        <p:nvCxnSpPr>
+          <p:cNvPr id="177" name="Straight Connector 176"/>
+          <p:cNvCxnSpPr/>
+          <p:nvPr/>
+        </p:nvCxnSpPr>
+        <p:spPr>
+          <a:xfrm flipH="1" flipV="1">
+            <a:off x="9869146" y="519052"/>
+            <a:ext cx="564" cy="363079"/>
+          </a:xfrm>
+          <a:prstGeom prst="line">
+            <a:avLst/>
+          </a:prstGeom>
+          <a:ln w="28575">
+            <a:solidFill>
+              <a:srgbClr val="7D7F82"/>
+            </a:solidFill>
+          </a:ln>
+        </p:spPr>
+        <p:style>
+          <a:lnRef idx="3">
+            <a:schemeClr val="accent1"/>
+          </a:lnRef>
+          <a:fillRef idx="0">
+            <a:schemeClr val="accent1"/>
+          </a:fillRef>
+          <a:effectRef idx="2">
+            <a:schemeClr val="accent1"/>
+          </a:effectRef>
+          <a:fontRef idx="minor">
+            <a:schemeClr val="tx1"/>
+          </a:fontRef>
+        </p:style>
+      </p:cxnSp>
+      <p:cxnSp>
+        <p:nvCxnSpPr>
+          <p:cNvPr id="179" name="Straight Connector 178"/>
+          <p:cNvCxnSpPr/>
+          <p:nvPr/>
+        </p:nvCxnSpPr>
+        <p:spPr>
+          <a:xfrm flipH="1" flipV="1">
+            <a:off x="10173222" y="396820"/>
+            <a:ext cx="3385" cy="1117644"/>
+          </a:xfrm>
+          <a:prstGeom prst="line">
+            <a:avLst/>
+          </a:prstGeom>
+          <a:ln w="28575">
+            <a:solidFill>
+              <a:srgbClr val="7D7F82"/>
+            </a:solidFill>
+          </a:ln>
+        </p:spPr>
+        <p:style>
+          <a:lnRef idx="3">
+            <a:schemeClr val="accent1"/>
+          </a:lnRef>
+          <a:fillRef idx="0">
+            <a:schemeClr val="accent1"/>
+          </a:fillRef>
+          <a:effectRef idx="2">
+            <a:schemeClr val="accent1"/>
+          </a:effectRef>
+          <a:fontRef idx="minor">
+            <a:schemeClr val="tx1"/>
+          </a:fontRef>
+        </p:style>
+      </p:cxnSp>
+      <p:sp>
+        <p:nvSpPr>
+          <p:cNvPr id="186" name="Oval 185"/>
+          <p:cNvSpPr/>
+          <p:nvPr/>
+        </p:nvSpPr>
+        <p:spPr>
+          <a:xfrm>
+            <a:off x="10139608" y="1476080"/>
+            <a:ext cx="66815" cy="69792"/>
+          </a:xfrm>
+          <a:prstGeom prst="ellipse">
+            <a:avLst/>
+          </a:prstGeom>
+          <a:solidFill>
+            <a:srgbClr val="272A30"/>
+          </a:solidFill>
+          <a:ln>
+            <a:noFill/>
+          </a:ln>
+        </p:spPr>
+        <p:style>
+          <a:lnRef idx="2">
+            <a:schemeClr val="accent1">
+              <a:shade val="50000"/>
+            </a:schemeClr>
+          </a:lnRef>
+          <a:fillRef idx="1">
+            <a:schemeClr val="accent1"/>
+          </a:fillRef>
+          <a:effectRef idx="0">
+            <a:schemeClr val="accent1"/>
+          </a:effectRef>
+          <a:fontRef idx="minor">
+            <a:schemeClr val="lt1"/>
+          </a:fontRef>
+        </p:style>
+        <p:txBody>
+          <a:bodyPr rtlCol="0" anchor="ctr"/>
+          <a:lstStyle/>
+          <a:p>
+            <a:pPr algn="ctr"/>
+            <a:endParaRPr lang="en-US"/>
+          </a:p>
+        </p:txBody>
+      </p:sp>
+      <p:sp>
+        <p:nvSpPr>
+          <p:cNvPr id="187" name="Oval 186"/>
+          <p:cNvSpPr/>
+          <p:nvPr/>
+        </p:nvSpPr>
+        <p:spPr>
+          <a:xfrm>
+            <a:off x="9834192" y="847091"/>
+            <a:ext cx="66815" cy="69792"/>
+          </a:xfrm>
+          <a:prstGeom prst="ellipse">
+            <a:avLst/>
+          </a:prstGeom>
+          <a:solidFill>
+            <a:srgbClr val="272A30"/>
+          </a:solidFill>
+          <a:ln>
+            <a:noFill/>
+          </a:ln>
+        </p:spPr>
+        <p:style>
+          <a:lnRef idx="2">
+            <a:schemeClr val="accent1">
+              <a:shade val="50000"/>
+            </a:schemeClr>
+          </a:lnRef>
+          <a:fillRef idx="1">
+            <a:schemeClr val="accent1"/>
+          </a:fillRef>
+          <a:effectRef idx="0">
+            <a:schemeClr val="accent1"/>
+          </a:effectRef>
+          <a:fontRef idx="minor">
+            <a:schemeClr val="lt1"/>
+          </a:fontRef>
+        </p:style>
+        <p:txBody>
+          <a:bodyPr rtlCol="0" anchor="ctr"/>
+          <a:lstStyle/>
+          <a:p>
+            <a:pPr algn="ctr"/>
+            <a:endParaRPr lang="en-US"/>
+          </a:p>
+        </p:txBody>
+      </p:sp>
+      <p:cxnSp>
+        <p:nvCxnSpPr>
+          <p:cNvPr id="193" name="Straight Connector 192"/>
+          <p:cNvCxnSpPr/>
+          <p:nvPr/>
+        </p:nvCxnSpPr>
+        <p:spPr>
+          <a:xfrm>
+            <a:off x="8042097" y="2078921"/>
+            <a:ext cx="3904" cy="323202"/>
+          </a:xfrm>
+          <a:prstGeom prst="line">
+            <a:avLst/>
+          </a:prstGeom>
+          <a:ln w="22225">
+            <a:solidFill>
+              <a:srgbClr val="6AD4F5"/>
+            </a:solidFill>
+          </a:ln>
+        </p:spPr>
+        <p:style>
+          <a:lnRef idx="3">
+            <a:schemeClr val="accent1"/>
+          </a:lnRef>
+          <a:fillRef idx="0">
+            <a:schemeClr val="accent1"/>
+          </a:fillRef>
+          <a:effectRef idx="2">
+            <a:schemeClr val="accent1"/>
+          </a:effectRef>
+          <a:fontRef idx="minor">
+            <a:schemeClr val="tx1"/>
+          </a:fontRef>
+        </p:style>
+      </p:cxnSp>
+      <p:cxnSp>
+        <p:nvCxnSpPr>
+          <p:cNvPr id="156" name="Straight Connector 155"/>
+          <p:cNvCxnSpPr/>
+          <p:nvPr/>
+        </p:nvCxnSpPr>
+        <p:spPr>
+          <a:xfrm flipH="1">
+            <a:off x="8503529" y="672751"/>
+            <a:ext cx="831" cy="1816067"/>
+          </a:xfrm>
+          <a:prstGeom prst="line">
+            <a:avLst/>
+          </a:prstGeom>
+          <a:ln w="28575">
+            <a:solidFill>
+              <a:srgbClr val="CC3300"/>
+            </a:solidFill>
+            <a:headEnd type="stealth" w="lg" len="lg"/>
+          </a:ln>
+        </p:spPr>
+        <p:style>
+          <a:lnRef idx="3">
+            <a:schemeClr val="accent1"/>
+          </a:lnRef>
+          <a:fillRef idx="0">
+            <a:schemeClr val="accent1"/>
+          </a:fillRef>
+          <a:effectRef idx="2">
+            <a:schemeClr val="accent1"/>
+          </a:effectRef>
+          <a:fontRef idx="minor">
+            <a:schemeClr val="tx1"/>
+          </a:fontRef>
+        </p:style>
+      </p:cxnSp>
+      <p:cxnSp>
+        <p:nvCxnSpPr>
+          <p:cNvPr id="220" name="Straight Connector 219"/>
+          <p:cNvCxnSpPr/>
+          <p:nvPr/>
+        </p:nvCxnSpPr>
+        <p:spPr>
+          <a:xfrm>
+            <a:off x="8043234" y="2092073"/>
+            <a:ext cx="76854" cy="615"/>
+          </a:xfrm>
+          <a:prstGeom prst="line">
+            <a:avLst/>
+          </a:prstGeom>
+          <a:ln w="22225">
+            <a:solidFill>
+              <a:srgbClr val="6ED3F4"/>
+            </a:solidFill>
+          </a:ln>
+        </p:spPr>
+        <p:style>
+          <a:lnRef idx="3">
+            <a:schemeClr val="accent1"/>
+          </a:lnRef>
+          <a:fillRef idx="0">
+            <a:schemeClr val="accent1"/>
+          </a:fillRef>
+          <a:effectRef idx="2">
+            <a:schemeClr val="accent1"/>
+          </a:effectRef>
+          <a:fontRef idx="minor">
+            <a:schemeClr val="tx1"/>
+          </a:fontRef>
+        </p:style>
+      </p:cxnSp>
+      <p:cxnSp>
+        <p:nvCxnSpPr>
+          <p:cNvPr id="235" name="Straight Connector 234"/>
+          <p:cNvCxnSpPr/>
+          <p:nvPr/>
+        </p:nvCxnSpPr>
+        <p:spPr>
+          <a:xfrm flipH="1">
+            <a:off x="8814389" y="2376160"/>
+            <a:ext cx="1" cy="1534697"/>
+          </a:xfrm>
+          <a:prstGeom prst="line">
+            <a:avLst/>
+          </a:prstGeom>
+          <a:ln w="25400">
+            <a:solidFill>
+              <a:srgbClr val="6AD4F5"/>
+            </a:solidFill>
+          </a:ln>
+        </p:spPr>
+        <p:style>
+          <a:lnRef idx="3">
+            <a:schemeClr val="accent1"/>
+          </a:lnRef>
+          <a:fillRef idx="0">
+            <a:schemeClr val="accent1"/>
+          </a:fillRef>
+          <a:effectRef idx="2">
+            <a:schemeClr val="accent1"/>
+          </a:effectRef>
+          <a:fontRef idx="minor">
+            <a:schemeClr val="tx1"/>
+          </a:fontRef>
+        </p:style>
+      </p:cxnSp>
+      <p:grpSp>
+        <p:nvGrpSpPr>
+          <p:cNvPr id="240" name="Group 239"/>
+          <p:cNvGrpSpPr/>
+          <p:nvPr/>
+        </p:nvGrpSpPr>
+        <p:grpSpPr>
+          <a:xfrm>
+            <a:off x="8830523" y="2324977"/>
+            <a:ext cx="1241864" cy="261498"/>
+            <a:chOff x="8830523" y="2324977"/>
+            <a:chExt cx="1241864" cy="261498"/>
+          </a:xfrm>
+        </p:grpSpPr>
+        <p:sp>
+          <p:nvSpPr>
+            <p:cNvPr id="238" name="Rectangle 237"/>
+            <p:cNvSpPr/>
+            <p:nvPr/>
+          </p:nvSpPr>
+          <p:spPr>
+            <a:xfrm>
+              <a:off x="8830523" y="2324977"/>
+              <a:ext cx="1178673" cy="171147"/>
+            </a:xfrm>
+            <a:prstGeom prst="rect">
+              <a:avLst/>
+            </a:prstGeom>
+            <a:solidFill>
+              <a:schemeClr val="bg1"/>
+            </a:solidFill>
+            <a:ln>
+              <a:noFill/>
+            </a:ln>
+          </p:spPr>
+          <p:style>
+            <a:lnRef idx="2">
+              <a:schemeClr val="accent1">
+                <a:shade val="50000"/>
+              </a:schemeClr>
+            </a:lnRef>
+            <a:fillRef idx="1">
+              <a:schemeClr val="accent1"/>
+            </a:fillRef>
+            <a:effectRef idx="0">
+              <a:schemeClr val="accent1"/>
+            </a:effectRef>
+            <a:fontRef idx="minor">
+              <a:schemeClr val="lt1"/>
+            </a:fontRef>
+          </p:style>
+          <p:txBody>
+            <a:bodyPr rtlCol="0" anchor="ctr"/>
+            <a:lstStyle/>
+            <a:p>
+              <a:pPr algn="ctr"/>
+              <a:endParaRPr lang="en-US"/>
+            </a:p>
+          </p:txBody>
+        </p:sp>
+        <p:sp>
+          <p:nvSpPr>
+            <p:cNvPr id="239" name="Rectangle 238"/>
+            <p:cNvSpPr/>
+            <p:nvPr/>
+          </p:nvSpPr>
+          <p:spPr>
+            <a:xfrm>
+              <a:off x="9829491" y="2415328"/>
+              <a:ext cx="242896" cy="171147"/>
+            </a:xfrm>
+            <a:prstGeom prst="rect">
+              <a:avLst/>
+            </a:prstGeom>
+            <a:solidFill>
+              <a:schemeClr val="bg1"/>
+            </a:solidFill>
+            <a:ln>
+              <a:noFill/>
+            </a:ln>
+          </p:spPr>
+          <p:style>
+            <a:lnRef idx="2">
+              <a:schemeClr val="accent1">
+                <a:shade val="50000"/>
+              </a:schemeClr>
+            </a:lnRef>
+            <a:fillRef idx="1">
+              <a:schemeClr val="accent1"/>
+            </a:fillRef>
+            <a:effectRef idx="0">
+              <a:schemeClr val="accent1"/>
+            </a:effectRef>
+            <a:fontRef idx="minor">
+              <a:schemeClr val="lt1"/>
+            </a:fontRef>
+          </p:style>
+          <p:txBody>
+            <a:bodyPr rtlCol="0" anchor="ctr"/>
+            <a:lstStyle/>
+            <a:p>
+              <a:pPr algn="ctr"/>
+              <a:endParaRPr lang="en-US"/>
+            </a:p>
+          </p:txBody>
+        </p:sp>
+      </p:grpSp>
+      <p:sp>
+        <p:nvSpPr>
+          <p:cNvPr id="242" name="Rectangle 241"/>
+          <p:cNvSpPr/>
+          <p:nvPr/>
+        </p:nvSpPr>
+        <p:spPr>
+          <a:xfrm>
+            <a:off x="8564903" y="5340769"/>
+            <a:ext cx="1444293" cy="363344"/>
+          </a:xfrm>
+          <a:prstGeom prst="rect">
+            <a:avLst/>
+          </a:prstGeom>
+          <a:solidFill>
+            <a:schemeClr val="bg1"/>
+          </a:solidFill>
+          <a:ln>
+            <a:noFill/>
+          </a:ln>
+        </p:spPr>
+        <p:style>
+          <a:lnRef idx="2">
+            <a:schemeClr val="accent1">
+              <a:shade val="50000"/>
+            </a:schemeClr>
+          </a:lnRef>
+          <a:fillRef idx="1">
+            <a:schemeClr val="accent1"/>
+          </a:fillRef>
+          <a:effectRef idx="0">
+            <a:schemeClr val="accent1"/>
+          </a:effectRef>
+          <a:fontRef idx="minor">
+            <a:schemeClr val="lt1"/>
+          </a:fontRef>
+        </p:style>
+        <p:txBody>
+          <a:bodyPr rtlCol="0" anchor="ctr"/>
+          <a:lstStyle/>
+          <a:p>
+            <a:pPr algn="ctr"/>
+            <a:endParaRPr lang="en-US"/>
+          </a:p>
+        </p:txBody>
+      </p:sp>
+      <p:sp>
+        <p:nvSpPr>
+          <p:cNvPr id="244" name="Rectangle 243"/>
+          <p:cNvSpPr/>
+          <p:nvPr/>
+        </p:nvSpPr>
+        <p:spPr>
+          <a:xfrm>
+            <a:off x="9672085" y="5267052"/>
+            <a:ext cx="467523" cy="317987"/>
+          </a:xfrm>
+          <a:prstGeom prst="rect">
+            <a:avLst/>
+          </a:prstGeom>
+          <a:solidFill>
+            <a:schemeClr val="bg1"/>
+          </a:solidFill>
+          <a:ln>
+            <a:noFill/>
+          </a:ln>
+        </p:spPr>
+        <p:style>
+          <a:lnRef idx="2">
+            <a:schemeClr val="accent1">
+              <a:shade val="50000"/>
+            </a:schemeClr>
+          </a:lnRef>
+          <a:fillRef idx="1">
+            <a:schemeClr val="accent1"/>
+          </a:fillRef>
+          <a:effectRef idx="0">
+            <a:schemeClr val="accent1"/>
+          </a:effectRef>
+          <a:fontRef idx="minor">
+            <a:schemeClr val="lt1"/>
+          </a:fontRef>
+        </p:style>
+        <p:txBody>
+          <a:bodyPr rtlCol="0" anchor="ctr"/>
+          <a:lstStyle/>
+          <a:p>
+            <a:pPr algn="ctr"/>
+            <a:endParaRPr lang="en-US"/>
+          </a:p>
+        </p:txBody>
+      </p:sp>
+      <p:cxnSp>
+        <p:nvCxnSpPr>
+          <p:cNvPr id="245" name="Straight Connector 244"/>
+          <p:cNvCxnSpPr/>
+          <p:nvPr/>
+        </p:nvCxnSpPr>
+        <p:spPr>
+          <a:xfrm flipH="1">
+            <a:off x="8541385" y="5442867"/>
+            <a:ext cx="730845" cy="0"/>
+          </a:xfrm>
+          <a:prstGeom prst="line">
+            <a:avLst/>
+          </a:prstGeom>
+          <a:ln w="28575">
+            <a:solidFill>
+              <a:srgbClr val="7F8084"/>
+            </a:solidFill>
+          </a:ln>
+        </p:spPr>
+        <p:style>
+          <a:lnRef idx="3">
+            <a:schemeClr val="accent1"/>
+          </a:lnRef>
+          <a:fillRef idx="0">
+            <a:schemeClr val="accent1"/>
+          </a:fillRef>
+          <a:effectRef idx="2">
+            <a:schemeClr val="accent1"/>
+          </a:effectRef>
+          <a:fontRef idx="minor">
+            <a:schemeClr val="tx1"/>
+          </a:fontRef>
+        </p:style>
+      </p:cxnSp>
+      <p:cxnSp>
+        <p:nvCxnSpPr>
+          <p:cNvPr id="249" name="Straight Connector 248"/>
+          <p:cNvCxnSpPr/>
+          <p:nvPr/>
+        </p:nvCxnSpPr>
+        <p:spPr>
+          <a:xfrm flipV="1">
+            <a:off x="9747810" y="5104641"/>
+            <a:ext cx="0" cy="700259"/>
+          </a:xfrm>
+          <a:prstGeom prst="line">
+            <a:avLst/>
+          </a:prstGeom>
+          <a:ln w="28575">
+            <a:solidFill>
+              <a:srgbClr val="7F8084"/>
+            </a:solidFill>
+          </a:ln>
+        </p:spPr>
+        <p:style>
+          <a:lnRef idx="3">
+            <a:schemeClr val="accent1"/>
+          </a:lnRef>
+          <a:fillRef idx="0">
+            <a:schemeClr val="accent1"/>
+          </a:fillRef>
+          <a:effectRef idx="2">
+            <a:schemeClr val="accent1"/>
+          </a:effectRef>
+          <a:fontRef idx="minor">
+            <a:schemeClr val="tx1"/>
+          </a:fontRef>
+        </p:style>
+      </p:cxnSp>
+      <p:cxnSp>
+        <p:nvCxnSpPr>
+          <p:cNvPr id="252" name="Straight Connector 251"/>
+          <p:cNvCxnSpPr/>
+          <p:nvPr/>
+        </p:nvCxnSpPr>
+        <p:spPr>
+          <a:xfrm flipV="1">
+            <a:off x="9260629" y="5043399"/>
+            <a:ext cx="0" cy="390991"/>
+          </a:xfrm>
+          <a:prstGeom prst="line">
+            <a:avLst/>
+          </a:prstGeom>
+          <a:ln w="22225">
+            <a:solidFill>
+              <a:srgbClr val="7F8084"/>
+            </a:solidFill>
+          </a:ln>
+        </p:spPr>
+        <p:style>
+          <a:lnRef idx="3">
+            <a:schemeClr val="accent1"/>
+          </a:lnRef>
+          <a:fillRef idx="0">
+            <a:schemeClr val="accent1"/>
+          </a:fillRef>
+          <a:effectRef idx="2">
+            <a:schemeClr val="accent1"/>
+          </a:effectRef>
+          <a:fontRef idx="minor">
+            <a:schemeClr val="tx1"/>
+          </a:fontRef>
+        </p:style>
+      </p:cxnSp>
+      <p:sp>
+        <p:nvSpPr>
+          <p:cNvPr id="8" name="TextBox 7"/>
+          <p:cNvSpPr txBox="1"/>
+          <p:nvPr/>
+        </p:nvSpPr>
+        <p:spPr>
+          <a:xfrm>
+            <a:off x="9200452" y="5167800"/>
+            <a:ext cx="849745" cy="276999"/>
+          </a:xfrm>
+          <a:prstGeom prst="rect">
+            <a:avLst/>
+          </a:prstGeom>
+          <a:noFill/>
+        </p:spPr>
+        <p:txBody>
+          <a:bodyPr wrap="square" rtlCol="0">
+            <a:spAutoFit/>
+          </a:bodyPr>
+          <a:lstStyle/>
+          <a:p>
+            <a:r>
+              <a:rPr lang="en-US" sz="1200" dirty="0" smtClean="0">
+                <a:solidFill>
+                  <a:srgbClr val="CC3300"/>
+                </a:solidFill>
+              </a:rPr>
+              <a:t>JALR</a:t>
+            </a:r>
+            <a:endParaRPr lang="en-US" sz="1200" dirty="0">
+              <a:solidFill>
+                <a:srgbClr val="CC3300"/>
+              </a:solidFill>
+            </a:endParaRPr>
+          </a:p>
+        </p:txBody>
+      </p:sp>
+      <p:sp>
+        <p:nvSpPr>
+          <p:cNvPr id="254" name="Rectangle 253"/>
+          <p:cNvSpPr/>
+          <p:nvPr/>
+        </p:nvSpPr>
+        <p:spPr>
+          <a:xfrm>
+            <a:off x="8184020" y="5790083"/>
+            <a:ext cx="979030" cy="496417"/>
+          </a:xfrm>
+          <a:prstGeom prst="rect">
+            <a:avLst/>
+          </a:prstGeom>
+          <a:noFill/>
+          <a:ln w="19050">
+            <a:solidFill>
+              <a:srgbClr val="C6C7C9"/>
+            </a:solidFill>
+          </a:ln>
+        </p:spPr>
+        <p:style>
+          <a:lnRef idx="2">
+            <a:schemeClr val="accent1">
+              <a:shade val="50000"/>
+            </a:schemeClr>
+          </a:lnRef>
+          <a:fillRef idx="1">
+            <a:schemeClr val="accent1"/>
+          </a:fillRef>
+          <a:effectRef idx="0">
+            <a:schemeClr val="accent1"/>
+          </a:effectRef>
+          <a:fontRef idx="minor">
+            <a:schemeClr val="lt1"/>
+          </a:fontRef>
+        </p:style>
+        <p:txBody>
+          <a:bodyPr rtlCol="0" anchor="ctr"/>
+          <a:lstStyle/>
+          <a:p>
+            <a:pPr algn="ctr"/>
+            <a:endParaRPr lang="en-US"/>
+          </a:p>
+        </p:txBody>
+      </p:sp>
+      <p:sp>
+        <p:nvSpPr>
+          <p:cNvPr id="255" name="TextBox 254"/>
+          <p:cNvSpPr txBox="1"/>
+          <p:nvPr/>
+        </p:nvSpPr>
+        <p:spPr>
+          <a:xfrm>
+            <a:off x="8331937" y="5918200"/>
+            <a:ext cx="747706" cy="276999"/>
+          </a:xfrm>
+          <a:prstGeom prst="rect">
+            <a:avLst/>
+          </a:prstGeom>
+          <a:noFill/>
+        </p:spPr>
+        <p:txBody>
+          <a:bodyPr wrap="square" rtlCol="0">
+            <a:spAutoFit/>
+          </a:bodyPr>
+          <a:lstStyle/>
+          <a:p>
+            <a:r>
+              <a:rPr lang="en-US" sz="1200" b="1" dirty="0" smtClean="0"/>
+              <a:t>multDiv</a:t>
+            </a:r>
+            <a:endParaRPr lang="en-US" sz="1200" b="1" dirty="0"/>
+          </a:p>
+        </p:txBody>
+      </p:sp>
+      <p:cxnSp>
+        <p:nvCxnSpPr>
+          <p:cNvPr id="256" name="Straight Connector 255"/>
+          <p:cNvCxnSpPr/>
+          <p:nvPr/>
+        </p:nvCxnSpPr>
+        <p:spPr>
+          <a:xfrm flipH="1" flipV="1">
+            <a:off x="7732060" y="4498309"/>
+            <a:ext cx="12366" cy="1506274"/>
+          </a:xfrm>
+          <a:prstGeom prst="line">
+            <a:avLst/>
+          </a:prstGeom>
+          <a:ln w="28575">
+            <a:solidFill>
+              <a:srgbClr val="CC3300"/>
+            </a:solidFill>
+          </a:ln>
+        </p:spPr>
+        <p:style>
+          <a:lnRef idx="3">
+            <a:schemeClr val="accent1"/>
+          </a:lnRef>
+          <a:fillRef idx="0">
+            <a:schemeClr val="accent1"/>
+          </a:fillRef>
+          <a:effectRef idx="2">
+            <a:schemeClr val="accent1"/>
+          </a:effectRef>
+          <a:fontRef idx="minor">
+            <a:schemeClr val="tx1"/>
+          </a:fontRef>
+        </p:style>
+      </p:cxnSp>
+      <p:cxnSp>
+        <p:nvCxnSpPr>
+          <p:cNvPr id="257" name="Straight Connector 256"/>
+          <p:cNvCxnSpPr/>
+          <p:nvPr/>
+        </p:nvCxnSpPr>
+        <p:spPr>
+          <a:xfrm flipH="1" flipV="1">
+            <a:off x="7635875" y="4533900"/>
+            <a:ext cx="12642" cy="1561479"/>
+          </a:xfrm>
+          <a:prstGeom prst="line">
+            <a:avLst/>
+          </a:prstGeom>
+          <a:ln w="28575">
+            <a:solidFill>
+              <a:srgbClr val="CC3300"/>
+            </a:solidFill>
+          </a:ln>
+        </p:spPr>
+        <p:style>
+          <a:lnRef idx="3">
+            <a:schemeClr val="accent1"/>
+          </a:lnRef>
+          <a:fillRef idx="0">
+            <a:schemeClr val="accent1"/>
+          </a:fillRef>
+          <a:effectRef idx="2">
+            <a:schemeClr val="accent1"/>
+          </a:effectRef>
+          <a:fontRef idx="minor">
+            <a:schemeClr val="tx1"/>
+          </a:fontRef>
+        </p:style>
+      </p:cxnSp>
+      <p:cxnSp>
+        <p:nvCxnSpPr>
+          <p:cNvPr id="258" name="Straight Connector 257"/>
+          <p:cNvCxnSpPr/>
+          <p:nvPr/>
+        </p:nvCxnSpPr>
+        <p:spPr>
+          <a:xfrm flipH="1" flipV="1">
+            <a:off x="7828438" y="4465819"/>
+            <a:ext cx="6698" cy="1238294"/>
+          </a:xfrm>
+          <a:prstGeom prst="line">
+            <a:avLst/>
+          </a:prstGeom>
+          <a:ln w="28575">
+            <a:solidFill>
+              <a:srgbClr val="CC3300"/>
+            </a:solidFill>
+            <a:tailEnd type="stealth" w="lg" len="lg"/>
+          </a:ln>
+        </p:spPr>
+        <p:style>
+          <a:lnRef idx="3">
+            <a:schemeClr val="accent1"/>
+          </a:lnRef>
+          <a:fillRef idx="0">
+            <a:schemeClr val="accent1"/>
+          </a:fillRef>
+          <a:effectRef idx="2">
+            <a:schemeClr val="accent1"/>
+          </a:effectRef>
+          <a:fontRef idx="minor">
+            <a:schemeClr val="tx1"/>
+          </a:fontRef>
+        </p:style>
+      </p:cxnSp>
+      <p:cxnSp>
+        <p:nvCxnSpPr>
+          <p:cNvPr id="259" name="Straight Connector 258"/>
+          <p:cNvCxnSpPr/>
+          <p:nvPr/>
+        </p:nvCxnSpPr>
+        <p:spPr>
+          <a:xfrm flipH="1">
+            <a:off x="7727097" y="6004583"/>
+            <a:ext cx="463204" cy="3501"/>
+          </a:xfrm>
+          <a:prstGeom prst="line">
+            <a:avLst/>
+          </a:prstGeom>
+          <a:ln w="28575">
+            <a:solidFill>
+              <a:srgbClr val="C00000"/>
+            </a:solidFill>
+            <a:headEnd type="stealth" w="lg" len="lg"/>
+          </a:ln>
+        </p:spPr>
+        <p:style>
+          <a:lnRef idx="3">
+            <a:schemeClr val="accent1"/>
+          </a:lnRef>
+          <a:fillRef idx="0">
+            <a:schemeClr val="accent1"/>
+          </a:fillRef>
+          <a:effectRef idx="2">
+            <a:schemeClr val="accent1"/>
+          </a:effectRef>
+          <a:fontRef idx="minor">
+            <a:schemeClr val="tx1"/>
+          </a:fontRef>
+        </p:style>
+      </p:cxnSp>
+      <p:cxnSp>
+        <p:nvCxnSpPr>
+          <p:cNvPr id="263" name="Straight Connector 262"/>
+          <p:cNvCxnSpPr/>
+          <p:nvPr/>
+        </p:nvCxnSpPr>
+        <p:spPr>
+          <a:xfrm flipH="1" flipV="1">
+            <a:off x="7633997" y="6095378"/>
+            <a:ext cx="550023" cy="622"/>
+          </a:xfrm>
+          <a:prstGeom prst="line">
+            <a:avLst/>
+          </a:prstGeom>
+          <a:ln w="28575">
+            <a:solidFill>
+              <a:srgbClr val="C00000"/>
+            </a:solidFill>
+            <a:headEnd type="stealth" w="lg" len="lg"/>
+          </a:ln>
+        </p:spPr>
+        <p:style>
+          <a:lnRef idx="3">
+            <a:schemeClr val="accent1"/>
+          </a:lnRef>
+          <a:fillRef idx="0">
+            <a:schemeClr val="accent1"/>
+          </a:fillRef>
+          <a:effectRef idx="2">
+            <a:schemeClr val="accent1"/>
+          </a:effectRef>
+          <a:fontRef idx="minor">
+            <a:schemeClr val="tx1"/>
+          </a:fontRef>
+        </p:style>
+      </p:cxnSp>
+      <p:sp>
+        <p:nvSpPr>
+          <p:cNvPr id="275" name="TextBox 274"/>
+          <p:cNvSpPr txBox="1"/>
+          <p:nvPr/>
+        </p:nvSpPr>
+        <p:spPr>
+          <a:xfrm>
+            <a:off x="7698317" y="5800926"/>
+            <a:ext cx="435884" cy="246221"/>
+          </a:xfrm>
+          <a:prstGeom prst="rect">
+            <a:avLst/>
+          </a:prstGeom>
+          <a:noFill/>
+        </p:spPr>
+        <p:txBody>
+          <a:bodyPr wrap="square" rtlCol="0">
+            <a:spAutoFit/>
+          </a:bodyPr>
+          <a:lstStyle/>
+          <a:p>
+            <a:r>
+              <a:rPr lang="en-US" sz="1000" dirty="0" smtClean="0">
+                <a:solidFill>
+                  <a:srgbClr val="CC3300"/>
+                </a:solidFill>
+              </a:rPr>
+              <a:t>valid</a:t>
+            </a:r>
+            <a:endParaRPr lang="en-US" sz="1000" dirty="0">
+              <a:solidFill>
+                <a:srgbClr val="CC3300"/>
+              </a:solidFill>
+            </a:endParaRPr>
+          </a:p>
+        </p:txBody>
+      </p:sp>
+      <p:sp>
+        <p:nvSpPr>
+          <p:cNvPr id="276" name="TextBox 275"/>
+          <p:cNvSpPr txBox="1"/>
+          <p:nvPr/>
+        </p:nvSpPr>
+        <p:spPr>
+          <a:xfrm>
+            <a:off x="7629854" y="6057777"/>
+            <a:ext cx="495175" cy="246221"/>
+          </a:xfrm>
+          <a:prstGeom prst="rect">
+            <a:avLst/>
+          </a:prstGeom>
+          <a:noFill/>
+        </p:spPr>
+        <p:txBody>
+          <a:bodyPr wrap="square" rtlCol="0">
+            <a:spAutoFit/>
+          </a:bodyPr>
+          <a:lstStyle/>
+          <a:p>
+            <a:r>
+              <a:rPr lang="en-US" sz="1000" dirty="0" smtClean="0">
+                <a:solidFill>
+                  <a:srgbClr val="CC3300"/>
+                </a:solidFill>
+              </a:rPr>
+              <a:t>mode</a:t>
+            </a:r>
+            <a:endParaRPr lang="en-US" sz="1000" dirty="0">
+              <a:solidFill>
+                <a:srgbClr val="CC3300"/>
+              </a:solidFill>
+            </a:endParaRPr>
+          </a:p>
+        </p:txBody>
+      </p:sp>
+      <p:cxnSp>
+        <p:nvCxnSpPr>
+          <p:cNvPr id="277" name="Straight Connector 276"/>
+          <p:cNvCxnSpPr/>
+          <p:nvPr/>
+        </p:nvCxnSpPr>
+        <p:spPr>
+          <a:xfrm flipH="1">
+            <a:off x="7846605" y="5693295"/>
+            <a:ext cx="1613538" cy="0"/>
+          </a:xfrm>
+          <a:prstGeom prst="line">
+            <a:avLst/>
+          </a:prstGeom>
+          <a:ln w="28575">
+            <a:solidFill>
+              <a:srgbClr val="C00000"/>
+            </a:solidFill>
+            <a:headEnd type="none" w="lg" len="lg"/>
+          </a:ln>
+        </p:spPr>
+        <p:style>
+          <a:lnRef idx="3">
+            <a:schemeClr val="accent1"/>
+          </a:lnRef>
+          <a:fillRef idx="0">
+            <a:schemeClr val="accent1"/>
+          </a:fillRef>
+          <a:effectRef idx="2">
+            <a:schemeClr val="accent1"/>
+          </a:effectRef>
+          <a:fontRef idx="minor">
+            <a:schemeClr val="tx1"/>
+          </a:fontRef>
+        </p:style>
+      </p:cxnSp>
+      <p:cxnSp>
+        <p:nvCxnSpPr>
+          <p:cNvPr id="280" name="Straight Connector 279"/>
+          <p:cNvCxnSpPr/>
+          <p:nvPr/>
+        </p:nvCxnSpPr>
+        <p:spPr>
+          <a:xfrm flipH="1" flipV="1">
+            <a:off x="9446373" y="5693295"/>
+            <a:ext cx="110" cy="402083"/>
+          </a:xfrm>
+          <a:prstGeom prst="line">
+            <a:avLst/>
+          </a:prstGeom>
+          <a:ln w="28575">
+            <a:solidFill>
+              <a:srgbClr val="CC3300"/>
+            </a:solidFill>
+          </a:ln>
+        </p:spPr>
+        <p:style>
+          <a:lnRef idx="3">
+            <a:schemeClr val="accent1"/>
+          </a:lnRef>
+          <a:fillRef idx="0">
+            <a:schemeClr val="accent1"/>
+          </a:fillRef>
+          <a:effectRef idx="2">
+            <a:schemeClr val="accent1"/>
+          </a:effectRef>
+          <a:fontRef idx="minor">
+            <a:schemeClr val="tx1"/>
+          </a:fontRef>
+        </p:style>
+      </p:cxnSp>
+      <p:cxnSp>
+        <p:nvCxnSpPr>
+          <p:cNvPr id="283" name="Straight Connector 282"/>
+          <p:cNvCxnSpPr/>
+          <p:nvPr/>
+        </p:nvCxnSpPr>
+        <p:spPr>
+          <a:xfrm flipH="1">
+            <a:off x="9167710" y="6095378"/>
+            <a:ext cx="292433" cy="0"/>
+          </a:xfrm>
+          <a:prstGeom prst="line">
+            <a:avLst/>
+          </a:prstGeom>
+          <a:ln w="28575">
+            <a:solidFill>
+              <a:srgbClr val="C00000"/>
+            </a:solidFill>
+            <a:headEnd type="none" w="lg" len="lg"/>
+          </a:ln>
+        </p:spPr>
+        <p:style>
+          <a:lnRef idx="3">
+            <a:schemeClr val="accent1"/>
+          </a:lnRef>
+          <a:fillRef idx="0">
+            <a:schemeClr val="accent1"/>
+          </a:fillRef>
+          <a:effectRef idx="2">
+            <a:schemeClr val="accent1"/>
+          </a:effectRef>
+          <a:fontRef idx="minor">
+            <a:schemeClr val="tx1"/>
+          </a:fontRef>
+        </p:style>
+      </p:cxnSp>
+      <p:sp>
+        <p:nvSpPr>
+          <p:cNvPr id="287" name="TextBox 286"/>
+          <p:cNvSpPr txBox="1"/>
+          <p:nvPr/>
+        </p:nvSpPr>
+        <p:spPr>
+          <a:xfrm>
+            <a:off x="8360215" y="5484492"/>
+            <a:ext cx="489792" cy="246221"/>
+          </a:xfrm>
+          <a:prstGeom prst="rect">
+            <a:avLst/>
+          </a:prstGeom>
+          <a:noFill/>
+        </p:spPr>
+        <p:txBody>
+          <a:bodyPr wrap="square" rtlCol="0">
+            <a:spAutoFit/>
+          </a:bodyPr>
+          <a:lstStyle/>
+          <a:p>
+            <a:r>
+              <a:rPr lang="en-US" sz="1000" dirty="0" smtClean="0">
+                <a:solidFill>
+                  <a:srgbClr val="CC3300"/>
+                </a:solidFill>
+              </a:rPr>
+              <a:t>ready</a:t>
+            </a:r>
+            <a:endParaRPr lang="en-US" sz="1000" dirty="0">
+              <a:solidFill>
+                <a:srgbClr val="CC3300"/>
+              </a:solidFill>
+            </a:endParaRPr>
+          </a:p>
+        </p:txBody>
+      </p:sp>
+      <p:sp>
+        <p:nvSpPr>
+          <p:cNvPr id="90" name="Oval 89"/>
+          <p:cNvSpPr/>
+          <p:nvPr/>
+        </p:nvSpPr>
+        <p:spPr>
+          <a:xfrm>
+            <a:off x="9717365" y="6361671"/>
+            <a:ext cx="66815" cy="69792"/>
+          </a:xfrm>
+          <a:prstGeom prst="ellipse">
+            <a:avLst/>
+          </a:prstGeom>
+          <a:solidFill>
+            <a:srgbClr val="272A30"/>
+          </a:solidFill>
+          <a:ln>
+            <a:noFill/>
+          </a:ln>
+        </p:spPr>
+        <p:style>
+          <a:lnRef idx="2">
+            <a:schemeClr val="accent1">
+              <a:shade val="50000"/>
+            </a:schemeClr>
+          </a:lnRef>
+          <a:fillRef idx="1">
+            <a:schemeClr val="accent1"/>
+          </a:fillRef>
+          <a:effectRef idx="0">
+            <a:schemeClr val="accent1"/>
+          </a:effectRef>
+          <a:fontRef idx="minor">
+            <a:schemeClr val="lt1"/>
+          </a:fontRef>
+        </p:style>
+        <p:txBody>
+          <a:bodyPr rtlCol="0" anchor="ctr"/>
+          <a:lstStyle/>
+          <a:p>
+            <a:pPr algn="ctr"/>
+            <a:endParaRPr lang="en-US"/>
+          </a:p>
+        </p:txBody>
+      </p:sp>
+      <p:sp>
+        <p:nvSpPr>
+          <p:cNvPr id="98" name="TextBox 97"/>
+          <p:cNvSpPr txBox="1"/>
+          <p:nvPr/>
+        </p:nvSpPr>
+        <p:spPr>
+          <a:xfrm>
+            <a:off x="8331938" y="165130"/>
+            <a:ext cx="457200" cy="276999"/>
+          </a:xfrm>
+          <a:prstGeom prst="rect">
+            <a:avLst/>
+          </a:prstGeom>
+          <a:noFill/>
+        </p:spPr>
+        <p:txBody>
+          <a:bodyPr wrap="square" rtlCol="0">
+            <a:spAutoFit/>
+          </a:bodyPr>
+          <a:lstStyle/>
+          <a:p>
+            <a:r>
+              <a:rPr lang="en-US" sz="1200" dirty="0" smtClean="0">
+                <a:solidFill>
+                  <a:srgbClr val="CC3300"/>
+                </a:solidFill>
+              </a:rPr>
+              <a:t>00</a:t>
+            </a:r>
+            <a:endParaRPr lang="en-US" sz="1200" dirty="0">
+              <a:solidFill>
+                <a:srgbClr val="CC3300"/>
+              </a:solidFill>
+            </a:endParaRPr>
+          </a:p>
+        </p:txBody>
+      </p:sp>
+      <p:pic>
+        <p:nvPicPr>
+          <p:cNvPr id="4" name="Picture 3"/>
+          <p:cNvPicPr>
+            <a:picLocks noChangeAspect="1"/>
+          </p:cNvPicPr>
+          <p:nvPr/>
+        </p:nvPicPr>
+        <p:blipFill>
+          <a:blip r:embed="rId6"/>
+          <a:stretch>
+            <a:fillRect/>
+          </a:stretch>
+        </p:blipFill>
+        <p:spPr>
+          <a:xfrm>
+            <a:off x="8109491" y="1981858"/>
+            <a:ext cx="311166" cy="336567"/>
+          </a:xfrm>
+          <a:prstGeom prst="rect">
+            <a:avLst/>
+          </a:prstGeom>
+        </p:spPr>
+      </p:pic>
+      <p:cxnSp>
+        <p:nvCxnSpPr>
+          <p:cNvPr id="104" name="Straight Connector 103"/>
+          <p:cNvCxnSpPr/>
+          <p:nvPr/>
+        </p:nvCxnSpPr>
+        <p:spPr>
+          <a:xfrm flipH="1" flipV="1">
+            <a:off x="5293597" y="1954709"/>
+            <a:ext cx="1183211" cy="448"/>
+          </a:xfrm>
+          <a:prstGeom prst="line">
+            <a:avLst/>
+          </a:prstGeom>
+          <a:ln w="28575">
+            <a:solidFill>
+              <a:srgbClr val="C00000"/>
+            </a:solidFill>
+          </a:ln>
+        </p:spPr>
+        <p:style>
+          <a:lnRef idx="3">
+            <a:schemeClr val="accent1"/>
+          </a:lnRef>
+          <a:fillRef idx="0">
+            <a:schemeClr val="accent1"/>
+          </a:fillRef>
+          <a:effectRef idx="2">
+            <a:schemeClr val="accent1"/>
+          </a:effectRef>
+          <a:fontRef idx="minor">
+            <a:schemeClr val="tx1"/>
+          </a:fontRef>
+        </p:style>
+      </p:cxnSp>
+      <p:cxnSp>
+        <p:nvCxnSpPr>
+          <p:cNvPr id="106" name="Straight Connector 105"/>
+          <p:cNvCxnSpPr/>
+          <p:nvPr/>
+        </p:nvCxnSpPr>
+        <p:spPr>
+          <a:xfrm flipH="1">
+            <a:off x="6485079" y="2479192"/>
+            <a:ext cx="2012721" cy="0"/>
+          </a:xfrm>
+          <a:prstGeom prst="line">
+            <a:avLst/>
+          </a:prstGeom>
+          <a:ln w="28575">
+            <a:solidFill>
+              <a:srgbClr val="C00000"/>
+            </a:solidFill>
+          </a:ln>
+        </p:spPr>
+        <p:style>
+          <a:lnRef idx="3">
+            <a:schemeClr val="accent1"/>
+          </a:lnRef>
+          <a:fillRef idx="0">
+            <a:schemeClr val="accent1"/>
+          </a:fillRef>
+          <a:effectRef idx="2">
+            <a:schemeClr val="accent1"/>
+          </a:effectRef>
+          <a:fontRef idx="minor">
+            <a:schemeClr val="tx1"/>
+          </a:fontRef>
+        </p:style>
+      </p:cxnSp>
+      <p:cxnSp>
+        <p:nvCxnSpPr>
+          <p:cNvPr id="112" name="Straight Connector 111"/>
+          <p:cNvCxnSpPr/>
+          <p:nvPr/>
+        </p:nvCxnSpPr>
+        <p:spPr>
+          <a:xfrm flipH="1" flipV="1">
+            <a:off x="6475903" y="1945084"/>
+            <a:ext cx="1329" cy="551040"/>
+          </a:xfrm>
+          <a:prstGeom prst="line">
+            <a:avLst/>
+          </a:prstGeom>
+          <a:ln w="28575">
+            <a:solidFill>
+              <a:srgbClr val="CC3300"/>
+            </a:solidFill>
+          </a:ln>
+        </p:spPr>
+        <p:style>
+          <a:lnRef idx="3">
+            <a:schemeClr val="accent1"/>
+          </a:lnRef>
+          <a:fillRef idx="0">
+            <a:schemeClr val="accent1"/>
+          </a:fillRef>
+          <a:effectRef idx="2">
+            <a:schemeClr val="accent1"/>
+          </a:effectRef>
+          <a:fontRef idx="minor">
+            <a:schemeClr val="tx1"/>
+          </a:fontRef>
+        </p:style>
+      </p:cxnSp>
+      <p:cxnSp>
+        <p:nvCxnSpPr>
+          <p:cNvPr id="122" name="Straight Connector 121"/>
+          <p:cNvCxnSpPr/>
+          <p:nvPr/>
+        </p:nvCxnSpPr>
+        <p:spPr>
+          <a:xfrm flipH="1" flipV="1">
+            <a:off x="6123834" y="2172267"/>
+            <a:ext cx="1861496" cy="6338"/>
+          </a:xfrm>
+          <a:prstGeom prst="line">
+            <a:avLst/>
+          </a:prstGeom>
+          <a:ln w="22225">
+            <a:solidFill>
+              <a:srgbClr val="6ED3F4"/>
+            </a:solidFill>
+          </a:ln>
+        </p:spPr>
+        <p:style>
+          <a:lnRef idx="3">
+            <a:schemeClr val="accent1"/>
+          </a:lnRef>
+          <a:fillRef idx="0">
+            <a:schemeClr val="accent1"/>
+          </a:fillRef>
+          <a:effectRef idx="2">
+            <a:schemeClr val="accent1"/>
+          </a:effectRef>
+          <a:fontRef idx="minor">
+            <a:schemeClr val="tx1"/>
+          </a:fontRef>
+        </p:style>
+      </p:cxnSp>
+      <p:cxnSp>
+        <p:nvCxnSpPr>
+          <p:cNvPr id="126" name="Straight Connector 125"/>
+          <p:cNvCxnSpPr/>
+          <p:nvPr/>
+        </p:nvCxnSpPr>
+        <p:spPr>
+          <a:xfrm flipH="1" flipV="1">
+            <a:off x="5341064" y="2044040"/>
+            <a:ext cx="789290" cy="1281"/>
+          </a:xfrm>
+          <a:prstGeom prst="line">
+            <a:avLst/>
+          </a:prstGeom>
+          <a:ln w="22225">
+            <a:solidFill>
+              <a:srgbClr val="6ED3F4"/>
+            </a:solidFill>
+            <a:tailEnd type="stealth" w="med" len="lg"/>
+          </a:ln>
+        </p:spPr>
+        <p:style>
+          <a:lnRef idx="3">
+            <a:schemeClr val="accent1"/>
+          </a:lnRef>
+          <a:fillRef idx="0">
+            <a:schemeClr val="accent1"/>
+          </a:fillRef>
+          <a:effectRef idx="2">
+            <a:schemeClr val="accent1"/>
+          </a:effectRef>
+          <a:fontRef idx="minor">
+            <a:schemeClr val="tx1"/>
+          </a:fontRef>
+        </p:style>
+      </p:cxnSp>
+      <p:cxnSp>
+        <p:nvCxnSpPr>
+          <p:cNvPr id="129" name="Straight Connector 128"/>
+          <p:cNvCxnSpPr/>
+          <p:nvPr/>
+        </p:nvCxnSpPr>
+        <p:spPr>
+          <a:xfrm flipH="1">
+            <a:off x="8445382" y="1940656"/>
+            <a:ext cx="1647" cy="209329"/>
+          </a:xfrm>
+          <a:prstGeom prst="line">
+            <a:avLst/>
+          </a:prstGeom>
+          <a:ln w="22225">
+            <a:solidFill>
+              <a:srgbClr val="6AD4F5"/>
+            </a:solidFill>
+          </a:ln>
+        </p:spPr>
+        <p:style>
+          <a:lnRef idx="3">
+            <a:schemeClr val="accent1"/>
+          </a:lnRef>
+          <a:fillRef idx="0">
+            <a:schemeClr val="accent1"/>
+          </a:fillRef>
+          <a:effectRef idx="2">
+            <a:schemeClr val="accent1"/>
+          </a:effectRef>
+          <a:fontRef idx="minor">
+            <a:schemeClr val="tx1"/>
+          </a:fontRef>
+        </p:style>
+      </p:cxnSp>
+      <p:cxnSp>
+        <p:nvCxnSpPr>
+          <p:cNvPr id="130" name="Straight Connector 129"/>
+          <p:cNvCxnSpPr/>
+          <p:nvPr/>
+        </p:nvCxnSpPr>
+        <p:spPr>
+          <a:xfrm flipH="1">
+            <a:off x="7979344" y="1940362"/>
+            <a:ext cx="1313" cy="237563"/>
+          </a:xfrm>
+          <a:prstGeom prst="line">
+            <a:avLst/>
+          </a:prstGeom>
+          <a:ln w="22225">
+            <a:solidFill>
+              <a:srgbClr val="6AD4F5"/>
+            </a:solidFill>
+          </a:ln>
+        </p:spPr>
+        <p:style>
+          <a:lnRef idx="3">
+            <a:schemeClr val="accent1"/>
+          </a:lnRef>
+          <a:fillRef idx="0">
+            <a:schemeClr val="accent1"/>
+          </a:fillRef>
+          <a:effectRef idx="2">
+            <a:schemeClr val="accent1"/>
+          </a:effectRef>
+          <a:fontRef idx="minor">
+            <a:schemeClr val="tx1"/>
+          </a:fontRef>
+        </p:style>
+      </p:cxnSp>
+      <p:cxnSp>
+        <p:nvCxnSpPr>
+          <p:cNvPr id="131" name="Straight Connector 130"/>
+          <p:cNvCxnSpPr/>
+          <p:nvPr/>
+        </p:nvCxnSpPr>
+        <p:spPr>
+          <a:xfrm>
+            <a:off x="6130354" y="2044040"/>
+            <a:ext cx="394" cy="127511"/>
+          </a:xfrm>
+          <a:prstGeom prst="line">
+            <a:avLst/>
+          </a:prstGeom>
+          <a:ln w="22225">
+            <a:solidFill>
+              <a:srgbClr val="6AD4F5"/>
+            </a:solidFill>
+          </a:ln>
+        </p:spPr>
+        <p:style>
+          <a:lnRef idx="3">
+            <a:schemeClr val="accent1"/>
+          </a:lnRef>
+          <a:fillRef idx="0">
+            <a:schemeClr val="accent1"/>
+          </a:fillRef>
+          <a:effectRef idx="2">
+            <a:schemeClr val="accent1"/>
+          </a:effectRef>
+          <a:fontRef idx="minor">
+            <a:schemeClr val="tx1"/>
+          </a:fontRef>
+        </p:style>
+      </p:cxnSp>
+      <p:cxnSp>
+        <p:nvCxnSpPr>
+          <p:cNvPr id="140" name="Straight Connector 139"/>
+          <p:cNvCxnSpPr/>
+          <p:nvPr/>
+        </p:nvCxnSpPr>
+        <p:spPr>
+          <a:xfrm flipH="1">
+            <a:off x="7974295" y="1951179"/>
+            <a:ext cx="469742" cy="1430"/>
+          </a:xfrm>
+          <a:prstGeom prst="line">
+            <a:avLst/>
+          </a:prstGeom>
+          <a:ln w="22225">
+            <a:solidFill>
+              <a:srgbClr val="6ED3F4"/>
+            </a:solidFill>
+          </a:ln>
+        </p:spPr>
+        <p:style>
+          <a:lnRef idx="3">
+            <a:schemeClr val="accent1"/>
+          </a:lnRef>
+          <a:fillRef idx="0">
+            <a:schemeClr val="accent1"/>
+          </a:fillRef>
+          <a:effectRef idx="2">
+            <a:schemeClr val="accent1"/>
+          </a:effectRef>
+          <a:fontRef idx="minor">
+            <a:schemeClr val="tx1"/>
+          </a:fontRef>
+        </p:style>
+      </p:cxnSp>
+      <p:cxnSp>
+        <p:nvCxnSpPr>
+          <p:cNvPr id="150" name="Straight Connector 149"/>
+          <p:cNvCxnSpPr/>
+          <p:nvPr/>
+        </p:nvCxnSpPr>
+        <p:spPr>
+          <a:xfrm>
+            <a:off x="8380405" y="2142112"/>
+            <a:ext cx="76854" cy="615"/>
+          </a:xfrm>
+          <a:prstGeom prst="line">
+            <a:avLst/>
+          </a:prstGeom>
+          <a:ln w="22225">
+            <a:solidFill>
+              <a:srgbClr val="6ED3F4"/>
+            </a:solidFill>
+          </a:ln>
+        </p:spPr>
+        <p:style>
+          <a:lnRef idx="3">
+            <a:schemeClr val="accent1"/>
+          </a:lnRef>
+          <a:fillRef idx="0">
+            <a:schemeClr val="accent1"/>
+          </a:fillRef>
+          <a:effectRef idx="2">
+            <a:schemeClr val="accent1"/>
+          </a:effectRef>
+          <a:fontRef idx="minor">
+            <a:schemeClr val="tx1"/>
+          </a:fontRef>
+        </p:style>
+      </p:cxnSp>
+      <p:sp>
+        <p:nvSpPr>
+          <p:cNvPr id="173" name="TextBox 172"/>
+          <p:cNvSpPr txBox="1"/>
+          <p:nvPr/>
+        </p:nvSpPr>
+        <p:spPr>
+          <a:xfrm>
+            <a:off x="5087191" y="438998"/>
+            <a:ext cx="245039" cy="276999"/>
+          </a:xfrm>
+          <a:prstGeom prst="rect">
+            <a:avLst/>
+          </a:prstGeom>
+          <a:noFill/>
+        </p:spPr>
+        <p:txBody>
+          <a:bodyPr wrap="square" rtlCol="0">
+            <a:spAutoFit/>
+          </a:bodyPr>
+          <a:lstStyle/>
+          <a:p>
+            <a:r>
+              <a:rPr lang="en-US" sz="1200" dirty="0" smtClean="0">
+                <a:solidFill>
+                  <a:srgbClr val="CC3300"/>
+                </a:solidFill>
+              </a:rPr>
+              <a:t>0</a:t>
+            </a:r>
+            <a:endParaRPr lang="en-US" sz="1200" dirty="0">
+              <a:solidFill>
+                <a:srgbClr val="CC3300"/>
+              </a:solidFill>
+            </a:endParaRPr>
+          </a:p>
+        </p:txBody>
+      </p:sp>
+      <p:cxnSp>
+        <p:nvCxnSpPr>
+          <p:cNvPr id="174" name="Straight Connector 173"/>
+          <p:cNvCxnSpPr>
+            <a:endCxn id="163" idx="1"/>
+          </p:cNvCxnSpPr>
+          <p:nvPr/>
+        </p:nvCxnSpPr>
+        <p:spPr>
+          <a:xfrm flipH="1" flipV="1">
+            <a:off x="8399209" y="402074"/>
+            <a:ext cx="222838" cy="116978"/>
+          </a:xfrm>
+          <a:prstGeom prst="line">
+            <a:avLst/>
+          </a:prstGeom>
+          <a:ln w="28575">
+            <a:solidFill>
+              <a:srgbClr val="CC3300"/>
+            </a:solidFill>
+          </a:ln>
+        </p:spPr>
+        <p:style>
+          <a:lnRef idx="3">
+            <a:schemeClr val="accent1"/>
+          </a:lnRef>
+          <a:fillRef idx="0">
+            <a:schemeClr val="accent1"/>
+          </a:fillRef>
+          <a:effectRef idx="2">
+            <a:schemeClr val="accent1"/>
+          </a:effectRef>
+          <a:fontRef idx="minor">
+            <a:schemeClr val="tx1"/>
+          </a:fontRef>
+        </p:style>
+      </p:cxnSp>
+      <p:cxnSp>
+        <p:nvCxnSpPr>
+          <p:cNvPr id="176" name="Straight Connector 175"/>
+          <p:cNvCxnSpPr/>
+          <p:nvPr/>
+        </p:nvCxnSpPr>
+        <p:spPr>
+          <a:xfrm flipH="1">
+            <a:off x="5108846" y="396066"/>
+            <a:ext cx="211906" cy="1503"/>
+          </a:xfrm>
+          <a:prstGeom prst="line">
+            <a:avLst/>
+          </a:prstGeom>
+          <a:ln w="28575">
+            <a:solidFill>
+              <a:srgbClr val="CC3300"/>
+            </a:solidFill>
+          </a:ln>
+        </p:spPr>
+        <p:style>
+          <a:lnRef idx="3">
+            <a:schemeClr val="accent1"/>
+          </a:lnRef>
+          <a:fillRef idx="0">
+            <a:schemeClr val="accent1"/>
+          </a:fillRef>
+          <a:effectRef idx="2">
+            <a:schemeClr val="accent1"/>
+          </a:effectRef>
+          <a:fontRef idx="minor">
+            <a:schemeClr val="tx1"/>
+          </a:fontRef>
+        </p:style>
+      </p:cxnSp>
+      <p:sp>
+        <p:nvSpPr>
+          <p:cNvPr id="180" name="TextBox 179"/>
+          <p:cNvSpPr txBox="1"/>
+          <p:nvPr/>
+        </p:nvSpPr>
+        <p:spPr>
+          <a:xfrm>
+            <a:off x="4523002" y="438305"/>
+            <a:ext cx="679649" cy="276999"/>
+          </a:xfrm>
+          <a:prstGeom prst="rect">
+            <a:avLst/>
+          </a:prstGeom>
+          <a:noFill/>
+        </p:spPr>
+        <p:txBody>
+          <a:bodyPr wrap="square" rtlCol="0">
+            <a:spAutoFit/>
+          </a:bodyPr>
+          <a:lstStyle/>
+          <a:p>
+            <a:r>
+              <a:rPr lang="en-US" sz="1200" dirty="0" smtClean="0">
+                <a:solidFill>
+                  <a:srgbClr val="CC3300"/>
+                </a:solidFill>
+              </a:rPr>
+              <a:t>SCYCLE</a:t>
+            </a:r>
+            <a:endParaRPr lang="en-US" sz="1200" dirty="0">
+              <a:solidFill>
+                <a:srgbClr val="CC3300"/>
+              </a:solidFill>
+            </a:endParaRPr>
+          </a:p>
+        </p:txBody>
+      </p:sp>
+      <p:sp>
+        <p:nvSpPr>
+          <p:cNvPr id="181" name="TextBox 180"/>
+          <p:cNvSpPr txBox="1"/>
+          <p:nvPr/>
+        </p:nvSpPr>
+        <p:spPr>
+          <a:xfrm>
+            <a:off x="8758042" y="3322459"/>
+            <a:ext cx="245039" cy="276999"/>
+          </a:xfrm>
+          <a:prstGeom prst="rect">
+            <a:avLst/>
+          </a:prstGeom>
+          <a:noFill/>
+        </p:spPr>
+        <p:txBody>
+          <a:bodyPr wrap="square" rtlCol="0">
+            <a:spAutoFit/>
+          </a:bodyPr>
+          <a:lstStyle/>
+          <a:p>
+            <a:r>
+              <a:rPr lang="en-US" sz="1200" dirty="0" smtClean="0">
+                <a:solidFill>
+                  <a:srgbClr val="CC3300"/>
+                </a:solidFill>
+              </a:rPr>
+              <a:t>0</a:t>
+            </a:r>
+            <a:endParaRPr lang="en-US" sz="1200" dirty="0">
+              <a:solidFill>
+                <a:srgbClr val="CC3300"/>
+              </a:solidFill>
+            </a:endParaRPr>
+          </a:p>
+        </p:txBody>
+      </p:sp>
+      <p:cxnSp>
+        <p:nvCxnSpPr>
+          <p:cNvPr id="182" name="Straight Connector 181"/>
+          <p:cNvCxnSpPr/>
+          <p:nvPr/>
+        </p:nvCxnSpPr>
+        <p:spPr>
+          <a:xfrm flipV="1">
+            <a:off x="9754159" y="3969696"/>
+            <a:ext cx="365069" cy="963480"/>
+          </a:xfrm>
+          <a:prstGeom prst="line">
+            <a:avLst/>
+          </a:prstGeom>
+          <a:ln w="28575">
+            <a:solidFill>
+              <a:srgbClr val="CC3300"/>
+            </a:solidFill>
+          </a:ln>
+        </p:spPr>
+        <p:style>
+          <a:lnRef idx="3">
+            <a:schemeClr val="accent1"/>
+          </a:lnRef>
+          <a:fillRef idx="0">
+            <a:schemeClr val="accent1"/>
+          </a:fillRef>
+          <a:effectRef idx="2">
+            <a:schemeClr val="accent1"/>
+          </a:effectRef>
+          <a:fontRef idx="minor">
+            <a:schemeClr val="tx1"/>
+          </a:fontRef>
+        </p:style>
+      </p:cxnSp>
+      <p:sp>
+        <p:nvSpPr>
+          <p:cNvPr id="188" name="TextBox 187"/>
+          <p:cNvSpPr txBox="1"/>
+          <p:nvPr/>
+        </p:nvSpPr>
+        <p:spPr>
+          <a:xfrm>
+            <a:off x="8599580" y="3323802"/>
+            <a:ext cx="245039" cy="276999"/>
+          </a:xfrm>
+          <a:prstGeom prst="rect">
+            <a:avLst/>
+          </a:prstGeom>
+          <a:noFill/>
+        </p:spPr>
+        <p:txBody>
+          <a:bodyPr wrap="square" rtlCol="0">
+            <a:spAutoFit/>
+          </a:bodyPr>
+          <a:lstStyle/>
+          <a:p>
+            <a:r>
+              <a:rPr lang="en-US" sz="1200" dirty="0" smtClean="0">
+                <a:solidFill>
+                  <a:srgbClr val="CC3300"/>
+                </a:solidFill>
+              </a:rPr>
+              <a:t>0</a:t>
+            </a:r>
+            <a:endParaRPr lang="en-US" sz="1200" dirty="0">
+              <a:solidFill>
+                <a:srgbClr val="CC3300"/>
+              </a:solidFill>
+            </a:endParaRPr>
+          </a:p>
+        </p:txBody>
+      </p:sp>
+      <p:sp>
+        <p:nvSpPr>
+          <p:cNvPr id="189" name="TextBox 188"/>
+          <p:cNvSpPr txBox="1"/>
+          <p:nvPr/>
+        </p:nvSpPr>
+        <p:spPr>
+          <a:xfrm>
+            <a:off x="6796862" y="3882376"/>
+            <a:ext cx="245039" cy="276999"/>
+          </a:xfrm>
+          <a:prstGeom prst="rect">
+            <a:avLst/>
+          </a:prstGeom>
+          <a:noFill/>
+        </p:spPr>
+        <p:txBody>
+          <a:bodyPr wrap="square" rtlCol="0">
+            <a:spAutoFit/>
+          </a:bodyPr>
+          <a:lstStyle/>
+          <a:p>
+            <a:r>
+              <a:rPr lang="en-US" sz="1200" dirty="0" smtClean="0">
+                <a:solidFill>
+                  <a:srgbClr val="CC3300"/>
+                </a:solidFill>
+              </a:rPr>
+              <a:t>0</a:t>
+            </a:r>
+            <a:endParaRPr lang="en-US" sz="1200" dirty="0">
+              <a:solidFill>
+                <a:srgbClr val="CC3300"/>
+              </a:solidFill>
+            </a:endParaRPr>
+          </a:p>
+        </p:txBody>
+      </p:sp>
+      <p:sp>
+        <p:nvSpPr>
+          <p:cNvPr id="190" name="TextBox 189"/>
+          <p:cNvSpPr txBox="1"/>
+          <p:nvPr/>
+        </p:nvSpPr>
+        <p:spPr>
+          <a:xfrm>
+            <a:off x="5711780" y="3168719"/>
+            <a:ext cx="245039" cy="276999"/>
+          </a:xfrm>
+          <a:prstGeom prst="rect">
+            <a:avLst/>
+          </a:prstGeom>
+          <a:noFill/>
+        </p:spPr>
+        <p:txBody>
+          <a:bodyPr wrap="square" rtlCol="0">
+            <a:spAutoFit/>
+          </a:bodyPr>
+          <a:lstStyle/>
+          <a:p>
+            <a:r>
+              <a:rPr lang="en-US" sz="1200" dirty="0" smtClean="0">
+                <a:solidFill>
+                  <a:srgbClr val="CC3300"/>
+                </a:solidFill>
+              </a:rPr>
+              <a:t>1</a:t>
+            </a:r>
+            <a:endParaRPr lang="en-US" sz="1200" dirty="0">
+              <a:solidFill>
+                <a:srgbClr val="CC3300"/>
+              </a:solidFill>
+            </a:endParaRPr>
+          </a:p>
+        </p:txBody>
+      </p:sp>
+      <p:cxnSp>
+        <p:nvCxnSpPr>
+          <p:cNvPr id="191" name="Straight Connector 190"/>
+          <p:cNvCxnSpPr/>
+          <p:nvPr/>
+        </p:nvCxnSpPr>
+        <p:spPr>
+          <a:xfrm flipH="1" flipV="1">
+            <a:off x="6741583" y="4332817"/>
+            <a:ext cx="243207" cy="193824"/>
+          </a:xfrm>
+          <a:prstGeom prst="line">
+            <a:avLst/>
+          </a:prstGeom>
+          <a:ln w="28575">
+            <a:solidFill>
+              <a:srgbClr val="CC3300"/>
+            </a:solidFill>
+          </a:ln>
+        </p:spPr>
+        <p:style>
+          <a:lnRef idx="3">
+            <a:schemeClr val="accent1"/>
+          </a:lnRef>
+          <a:fillRef idx="0">
+            <a:schemeClr val="accent1"/>
+          </a:fillRef>
+          <a:effectRef idx="2">
+            <a:schemeClr val="accent1"/>
+          </a:effectRef>
+          <a:fontRef idx="minor">
+            <a:schemeClr val="tx1"/>
+          </a:fontRef>
+        </p:style>
+      </p:cxnSp>
+      <p:sp>
+        <p:nvSpPr>
+          <p:cNvPr id="108" name="TextBox 107"/>
+          <p:cNvSpPr txBox="1"/>
+          <p:nvPr/>
+        </p:nvSpPr>
+        <p:spPr>
+          <a:xfrm>
+            <a:off x="7984037" y="5752528"/>
+            <a:ext cx="245039" cy="276999"/>
+          </a:xfrm>
+          <a:prstGeom prst="rect">
+            <a:avLst/>
+          </a:prstGeom>
+          <a:noFill/>
+        </p:spPr>
+        <p:txBody>
+          <a:bodyPr wrap="square" rtlCol="0">
+            <a:spAutoFit/>
+          </a:bodyPr>
+          <a:lstStyle/>
+          <a:p>
+            <a:r>
+              <a:rPr lang="en-US" sz="1200" dirty="0" smtClean="0">
+                <a:solidFill>
+                  <a:srgbClr val="CC3300"/>
+                </a:solidFill>
+              </a:rPr>
+              <a:t>0</a:t>
+            </a:r>
+            <a:endParaRPr lang="en-US" sz="1200" dirty="0">
+              <a:solidFill>
+                <a:srgbClr val="CC3300"/>
+              </a:solidFill>
+            </a:endParaRPr>
+          </a:p>
+        </p:txBody>
+      </p:sp>
+      <p:sp>
+        <p:nvSpPr>
+          <p:cNvPr id="2" name="TextBox 1"/>
+          <p:cNvSpPr txBox="1"/>
+          <p:nvPr/>
+        </p:nvSpPr>
+        <p:spPr>
+          <a:xfrm>
+            <a:off x="407181" y="300933"/>
+            <a:ext cx="905163" cy="769441"/>
+          </a:xfrm>
+          <a:prstGeom prst="rect">
+            <a:avLst/>
+          </a:prstGeom>
+          <a:noFill/>
+        </p:spPr>
+        <p:txBody>
+          <a:bodyPr wrap="square" rtlCol="0">
+            <a:spAutoFit/>
+          </a:bodyPr>
+          <a:lstStyle/>
+          <a:p>
+            <a:pPr algn="ctr"/>
+            <a:r>
+              <a:rPr lang="en-US" sz="4400" dirty="0" smtClean="0"/>
+              <a:t>R</a:t>
+            </a:r>
+            <a:endParaRPr lang="en-US" sz="4400" dirty="0"/>
+          </a:p>
+        </p:txBody>
+      </p:sp>
+    </p:spTree>
+    <p:extLst>
+      <p:ext uri="{BB962C8B-B14F-4D97-AF65-F5344CB8AC3E}">
+        <p14:creationId xmlns:p14="http://schemas.microsoft.com/office/powerpoint/2010/main" val="2052068642"/>
+      </p:ext>
+    </p:extLst>
+  </p:cSld>
+  <p:clrMapOvr>
+    <a:masterClrMapping/>
+  </p:clrMapOvr>
+</p:sld>
+</file>
+
+<file path=ppt/slides/slide3.xml><?xml version="1.0" encoding="utf-8"?>
+<p:sld xmlns:a="http://schemas.openxmlformats.org/drawingml/2006/main" xmlns:r="http://schemas.openxmlformats.org/officeDocument/2006/relationships" xmlns:p="http://schemas.openxmlformats.org/presentationml/2006/main">
+  <p:cSld>
+    <p:spTree>
+      <p:nvGrpSpPr>
+        <p:cNvPr id="1" name=""/>
+        <p:cNvGrpSpPr/>
+        <p:nvPr/>
+      </p:nvGrpSpPr>
+      <p:grpSpPr>
+        <a:xfrm>
+          <a:off x="0" y="0"/>
+          <a:ext cx="0" cy="0"/>
+          <a:chOff x="0" y="0"/>
+          <a:chExt cx="0" cy="0"/>
+        </a:xfrm>
+      </p:grpSpPr>
+      <p:pic>
+        <p:nvPicPr>
+          <p:cNvPr id="5" name="Picture 4"/>
+          <p:cNvPicPr>
+            <a:picLocks noChangeAspect="1"/>
+          </p:cNvPicPr>
+          <p:nvPr/>
+        </p:nvPicPr>
+        <p:blipFill>
+          <a:blip r:embed="rId2">
+            <a:extLst>
+              <a:ext uri="{28A0092B-C50C-407E-A947-70E740481C1C}">
+                <a14:useLocalDpi xmlns:a14="http://schemas.microsoft.com/office/drawing/2010/main" val="0"/>
+              </a:ext>
+            </a:extLst>
+          </a:blip>
+          <a:stretch>
+            <a:fillRect/>
+          </a:stretch>
+        </p:blipFill>
+        <p:spPr>
+          <a:xfrm>
+            <a:off x="2036231" y="209473"/>
+            <a:ext cx="8040641" cy="6351431"/>
+          </a:xfrm>
+          <a:prstGeom prst="rect">
+            <a:avLst/>
+          </a:prstGeom>
+        </p:spPr>
+      </p:pic>
+      <p:grpSp>
+        <p:nvGrpSpPr>
+          <p:cNvPr id="18" name="Group 17"/>
+          <p:cNvGrpSpPr/>
+          <p:nvPr/>
+        </p:nvGrpSpPr>
+        <p:grpSpPr>
+          <a:xfrm>
+            <a:off x="8340945" y="304800"/>
+            <a:ext cx="759772" cy="1845733"/>
+            <a:chOff x="8340945" y="304800"/>
+            <a:chExt cx="759772" cy="1845733"/>
+          </a:xfrm>
+        </p:grpSpPr>
+        <p:sp>
+          <p:nvSpPr>
+            <p:cNvPr id="10" name="Rectangle 9"/>
+            <p:cNvSpPr/>
+            <p:nvPr/>
+          </p:nvSpPr>
+          <p:spPr>
+            <a:xfrm>
+              <a:off x="8528062" y="304800"/>
+              <a:ext cx="572655" cy="1845733"/>
+            </a:xfrm>
+            <a:prstGeom prst="rect">
+              <a:avLst/>
+            </a:prstGeom>
+            <a:solidFill>
+              <a:schemeClr val="bg1"/>
+            </a:solidFill>
+            <a:ln>
+              <a:noFill/>
+            </a:ln>
+          </p:spPr>
+          <p:style>
+            <a:lnRef idx="2">
+              <a:schemeClr val="accent1">
+                <a:shade val="50000"/>
+              </a:schemeClr>
+            </a:lnRef>
+            <a:fillRef idx="1">
+              <a:schemeClr val="accent1"/>
+            </a:fillRef>
+            <a:effectRef idx="0">
+              <a:schemeClr val="accent1"/>
+            </a:effectRef>
+            <a:fontRef idx="minor">
+              <a:schemeClr val="lt1"/>
+            </a:fontRef>
+          </p:style>
+          <p:txBody>
+            <a:bodyPr rtlCol="0" anchor="ctr"/>
+            <a:lstStyle/>
+            <a:p>
+              <a:pPr algn="ctr"/>
+              <a:endParaRPr lang="en-US"/>
+            </a:p>
+          </p:txBody>
+        </p:sp>
+        <p:sp>
+          <p:nvSpPr>
+            <p:cNvPr id="16" name="Rectangle 15"/>
+            <p:cNvSpPr/>
+            <p:nvPr/>
+          </p:nvSpPr>
+          <p:spPr>
+            <a:xfrm>
+              <a:off x="8340945" y="734177"/>
+              <a:ext cx="430519" cy="933756"/>
+            </a:xfrm>
+            <a:prstGeom prst="rect">
+              <a:avLst/>
+            </a:prstGeom>
+            <a:solidFill>
+              <a:schemeClr val="bg1"/>
+            </a:solidFill>
+            <a:ln>
+              <a:noFill/>
+            </a:ln>
+          </p:spPr>
+          <p:style>
+            <a:lnRef idx="2">
+              <a:schemeClr val="accent1">
+                <a:shade val="50000"/>
+              </a:schemeClr>
+            </a:lnRef>
+            <a:fillRef idx="1">
+              <a:schemeClr val="accent1"/>
+            </a:fillRef>
+            <a:effectRef idx="0">
+              <a:schemeClr val="accent1"/>
+            </a:effectRef>
+            <a:fontRef idx="minor">
+              <a:schemeClr val="lt1"/>
+            </a:fontRef>
+          </p:style>
+          <p:txBody>
+            <a:bodyPr rtlCol="0" anchor="ctr"/>
+            <a:lstStyle/>
+            <a:p>
+              <a:pPr algn="ctr"/>
+              <a:endParaRPr lang="en-US"/>
+            </a:p>
+          </p:txBody>
+        </p:sp>
+      </p:grpSp>
+      <p:sp>
+        <p:nvSpPr>
+          <p:cNvPr id="6" name="TextBox 5"/>
+          <p:cNvSpPr txBox="1"/>
+          <p:nvPr/>
+        </p:nvSpPr>
+        <p:spPr>
+          <a:xfrm>
+            <a:off x="3401900" y="156140"/>
+            <a:ext cx="849745" cy="276999"/>
+          </a:xfrm>
+          <a:prstGeom prst="rect">
+            <a:avLst/>
+          </a:prstGeom>
+          <a:noFill/>
+        </p:spPr>
+        <p:txBody>
+          <a:bodyPr wrap="square" rtlCol="0">
+            <a:spAutoFit/>
+          </a:bodyPr>
+          <a:lstStyle/>
+          <a:p>
+            <a:r>
+              <a:rPr lang="en-US" sz="1200" dirty="0" smtClean="0">
+                <a:solidFill>
+                  <a:srgbClr val="CC3300"/>
+                </a:solidFill>
+              </a:rPr>
+              <a:t>PC_nxt</a:t>
+            </a:r>
+            <a:endParaRPr lang="en-US" sz="1200" dirty="0">
+              <a:solidFill>
+                <a:srgbClr val="CC3300"/>
+              </a:solidFill>
+            </a:endParaRPr>
+          </a:p>
+        </p:txBody>
+      </p:sp>
+      <p:sp>
+        <p:nvSpPr>
+          <p:cNvPr id="7" name="TextBox 6"/>
+          <p:cNvSpPr txBox="1"/>
+          <p:nvPr/>
+        </p:nvSpPr>
+        <p:spPr>
+          <a:xfrm>
+            <a:off x="8608239" y="1280366"/>
+            <a:ext cx="1296313" cy="461665"/>
+          </a:xfrm>
+          <a:prstGeom prst="rect">
+            <a:avLst/>
+          </a:prstGeom>
+          <a:noFill/>
+        </p:spPr>
+        <p:txBody>
+          <a:bodyPr wrap="square" rtlCol="0">
+            <a:spAutoFit/>
+          </a:bodyPr>
+          <a:lstStyle/>
+          <a:p>
+            <a:r>
+              <a:rPr lang="en-US" sz="1200" dirty="0" smtClean="0">
+                <a:solidFill>
+                  <a:srgbClr val="CC3300"/>
+                </a:solidFill>
+              </a:rPr>
+              <a:t>PC+(ImmOut &lt;&lt;1)</a:t>
+            </a:r>
+          </a:p>
+          <a:p>
+            <a:r>
+              <a:rPr lang="en-US" sz="1200" dirty="0" smtClean="0">
+                <a:solidFill>
+                  <a:srgbClr val="CC3300"/>
+                </a:solidFill>
+              </a:rPr>
+              <a:t>[JAL, BEQ, … ]</a:t>
+            </a:r>
+            <a:endParaRPr lang="en-US" sz="1200" dirty="0">
+              <a:solidFill>
+                <a:srgbClr val="CC3300"/>
+              </a:solidFill>
+            </a:endParaRPr>
+          </a:p>
+        </p:txBody>
+      </p:sp>
+      <p:sp>
+        <p:nvSpPr>
+          <p:cNvPr id="9" name="TextBox 8"/>
+          <p:cNvSpPr txBox="1"/>
+          <p:nvPr/>
+        </p:nvSpPr>
+        <p:spPr>
+          <a:xfrm>
+            <a:off x="8622047" y="647155"/>
+            <a:ext cx="1886683" cy="461665"/>
+          </a:xfrm>
+          <a:prstGeom prst="rect">
+            <a:avLst/>
+          </a:prstGeom>
+          <a:noFill/>
+        </p:spPr>
+        <p:txBody>
+          <a:bodyPr wrap="square" rtlCol="0">
+            <a:spAutoFit/>
+          </a:bodyPr>
+          <a:lstStyle/>
+          <a:p>
+            <a:r>
+              <a:rPr lang="en-US" sz="1200" dirty="0" smtClean="0">
+                <a:solidFill>
+                  <a:srgbClr val="CC3300"/>
+                </a:solidFill>
+              </a:rPr>
+              <a:t>PC+4</a:t>
+            </a:r>
+          </a:p>
+          <a:p>
+            <a:r>
+              <a:rPr lang="en-US" sz="1200" dirty="0" smtClean="0">
+                <a:solidFill>
+                  <a:srgbClr val="CC3300"/>
+                </a:solidFill>
+              </a:rPr>
+              <a:t>[Arithmetic, …]</a:t>
+            </a:r>
+            <a:endParaRPr lang="en-US" sz="1200" dirty="0">
+              <a:solidFill>
+                <a:srgbClr val="CC3300"/>
+              </a:solidFill>
+            </a:endParaRPr>
+          </a:p>
+        </p:txBody>
+      </p:sp>
+      <p:cxnSp>
+        <p:nvCxnSpPr>
+          <p:cNvPr id="20" name="Straight Connector 19"/>
+          <p:cNvCxnSpPr/>
+          <p:nvPr/>
+        </p:nvCxnSpPr>
+        <p:spPr>
+          <a:xfrm flipH="1" flipV="1">
+            <a:off x="8613775" y="282913"/>
+            <a:ext cx="2270024" cy="10988"/>
+          </a:xfrm>
+          <a:prstGeom prst="line">
+            <a:avLst/>
+          </a:prstGeom>
+          <a:ln w="28575">
+            <a:solidFill>
+              <a:srgbClr val="7F8084"/>
+            </a:solidFill>
+          </a:ln>
+        </p:spPr>
+        <p:style>
+          <a:lnRef idx="3">
+            <a:schemeClr val="accent1"/>
+          </a:lnRef>
+          <a:fillRef idx="0">
+            <a:schemeClr val="accent1"/>
+          </a:fillRef>
+          <a:effectRef idx="2">
+            <a:schemeClr val="accent1"/>
+          </a:effectRef>
+          <a:fontRef idx="minor">
+            <a:schemeClr val="tx1"/>
+          </a:fontRef>
+        </p:style>
+      </p:cxnSp>
+      <p:sp>
+        <p:nvSpPr>
+          <p:cNvPr id="48" name="Rectangle 47"/>
+          <p:cNvSpPr/>
+          <p:nvPr/>
+        </p:nvSpPr>
+        <p:spPr>
+          <a:xfrm>
+            <a:off x="10249345" y="988822"/>
+            <a:ext cx="600003" cy="1336155"/>
+          </a:xfrm>
+          <a:prstGeom prst="rect">
+            <a:avLst/>
+          </a:prstGeom>
+          <a:solidFill>
+            <a:schemeClr val="bg1"/>
+          </a:solidFill>
+          <a:ln>
+            <a:noFill/>
+          </a:ln>
+        </p:spPr>
+        <p:style>
+          <a:lnRef idx="2">
+            <a:schemeClr val="accent1">
+              <a:shade val="50000"/>
+            </a:schemeClr>
+          </a:lnRef>
+          <a:fillRef idx="1">
+            <a:schemeClr val="accent1"/>
+          </a:fillRef>
+          <a:effectRef idx="0">
+            <a:schemeClr val="accent1"/>
+          </a:effectRef>
+          <a:fontRef idx="minor">
+            <a:schemeClr val="lt1"/>
+          </a:fontRef>
+        </p:style>
+        <p:txBody>
+          <a:bodyPr rtlCol="0" anchor="ctr"/>
+          <a:lstStyle/>
+          <a:p>
+            <a:pPr algn="ctr"/>
+            <a:endParaRPr lang="en-US"/>
+          </a:p>
+        </p:txBody>
+      </p:sp>
+      <p:sp>
+        <p:nvSpPr>
+          <p:cNvPr id="49" name="Rectangle 48"/>
+          <p:cNvSpPr/>
+          <p:nvPr/>
+        </p:nvSpPr>
+        <p:spPr>
+          <a:xfrm>
+            <a:off x="9402099" y="2556934"/>
+            <a:ext cx="600003" cy="2707846"/>
+          </a:xfrm>
+          <a:prstGeom prst="rect">
+            <a:avLst/>
+          </a:prstGeom>
+          <a:solidFill>
+            <a:schemeClr val="bg1"/>
+          </a:solidFill>
+          <a:ln>
+            <a:noFill/>
+          </a:ln>
+        </p:spPr>
+        <p:style>
+          <a:lnRef idx="2">
+            <a:schemeClr val="accent1">
+              <a:shade val="50000"/>
+            </a:schemeClr>
+          </a:lnRef>
+          <a:fillRef idx="1">
+            <a:schemeClr val="accent1"/>
+          </a:fillRef>
+          <a:effectRef idx="0">
+            <a:schemeClr val="accent1"/>
+          </a:effectRef>
+          <a:fontRef idx="minor">
+            <a:schemeClr val="lt1"/>
+          </a:fontRef>
+        </p:style>
+        <p:txBody>
+          <a:bodyPr rtlCol="0" anchor="ctr"/>
+          <a:lstStyle/>
+          <a:p>
+            <a:pPr algn="ctr"/>
+            <a:endParaRPr lang="en-US"/>
+          </a:p>
+        </p:txBody>
+      </p:sp>
+      <p:grpSp>
+        <p:nvGrpSpPr>
+          <p:cNvPr id="47" name="Group 46"/>
+          <p:cNvGrpSpPr/>
+          <p:nvPr/>
+        </p:nvGrpSpPr>
+        <p:grpSpPr>
+          <a:xfrm>
+            <a:off x="9315603" y="3588525"/>
+            <a:ext cx="916808" cy="1438537"/>
+            <a:chOff x="10993273" y="1946651"/>
+            <a:chExt cx="686607" cy="1438537"/>
+          </a:xfrm>
+        </p:grpSpPr>
+        <p:pic>
+          <p:nvPicPr>
+            <p:cNvPr id="15" name="Picture 14"/>
+            <p:cNvPicPr>
+              <a:picLocks noChangeAspect="1"/>
+            </p:cNvPicPr>
+            <p:nvPr/>
+          </p:nvPicPr>
+          <p:blipFill>
+            <a:blip r:embed="rId3">
+              <a:extLst>
+                <a:ext uri="{28A0092B-C50C-407E-A947-70E740481C1C}">
+                  <a14:useLocalDpi xmlns:a14="http://schemas.microsoft.com/office/drawing/2010/main" val="0"/>
+                </a:ext>
+              </a:extLst>
+            </a:blip>
+            <a:stretch>
+              <a:fillRect/>
+            </a:stretch>
+          </p:blipFill>
+          <p:spPr>
+            <a:xfrm>
+              <a:off x="10993273" y="1946651"/>
+              <a:ext cx="686607" cy="1438537"/>
+            </a:xfrm>
+            <a:prstGeom prst="rect">
+              <a:avLst/>
+            </a:prstGeom>
+          </p:spPr>
+        </p:pic>
+        <p:sp>
+          <p:nvSpPr>
+            <p:cNvPr id="39" name="Rectangle 38"/>
+            <p:cNvSpPr/>
+            <p:nvPr/>
+          </p:nvSpPr>
+          <p:spPr>
+            <a:xfrm>
+              <a:off x="11179641" y="2300778"/>
+              <a:ext cx="326559" cy="685803"/>
+            </a:xfrm>
+            <a:prstGeom prst="rect">
+              <a:avLst/>
+            </a:prstGeom>
+            <a:solidFill>
+              <a:schemeClr val="bg1"/>
+            </a:solidFill>
+            <a:ln>
+              <a:noFill/>
+            </a:ln>
+          </p:spPr>
+          <p:style>
+            <a:lnRef idx="2">
+              <a:schemeClr val="accent1">
+                <a:shade val="50000"/>
+              </a:schemeClr>
+            </a:lnRef>
+            <a:fillRef idx="1">
+              <a:schemeClr val="accent1"/>
+            </a:fillRef>
+            <a:effectRef idx="0">
+              <a:schemeClr val="accent1"/>
+            </a:effectRef>
+            <a:fontRef idx="minor">
+              <a:schemeClr val="lt1"/>
+            </a:fontRef>
+          </p:style>
+          <p:txBody>
+            <a:bodyPr rtlCol="0" anchor="ctr"/>
+            <a:lstStyle/>
+            <a:p>
+              <a:pPr algn="ctr"/>
+              <a:endParaRPr lang="en-US"/>
+            </a:p>
+          </p:txBody>
+        </p:sp>
+      </p:grpSp>
+      <p:cxnSp>
+        <p:nvCxnSpPr>
+          <p:cNvPr id="42" name="Straight Connector 41"/>
+          <p:cNvCxnSpPr/>
+          <p:nvPr/>
+        </p:nvCxnSpPr>
+        <p:spPr>
+          <a:xfrm flipV="1">
+            <a:off x="9726642" y="2555393"/>
+            <a:ext cx="0" cy="1067000"/>
+          </a:xfrm>
+          <a:prstGeom prst="line">
+            <a:avLst/>
+          </a:prstGeom>
+          <a:ln w="28575">
+            <a:solidFill>
+              <a:srgbClr val="CC3300"/>
+            </a:solidFill>
+            <a:headEnd type="stealth" w="lg" len="lg"/>
+          </a:ln>
+        </p:spPr>
+        <p:style>
+          <a:lnRef idx="3">
+            <a:schemeClr val="accent1"/>
+          </a:lnRef>
+          <a:fillRef idx="0">
+            <a:schemeClr val="accent1"/>
+          </a:fillRef>
+          <a:effectRef idx="2">
+            <a:schemeClr val="accent1"/>
+          </a:effectRef>
+          <a:fontRef idx="minor">
+            <a:schemeClr val="tx1"/>
+          </a:fontRef>
+        </p:style>
+      </p:cxnSp>
+      <p:cxnSp>
+        <p:nvCxnSpPr>
+          <p:cNvPr id="53" name="Straight Connector 52"/>
+          <p:cNvCxnSpPr/>
+          <p:nvPr/>
+        </p:nvCxnSpPr>
+        <p:spPr>
+          <a:xfrm flipH="1">
+            <a:off x="9392719" y="2567305"/>
+            <a:ext cx="334783" cy="1"/>
+          </a:xfrm>
+          <a:prstGeom prst="line">
+            <a:avLst/>
+          </a:prstGeom>
+          <a:ln w="19050">
+            <a:solidFill>
+              <a:srgbClr val="42C4F1"/>
+            </a:solidFill>
+          </a:ln>
+        </p:spPr>
+        <p:style>
+          <a:lnRef idx="3">
+            <a:schemeClr val="accent1"/>
+          </a:lnRef>
+          <a:fillRef idx="0">
+            <a:schemeClr val="accent1"/>
+          </a:fillRef>
+          <a:effectRef idx="2">
+            <a:schemeClr val="accent1"/>
+          </a:effectRef>
+          <a:fontRef idx="minor">
+            <a:schemeClr val="tx1"/>
+          </a:fontRef>
+        </p:style>
+      </p:cxnSp>
+      <p:cxnSp>
+        <p:nvCxnSpPr>
+          <p:cNvPr id="63" name="Straight Connector 62"/>
+          <p:cNvCxnSpPr/>
+          <p:nvPr/>
+        </p:nvCxnSpPr>
+        <p:spPr>
+          <a:xfrm flipV="1">
+            <a:off x="10156633" y="3931182"/>
+            <a:ext cx="350575" cy="1252"/>
+          </a:xfrm>
+          <a:prstGeom prst="line">
+            <a:avLst/>
+          </a:prstGeom>
+          <a:ln w="28575">
+            <a:solidFill>
+              <a:srgbClr val="CC3300"/>
+            </a:solidFill>
+            <a:headEnd type="stealth" w="lg" len="lg"/>
+          </a:ln>
+        </p:spPr>
+        <p:style>
+          <a:lnRef idx="3">
+            <a:schemeClr val="accent1"/>
+          </a:lnRef>
+          <a:fillRef idx="0">
+            <a:schemeClr val="accent1"/>
+          </a:fillRef>
+          <a:effectRef idx="2">
+            <a:schemeClr val="accent1"/>
+          </a:effectRef>
+          <a:fontRef idx="minor">
+            <a:schemeClr val="tx1"/>
+          </a:fontRef>
+        </p:style>
+      </p:cxnSp>
+      <p:sp>
+        <p:nvSpPr>
+          <p:cNvPr id="40" name="TextBox 39"/>
+          <p:cNvSpPr txBox="1"/>
+          <p:nvPr/>
+        </p:nvSpPr>
+        <p:spPr>
+          <a:xfrm>
+            <a:off x="9802532" y="3782369"/>
+            <a:ext cx="457200" cy="307777"/>
+          </a:xfrm>
+          <a:prstGeom prst="rect">
+            <a:avLst/>
+          </a:prstGeom>
+          <a:noFill/>
+        </p:spPr>
+        <p:txBody>
+          <a:bodyPr wrap="square" rtlCol="0">
+            <a:spAutoFit/>
+          </a:bodyPr>
+          <a:lstStyle/>
+          <a:p>
+            <a:r>
+              <a:rPr lang="en-US" sz="1400" dirty="0" smtClean="0">
+                <a:solidFill>
+                  <a:srgbClr val="CC3300"/>
+                </a:solidFill>
+              </a:rPr>
+              <a:t>00</a:t>
+            </a:r>
+            <a:endParaRPr lang="en-US" sz="1400" dirty="0">
+              <a:solidFill>
+                <a:srgbClr val="CC3300"/>
+              </a:solidFill>
+            </a:endParaRPr>
+          </a:p>
+        </p:txBody>
+      </p:sp>
+      <p:pic>
+        <p:nvPicPr>
+          <p:cNvPr id="38" name="Picture 37"/>
+          <p:cNvPicPr>
+            <a:picLocks noChangeAspect="1"/>
+          </p:cNvPicPr>
+          <p:nvPr/>
+        </p:nvPicPr>
+        <p:blipFill>
+          <a:blip r:embed="rId4"/>
+          <a:stretch>
+            <a:fillRect/>
+          </a:stretch>
+        </p:blipFill>
+        <p:spPr>
+          <a:xfrm>
+            <a:off x="9711822" y="4001921"/>
+            <a:ext cx="165108" cy="495325"/>
+          </a:xfrm>
+          <a:prstGeom prst="rect">
+            <a:avLst/>
+          </a:prstGeom>
+        </p:spPr>
+      </p:pic>
+      <p:cxnSp>
+        <p:nvCxnSpPr>
+          <p:cNvPr id="70" name="Straight Connector 69"/>
+          <p:cNvCxnSpPr/>
+          <p:nvPr/>
+        </p:nvCxnSpPr>
+        <p:spPr>
+          <a:xfrm>
+            <a:off x="10156629" y="4262639"/>
+            <a:ext cx="524644" cy="915"/>
+          </a:xfrm>
+          <a:prstGeom prst="line">
+            <a:avLst/>
+          </a:prstGeom>
+          <a:ln w="28575">
+            <a:solidFill>
+              <a:srgbClr val="CC3300"/>
+            </a:solidFill>
+            <a:headEnd type="stealth" w="lg" len="lg"/>
+          </a:ln>
+        </p:spPr>
+        <p:style>
+          <a:lnRef idx="3">
+            <a:schemeClr val="accent1"/>
+          </a:lnRef>
+          <a:fillRef idx="0">
+            <a:schemeClr val="accent1"/>
+          </a:fillRef>
+          <a:effectRef idx="2">
+            <a:schemeClr val="accent1"/>
+          </a:effectRef>
+          <a:fontRef idx="minor">
+            <a:schemeClr val="tx1"/>
+          </a:fontRef>
+        </p:style>
+      </p:cxnSp>
+      <p:cxnSp>
+        <p:nvCxnSpPr>
+          <p:cNvPr id="71" name="Straight Connector 70"/>
+          <p:cNvCxnSpPr/>
+          <p:nvPr/>
+        </p:nvCxnSpPr>
+        <p:spPr>
+          <a:xfrm flipH="1">
+            <a:off x="8338288" y="882131"/>
+            <a:ext cx="2139017" cy="1904"/>
+          </a:xfrm>
+          <a:prstGeom prst="line">
+            <a:avLst/>
+          </a:prstGeom>
+          <a:ln w="28575">
+            <a:solidFill>
+              <a:srgbClr val="7F8084"/>
+            </a:solidFill>
+          </a:ln>
+        </p:spPr>
+        <p:style>
+          <a:lnRef idx="3">
+            <a:schemeClr val="accent1"/>
+          </a:lnRef>
+          <a:fillRef idx="0">
+            <a:schemeClr val="accent1"/>
+          </a:fillRef>
+          <a:effectRef idx="2">
+            <a:schemeClr val="accent1"/>
+          </a:effectRef>
+          <a:fontRef idx="minor">
+            <a:schemeClr val="tx1"/>
+          </a:fontRef>
+        </p:style>
+      </p:cxnSp>
+      <p:cxnSp>
+        <p:nvCxnSpPr>
+          <p:cNvPr id="74" name="Straight Connector 73"/>
+          <p:cNvCxnSpPr/>
+          <p:nvPr/>
+        </p:nvCxnSpPr>
+        <p:spPr>
+          <a:xfrm flipH="1" flipV="1">
+            <a:off x="10489342" y="871018"/>
+            <a:ext cx="7032" cy="3060518"/>
+          </a:xfrm>
+          <a:prstGeom prst="line">
+            <a:avLst/>
+          </a:prstGeom>
+          <a:ln w="28575">
+            <a:solidFill>
+              <a:srgbClr val="CC3300"/>
+            </a:solidFill>
+          </a:ln>
+        </p:spPr>
+        <p:style>
+          <a:lnRef idx="3">
+            <a:schemeClr val="accent1"/>
+          </a:lnRef>
+          <a:fillRef idx="0">
+            <a:schemeClr val="accent1"/>
+          </a:fillRef>
+          <a:effectRef idx="2">
+            <a:schemeClr val="accent1"/>
+          </a:effectRef>
+          <a:fontRef idx="minor">
+            <a:schemeClr val="tx1"/>
+          </a:fontRef>
+        </p:style>
+      </p:cxnSp>
+      <p:cxnSp>
+        <p:nvCxnSpPr>
+          <p:cNvPr id="85" name="Straight Connector 84"/>
+          <p:cNvCxnSpPr/>
+          <p:nvPr/>
+        </p:nvCxnSpPr>
+        <p:spPr>
+          <a:xfrm flipH="1" flipV="1">
+            <a:off x="8330856" y="1504871"/>
+            <a:ext cx="2350417" cy="9334"/>
+          </a:xfrm>
+          <a:prstGeom prst="line">
+            <a:avLst/>
+          </a:prstGeom>
+          <a:ln w="28575">
+            <a:solidFill>
+              <a:srgbClr val="7F8084"/>
+            </a:solidFill>
+          </a:ln>
+        </p:spPr>
+        <p:style>
+          <a:lnRef idx="3">
+            <a:schemeClr val="accent1"/>
+          </a:lnRef>
+          <a:fillRef idx="0">
+            <a:schemeClr val="accent1"/>
+          </a:fillRef>
+          <a:effectRef idx="2">
+            <a:schemeClr val="accent1"/>
+          </a:effectRef>
+          <a:fontRef idx="minor">
+            <a:schemeClr val="tx1"/>
+          </a:fontRef>
+        </p:style>
+      </p:cxnSp>
+      <p:cxnSp>
+        <p:nvCxnSpPr>
+          <p:cNvPr id="88" name="Straight Connector 87"/>
+          <p:cNvCxnSpPr/>
+          <p:nvPr/>
+        </p:nvCxnSpPr>
+        <p:spPr>
+          <a:xfrm flipV="1">
+            <a:off x="10678703" y="1503284"/>
+            <a:ext cx="2571" cy="2768733"/>
+          </a:xfrm>
+          <a:prstGeom prst="line">
+            <a:avLst/>
+          </a:prstGeom>
+          <a:ln w="28575">
+            <a:solidFill>
+              <a:srgbClr val="CC3300"/>
+            </a:solidFill>
+          </a:ln>
+        </p:spPr>
+        <p:style>
+          <a:lnRef idx="3">
+            <a:schemeClr val="accent1"/>
+          </a:lnRef>
+          <a:fillRef idx="0">
+            <a:schemeClr val="accent1"/>
+          </a:fillRef>
+          <a:effectRef idx="2">
+            <a:schemeClr val="accent1"/>
+          </a:effectRef>
+          <a:fontRef idx="minor">
+            <a:schemeClr val="tx1"/>
+          </a:fontRef>
+        </p:style>
+      </p:cxnSp>
+      <p:cxnSp>
+        <p:nvCxnSpPr>
+          <p:cNvPr id="97" name="Straight Connector 96"/>
+          <p:cNvCxnSpPr/>
+          <p:nvPr/>
+        </p:nvCxnSpPr>
+        <p:spPr>
+          <a:xfrm flipV="1">
+            <a:off x="9747810" y="4955511"/>
+            <a:ext cx="1347" cy="368538"/>
+          </a:xfrm>
+          <a:prstGeom prst="line">
+            <a:avLst/>
+          </a:prstGeom>
+          <a:ln w="28575">
+            <a:solidFill>
+              <a:srgbClr val="7D7F82"/>
+            </a:solidFill>
+          </a:ln>
+        </p:spPr>
+        <p:style>
+          <a:lnRef idx="3">
+            <a:schemeClr val="accent1"/>
+          </a:lnRef>
+          <a:fillRef idx="0">
+            <a:schemeClr val="accent1"/>
+          </a:fillRef>
+          <a:effectRef idx="2">
+            <a:schemeClr val="accent1"/>
+          </a:effectRef>
+          <a:fontRef idx="minor">
+            <a:schemeClr val="tx1"/>
+          </a:fontRef>
+        </p:style>
+      </p:cxnSp>
+      <p:cxnSp>
+        <p:nvCxnSpPr>
+          <p:cNvPr id="100" name="Straight Connector 99"/>
+          <p:cNvCxnSpPr/>
+          <p:nvPr/>
+        </p:nvCxnSpPr>
+        <p:spPr>
+          <a:xfrm flipV="1">
+            <a:off x="10866192" y="280975"/>
+            <a:ext cx="2198" cy="6128292"/>
+          </a:xfrm>
+          <a:prstGeom prst="line">
+            <a:avLst/>
+          </a:prstGeom>
+          <a:ln w="28575">
+            <a:solidFill>
+              <a:srgbClr val="7F8084"/>
+            </a:solidFill>
+          </a:ln>
+        </p:spPr>
+        <p:style>
+          <a:lnRef idx="3">
+            <a:schemeClr val="accent1"/>
+          </a:lnRef>
+          <a:fillRef idx="0">
+            <a:schemeClr val="accent1"/>
+          </a:fillRef>
+          <a:effectRef idx="2">
+            <a:schemeClr val="accent1"/>
+          </a:effectRef>
+          <a:fontRef idx="minor">
+            <a:schemeClr val="tx1"/>
+          </a:fontRef>
+        </p:style>
+      </p:cxnSp>
+      <p:cxnSp>
+        <p:nvCxnSpPr>
+          <p:cNvPr id="103" name="Straight Connector 102"/>
+          <p:cNvCxnSpPr/>
+          <p:nvPr/>
+        </p:nvCxnSpPr>
+        <p:spPr>
+          <a:xfrm flipH="1">
+            <a:off x="9743576" y="6396319"/>
+            <a:ext cx="1105773" cy="2919"/>
+          </a:xfrm>
+          <a:prstGeom prst="line">
+            <a:avLst/>
+          </a:prstGeom>
+          <a:ln w="28575">
+            <a:solidFill>
+              <a:srgbClr val="7F8084"/>
+            </a:solidFill>
+          </a:ln>
+        </p:spPr>
+        <p:style>
+          <a:lnRef idx="3">
+            <a:schemeClr val="accent1"/>
+          </a:lnRef>
+          <a:fillRef idx="0">
+            <a:schemeClr val="accent1"/>
+          </a:fillRef>
+          <a:effectRef idx="2">
+            <a:schemeClr val="accent1"/>
+          </a:effectRef>
+          <a:fontRef idx="minor">
+            <a:schemeClr val="tx1"/>
+          </a:fontRef>
+        </p:style>
+      </p:cxnSp>
+      <p:sp>
+        <p:nvSpPr>
+          <p:cNvPr id="105" name="TextBox 104"/>
+          <p:cNvSpPr txBox="1"/>
+          <p:nvPr/>
+        </p:nvSpPr>
+        <p:spPr>
+          <a:xfrm>
+            <a:off x="9659798" y="4364408"/>
+            <a:ext cx="284228" cy="307777"/>
+          </a:xfrm>
+          <a:prstGeom prst="rect">
+            <a:avLst/>
+          </a:prstGeom>
+          <a:noFill/>
+        </p:spPr>
+        <p:txBody>
+          <a:bodyPr wrap="square" rtlCol="0">
+            <a:spAutoFit/>
+          </a:bodyPr>
+          <a:lstStyle/>
+          <a:p>
+            <a:r>
+              <a:rPr lang="en-US" sz="1400" b="1" dirty="0" smtClean="0">
+                <a:solidFill>
+                  <a:srgbClr val="364251"/>
+                </a:solidFill>
+              </a:rPr>
+              <a:t>4</a:t>
+            </a:r>
+            <a:endParaRPr lang="en-US" sz="1400" b="1" dirty="0">
+              <a:solidFill>
+                <a:srgbClr val="364251"/>
+              </a:solidFill>
+            </a:endParaRPr>
+          </a:p>
+        </p:txBody>
+      </p:sp>
+      <p:sp>
+        <p:nvSpPr>
+          <p:cNvPr id="107" name="Rectangle 106"/>
+          <p:cNvSpPr/>
+          <p:nvPr/>
+        </p:nvSpPr>
+        <p:spPr>
+          <a:xfrm>
+            <a:off x="6796862" y="4352925"/>
+            <a:ext cx="143688" cy="373752"/>
+          </a:xfrm>
+          <a:prstGeom prst="rect">
+            <a:avLst/>
+          </a:prstGeom>
+          <a:solidFill>
+            <a:schemeClr val="bg1"/>
+          </a:solidFill>
+          <a:ln>
+            <a:noFill/>
+          </a:ln>
+        </p:spPr>
+        <p:style>
+          <a:lnRef idx="2">
+            <a:schemeClr val="accent1">
+              <a:shade val="50000"/>
+            </a:schemeClr>
+          </a:lnRef>
+          <a:fillRef idx="1">
+            <a:schemeClr val="accent1"/>
+          </a:fillRef>
+          <a:effectRef idx="0">
+            <a:schemeClr val="accent1"/>
+          </a:effectRef>
+          <a:fontRef idx="minor">
+            <a:schemeClr val="lt1"/>
+          </a:fontRef>
+        </p:style>
+        <p:txBody>
+          <a:bodyPr rtlCol="0" anchor="ctr"/>
+          <a:lstStyle/>
+          <a:p>
+            <a:pPr algn="ctr"/>
+            <a:endParaRPr lang="en-US"/>
+          </a:p>
+        </p:txBody>
+      </p:sp>
+      <p:pic>
+        <p:nvPicPr>
+          <p:cNvPr id="110" name="Picture 109"/>
+          <p:cNvPicPr>
+            <a:picLocks noChangeAspect="1"/>
+          </p:cNvPicPr>
+          <p:nvPr/>
+        </p:nvPicPr>
+        <p:blipFill>
+          <a:blip r:embed="rId5"/>
+          <a:stretch>
+            <a:fillRect/>
+          </a:stretch>
+        </p:blipFill>
+        <p:spPr>
+          <a:xfrm>
+            <a:off x="6758971" y="4373933"/>
+            <a:ext cx="225819" cy="432419"/>
+          </a:xfrm>
+          <a:prstGeom prst="rect">
+            <a:avLst/>
+          </a:prstGeom>
+        </p:spPr>
+      </p:pic>
+      <p:cxnSp>
+        <p:nvCxnSpPr>
+          <p:cNvPr id="111" name="Straight Connector 110"/>
+          <p:cNvCxnSpPr/>
+          <p:nvPr/>
+        </p:nvCxnSpPr>
+        <p:spPr>
+          <a:xfrm>
+            <a:off x="5212953" y="734177"/>
+            <a:ext cx="0" cy="898235"/>
+          </a:xfrm>
+          <a:prstGeom prst="line">
+            <a:avLst/>
+          </a:prstGeom>
+          <a:ln w="28575">
+            <a:solidFill>
+              <a:srgbClr val="CC3300"/>
+            </a:solidFill>
+            <a:headEnd type="stealth" w="lg" len="lg"/>
+          </a:ln>
+        </p:spPr>
+        <p:style>
+          <a:lnRef idx="3">
+            <a:schemeClr val="accent1"/>
+          </a:lnRef>
+          <a:fillRef idx="0">
+            <a:schemeClr val="accent1"/>
+          </a:fillRef>
+          <a:effectRef idx="2">
+            <a:schemeClr val="accent1"/>
+          </a:effectRef>
+          <a:fontRef idx="minor">
+            <a:schemeClr val="tx1"/>
+          </a:fontRef>
+        </p:style>
+      </p:cxnSp>
+      <p:cxnSp>
+        <p:nvCxnSpPr>
+          <p:cNvPr id="118" name="Straight Connector 117"/>
+          <p:cNvCxnSpPr/>
+          <p:nvPr/>
+        </p:nvCxnSpPr>
+        <p:spPr>
+          <a:xfrm flipV="1">
+            <a:off x="5892236" y="570454"/>
+            <a:ext cx="0" cy="630601"/>
+          </a:xfrm>
+          <a:prstGeom prst="line">
+            <a:avLst/>
+          </a:prstGeom>
+          <a:ln w="28575">
+            <a:solidFill>
+              <a:srgbClr val="7D7F82"/>
+            </a:solidFill>
+          </a:ln>
+        </p:spPr>
+        <p:style>
+          <a:lnRef idx="3">
+            <a:schemeClr val="accent1"/>
+          </a:lnRef>
+          <a:fillRef idx="0">
+            <a:schemeClr val="accent1"/>
+          </a:fillRef>
+          <a:effectRef idx="2">
+            <a:schemeClr val="accent1"/>
+          </a:effectRef>
+          <a:fontRef idx="minor">
+            <a:schemeClr val="tx1"/>
+          </a:fontRef>
+        </p:style>
+      </p:cxnSp>
+      <p:cxnSp>
+        <p:nvCxnSpPr>
+          <p:cNvPr id="121" name="Straight Connector 120"/>
+          <p:cNvCxnSpPr/>
+          <p:nvPr/>
+        </p:nvCxnSpPr>
+        <p:spPr>
+          <a:xfrm flipH="1">
+            <a:off x="5341788" y="570454"/>
+            <a:ext cx="565763" cy="6351"/>
+          </a:xfrm>
+          <a:prstGeom prst="line">
+            <a:avLst/>
+          </a:prstGeom>
+          <a:ln w="28575">
+            <a:solidFill>
+              <a:srgbClr val="7F8084"/>
+            </a:solidFill>
+          </a:ln>
+        </p:spPr>
+        <p:style>
+          <a:lnRef idx="3">
+            <a:schemeClr val="accent1"/>
+          </a:lnRef>
+          <a:fillRef idx="0">
+            <a:schemeClr val="accent1"/>
+          </a:fillRef>
+          <a:effectRef idx="2">
+            <a:schemeClr val="accent1"/>
+          </a:effectRef>
+          <a:fontRef idx="minor">
+            <a:schemeClr val="tx1"/>
+          </a:fontRef>
+        </p:style>
+      </p:cxnSp>
+      <p:sp>
+        <p:nvSpPr>
+          <p:cNvPr id="124" name="Oval 123"/>
+          <p:cNvSpPr/>
+          <p:nvPr/>
+        </p:nvSpPr>
+        <p:spPr>
+          <a:xfrm>
+            <a:off x="5865242" y="1170575"/>
+            <a:ext cx="66815" cy="69792"/>
+          </a:xfrm>
+          <a:prstGeom prst="ellipse">
+            <a:avLst/>
+          </a:prstGeom>
+          <a:solidFill>
+            <a:srgbClr val="272A30"/>
+          </a:solidFill>
+          <a:ln>
+            <a:noFill/>
+          </a:ln>
+        </p:spPr>
+        <p:style>
+          <a:lnRef idx="2">
+            <a:schemeClr val="accent1">
+              <a:shade val="50000"/>
+            </a:schemeClr>
+          </a:lnRef>
+          <a:fillRef idx="1">
+            <a:schemeClr val="accent1"/>
+          </a:fillRef>
+          <a:effectRef idx="0">
+            <a:schemeClr val="accent1"/>
+          </a:effectRef>
+          <a:fontRef idx="minor">
+            <a:schemeClr val="lt1"/>
+          </a:fontRef>
+        </p:style>
+        <p:txBody>
+          <a:bodyPr rtlCol="0" anchor="ctr"/>
+          <a:lstStyle/>
+          <a:p>
+            <a:pPr algn="ctr"/>
+            <a:endParaRPr lang="en-US"/>
+          </a:p>
+        </p:txBody>
+      </p:sp>
+      <p:grpSp>
+        <p:nvGrpSpPr>
+          <p:cNvPr id="125" name="Group 124"/>
+          <p:cNvGrpSpPr/>
+          <p:nvPr/>
+        </p:nvGrpSpPr>
+        <p:grpSpPr>
+          <a:xfrm>
+            <a:off x="5060160" y="199848"/>
+            <a:ext cx="305587" cy="567267"/>
+            <a:chOff x="941506" y="548908"/>
+            <a:chExt cx="305587" cy="567267"/>
+          </a:xfrm>
+        </p:grpSpPr>
+        <p:pic>
+          <p:nvPicPr>
+            <p:cNvPr id="116" name="Picture 115"/>
+            <p:cNvPicPr>
+              <a:picLocks noChangeAspect="1"/>
+            </p:cNvPicPr>
+            <p:nvPr/>
+          </p:nvPicPr>
+          <p:blipFill>
+            <a:blip r:embed="rId3">
+              <a:extLst>
+                <a:ext uri="{28A0092B-C50C-407E-A947-70E740481C1C}">
+                  <a14:useLocalDpi xmlns:a14="http://schemas.microsoft.com/office/drawing/2010/main" val="0"/>
+                </a:ext>
+              </a:extLst>
+            </a:blip>
+            <a:stretch>
+              <a:fillRect/>
+            </a:stretch>
+          </p:blipFill>
+          <p:spPr>
+            <a:xfrm>
+              <a:off x="941506" y="548908"/>
+              <a:ext cx="305587" cy="567267"/>
+            </a:xfrm>
+            <a:prstGeom prst="rect">
+              <a:avLst/>
+            </a:prstGeom>
+          </p:spPr>
+        </p:pic>
+        <p:sp>
+          <p:nvSpPr>
+            <p:cNvPr id="117" name="Rectangle 116"/>
+            <p:cNvSpPr/>
+            <p:nvPr/>
+          </p:nvSpPr>
+          <p:spPr>
+            <a:xfrm>
+              <a:off x="993775" y="660400"/>
+              <a:ext cx="203200" cy="328422"/>
+            </a:xfrm>
+            <a:prstGeom prst="rect">
+              <a:avLst/>
+            </a:prstGeom>
+            <a:solidFill>
+              <a:schemeClr val="bg1"/>
+            </a:solidFill>
+            <a:ln>
+              <a:noFill/>
+            </a:ln>
+          </p:spPr>
+          <p:style>
+            <a:lnRef idx="2">
+              <a:schemeClr val="accent1">
+                <a:shade val="50000"/>
+              </a:schemeClr>
+            </a:lnRef>
+            <a:fillRef idx="1">
+              <a:schemeClr val="accent1"/>
+            </a:fillRef>
+            <a:effectRef idx="0">
+              <a:schemeClr val="accent1"/>
+            </a:effectRef>
+            <a:fontRef idx="minor">
+              <a:schemeClr val="lt1"/>
+            </a:fontRef>
+          </p:style>
+          <p:txBody>
+            <a:bodyPr rtlCol="0" anchor="ctr"/>
+            <a:lstStyle/>
+            <a:p>
+              <a:pPr algn="ctr"/>
+              <a:endParaRPr lang="en-US"/>
+            </a:p>
+          </p:txBody>
+        </p:sp>
+      </p:grpSp>
+      <p:cxnSp>
+        <p:nvCxnSpPr>
+          <p:cNvPr id="133" name="Straight Connector 132"/>
+          <p:cNvCxnSpPr/>
+          <p:nvPr/>
+        </p:nvCxnSpPr>
+        <p:spPr>
+          <a:xfrm flipH="1" flipV="1">
+            <a:off x="7513879" y="2654295"/>
+            <a:ext cx="8735" cy="1128074"/>
+          </a:xfrm>
+          <a:prstGeom prst="line">
+            <a:avLst/>
+          </a:prstGeom>
+          <a:ln w="28575">
+            <a:solidFill>
+              <a:srgbClr val="CC3300"/>
+            </a:solidFill>
+          </a:ln>
+        </p:spPr>
+        <p:style>
+          <a:lnRef idx="3">
+            <a:schemeClr val="accent1"/>
+          </a:lnRef>
+          <a:fillRef idx="0">
+            <a:schemeClr val="accent1"/>
+          </a:fillRef>
+          <a:effectRef idx="2">
+            <a:schemeClr val="accent1"/>
+          </a:effectRef>
+          <a:fontRef idx="minor">
+            <a:schemeClr val="tx1"/>
+          </a:fontRef>
+        </p:style>
+      </p:cxnSp>
+      <p:cxnSp>
+        <p:nvCxnSpPr>
+          <p:cNvPr id="138" name="Straight Connector 137"/>
+          <p:cNvCxnSpPr/>
+          <p:nvPr/>
+        </p:nvCxnSpPr>
+        <p:spPr>
+          <a:xfrm flipH="1" flipV="1">
+            <a:off x="6359704" y="1611865"/>
+            <a:ext cx="4863" cy="1052056"/>
+          </a:xfrm>
+          <a:prstGeom prst="line">
+            <a:avLst/>
+          </a:prstGeom>
+          <a:ln w="28575">
+            <a:solidFill>
+              <a:srgbClr val="CC3300"/>
+            </a:solidFill>
+          </a:ln>
+        </p:spPr>
+        <p:style>
+          <a:lnRef idx="3">
+            <a:schemeClr val="accent1"/>
+          </a:lnRef>
+          <a:fillRef idx="0">
+            <a:schemeClr val="accent1"/>
+          </a:fillRef>
+          <a:effectRef idx="2">
+            <a:schemeClr val="accent1"/>
+          </a:effectRef>
+          <a:fontRef idx="minor">
+            <a:schemeClr val="tx1"/>
+          </a:fontRef>
+        </p:style>
+      </p:cxnSp>
+      <p:cxnSp>
+        <p:nvCxnSpPr>
+          <p:cNvPr id="142" name="Straight Connector 141"/>
+          <p:cNvCxnSpPr/>
+          <p:nvPr/>
+        </p:nvCxnSpPr>
+        <p:spPr>
+          <a:xfrm flipH="1">
+            <a:off x="6362224" y="2654295"/>
+            <a:ext cx="1162525" cy="0"/>
+          </a:xfrm>
+          <a:prstGeom prst="line">
+            <a:avLst/>
+          </a:prstGeom>
+          <a:ln w="28575">
+            <a:solidFill>
+              <a:srgbClr val="C00000"/>
+            </a:solidFill>
+          </a:ln>
+        </p:spPr>
+        <p:style>
+          <a:lnRef idx="3">
+            <a:schemeClr val="accent1"/>
+          </a:lnRef>
+          <a:fillRef idx="0">
+            <a:schemeClr val="accent1"/>
+          </a:fillRef>
+          <a:effectRef idx="2">
+            <a:schemeClr val="accent1"/>
+          </a:effectRef>
+          <a:fontRef idx="minor">
+            <a:schemeClr val="tx1"/>
+          </a:fontRef>
+        </p:style>
+      </p:cxnSp>
+      <p:cxnSp>
+        <p:nvCxnSpPr>
+          <p:cNvPr id="146" name="Straight Connector 145"/>
+          <p:cNvCxnSpPr/>
+          <p:nvPr/>
+        </p:nvCxnSpPr>
+        <p:spPr>
+          <a:xfrm flipH="1">
+            <a:off x="5212810" y="1611865"/>
+            <a:ext cx="1159415" cy="0"/>
+          </a:xfrm>
+          <a:prstGeom prst="line">
+            <a:avLst/>
+          </a:prstGeom>
+          <a:ln w="28575">
+            <a:solidFill>
+              <a:srgbClr val="C00000"/>
+            </a:solidFill>
+          </a:ln>
+        </p:spPr>
+        <p:style>
+          <a:lnRef idx="3">
+            <a:schemeClr val="accent1"/>
+          </a:lnRef>
+          <a:fillRef idx="0">
+            <a:schemeClr val="accent1"/>
+          </a:fillRef>
+          <a:effectRef idx="2">
+            <a:schemeClr val="accent1"/>
+          </a:effectRef>
+          <a:fontRef idx="minor">
+            <a:schemeClr val="tx1"/>
+          </a:fontRef>
+        </p:style>
+      </p:cxnSp>
+      <p:sp>
+        <p:nvSpPr>
+          <p:cNvPr id="147" name="TextBox 146"/>
+          <p:cNvSpPr txBox="1"/>
+          <p:nvPr/>
+        </p:nvSpPr>
+        <p:spPr>
+          <a:xfrm>
+            <a:off x="5418173" y="1369450"/>
+            <a:ext cx="767932" cy="276999"/>
+          </a:xfrm>
+          <a:prstGeom prst="rect">
+            <a:avLst/>
+          </a:prstGeom>
+          <a:noFill/>
+        </p:spPr>
+        <p:txBody>
+          <a:bodyPr wrap="square" rtlCol="0">
+            <a:spAutoFit/>
+          </a:bodyPr>
+          <a:lstStyle/>
+          <a:p>
+            <a:r>
+              <a:rPr lang="en-US" sz="1200" dirty="0" smtClean="0">
+                <a:solidFill>
+                  <a:srgbClr val="CC3300"/>
+                </a:solidFill>
+              </a:rPr>
+              <a:t>ALUState</a:t>
+            </a:r>
+            <a:endParaRPr lang="en-US" sz="1200" dirty="0">
+              <a:solidFill>
+                <a:srgbClr val="CC3300"/>
+              </a:solidFill>
+            </a:endParaRPr>
+          </a:p>
+        </p:txBody>
+      </p:sp>
+      <p:sp>
+        <p:nvSpPr>
+          <p:cNvPr id="148" name="TextBox 147"/>
+          <p:cNvSpPr txBox="1"/>
+          <p:nvPr/>
+        </p:nvSpPr>
+        <p:spPr>
+          <a:xfrm>
+            <a:off x="5410072" y="1725935"/>
+            <a:ext cx="838296" cy="276999"/>
+          </a:xfrm>
+          <a:prstGeom prst="rect">
+            <a:avLst/>
+          </a:prstGeom>
+          <a:noFill/>
+        </p:spPr>
+        <p:txBody>
+          <a:bodyPr wrap="square" rtlCol="0">
+            <a:spAutoFit/>
+          </a:bodyPr>
+          <a:lstStyle/>
+          <a:p>
+            <a:r>
+              <a:rPr lang="en-US" sz="1200" dirty="0" smtClean="0">
+                <a:solidFill>
+                  <a:srgbClr val="CC3300"/>
+                </a:solidFill>
+              </a:rPr>
+              <a:t>PCControl</a:t>
+            </a:r>
+            <a:endParaRPr lang="en-US" sz="1200" dirty="0">
+              <a:solidFill>
+                <a:srgbClr val="CC3300"/>
+              </a:solidFill>
+            </a:endParaRPr>
+          </a:p>
+        </p:txBody>
+      </p:sp>
+      <p:grpSp>
+        <p:nvGrpSpPr>
+          <p:cNvPr id="153" name="Group 152"/>
+          <p:cNvGrpSpPr/>
+          <p:nvPr/>
+        </p:nvGrpSpPr>
+        <p:grpSpPr>
+          <a:xfrm>
+            <a:off x="7691967" y="1881522"/>
+            <a:ext cx="974937" cy="456776"/>
+            <a:chOff x="7691967" y="1881522"/>
+            <a:chExt cx="974937" cy="456776"/>
+          </a:xfrm>
+        </p:grpSpPr>
+        <p:sp>
+          <p:nvSpPr>
+            <p:cNvPr id="151" name="Rectangle 150"/>
+            <p:cNvSpPr/>
+            <p:nvPr/>
+          </p:nvSpPr>
+          <p:spPr>
+            <a:xfrm>
+              <a:off x="7914640" y="1881522"/>
+              <a:ext cx="752264" cy="456776"/>
+            </a:xfrm>
+            <a:prstGeom prst="rect">
+              <a:avLst/>
+            </a:prstGeom>
+            <a:solidFill>
+              <a:schemeClr val="bg1"/>
+            </a:solidFill>
+            <a:ln>
+              <a:noFill/>
+            </a:ln>
+          </p:spPr>
+          <p:style>
+            <a:lnRef idx="2">
+              <a:schemeClr val="accent1">
+                <a:shade val="50000"/>
+              </a:schemeClr>
+            </a:lnRef>
+            <a:fillRef idx="1">
+              <a:schemeClr val="accent1"/>
+            </a:fillRef>
+            <a:effectRef idx="0">
+              <a:schemeClr val="accent1"/>
+            </a:effectRef>
+            <a:fontRef idx="minor">
+              <a:schemeClr val="lt1"/>
+            </a:fontRef>
+          </p:style>
+          <p:txBody>
+            <a:bodyPr rtlCol="0" anchor="ctr"/>
+            <a:lstStyle/>
+            <a:p>
+              <a:pPr algn="ctr"/>
+              <a:endParaRPr lang="en-US"/>
+            </a:p>
+          </p:txBody>
+        </p:sp>
+        <p:sp>
+          <p:nvSpPr>
+            <p:cNvPr id="152" name="Rectangle 151"/>
+            <p:cNvSpPr/>
+            <p:nvPr/>
+          </p:nvSpPr>
+          <p:spPr>
+            <a:xfrm>
+              <a:off x="7691967" y="1981082"/>
+              <a:ext cx="752264" cy="222466"/>
+            </a:xfrm>
+            <a:prstGeom prst="rect">
+              <a:avLst/>
+            </a:prstGeom>
+            <a:solidFill>
+              <a:schemeClr val="bg1"/>
+            </a:solidFill>
+            <a:ln>
+              <a:noFill/>
+            </a:ln>
+          </p:spPr>
+          <p:style>
+            <a:lnRef idx="2">
+              <a:schemeClr val="accent1">
+                <a:shade val="50000"/>
+              </a:schemeClr>
+            </a:lnRef>
+            <a:fillRef idx="1">
+              <a:schemeClr val="accent1"/>
+            </a:fillRef>
+            <a:effectRef idx="0">
+              <a:schemeClr val="accent1"/>
+            </a:effectRef>
+            <a:fontRef idx="minor">
+              <a:schemeClr val="lt1"/>
+            </a:fontRef>
+          </p:style>
+          <p:txBody>
+            <a:bodyPr rtlCol="0" anchor="ctr"/>
+            <a:lstStyle/>
+            <a:p>
+              <a:pPr algn="ctr"/>
+              <a:endParaRPr lang="en-US"/>
+            </a:p>
+          </p:txBody>
+        </p:sp>
+      </p:grpSp>
+      <p:cxnSp>
+        <p:nvCxnSpPr>
+          <p:cNvPr id="154" name="Straight Connector 153"/>
+          <p:cNvCxnSpPr/>
+          <p:nvPr/>
+        </p:nvCxnSpPr>
+        <p:spPr>
+          <a:xfrm flipH="1">
+            <a:off x="7801106" y="2219711"/>
+            <a:ext cx="318982" cy="1430"/>
+          </a:xfrm>
+          <a:prstGeom prst="line">
+            <a:avLst/>
+          </a:prstGeom>
+          <a:ln w="22225">
+            <a:solidFill>
+              <a:srgbClr val="6ED3F4"/>
+            </a:solidFill>
+          </a:ln>
+        </p:spPr>
+        <p:style>
+          <a:lnRef idx="3">
+            <a:schemeClr val="accent1"/>
+          </a:lnRef>
+          <a:fillRef idx="0">
+            <a:schemeClr val="accent1"/>
+          </a:fillRef>
+          <a:effectRef idx="2">
+            <a:schemeClr val="accent1"/>
+          </a:effectRef>
+          <a:fontRef idx="minor">
+            <a:schemeClr val="tx1"/>
+          </a:fontRef>
+        </p:style>
+      </p:cxnSp>
+      <p:sp>
+        <p:nvSpPr>
+          <p:cNvPr id="159" name="Rectangle 158"/>
+          <p:cNvSpPr/>
+          <p:nvPr/>
+        </p:nvSpPr>
+        <p:spPr>
+          <a:xfrm>
+            <a:off x="9820151" y="3105034"/>
+            <a:ext cx="360039" cy="68501"/>
+          </a:xfrm>
+          <a:prstGeom prst="rect">
+            <a:avLst/>
+          </a:prstGeom>
+          <a:solidFill>
+            <a:schemeClr val="bg1"/>
+          </a:solidFill>
+          <a:ln>
+            <a:noFill/>
+          </a:ln>
+        </p:spPr>
+        <p:style>
+          <a:lnRef idx="2">
+            <a:schemeClr val="accent1">
+              <a:shade val="50000"/>
+            </a:schemeClr>
+          </a:lnRef>
+          <a:fillRef idx="1">
+            <a:schemeClr val="accent1"/>
+          </a:fillRef>
+          <a:effectRef idx="0">
+            <a:schemeClr val="accent1"/>
+          </a:effectRef>
+          <a:fontRef idx="minor">
+            <a:schemeClr val="lt1"/>
+          </a:fontRef>
+        </p:style>
+        <p:txBody>
+          <a:bodyPr rtlCol="0" anchor="ctr"/>
+          <a:lstStyle/>
+          <a:p>
+            <a:pPr algn="ctr"/>
+            <a:endParaRPr lang="en-US"/>
+          </a:p>
+        </p:txBody>
+      </p:sp>
+      <p:grpSp>
+        <p:nvGrpSpPr>
+          <p:cNvPr id="161" name="Group 160"/>
+          <p:cNvGrpSpPr/>
+          <p:nvPr/>
+        </p:nvGrpSpPr>
+        <p:grpSpPr>
+          <a:xfrm>
+            <a:off x="8346940" y="116138"/>
+            <a:ext cx="305587" cy="588323"/>
+            <a:chOff x="941506" y="548908"/>
+            <a:chExt cx="305587" cy="567267"/>
+          </a:xfrm>
+        </p:grpSpPr>
+        <p:pic>
+          <p:nvPicPr>
+            <p:cNvPr id="162" name="Picture 161"/>
+            <p:cNvPicPr>
+              <a:picLocks noChangeAspect="1"/>
+            </p:cNvPicPr>
+            <p:nvPr/>
+          </p:nvPicPr>
+          <p:blipFill>
+            <a:blip r:embed="rId3">
+              <a:extLst>
+                <a:ext uri="{28A0092B-C50C-407E-A947-70E740481C1C}">
+                  <a14:useLocalDpi xmlns:a14="http://schemas.microsoft.com/office/drawing/2010/main" val="0"/>
+                </a:ext>
+              </a:extLst>
+            </a:blip>
+            <a:stretch>
+              <a:fillRect/>
+            </a:stretch>
+          </p:blipFill>
+          <p:spPr>
+            <a:xfrm>
+              <a:off x="941506" y="548908"/>
+              <a:ext cx="305587" cy="567267"/>
+            </a:xfrm>
+            <a:prstGeom prst="rect">
+              <a:avLst/>
+            </a:prstGeom>
+          </p:spPr>
+        </p:pic>
+        <p:sp>
+          <p:nvSpPr>
+            <p:cNvPr id="163" name="Rectangle 162"/>
+            <p:cNvSpPr/>
+            <p:nvPr/>
+          </p:nvSpPr>
+          <p:spPr>
+            <a:xfrm>
+              <a:off x="993775" y="660400"/>
+              <a:ext cx="203200" cy="328422"/>
+            </a:xfrm>
+            <a:prstGeom prst="rect">
+              <a:avLst/>
+            </a:prstGeom>
+            <a:solidFill>
+              <a:schemeClr val="bg1"/>
+            </a:solidFill>
+            <a:ln>
+              <a:noFill/>
+            </a:ln>
+          </p:spPr>
+          <p:style>
+            <a:lnRef idx="2">
+              <a:schemeClr val="accent1">
+                <a:shade val="50000"/>
+              </a:schemeClr>
+            </a:lnRef>
+            <a:fillRef idx="1">
+              <a:schemeClr val="accent1"/>
+            </a:fillRef>
+            <a:effectRef idx="0">
+              <a:schemeClr val="accent1"/>
+            </a:effectRef>
+            <a:fontRef idx="minor">
+              <a:schemeClr val="lt1"/>
+            </a:fontRef>
+          </p:style>
+          <p:txBody>
+            <a:bodyPr rtlCol="0" anchor="ctr"/>
+            <a:lstStyle/>
+            <a:p>
+              <a:pPr algn="ctr"/>
+              <a:endParaRPr lang="en-US"/>
+            </a:p>
+          </p:txBody>
+        </p:sp>
+      </p:grpSp>
+      <p:cxnSp>
+        <p:nvCxnSpPr>
+          <p:cNvPr id="169" name="Straight Connector 168"/>
+          <p:cNvCxnSpPr/>
+          <p:nvPr/>
+        </p:nvCxnSpPr>
+        <p:spPr>
+          <a:xfrm flipH="1" flipV="1">
+            <a:off x="8616701" y="396066"/>
+            <a:ext cx="1563489" cy="8101"/>
+          </a:xfrm>
+          <a:prstGeom prst="line">
+            <a:avLst/>
+          </a:prstGeom>
+          <a:ln w="28575">
+            <a:solidFill>
+              <a:srgbClr val="7F8084"/>
+            </a:solidFill>
+          </a:ln>
+        </p:spPr>
+        <p:style>
+          <a:lnRef idx="3">
+            <a:schemeClr val="accent1"/>
+          </a:lnRef>
+          <a:fillRef idx="0">
+            <a:schemeClr val="accent1"/>
+          </a:fillRef>
+          <a:effectRef idx="2">
+            <a:schemeClr val="accent1"/>
+          </a:effectRef>
+          <a:fontRef idx="minor">
+            <a:schemeClr val="tx1"/>
+          </a:fontRef>
+        </p:style>
+      </p:cxnSp>
+      <p:cxnSp>
+        <p:nvCxnSpPr>
+          <p:cNvPr id="171" name="Straight Connector 170"/>
+          <p:cNvCxnSpPr/>
+          <p:nvPr/>
+        </p:nvCxnSpPr>
+        <p:spPr>
+          <a:xfrm flipH="1">
+            <a:off x="8616701" y="519052"/>
+            <a:ext cx="1266738" cy="0"/>
+          </a:xfrm>
+          <a:prstGeom prst="line">
+            <a:avLst/>
+          </a:prstGeom>
+          <a:ln w="28575">
+            <a:solidFill>
+              <a:srgbClr val="7F8084"/>
+            </a:solidFill>
+          </a:ln>
+        </p:spPr>
+        <p:style>
+          <a:lnRef idx="3">
+            <a:schemeClr val="accent1"/>
+          </a:lnRef>
+          <a:fillRef idx="0">
+            <a:schemeClr val="accent1"/>
+          </a:fillRef>
+          <a:effectRef idx="2">
+            <a:schemeClr val="accent1"/>
+          </a:effectRef>
+          <a:fontRef idx="minor">
+            <a:schemeClr val="tx1"/>
+          </a:fontRef>
+        </p:style>
+      </p:cxnSp>
+      <p:cxnSp>
+        <p:nvCxnSpPr>
+          <p:cNvPr id="177" name="Straight Connector 176"/>
+          <p:cNvCxnSpPr/>
+          <p:nvPr/>
+        </p:nvCxnSpPr>
+        <p:spPr>
+          <a:xfrm flipH="1" flipV="1">
+            <a:off x="9869146" y="519052"/>
+            <a:ext cx="564" cy="363079"/>
+          </a:xfrm>
+          <a:prstGeom prst="line">
+            <a:avLst/>
+          </a:prstGeom>
+          <a:ln w="28575">
+            <a:solidFill>
+              <a:srgbClr val="7D7F82"/>
+            </a:solidFill>
+          </a:ln>
+        </p:spPr>
+        <p:style>
+          <a:lnRef idx="3">
+            <a:schemeClr val="accent1"/>
+          </a:lnRef>
+          <a:fillRef idx="0">
+            <a:schemeClr val="accent1"/>
+          </a:fillRef>
+          <a:effectRef idx="2">
+            <a:schemeClr val="accent1"/>
+          </a:effectRef>
+          <a:fontRef idx="minor">
+            <a:schemeClr val="tx1"/>
+          </a:fontRef>
+        </p:style>
+      </p:cxnSp>
+      <p:cxnSp>
+        <p:nvCxnSpPr>
+          <p:cNvPr id="179" name="Straight Connector 178"/>
+          <p:cNvCxnSpPr/>
+          <p:nvPr/>
+        </p:nvCxnSpPr>
+        <p:spPr>
+          <a:xfrm flipH="1" flipV="1">
+            <a:off x="10173222" y="396820"/>
+            <a:ext cx="3385" cy="1117644"/>
+          </a:xfrm>
+          <a:prstGeom prst="line">
+            <a:avLst/>
+          </a:prstGeom>
+          <a:ln w="28575">
+            <a:solidFill>
+              <a:srgbClr val="7D7F82"/>
+            </a:solidFill>
+          </a:ln>
+        </p:spPr>
+        <p:style>
+          <a:lnRef idx="3">
+            <a:schemeClr val="accent1"/>
+          </a:lnRef>
+          <a:fillRef idx="0">
+            <a:schemeClr val="accent1"/>
+          </a:fillRef>
+          <a:effectRef idx="2">
+            <a:schemeClr val="accent1"/>
+          </a:effectRef>
+          <a:fontRef idx="minor">
+            <a:schemeClr val="tx1"/>
+          </a:fontRef>
+        </p:style>
+      </p:cxnSp>
+      <p:sp>
+        <p:nvSpPr>
+          <p:cNvPr id="186" name="Oval 185"/>
+          <p:cNvSpPr/>
+          <p:nvPr/>
+        </p:nvSpPr>
+        <p:spPr>
+          <a:xfrm>
+            <a:off x="10139608" y="1476080"/>
+            <a:ext cx="66815" cy="69792"/>
+          </a:xfrm>
+          <a:prstGeom prst="ellipse">
+            <a:avLst/>
+          </a:prstGeom>
+          <a:solidFill>
+            <a:srgbClr val="272A30"/>
+          </a:solidFill>
+          <a:ln>
+            <a:noFill/>
+          </a:ln>
+        </p:spPr>
+        <p:style>
+          <a:lnRef idx="2">
+            <a:schemeClr val="accent1">
+              <a:shade val="50000"/>
+            </a:schemeClr>
+          </a:lnRef>
+          <a:fillRef idx="1">
+            <a:schemeClr val="accent1"/>
+          </a:fillRef>
+          <a:effectRef idx="0">
+            <a:schemeClr val="accent1"/>
+          </a:effectRef>
+          <a:fontRef idx="minor">
+            <a:schemeClr val="lt1"/>
+          </a:fontRef>
+        </p:style>
+        <p:txBody>
+          <a:bodyPr rtlCol="0" anchor="ctr"/>
+          <a:lstStyle/>
+          <a:p>
+            <a:pPr algn="ctr"/>
+            <a:endParaRPr lang="en-US"/>
+          </a:p>
+        </p:txBody>
+      </p:sp>
+      <p:sp>
+        <p:nvSpPr>
+          <p:cNvPr id="187" name="Oval 186"/>
+          <p:cNvSpPr/>
+          <p:nvPr/>
+        </p:nvSpPr>
+        <p:spPr>
+          <a:xfrm>
+            <a:off x="9834192" y="847091"/>
+            <a:ext cx="66815" cy="69792"/>
+          </a:xfrm>
+          <a:prstGeom prst="ellipse">
+            <a:avLst/>
+          </a:prstGeom>
+          <a:solidFill>
+            <a:srgbClr val="272A30"/>
+          </a:solidFill>
+          <a:ln>
+            <a:noFill/>
+          </a:ln>
+        </p:spPr>
+        <p:style>
+          <a:lnRef idx="2">
+            <a:schemeClr val="accent1">
+              <a:shade val="50000"/>
+            </a:schemeClr>
+          </a:lnRef>
+          <a:fillRef idx="1">
+            <a:schemeClr val="accent1"/>
+          </a:fillRef>
+          <a:effectRef idx="0">
+            <a:schemeClr val="accent1"/>
+          </a:effectRef>
+          <a:fontRef idx="minor">
+            <a:schemeClr val="lt1"/>
+          </a:fontRef>
+        </p:style>
+        <p:txBody>
+          <a:bodyPr rtlCol="0" anchor="ctr"/>
+          <a:lstStyle/>
+          <a:p>
+            <a:pPr algn="ctr"/>
+            <a:endParaRPr lang="en-US"/>
+          </a:p>
+        </p:txBody>
+      </p:sp>
+      <p:cxnSp>
+        <p:nvCxnSpPr>
+          <p:cNvPr id="193" name="Straight Connector 192"/>
+          <p:cNvCxnSpPr/>
+          <p:nvPr/>
+        </p:nvCxnSpPr>
+        <p:spPr>
+          <a:xfrm>
+            <a:off x="8042097" y="2078921"/>
+            <a:ext cx="3904" cy="323202"/>
+          </a:xfrm>
+          <a:prstGeom prst="line">
+            <a:avLst/>
+          </a:prstGeom>
+          <a:ln w="22225">
+            <a:solidFill>
+              <a:srgbClr val="6AD4F5"/>
+            </a:solidFill>
+          </a:ln>
+        </p:spPr>
+        <p:style>
+          <a:lnRef idx="3">
+            <a:schemeClr val="accent1"/>
+          </a:lnRef>
+          <a:fillRef idx="0">
+            <a:schemeClr val="accent1"/>
+          </a:fillRef>
+          <a:effectRef idx="2">
+            <a:schemeClr val="accent1"/>
+          </a:effectRef>
+          <a:fontRef idx="minor">
+            <a:schemeClr val="tx1"/>
+          </a:fontRef>
+        </p:style>
+      </p:cxnSp>
+      <p:cxnSp>
+        <p:nvCxnSpPr>
+          <p:cNvPr id="156" name="Straight Connector 155"/>
+          <p:cNvCxnSpPr/>
+          <p:nvPr/>
+        </p:nvCxnSpPr>
+        <p:spPr>
+          <a:xfrm flipH="1">
+            <a:off x="8503529" y="672751"/>
+            <a:ext cx="831" cy="1816067"/>
+          </a:xfrm>
+          <a:prstGeom prst="line">
+            <a:avLst/>
+          </a:prstGeom>
+          <a:ln w="28575">
+            <a:solidFill>
+              <a:srgbClr val="CC3300"/>
+            </a:solidFill>
+            <a:headEnd type="stealth" w="lg" len="lg"/>
+          </a:ln>
+        </p:spPr>
+        <p:style>
+          <a:lnRef idx="3">
+            <a:schemeClr val="accent1"/>
+          </a:lnRef>
+          <a:fillRef idx="0">
+            <a:schemeClr val="accent1"/>
+          </a:fillRef>
+          <a:effectRef idx="2">
+            <a:schemeClr val="accent1"/>
+          </a:effectRef>
+          <a:fontRef idx="minor">
+            <a:schemeClr val="tx1"/>
+          </a:fontRef>
+        </p:style>
+      </p:cxnSp>
+      <p:cxnSp>
+        <p:nvCxnSpPr>
+          <p:cNvPr id="220" name="Straight Connector 219"/>
+          <p:cNvCxnSpPr/>
+          <p:nvPr/>
+        </p:nvCxnSpPr>
+        <p:spPr>
+          <a:xfrm>
+            <a:off x="8043234" y="2092073"/>
+            <a:ext cx="76854" cy="615"/>
+          </a:xfrm>
+          <a:prstGeom prst="line">
+            <a:avLst/>
+          </a:prstGeom>
+          <a:ln w="22225">
+            <a:solidFill>
+              <a:srgbClr val="6ED3F4"/>
+            </a:solidFill>
+          </a:ln>
+        </p:spPr>
+        <p:style>
+          <a:lnRef idx="3">
+            <a:schemeClr val="accent1"/>
+          </a:lnRef>
+          <a:fillRef idx="0">
+            <a:schemeClr val="accent1"/>
+          </a:fillRef>
+          <a:effectRef idx="2">
+            <a:schemeClr val="accent1"/>
+          </a:effectRef>
+          <a:fontRef idx="minor">
+            <a:schemeClr val="tx1"/>
+          </a:fontRef>
+        </p:style>
+      </p:cxnSp>
+      <p:cxnSp>
+        <p:nvCxnSpPr>
+          <p:cNvPr id="235" name="Straight Connector 234"/>
+          <p:cNvCxnSpPr/>
+          <p:nvPr/>
+        </p:nvCxnSpPr>
+        <p:spPr>
+          <a:xfrm flipH="1">
+            <a:off x="8814389" y="2376160"/>
+            <a:ext cx="1" cy="1534697"/>
+          </a:xfrm>
+          <a:prstGeom prst="line">
+            <a:avLst/>
+          </a:prstGeom>
+          <a:ln w="25400">
+            <a:solidFill>
+              <a:srgbClr val="6AD4F5"/>
+            </a:solidFill>
+          </a:ln>
+        </p:spPr>
+        <p:style>
+          <a:lnRef idx="3">
+            <a:schemeClr val="accent1"/>
+          </a:lnRef>
+          <a:fillRef idx="0">
+            <a:schemeClr val="accent1"/>
+          </a:fillRef>
+          <a:effectRef idx="2">
+            <a:schemeClr val="accent1"/>
+          </a:effectRef>
+          <a:fontRef idx="minor">
+            <a:schemeClr val="tx1"/>
+          </a:fontRef>
+        </p:style>
+      </p:cxnSp>
+      <p:grpSp>
+        <p:nvGrpSpPr>
+          <p:cNvPr id="240" name="Group 239"/>
+          <p:cNvGrpSpPr/>
+          <p:nvPr/>
+        </p:nvGrpSpPr>
+        <p:grpSpPr>
+          <a:xfrm>
+            <a:off x="8830523" y="2324977"/>
+            <a:ext cx="1241864" cy="261498"/>
+            <a:chOff x="8830523" y="2324977"/>
+            <a:chExt cx="1241864" cy="261498"/>
+          </a:xfrm>
+        </p:grpSpPr>
+        <p:sp>
+          <p:nvSpPr>
+            <p:cNvPr id="238" name="Rectangle 237"/>
+            <p:cNvSpPr/>
+            <p:nvPr/>
+          </p:nvSpPr>
+          <p:spPr>
+            <a:xfrm>
+              <a:off x="8830523" y="2324977"/>
+              <a:ext cx="1178673" cy="171147"/>
+            </a:xfrm>
+            <a:prstGeom prst="rect">
+              <a:avLst/>
+            </a:prstGeom>
+            <a:solidFill>
+              <a:schemeClr val="bg1"/>
+            </a:solidFill>
+            <a:ln>
+              <a:noFill/>
+            </a:ln>
+          </p:spPr>
+          <p:style>
+            <a:lnRef idx="2">
+              <a:schemeClr val="accent1">
+                <a:shade val="50000"/>
+              </a:schemeClr>
+            </a:lnRef>
+            <a:fillRef idx="1">
+              <a:schemeClr val="accent1"/>
+            </a:fillRef>
+            <a:effectRef idx="0">
+              <a:schemeClr val="accent1"/>
+            </a:effectRef>
+            <a:fontRef idx="minor">
+              <a:schemeClr val="lt1"/>
+            </a:fontRef>
+          </p:style>
+          <p:txBody>
+            <a:bodyPr rtlCol="0" anchor="ctr"/>
+            <a:lstStyle/>
+            <a:p>
+              <a:pPr algn="ctr"/>
+              <a:endParaRPr lang="en-US"/>
+            </a:p>
+          </p:txBody>
+        </p:sp>
+        <p:sp>
+          <p:nvSpPr>
+            <p:cNvPr id="239" name="Rectangle 238"/>
+            <p:cNvSpPr/>
+            <p:nvPr/>
+          </p:nvSpPr>
+          <p:spPr>
+            <a:xfrm>
+              <a:off x="9829491" y="2415328"/>
+              <a:ext cx="242896" cy="171147"/>
+            </a:xfrm>
+            <a:prstGeom prst="rect">
+              <a:avLst/>
+            </a:prstGeom>
+            <a:solidFill>
+              <a:schemeClr val="bg1"/>
+            </a:solidFill>
+            <a:ln>
+              <a:noFill/>
+            </a:ln>
+          </p:spPr>
+          <p:style>
+            <a:lnRef idx="2">
+              <a:schemeClr val="accent1">
+                <a:shade val="50000"/>
+              </a:schemeClr>
+            </a:lnRef>
+            <a:fillRef idx="1">
+              <a:schemeClr val="accent1"/>
+            </a:fillRef>
+            <a:effectRef idx="0">
+              <a:schemeClr val="accent1"/>
+            </a:effectRef>
+            <a:fontRef idx="minor">
+              <a:schemeClr val="lt1"/>
+            </a:fontRef>
+          </p:style>
+          <p:txBody>
+            <a:bodyPr rtlCol="0" anchor="ctr"/>
+            <a:lstStyle/>
+            <a:p>
+              <a:pPr algn="ctr"/>
+              <a:endParaRPr lang="en-US"/>
+            </a:p>
+          </p:txBody>
+        </p:sp>
+      </p:grpSp>
+      <p:sp>
+        <p:nvSpPr>
+          <p:cNvPr id="242" name="Rectangle 241"/>
+          <p:cNvSpPr/>
+          <p:nvPr/>
+        </p:nvSpPr>
+        <p:spPr>
+          <a:xfrm>
+            <a:off x="8564903" y="5340769"/>
+            <a:ext cx="1444293" cy="363344"/>
+          </a:xfrm>
+          <a:prstGeom prst="rect">
+            <a:avLst/>
+          </a:prstGeom>
+          <a:solidFill>
+            <a:schemeClr val="bg1"/>
+          </a:solidFill>
+          <a:ln>
+            <a:noFill/>
+          </a:ln>
+        </p:spPr>
+        <p:style>
+          <a:lnRef idx="2">
+            <a:schemeClr val="accent1">
+              <a:shade val="50000"/>
+            </a:schemeClr>
+          </a:lnRef>
+          <a:fillRef idx="1">
+            <a:schemeClr val="accent1"/>
+          </a:fillRef>
+          <a:effectRef idx="0">
+            <a:schemeClr val="accent1"/>
+          </a:effectRef>
+          <a:fontRef idx="minor">
+            <a:schemeClr val="lt1"/>
+          </a:fontRef>
+        </p:style>
+        <p:txBody>
+          <a:bodyPr rtlCol="0" anchor="ctr"/>
+          <a:lstStyle/>
+          <a:p>
+            <a:pPr algn="ctr"/>
+            <a:endParaRPr lang="en-US"/>
+          </a:p>
+        </p:txBody>
+      </p:sp>
+      <p:sp>
+        <p:nvSpPr>
+          <p:cNvPr id="244" name="Rectangle 243"/>
+          <p:cNvSpPr/>
+          <p:nvPr/>
+        </p:nvSpPr>
+        <p:spPr>
+          <a:xfrm>
+            <a:off x="9672085" y="5267052"/>
+            <a:ext cx="467523" cy="317987"/>
+          </a:xfrm>
+          <a:prstGeom prst="rect">
+            <a:avLst/>
+          </a:prstGeom>
+          <a:solidFill>
+            <a:schemeClr val="bg1"/>
+          </a:solidFill>
+          <a:ln>
+            <a:noFill/>
+          </a:ln>
+        </p:spPr>
+        <p:style>
+          <a:lnRef idx="2">
+            <a:schemeClr val="accent1">
+              <a:shade val="50000"/>
+            </a:schemeClr>
+          </a:lnRef>
+          <a:fillRef idx="1">
+            <a:schemeClr val="accent1"/>
+          </a:fillRef>
+          <a:effectRef idx="0">
+            <a:schemeClr val="accent1"/>
+          </a:effectRef>
+          <a:fontRef idx="minor">
+            <a:schemeClr val="lt1"/>
+          </a:fontRef>
+        </p:style>
+        <p:txBody>
+          <a:bodyPr rtlCol="0" anchor="ctr"/>
+          <a:lstStyle/>
+          <a:p>
+            <a:pPr algn="ctr"/>
+            <a:endParaRPr lang="en-US"/>
+          </a:p>
+        </p:txBody>
+      </p:sp>
+      <p:cxnSp>
+        <p:nvCxnSpPr>
+          <p:cNvPr id="245" name="Straight Connector 244"/>
+          <p:cNvCxnSpPr/>
+          <p:nvPr/>
+        </p:nvCxnSpPr>
+        <p:spPr>
+          <a:xfrm flipH="1">
+            <a:off x="8541385" y="5442867"/>
+            <a:ext cx="730845" cy="0"/>
+          </a:xfrm>
+          <a:prstGeom prst="line">
+            <a:avLst/>
+          </a:prstGeom>
+          <a:ln w="28575">
+            <a:solidFill>
+              <a:srgbClr val="7F8084"/>
+            </a:solidFill>
+          </a:ln>
+        </p:spPr>
+        <p:style>
+          <a:lnRef idx="3">
+            <a:schemeClr val="accent1"/>
+          </a:lnRef>
+          <a:fillRef idx="0">
+            <a:schemeClr val="accent1"/>
+          </a:fillRef>
+          <a:effectRef idx="2">
+            <a:schemeClr val="accent1"/>
+          </a:effectRef>
+          <a:fontRef idx="minor">
+            <a:schemeClr val="tx1"/>
+          </a:fontRef>
+        </p:style>
+      </p:cxnSp>
+      <p:cxnSp>
+        <p:nvCxnSpPr>
+          <p:cNvPr id="249" name="Straight Connector 248"/>
+          <p:cNvCxnSpPr/>
+          <p:nvPr/>
+        </p:nvCxnSpPr>
+        <p:spPr>
+          <a:xfrm flipV="1">
+            <a:off x="9747810" y="5104641"/>
+            <a:ext cx="0" cy="700259"/>
+          </a:xfrm>
+          <a:prstGeom prst="line">
+            <a:avLst/>
+          </a:prstGeom>
+          <a:ln w="28575">
+            <a:solidFill>
+              <a:srgbClr val="7F8084"/>
+            </a:solidFill>
+          </a:ln>
+        </p:spPr>
+        <p:style>
+          <a:lnRef idx="3">
+            <a:schemeClr val="accent1"/>
+          </a:lnRef>
+          <a:fillRef idx="0">
+            <a:schemeClr val="accent1"/>
+          </a:fillRef>
+          <a:effectRef idx="2">
+            <a:schemeClr val="accent1"/>
+          </a:effectRef>
+          <a:fontRef idx="minor">
+            <a:schemeClr val="tx1"/>
+          </a:fontRef>
+        </p:style>
+      </p:cxnSp>
+      <p:cxnSp>
+        <p:nvCxnSpPr>
+          <p:cNvPr id="252" name="Straight Connector 251"/>
+          <p:cNvCxnSpPr/>
+          <p:nvPr/>
+        </p:nvCxnSpPr>
+        <p:spPr>
+          <a:xfrm flipV="1">
+            <a:off x="9260629" y="5043399"/>
+            <a:ext cx="0" cy="390991"/>
+          </a:xfrm>
+          <a:prstGeom prst="line">
+            <a:avLst/>
+          </a:prstGeom>
+          <a:ln w="22225">
+            <a:solidFill>
+              <a:srgbClr val="7F8084"/>
+            </a:solidFill>
+          </a:ln>
+        </p:spPr>
+        <p:style>
+          <a:lnRef idx="3">
+            <a:schemeClr val="accent1"/>
+          </a:lnRef>
+          <a:fillRef idx="0">
+            <a:schemeClr val="accent1"/>
+          </a:fillRef>
+          <a:effectRef idx="2">
+            <a:schemeClr val="accent1"/>
+          </a:effectRef>
+          <a:fontRef idx="minor">
+            <a:schemeClr val="tx1"/>
+          </a:fontRef>
+        </p:style>
+      </p:cxnSp>
+      <p:sp>
+        <p:nvSpPr>
+          <p:cNvPr id="8" name="TextBox 7"/>
+          <p:cNvSpPr txBox="1"/>
+          <p:nvPr/>
+        </p:nvSpPr>
+        <p:spPr>
+          <a:xfrm>
+            <a:off x="9200452" y="5167800"/>
+            <a:ext cx="849745" cy="276999"/>
+          </a:xfrm>
+          <a:prstGeom prst="rect">
+            <a:avLst/>
+          </a:prstGeom>
+          <a:noFill/>
+        </p:spPr>
+        <p:txBody>
+          <a:bodyPr wrap="square" rtlCol="0">
+            <a:spAutoFit/>
+          </a:bodyPr>
+          <a:lstStyle/>
+          <a:p>
+            <a:r>
+              <a:rPr lang="en-US" sz="1200" dirty="0" smtClean="0">
+                <a:solidFill>
+                  <a:srgbClr val="CC3300"/>
+                </a:solidFill>
+              </a:rPr>
+              <a:t>JALR</a:t>
+            </a:r>
+            <a:endParaRPr lang="en-US" sz="1200" dirty="0">
+              <a:solidFill>
+                <a:srgbClr val="CC3300"/>
+              </a:solidFill>
+            </a:endParaRPr>
+          </a:p>
+        </p:txBody>
+      </p:sp>
+      <p:sp>
+        <p:nvSpPr>
+          <p:cNvPr id="254" name="Rectangle 253"/>
+          <p:cNvSpPr/>
+          <p:nvPr/>
+        </p:nvSpPr>
+        <p:spPr>
+          <a:xfrm>
+            <a:off x="8184020" y="5790083"/>
+            <a:ext cx="979030" cy="496417"/>
+          </a:xfrm>
+          <a:prstGeom prst="rect">
+            <a:avLst/>
+          </a:prstGeom>
+          <a:noFill/>
+          <a:ln w="19050">
+            <a:solidFill>
+              <a:srgbClr val="C6C7C9"/>
+            </a:solidFill>
+          </a:ln>
+        </p:spPr>
+        <p:style>
+          <a:lnRef idx="2">
+            <a:schemeClr val="accent1">
+              <a:shade val="50000"/>
+            </a:schemeClr>
+          </a:lnRef>
+          <a:fillRef idx="1">
+            <a:schemeClr val="accent1"/>
+          </a:fillRef>
+          <a:effectRef idx="0">
+            <a:schemeClr val="accent1"/>
+          </a:effectRef>
+          <a:fontRef idx="minor">
+            <a:schemeClr val="lt1"/>
+          </a:fontRef>
+        </p:style>
+        <p:txBody>
+          <a:bodyPr rtlCol="0" anchor="ctr"/>
+          <a:lstStyle/>
+          <a:p>
+            <a:pPr algn="ctr"/>
+            <a:endParaRPr lang="en-US"/>
+          </a:p>
+        </p:txBody>
+      </p:sp>
+      <p:sp>
+        <p:nvSpPr>
+          <p:cNvPr id="255" name="TextBox 254"/>
+          <p:cNvSpPr txBox="1"/>
+          <p:nvPr/>
+        </p:nvSpPr>
+        <p:spPr>
+          <a:xfrm>
+            <a:off x="8331937" y="5918200"/>
+            <a:ext cx="747706" cy="276999"/>
+          </a:xfrm>
+          <a:prstGeom prst="rect">
+            <a:avLst/>
+          </a:prstGeom>
+          <a:noFill/>
+        </p:spPr>
+        <p:txBody>
+          <a:bodyPr wrap="square" rtlCol="0">
+            <a:spAutoFit/>
+          </a:bodyPr>
+          <a:lstStyle/>
+          <a:p>
+            <a:r>
+              <a:rPr lang="en-US" sz="1200" b="1" dirty="0" smtClean="0"/>
+              <a:t>multDiv</a:t>
+            </a:r>
+            <a:endParaRPr lang="en-US" sz="1200" b="1" dirty="0"/>
+          </a:p>
+        </p:txBody>
+      </p:sp>
+      <p:cxnSp>
+        <p:nvCxnSpPr>
+          <p:cNvPr id="256" name="Straight Connector 255"/>
+          <p:cNvCxnSpPr/>
+          <p:nvPr/>
+        </p:nvCxnSpPr>
+        <p:spPr>
+          <a:xfrm flipH="1" flipV="1">
+            <a:off x="7732060" y="4498309"/>
+            <a:ext cx="12366" cy="1506274"/>
+          </a:xfrm>
+          <a:prstGeom prst="line">
+            <a:avLst/>
+          </a:prstGeom>
+          <a:ln w="28575">
+            <a:solidFill>
+              <a:srgbClr val="CC3300"/>
+            </a:solidFill>
+          </a:ln>
+        </p:spPr>
+        <p:style>
+          <a:lnRef idx="3">
+            <a:schemeClr val="accent1"/>
+          </a:lnRef>
+          <a:fillRef idx="0">
+            <a:schemeClr val="accent1"/>
+          </a:fillRef>
+          <a:effectRef idx="2">
+            <a:schemeClr val="accent1"/>
+          </a:effectRef>
+          <a:fontRef idx="minor">
+            <a:schemeClr val="tx1"/>
+          </a:fontRef>
+        </p:style>
+      </p:cxnSp>
+      <p:cxnSp>
+        <p:nvCxnSpPr>
+          <p:cNvPr id="257" name="Straight Connector 256"/>
+          <p:cNvCxnSpPr/>
+          <p:nvPr/>
+        </p:nvCxnSpPr>
+        <p:spPr>
+          <a:xfrm flipH="1" flipV="1">
+            <a:off x="7635875" y="4533900"/>
+            <a:ext cx="12642" cy="1561479"/>
+          </a:xfrm>
+          <a:prstGeom prst="line">
+            <a:avLst/>
+          </a:prstGeom>
+          <a:ln w="28575">
+            <a:solidFill>
+              <a:srgbClr val="CC3300"/>
+            </a:solidFill>
+          </a:ln>
+        </p:spPr>
+        <p:style>
+          <a:lnRef idx="3">
+            <a:schemeClr val="accent1"/>
+          </a:lnRef>
+          <a:fillRef idx="0">
+            <a:schemeClr val="accent1"/>
+          </a:fillRef>
+          <a:effectRef idx="2">
+            <a:schemeClr val="accent1"/>
+          </a:effectRef>
+          <a:fontRef idx="minor">
+            <a:schemeClr val="tx1"/>
+          </a:fontRef>
+        </p:style>
+      </p:cxnSp>
+      <p:cxnSp>
+        <p:nvCxnSpPr>
+          <p:cNvPr id="258" name="Straight Connector 257"/>
+          <p:cNvCxnSpPr/>
+          <p:nvPr/>
+        </p:nvCxnSpPr>
+        <p:spPr>
+          <a:xfrm flipH="1" flipV="1">
+            <a:off x="7828438" y="4465819"/>
+            <a:ext cx="6698" cy="1238294"/>
+          </a:xfrm>
+          <a:prstGeom prst="line">
+            <a:avLst/>
+          </a:prstGeom>
+          <a:ln w="28575">
+            <a:solidFill>
+              <a:srgbClr val="CC3300"/>
+            </a:solidFill>
+            <a:tailEnd type="stealth" w="lg" len="lg"/>
+          </a:ln>
+        </p:spPr>
+        <p:style>
+          <a:lnRef idx="3">
+            <a:schemeClr val="accent1"/>
+          </a:lnRef>
+          <a:fillRef idx="0">
+            <a:schemeClr val="accent1"/>
+          </a:fillRef>
+          <a:effectRef idx="2">
+            <a:schemeClr val="accent1"/>
+          </a:effectRef>
+          <a:fontRef idx="minor">
+            <a:schemeClr val="tx1"/>
+          </a:fontRef>
+        </p:style>
+      </p:cxnSp>
+      <p:cxnSp>
+        <p:nvCxnSpPr>
+          <p:cNvPr id="259" name="Straight Connector 258"/>
+          <p:cNvCxnSpPr/>
+          <p:nvPr/>
+        </p:nvCxnSpPr>
+        <p:spPr>
+          <a:xfrm flipH="1">
+            <a:off x="7727097" y="6004583"/>
+            <a:ext cx="463204" cy="3501"/>
+          </a:xfrm>
+          <a:prstGeom prst="line">
+            <a:avLst/>
+          </a:prstGeom>
+          <a:ln w="28575">
+            <a:solidFill>
+              <a:srgbClr val="C00000"/>
+            </a:solidFill>
+            <a:headEnd type="stealth" w="lg" len="lg"/>
+          </a:ln>
+        </p:spPr>
+        <p:style>
+          <a:lnRef idx="3">
+            <a:schemeClr val="accent1"/>
+          </a:lnRef>
+          <a:fillRef idx="0">
+            <a:schemeClr val="accent1"/>
+          </a:fillRef>
+          <a:effectRef idx="2">
+            <a:schemeClr val="accent1"/>
+          </a:effectRef>
+          <a:fontRef idx="minor">
+            <a:schemeClr val="tx1"/>
+          </a:fontRef>
+        </p:style>
+      </p:cxnSp>
+      <p:cxnSp>
+        <p:nvCxnSpPr>
+          <p:cNvPr id="263" name="Straight Connector 262"/>
+          <p:cNvCxnSpPr/>
+          <p:nvPr/>
+        </p:nvCxnSpPr>
+        <p:spPr>
+          <a:xfrm flipH="1" flipV="1">
+            <a:off x="7633997" y="6095378"/>
+            <a:ext cx="550023" cy="622"/>
+          </a:xfrm>
+          <a:prstGeom prst="line">
+            <a:avLst/>
+          </a:prstGeom>
+          <a:ln w="28575">
+            <a:solidFill>
+              <a:srgbClr val="C00000"/>
+            </a:solidFill>
+            <a:headEnd type="stealth" w="lg" len="lg"/>
+          </a:ln>
+        </p:spPr>
+        <p:style>
+          <a:lnRef idx="3">
+            <a:schemeClr val="accent1"/>
+          </a:lnRef>
+          <a:fillRef idx="0">
+            <a:schemeClr val="accent1"/>
+          </a:fillRef>
+          <a:effectRef idx="2">
+            <a:schemeClr val="accent1"/>
+          </a:effectRef>
+          <a:fontRef idx="minor">
+            <a:schemeClr val="tx1"/>
+          </a:fontRef>
+        </p:style>
+      </p:cxnSp>
+      <p:sp>
+        <p:nvSpPr>
+          <p:cNvPr id="275" name="TextBox 274"/>
+          <p:cNvSpPr txBox="1"/>
+          <p:nvPr/>
+        </p:nvSpPr>
+        <p:spPr>
+          <a:xfrm>
+            <a:off x="7698317" y="5800926"/>
+            <a:ext cx="435884" cy="246221"/>
+          </a:xfrm>
+          <a:prstGeom prst="rect">
+            <a:avLst/>
+          </a:prstGeom>
+          <a:noFill/>
+        </p:spPr>
+        <p:txBody>
+          <a:bodyPr wrap="square" rtlCol="0">
+            <a:spAutoFit/>
+          </a:bodyPr>
+          <a:lstStyle/>
+          <a:p>
+            <a:r>
+              <a:rPr lang="en-US" sz="1000" dirty="0" smtClean="0">
+                <a:solidFill>
+                  <a:srgbClr val="CC3300"/>
+                </a:solidFill>
+              </a:rPr>
+              <a:t>valid</a:t>
+            </a:r>
+            <a:endParaRPr lang="en-US" sz="1000" dirty="0">
+              <a:solidFill>
+                <a:srgbClr val="CC3300"/>
+              </a:solidFill>
+            </a:endParaRPr>
+          </a:p>
+        </p:txBody>
+      </p:sp>
+      <p:sp>
+        <p:nvSpPr>
+          <p:cNvPr id="276" name="TextBox 275"/>
+          <p:cNvSpPr txBox="1"/>
+          <p:nvPr/>
+        </p:nvSpPr>
+        <p:spPr>
+          <a:xfrm>
+            <a:off x="7629854" y="6057777"/>
+            <a:ext cx="495175" cy="246221"/>
+          </a:xfrm>
+          <a:prstGeom prst="rect">
+            <a:avLst/>
+          </a:prstGeom>
+          <a:noFill/>
+        </p:spPr>
+        <p:txBody>
+          <a:bodyPr wrap="square" rtlCol="0">
+            <a:spAutoFit/>
+          </a:bodyPr>
+          <a:lstStyle/>
+          <a:p>
+            <a:r>
+              <a:rPr lang="en-US" sz="1000" dirty="0" smtClean="0">
+                <a:solidFill>
+                  <a:srgbClr val="CC3300"/>
+                </a:solidFill>
+              </a:rPr>
+              <a:t>mode</a:t>
+            </a:r>
+            <a:endParaRPr lang="en-US" sz="1000" dirty="0">
+              <a:solidFill>
+                <a:srgbClr val="CC3300"/>
+              </a:solidFill>
+            </a:endParaRPr>
+          </a:p>
+        </p:txBody>
+      </p:sp>
+      <p:cxnSp>
+        <p:nvCxnSpPr>
+          <p:cNvPr id="277" name="Straight Connector 276"/>
+          <p:cNvCxnSpPr/>
+          <p:nvPr/>
+        </p:nvCxnSpPr>
+        <p:spPr>
+          <a:xfrm flipH="1">
+            <a:off x="7846605" y="5693295"/>
+            <a:ext cx="1613538" cy="0"/>
+          </a:xfrm>
+          <a:prstGeom prst="line">
+            <a:avLst/>
+          </a:prstGeom>
+          <a:ln w="28575">
+            <a:solidFill>
+              <a:srgbClr val="C00000"/>
+            </a:solidFill>
+            <a:headEnd type="none" w="lg" len="lg"/>
+          </a:ln>
+        </p:spPr>
+        <p:style>
+          <a:lnRef idx="3">
+            <a:schemeClr val="accent1"/>
+          </a:lnRef>
+          <a:fillRef idx="0">
+            <a:schemeClr val="accent1"/>
+          </a:fillRef>
+          <a:effectRef idx="2">
+            <a:schemeClr val="accent1"/>
+          </a:effectRef>
+          <a:fontRef idx="minor">
+            <a:schemeClr val="tx1"/>
+          </a:fontRef>
+        </p:style>
+      </p:cxnSp>
+      <p:cxnSp>
+        <p:nvCxnSpPr>
+          <p:cNvPr id="280" name="Straight Connector 279"/>
+          <p:cNvCxnSpPr/>
+          <p:nvPr/>
+        </p:nvCxnSpPr>
+        <p:spPr>
+          <a:xfrm flipH="1" flipV="1">
+            <a:off x="9446373" y="5693295"/>
+            <a:ext cx="110" cy="402083"/>
+          </a:xfrm>
+          <a:prstGeom prst="line">
+            <a:avLst/>
+          </a:prstGeom>
+          <a:ln w="28575">
+            <a:solidFill>
+              <a:srgbClr val="CC3300"/>
+            </a:solidFill>
+          </a:ln>
+        </p:spPr>
+        <p:style>
+          <a:lnRef idx="3">
+            <a:schemeClr val="accent1"/>
+          </a:lnRef>
+          <a:fillRef idx="0">
+            <a:schemeClr val="accent1"/>
+          </a:fillRef>
+          <a:effectRef idx="2">
+            <a:schemeClr val="accent1"/>
+          </a:effectRef>
+          <a:fontRef idx="minor">
+            <a:schemeClr val="tx1"/>
+          </a:fontRef>
+        </p:style>
+      </p:cxnSp>
+      <p:cxnSp>
+        <p:nvCxnSpPr>
+          <p:cNvPr id="283" name="Straight Connector 282"/>
+          <p:cNvCxnSpPr/>
+          <p:nvPr/>
+        </p:nvCxnSpPr>
+        <p:spPr>
+          <a:xfrm flipH="1">
+            <a:off x="9167710" y="6095378"/>
+            <a:ext cx="292433" cy="0"/>
+          </a:xfrm>
+          <a:prstGeom prst="line">
+            <a:avLst/>
+          </a:prstGeom>
+          <a:ln w="28575">
+            <a:solidFill>
+              <a:srgbClr val="C00000"/>
+            </a:solidFill>
+            <a:headEnd type="none" w="lg" len="lg"/>
+          </a:ln>
+        </p:spPr>
+        <p:style>
+          <a:lnRef idx="3">
+            <a:schemeClr val="accent1"/>
+          </a:lnRef>
+          <a:fillRef idx="0">
+            <a:schemeClr val="accent1"/>
+          </a:fillRef>
+          <a:effectRef idx="2">
+            <a:schemeClr val="accent1"/>
+          </a:effectRef>
+          <a:fontRef idx="minor">
+            <a:schemeClr val="tx1"/>
+          </a:fontRef>
+        </p:style>
+      </p:cxnSp>
+      <p:sp>
+        <p:nvSpPr>
+          <p:cNvPr id="287" name="TextBox 286"/>
+          <p:cNvSpPr txBox="1"/>
+          <p:nvPr/>
+        </p:nvSpPr>
+        <p:spPr>
+          <a:xfrm>
+            <a:off x="8360215" y="5484492"/>
+            <a:ext cx="489792" cy="246221"/>
+          </a:xfrm>
+          <a:prstGeom prst="rect">
+            <a:avLst/>
+          </a:prstGeom>
+          <a:noFill/>
+        </p:spPr>
+        <p:txBody>
+          <a:bodyPr wrap="square" rtlCol="0">
+            <a:spAutoFit/>
+          </a:bodyPr>
+          <a:lstStyle/>
+          <a:p>
+            <a:r>
+              <a:rPr lang="en-US" sz="1000" dirty="0" smtClean="0">
+                <a:solidFill>
+                  <a:srgbClr val="CC3300"/>
+                </a:solidFill>
+              </a:rPr>
+              <a:t>ready</a:t>
+            </a:r>
+            <a:endParaRPr lang="en-US" sz="1000" dirty="0">
+              <a:solidFill>
+                <a:srgbClr val="CC3300"/>
+              </a:solidFill>
+            </a:endParaRPr>
+          </a:p>
+        </p:txBody>
+      </p:sp>
+      <p:sp>
+        <p:nvSpPr>
+          <p:cNvPr id="90" name="Oval 89"/>
+          <p:cNvSpPr/>
+          <p:nvPr/>
+        </p:nvSpPr>
+        <p:spPr>
+          <a:xfrm>
+            <a:off x="9717365" y="6361671"/>
+            <a:ext cx="66815" cy="69792"/>
+          </a:xfrm>
+          <a:prstGeom prst="ellipse">
+            <a:avLst/>
+          </a:prstGeom>
+          <a:solidFill>
+            <a:srgbClr val="272A30"/>
+          </a:solidFill>
+          <a:ln>
+            <a:noFill/>
+          </a:ln>
+        </p:spPr>
+        <p:style>
+          <a:lnRef idx="2">
+            <a:schemeClr val="accent1">
+              <a:shade val="50000"/>
+            </a:schemeClr>
+          </a:lnRef>
+          <a:fillRef idx="1">
+            <a:schemeClr val="accent1"/>
+          </a:fillRef>
+          <a:effectRef idx="0">
+            <a:schemeClr val="accent1"/>
+          </a:effectRef>
+          <a:fontRef idx="minor">
+            <a:schemeClr val="lt1"/>
+          </a:fontRef>
+        </p:style>
+        <p:txBody>
+          <a:bodyPr rtlCol="0" anchor="ctr"/>
+          <a:lstStyle/>
+          <a:p>
+            <a:pPr algn="ctr"/>
+            <a:endParaRPr lang="en-US"/>
+          </a:p>
+        </p:txBody>
+      </p:sp>
+      <p:sp>
+        <p:nvSpPr>
+          <p:cNvPr id="98" name="TextBox 97"/>
+          <p:cNvSpPr txBox="1"/>
+          <p:nvPr/>
+        </p:nvSpPr>
+        <p:spPr>
+          <a:xfrm>
+            <a:off x="8331938" y="165130"/>
+            <a:ext cx="457200" cy="276999"/>
+          </a:xfrm>
+          <a:prstGeom prst="rect">
+            <a:avLst/>
+          </a:prstGeom>
+          <a:noFill/>
+        </p:spPr>
+        <p:txBody>
+          <a:bodyPr wrap="square" rtlCol="0">
+            <a:spAutoFit/>
+          </a:bodyPr>
+          <a:lstStyle/>
+          <a:p>
+            <a:r>
+              <a:rPr lang="en-US" sz="1200" dirty="0" smtClean="0">
+                <a:solidFill>
+                  <a:srgbClr val="CC3300"/>
+                </a:solidFill>
+              </a:rPr>
+              <a:t>00</a:t>
+            </a:r>
+            <a:endParaRPr lang="en-US" sz="1200" dirty="0">
+              <a:solidFill>
+                <a:srgbClr val="CC3300"/>
+              </a:solidFill>
+            </a:endParaRPr>
+          </a:p>
+        </p:txBody>
+      </p:sp>
+      <p:pic>
+        <p:nvPicPr>
+          <p:cNvPr id="4" name="Picture 3"/>
+          <p:cNvPicPr>
+            <a:picLocks noChangeAspect="1"/>
+          </p:cNvPicPr>
+          <p:nvPr/>
+        </p:nvPicPr>
+        <p:blipFill>
+          <a:blip r:embed="rId6"/>
+          <a:stretch>
+            <a:fillRect/>
+          </a:stretch>
+        </p:blipFill>
+        <p:spPr>
+          <a:xfrm>
+            <a:off x="8109491" y="1981858"/>
+            <a:ext cx="311166" cy="336567"/>
+          </a:xfrm>
+          <a:prstGeom prst="rect">
+            <a:avLst/>
+          </a:prstGeom>
+        </p:spPr>
+      </p:pic>
+      <p:cxnSp>
+        <p:nvCxnSpPr>
+          <p:cNvPr id="104" name="Straight Connector 103"/>
+          <p:cNvCxnSpPr/>
+          <p:nvPr/>
+        </p:nvCxnSpPr>
+        <p:spPr>
+          <a:xfrm flipH="1" flipV="1">
+            <a:off x="5293597" y="1954709"/>
+            <a:ext cx="1183211" cy="448"/>
+          </a:xfrm>
+          <a:prstGeom prst="line">
+            <a:avLst/>
+          </a:prstGeom>
+          <a:ln w="28575">
+            <a:solidFill>
+              <a:srgbClr val="C00000"/>
+            </a:solidFill>
+          </a:ln>
+        </p:spPr>
+        <p:style>
+          <a:lnRef idx="3">
+            <a:schemeClr val="accent1"/>
+          </a:lnRef>
+          <a:fillRef idx="0">
+            <a:schemeClr val="accent1"/>
+          </a:fillRef>
+          <a:effectRef idx="2">
+            <a:schemeClr val="accent1"/>
+          </a:effectRef>
+          <a:fontRef idx="minor">
+            <a:schemeClr val="tx1"/>
+          </a:fontRef>
+        </p:style>
+      </p:cxnSp>
+      <p:cxnSp>
+        <p:nvCxnSpPr>
+          <p:cNvPr id="106" name="Straight Connector 105"/>
+          <p:cNvCxnSpPr/>
+          <p:nvPr/>
+        </p:nvCxnSpPr>
+        <p:spPr>
+          <a:xfrm flipH="1">
+            <a:off x="6485079" y="2479192"/>
+            <a:ext cx="2012721" cy="0"/>
+          </a:xfrm>
+          <a:prstGeom prst="line">
+            <a:avLst/>
+          </a:prstGeom>
+          <a:ln w="28575">
+            <a:solidFill>
+              <a:srgbClr val="C00000"/>
+            </a:solidFill>
+          </a:ln>
+        </p:spPr>
+        <p:style>
+          <a:lnRef idx="3">
+            <a:schemeClr val="accent1"/>
+          </a:lnRef>
+          <a:fillRef idx="0">
+            <a:schemeClr val="accent1"/>
+          </a:fillRef>
+          <a:effectRef idx="2">
+            <a:schemeClr val="accent1"/>
+          </a:effectRef>
+          <a:fontRef idx="minor">
+            <a:schemeClr val="tx1"/>
+          </a:fontRef>
+        </p:style>
+      </p:cxnSp>
+      <p:cxnSp>
+        <p:nvCxnSpPr>
+          <p:cNvPr id="112" name="Straight Connector 111"/>
+          <p:cNvCxnSpPr/>
+          <p:nvPr/>
+        </p:nvCxnSpPr>
+        <p:spPr>
+          <a:xfrm flipH="1" flipV="1">
+            <a:off x="6475903" y="1945084"/>
+            <a:ext cx="1329" cy="551040"/>
+          </a:xfrm>
+          <a:prstGeom prst="line">
+            <a:avLst/>
+          </a:prstGeom>
+          <a:ln w="28575">
+            <a:solidFill>
+              <a:srgbClr val="CC3300"/>
+            </a:solidFill>
+          </a:ln>
+        </p:spPr>
+        <p:style>
+          <a:lnRef idx="3">
+            <a:schemeClr val="accent1"/>
+          </a:lnRef>
+          <a:fillRef idx="0">
+            <a:schemeClr val="accent1"/>
+          </a:fillRef>
+          <a:effectRef idx="2">
+            <a:schemeClr val="accent1"/>
+          </a:effectRef>
+          <a:fontRef idx="minor">
+            <a:schemeClr val="tx1"/>
+          </a:fontRef>
+        </p:style>
+      </p:cxnSp>
+      <p:cxnSp>
+        <p:nvCxnSpPr>
+          <p:cNvPr id="122" name="Straight Connector 121"/>
+          <p:cNvCxnSpPr/>
+          <p:nvPr/>
+        </p:nvCxnSpPr>
+        <p:spPr>
+          <a:xfrm flipH="1" flipV="1">
+            <a:off x="6123834" y="2172267"/>
+            <a:ext cx="1861496" cy="6338"/>
+          </a:xfrm>
+          <a:prstGeom prst="line">
+            <a:avLst/>
+          </a:prstGeom>
+          <a:ln w="22225">
+            <a:solidFill>
+              <a:srgbClr val="6ED3F4"/>
+            </a:solidFill>
+          </a:ln>
+        </p:spPr>
+        <p:style>
+          <a:lnRef idx="3">
+            <a:schemeClr val="accent1"/>
+          </a:lnRef>
+          <a:fillRef idx="0">
+            <a:schemeClr val="accent1"/>
+          </a:fillRef>
+          <a:effectRef idx="2">
+            <a:schemeClr val="accent1"/>
+          </a:effectRef>
+          <a:fontRef idx="minor">
+            <a:schemeClr val="tx1"/>
+          </a:fontRef>
+        </p:style>
+      </p:cxnSp>
+      <p:cxnSp>
+        <p:nvCxnSpPr>
+          <p:cNvPr id="126" name="Straight Connector 125"/>
+          <p:cNvCxnSpPr/>
+          <p:nvPr/>
+        </p:nvCxnSpPr>
+        <p:spPr>
+          <a:xfrm flipH="1" flipV="1">
+            <a:off x="5341064" y="2044040"/>
+            <a:ext cx="789290" cy="1281"/>
+          </a:xfrm>
+          <a:prstGeom prst="line">
+            <a:avLst/>
+          </a:prstGeom>
+          <a:ln w="22225">
+            <a:solidFill>
+              <a:srgbClr val="6ED3F4"/>
+            </a:solidFill>
+            <a:tailEnd type="stealth" w="med" len="lg"/>
+          </a:ln>
+        </p:spPr>
+        <p:style>
+          <a:lnRef idx="3">
+            <a:schemeClr val="accent1"/>
+          </a:lnRef>
+          <a:fillRef idx="0">
+            <a:schemeClr val="accent1"/>
+          </a:fillRef>
+          <a:effectRef idx="2">
+            <a:schemeClr val="accent1"/>
+          </a:effectRef>
+          <a:fontRef idx="minor">
+            <a:schemeClr val="tx1"/>
+          </a:fontRef>
+        </p:style>
+      </p:cxnSp>
+      <p:cxnSp>
+        <p:nvCxnSpPr>
+          <p:cNvPr id="129" name="Straight Connector 128"/>
+          <p:cNvCxnSpPr/>
+          <p:nvPr/>
+        </p:nvCxnSpPr>
+        <p:spPr>
+          <a:xfrm flipH="1">
+            <a:off x="8445382" y="1940656"/>
+            <a:ext cx="1647" cy="209329"/>
+          </a:xfrm>
+          <a:prstGeom prst="line">
+            <a:avLst/>
+          </a:prstGeom>
+          <a:ln w="22225">
+            <a:solidFill>
+              <a:srgbClr val="6AD4F5"/>
+            </a:solidFill>
+          </a:ln>
+        </p:spPr>
+        <p:style>
+          <a:lnRef idx="3">
+            <a:schemeClr val="accent1"/>
+          </a:lnRef>
+          <a:fillRef idx="0">
+            <a:schemeClr val="accent1"/>
+          </a:fillRef>
+          <a:effectRef idx="2">
+            <a:schemeClr val="accent1"/>
+          </a:effectRef>
+          <a:fontRef idx="minor">
+            <a:schemeClr val="tx1"/>
+          </a:fontRef>
+        </p:style>
+      </p:cxnSp>
+      <p:cxnSp>
+        <p:nvCxnSpPr>
+          <p:cNvPr id="130" name="Straight Connector 129"/>
+          <p:cNvCxnSpPr/>
+          <p:nvPr/>
+        </p:nvCxnSpPr>
+        <p:spPr>
+          <a:xfrm flipH="1">
+            <a:off x="7979344" y="1940362"/>
+            <a:ext cx="1313" cy="237563"/>
+          </a:xfrm>
+          <a:prstGeom prst="line">
+            <a:avLst/>
+          </a:prstGeom>
+          <a:ln w="22225">
+            <a:solidFill>
+              <a:srgbClr val="6AD4F5"/>
+            </a:solidFill>
+          </a:ln>
+        </p:spPr>
+        <p:style>
+          <a:lnRef idx="3">
+            <a:schemeClr val="accent1"/>
+          </a:lnRef>
+          <a:fillRef idx="0">
+            <a:schemeClr val="accent1"/>
+          </a:fillRef>
+          <a:effectRef idx="2">
+            <a:schemeClr val="accent1"/>
+          </a:effectRef>
+          <a:fontRef idx="minor">
+            <a:schemeClr val="tx1"/>
+          </a:fontRef>
+        </p:style>
+      </p:cxnSp>
+      <p:cxnSp>
+        <p:nvCxnSpPr>
+          <p:cNvPr id="131" name="Straight Connector 130"/>
+          <p:cNvCxnSpPr/>
+          <p:nvPr/>
+        </p:nvCxnSpPr>
+        <p:spPr>
+          <a:xfrm>
+            <a:off x="6130354" y="2044040"/>
+            <a:ext cx="394" cy="127511"/>
+          </a:xfrm>
+          <a:prstGeom prst="line">
+            <a:avLst/>
+          </a:prstGeom>
+          <a:ln w="22225">
+            <a:solidFill>
+              <a:srgbClr val="6AD4F5"/>
+            </a:solidFill>
+          </a:ln>
+        </p:spPr>
+        <p:style>
+          <a:lnRef idx="3">
+            <a:schemeClr val="accent1"/>
+          </a:lnRef>
+          <a:fillRef idx="0">
+            <a:schemeClr val="accent1"/>
+          </a:fillRef>
+          <a:effectRef idx="2">
+            <a:schemeClr val="accent1"/>
+          </a:effectRef>
+          <a:fontRef idx="minor">
+            <a:schemeClr val="tx1"/>
+          </a:fontRef>
+        </p:style>
+      </p:cxnSp>
+      <p:cxnSp>
+        <p:nvCxnSpPr>
+          <p:cNvPr id="140" name="Straight Connector 139"/>
+          <p:cNvCxnSpPr/>
+          <p:nvPr/>
+        </p:nvCxnSpPr>
+        <p:spPr>
+          <a:xfrm flipH="1">
+            <a:off x="7974295" y="1951179"/>
+            <a:ext cx="469742" cy="1430"/>
+          </a:xfrm>
+          <a:prstGeom prst="line">
+            <a:avLst/>
+          </a:prstGeom>
+          <a:ln w="22225">
+            <a:solidFill>
+              <a:srgbClr val="6ED3F4"/>
+            </a:solidFill>
+          </a:ln>
+        </p:spPr>
+        <p:style>
+          <a:lnRef idx="3">
+            <a:schemeClr val="accent1"/>
+          </a:lnRef>
+          <a:fillRef idx="0">
+            <a:schemeClr val="accent1"/>
+          </a:fillRef>
+          <a:effectRef idx="2">
+            <a:schemeClr val="accent1"/>
+          </a:effectRef>
+          <a:fontRef idx="minor">
+            <a:schemeClr val="tx1"/>
+          </a:fontRef>
+        </p:style>
+      </p:cxnSp>
+      <p:cxnSp>
+        <p:nvCxnSpPr>
+          <p:cNvPr id="150" name="Straight Connector 149"/>
+          <p:cNvCxnSpPr/>
+          <p:nvPr/>
+        </p:nvCxnSpPr>
+        <p:spPr>
+          <a:xfrm>
+            <a:off x="8380405" y="2142112"/>
+            <a:ext cx="76854" cy="615"/>
+          </a:xfrm>
+          <a:prstGeom prst="line">
+            <a:avLst/>
+          </a:prstGeom>
+          <a:ln w="22225">
+            <a:solidFill>
+              <a:srgbClr val="6ED3F4"/>
+            </a:solidFill>
+          </a:ln>
+        </p:spPr>
+        <p:style>
+          <a:lnRef idx="3">
+            <a:schemeClr val="accent1"/>
+          </a:lnRef>
+          <a:fillRef idx="0">
+            <a:schemeClr val="accent1"/>
+          </a:fillRef>
+          <a:effectRef idx="2">
+            <a:schemeClr val="accent1"/>
+          </a:effectRef>
+          <a:fontRef idx="minor">
+            <a:schemeClr val="tx1"/>
+          </a:fontRef>
+        </p:style>
+      </p:cxnSp>
+      <p:sp>
+        <p:nvSpPr>
+          <p:cNvPr id="173" name="TextBox 172"/>
+          <p:cNvSpPr txBox="1"/>
+          <p:nvPr/>
+        </p:nvSpPr>
+        <p:spPr>
+          <a:xfrm>
+            <a:off x="5087191" y="438998"/>
+            <a:ext cx="245039" cy="276999"/>
+          </a:xfrm>
+          <a:prstGeom prst="rect">
+            <a:avLst/>
+          </a:prstGeom>
+          <a:noFill/>
+        </p:spPr>
+        <p:txBody>
+          <a:bodyPr wrap="square" rtlCol="0">
+            <a:spAutoFit/>
+          </a:bodyPr>
+          <a:lstStyle/>
+          <a:p>
+            <a:r>
+              <a:rPr lang="en-US" sz="1200" dirty="0" smtClean="0">
+                <a:solidFill>
+                  <a:srgbClr val="CC3300"/>
+                </a:solidFill>
+              </a:rPr>
+              <a:t>0</a:t>
+            </a:r>
+            <a:endParaRPr lang="en-US" sz="1200" dirty="0">
+              <a:solidFill>
+                <a:srgbClr val="CC3300"/>
+              </a:solidFill>
+            </a:endParaRPr>
+          </a:p>
+        </p:txBody>
+      </p:sp>
+      <p:cxnSp>
+        <p:nvCxnSpPr>
+          <p:cNvPr id="174" name="Straight Connector 173"/>
+          <p:cNvCxnSpPr>
+            <a:endCxn id="163" idx="1"/>
+          </p:cNvCxnSpPr>
+          <p:nvPr/>
+        </p:nvCxnSpPr>
+        <p:spPr>
+          <a:xfrm flipH="1" flipV="1">
+            <a:off x="8399209" y="402074"/>
+            <a:ext cx="222838" cy="116978"/>
+          </a:xfrm>
+          <a:prstGeom prst="line">
+            <a:avLst/>
+          </a:prstGeom>
+          <a:ln w="28575">
+            <a:solidFill>
+              <a:srgbClr val="CC3300"/>
+            </a:solidFill>
+          </a:ln>
+        </p:spPr>
+        <p:style>
+          <a:lnRef idx="3">
+            <a:schemeClr val="accent1"/>
+          </a:lnRef>
+          <a:fillRef idx="0">
+            <a:schemeClr val="accent1"/>
+          </a:fillRef>
+          <a:effectRef idx="2">
+            <a:schemeClr val="accent1"/>
+          </a:effectRef>
+          <a:fontRef idx="minor">
+            <a:schemeClr val="tx1"/>
+          </a:fontRef>
+        </p:style>
+      </p:cxnSp>
+      <p:cxnSp>
+        <p:nvCxnSpPr>
+          <p:cNvPr id="176" name="Straight Connector 175"/>
+          <p:cNvCxnSpPr/>
+          <p:nvPr/>
+        </p:nvCxnSpPr>
+        <p:spPr>
+          <a:xfrm flipH="1">
+            <a:off x="5108846" y="396066"/>
+            <a:ext cx="211906" cy="1503"/>
+          </a:xfrm>
+          <a:prstGeom prst="line">
+            <a:avLst/>
+          </a:prstGeom>
+          <a:ln w="28575">
+            <a:solidFill>
+              <a:srgbClr val="CC3300"/>
+            </a:solidFill>
+          </a:ln>
+        </p:spPr>
+        <p:style>
+          <a:lnRef idx="3">
+            <a:schemeClr val="accent1"/>
+          </a:lnRef>
+          <a:fillRef idx="0">
+            <a:schemeClr val="accent1"/>
+          </a:fillRef>
+          <a:effectRef idx="2">
+            <a:schemeClr val="accent1"/>
+          </a:effectRef>
+          <a:fontRef idx="minor">
+            <a:schemeClr val="tx1"/>
+          </a:fontRef>
+        </p:style>
+      </p:cxnSp>
+      <p:sp>
+        <p:nvSpPr>
+          <p:cNvPr id="180" name="TextBox 179"/>
+          <p:cNvSpPr txBox="1"/>
+          <p:nvPr/>
+        </p:nvSpPr>
+        <p:spPr>
+          <a:xfrm>
+            <a:off x="4523002" y="438305"/>
+            <a:ext cx="679649" cy="276999"/>
+          </a:xfrm>
+          <a:prstGeom prst="rect">
+            <a:avLst/>
+          </a:prstGeom>
+          <a:noFill/>
+        </p:spPr>
+        <p:txBody>
+          <a:bodyPr wrap="square" rtlCol="0">
+            <a:spAutoFit/>
+          </a:bodyPr>
+          <a:lstStyle/>
+          <a:p>
+            <a:r>
+              <a:rPr lang="en-US" sz="1200" dirty="0" smtClean="0">
+                <a:solidFill>
+                  <a:srgbClr val="CC3300"/>
+                </a:solidFill>
+              </a:rPr>
+              <a:t>SCYCLE</a:t>
+            </a:r>
+            <a:endParaRPr lang="en-US" sz="1200" dirty="0">
+              <a:solidFill>
+                <a:srgbClr val="CC3300"/>
+              </a:solidFill>
+            </a:endParaRPr>
+          </a:p>
+        </p:txBody>
+      </p:sp>
+      <p:sp>
+        <p:nvSpPr>
+          <p:cNvPr id="181" name="TextBox 180"/>
+          <p:cNvSpPr txBox="1"/>
+          <p:nvPr/>
+        </p:nvSpPr>
+        <p:spPr>
+          <a:xfrm>
+            <a:off x="8758042" y="3322459"/>
+            <a:ext cx="245039" cy="276999"/>
+          </a:xfrm>
+          <a:prstGeom prst="rect">
+            <a:avLst/>
+          </a:prstGeom>
+          <a:noFill/>
+        </p:spPr>
+        <p:txBody>
+          <a:bodyPr wrap="square" rtlCol="0">
+            <a:spAutoFit/>
+          </a:bodyPr>
+          <a:lstStyle/>
+          <a:p>
+            <a:r>
+              <a:rPr lang="en-US" sz="1200" dirty="0" smtClean="0">
+                <a:solidFill>
+                  <a:srgbClr val="CC3300"/>
+                </a:solidFill>
+              </a:rPr>
+              <a:t>0</a:t>
+            </a:r>
+            <a:endParaRPr lang="en-US" sz="1200" dirty="0">
+              <a:solidFill>
+                <a:srgbClr val="CC3300"/>
+              </a:solidFill>
+            </a:endParaRPr>
+          </a:p>
+        </p:txBody>
+      </p:sp>
+      <p:cxnSp>
+        <p:nvCxnSpPr>
+          <p:cNvPr id="182" name="Straight Connector 181"/>
+          <p:cNvCxnSpPr/>
+          <p:nvPr/>
+        </p:nvCxnSpPr>
+        <p:spPr>
+          <a:xfrm flipV="1">
+            <a:off x="9754159" y="3969696"/>
+            <a:ext cx="365069" cy="963480"/>
+          </a:xfrm>
+          <a:prstGeom prst="line">
+            <a:avLst/>
+          </a:prstGeom>
+          <a:ln w="28575">
+            <a:solidFill>
+              <a:srgbClr val="CC3300"/>
+            </a:solidFill>
+          </a:ln>
+        </p:spPr>
+        <p:style>
+          <a:lnRef idx="3">
+            <a:schemeClr val="accent1"/>
+          </a:lnRef>
+          <a:fillRef idx="0">
+            <a:schemeClr val="accent1"/>
+          </a:fillRef>
+          <a:effectRef idx="2">
+            <a:schemeClr val="accent1"/>
+          </a:effectRef>
+          <a:fontRef idx="minor">
+            <a:schemeClr val="tx1"/>
+          </a:fontRef>
+        </p:style>
+      </p:cxnSp>
+      <p:sp>
+        <p:nvSpPr>
+          <p:cNvPr id="188" name="TextBox 187"/>
+          <p:cNvSpPr txBox="1"/>
+          <p:nvPr/>
+        </p:nvSpPr>
+        <p:spPr>
+          <a:xfrm>
+            <a:off x="8599580" y="3323802"/>
+            <a:ext cx="245039" cy="276999"/>
+          </a:xfrm>
+          <a:prstGeom prst="rect">
+            <a:avLst/>
+          </a:prstGeom>
+          <a:noFill/>
+        </p:spPr>
+        <p:txBody>
+          <a:bodyPr wrap="square" rtlCol="0">
+            <a:spAutoFit/>
+          </a:bodyPr>
+          <a:lstStyle/>
+          <a:p>
+            <a:r>
+              <a:rPr lang="en-US" sz="1200" dirty="0" smtClean="0">
+                <a:solidFill>
+                  <a:srgbClr val="CC3300"/>
+                </a:solidFill>
+              </a:rPr>
+              <a:t>0</a:t>
+            </a:r>
+            <a:endParaRPr lang="en-US" sz="1200" dirty="0">
+              <a:solidFill>
+                <a:srgbClr val="CC3300"/>
+              </a:solidFill>
+            </a:endParaRPr>
+          </a:p>
+        </p:txBody>
+      </p:sp>
+      <p:sp>
+        <p:nvSpPr>
+          <p:cNvPr id="189" name="TextBox 188"/>
+          <p:cNvSpPr txBox="1"/>
+          <p:nvPr/>
+        </p:nvSpPr>
+        <p:spPr>
+          <a:xfrm>
+            <a:off x="6796862" y="3882376"/>
+            <a:ext cx="245039" cy="276999"/>
+          </a:xfrm>
+          <a:prstGeom prst="rect">
+            <a:avLst/>
+          </a:prstGeom>
+          <a:noFill/>
+        </p:spPr>
+        <p:txBody>
+          <a:bodyPr wrap="square" rtlCol="0">
+            <a:spAutoFit/>
+          </a:bodyPr>
+          <a:lstStyle/>
+          <a:p>
+            <a:r>
+              <a:rPr lang="en-US" sz="1200" dirty="0" smtClean="0">
+                <a:solidFill>
+                  <a:srgbClr val="CC3300"/>
+                </a:solidFill>
+              </a:rPr>
+              <a:t>1</a:t>
+            </a:r>
+            <a:endParaRPr lang="en-US" sz="1200" dirty="0">
+              <a:solidFill>
+                <a:srgbClr val="CC3300"/>
+              </a:solidFill>
+            </a:endParaRPr>
+          </a:p>
+        </p:txBody>
+      </p:sp>
+      <p:sp>
+        <p:nvSpPr>
+          <p:cNvPr id="190" name="TextBox 189"/>
+          <p:cNvSpPr txBox="1"/>
+          <p:nvPr/>
+        </p:nvSpPr>
+        <p:spPr>
+          <a:xfrm>
+            <a:off x="5711780" y="3168719"/>
+            <a:ext cx="245039" cy="276999"/>
+          </a:xfrm>
+          <a:prstGeom prst="rect">
+            <a:avLst/>
+          </a:prstGeom>
+          <a:noFill/>
+        </p:spPr>
+        <p:txBody>
+          <a:bodyPr wrap="square" rtlCol="0">
+            <a:spAutoFit/>
+          </a:bodyPr>
+          <a:lstStyle/>
+          <a:p>
+            <a:r>
+              <a:rPr lang="en-US" sz="1200" dirty="0" smtClean="0">
+                <a:solidFill>
+                  <a:srgbClr val="CC3300"/>
+                </a:solidFill>
+              </a:rPr>
+              <a:t>1</a:t>
+            </a:r>
+            <a:endParaRPr lang="en-US" sz="1200" dirty="0">
+              <a:solidFill>
+                <a:srgbClr val="CC3300"/>
+              </a:solidFill>
+            </a:endParaRPr>
+          </a:p>
+        </p:txBody>
+      </p:sp>
+      <p:cxnSp>
+        <p:nvCxnSpPr>
+          <p:cNvPr id="191" name="Straight Connector 190"/>
+          <p:cNvCxnSpPr/>
+          <p:nvPr/>
+        </p:nvCxnSpPr>
+        <p:spPr>
+          <a:xfrm flipH="1">
+            <a:off x="6747502" y="4518296"/>
+            <a:ext cx="244183" cy="252724"/>
+          </a:xfrm>
+          <a:prstGeom prst="line">
+            <a:avLst/>
+          </a:prstGeom>
+          <a:ln w="28575">
+            <a:solidFill>
+              <a:srgbClr val="CC3300"/>
+            </a:solidFill>
+          </a:ln>
+        </p:spPr>
+        <p:style>
+          <a:lnRef idx="3">
+            <a:schemeClr val="accent1"/>
+          </a:lnRef>
+          <a:fillRef idx="0">
+            <a:schemeClr val="accent1"/>
+          </a:fillRef>
+          <a:effectRef idx="2">
+            <a:schemeClr val="accent1"/>
+          </a:effectRef>
+          <a:fontRef idx="minor">
+            <a:schemeClr val="tx1"/>
+          </a:fontRef>
+        </p:style>
+      </p:cxnSp>
+      <p:sp>
+        <p:nvSpPr>
+          <p:cNvPr id="108" name="TextBox 107"/>
+          <p:cNvSpPr txBox="1"/>
+          <p:nvPr/>
+        </p:nvSpPr>
+        <p:spPr>
+          <a:xfrm>
+            <a:off x="7984037" y="5752528"/>
+            <a:ext cx="245039" cy="276999"/>
+          </a:xfrm>
+          <a:prstGeom prst="rect">
+            <a:avLst/>
+          </a:prstGeom>
+          <a:noFill/>
+        </p:spPr>
+        <p:txBody>
+          <a:bodyPr wrap="square" rtlCol="0">
+            <a:spAutoFit/>
+          </a:bodyPr>
+          <a:lstStyle/>
+          <a:p>
+            <a:r>
+              <a:rPr lang="en-US" sz="1200" dirty="0" smtClean="0">
+                <a:solidFill>
+                  <a:srgbClr val="CC3300"/>
+                </a:solidFill>
+              </a:rPr>
+              <a:t>0</a:t>
+            </a:r>
+            <a:endParaRPr lang="en-US" sz="1200" dirty="0">
+              <a:solidFill>
+                <a:srgbClr val="CC3300"/>
+              </a:solidFill>
+            </a:endParaRPr>
+          </a:p>
+        </p:txBody>
+      </p:sp>
+      <p:sp>
+        <p:nvSpPr>
+          <p:cNvPr id="2" name="TextBox 1"/>
+          <p:cNvSpPr txBox="1"/>
+          <p:nvPr/>
+        </p:nvSpPr>
+        <p:spPr>
+          <a:xfrm>
+            <a:off x="407181" y="300933"/>
+            <a:ext cx="905163" cy="769441"/>
+          </a:xfrm>
+          <a:prstGeom prst="rect">
+            <a:avLst/>
+          </a:prstGeom>
+          <a:noFill/>
+        </p:spPr>
+        <p:txBody>
+          <a:bodyPr wrap="square" rtlCol="0">
+            <a:spAutoFit/>
+          </a:bodyPr>
+          <a:lstStyle/>
+          <a:p>
+            <a:pPr algn="ctr"/>
+            <a:r>
+              <a:rPr lang="en-US" sz="4400" dirty="0" smtClean="0"/>
+              <a:t>I</a:t>
+            </a:r>
+            <a:endParaRPr lang="en-US" sz="4400" dirty="0"/>
+          </a:p>
+        </p:txBody>
+      </p:sp>
+    </p:spTree>
+    <p:extLst>
+      <p:ext uri="{BB962C8B-B14F-4D97-AF65-F5344CB8AC3E}">
+        <p14:creationId xmlns:p14="http://schemas.microsoft.com/office/powerpoint/2010/main" val="468511310"/>
       </p:ext>
     </p:extLst>
   </p:cSld>

--- a/Architecture.pptx
+++ b/Architecture.pptx
@@ -5,12 +5,14 @@
     <p:sldMasterId id="2147483648" r:id="rId1"/>
   </p:sldMasterIdLst>
   <p:notesMasterIdLst>
-    <p:notesMasterId r:id="rId5"/>
+    <p:notesMasterId r:id="rId7"/>
   </p:notesMasterIdLst>
   <p:sldIdLst>
     <p:sldId id="257" r:id="rId2"/>
     <p:sldId id="258" r:id="rId3"/>
     <p:sldId id="259" r:id="rId4"/>
+    <p:sldId id="260" r:id="rId5"/>
+    <p:sldId id="261" r:id="rId6"/>
   </p:sldIdLst>
   <p:sldSz cx="12192000" cy="6858000"/>
   <p:notesSz cx="6858000" cy="9144000"/>
@@ -14994,6 +14996,7810 @@
     <p:extLst>
       <p:ext uri="{BB962C8B-B14F-4D97-AF65-F5344CB8AC3E}">
         <p14:creationId xmlns:p14="http://schemas.microsoft.com/office/powerpoint/2010/main" val="468511310"/>
+      </p:ext>
+    </p:extLst>
+  </p:cSld>
+  <p:clrMapOvr>
+    <a:masterClrMapping/>
+  </p:clrMapOvr>
+</p:sld>
+</file>
+
+<file path=ppt/slides/slide4.xml><?xml version="1.0" encoding="utf-8"?>
+<p:sld xmlns:a="http://schemas.openxmlformats.org/drawingml/2006/main" xmlns:r="http://schemas.openxmlformats.org/officeDocument/2006/relationships" xmlns:p="http://schemas.openxmlformats.org/presentationml/2006/main">
+  <p:cSld>
+    <p:spTree>
+      <p:nvGrpSpPr>
+        <p:cNvPr id="1" name=""/>
+        <p:cNvGrpSpPr/>
+        <p:nvPr/>
+      </p:nvGrpSpPr>
+      <p:grpSpPr>
+        <a:xfrm>
+          <a:off x="0" y="0"/>
+          <a:ext cx="0" cy="0"/>
+          <a:chOff x="0" y="0"/>
+          <a:chExt cx="0" cy="0"/>
+        </a:xfrm>
+      </p:grpSpPr>
+      <p:pic>
+        <p:nvPicPr>
+          <p:cNvPr id="5" name="Picture 4"/>
+          <p:cNvPicPr>
+            <a:picLocks noChangeAspect="1"/>
+          </p:cNvPicPr>
+          <p:nvPr/>
+        </p:nvPicPr>
+        <p:blipFill>
+          <a:blip r:embed="rId2">
+            <a:extLst>
+              <a:ext uri="{28A0092B-C50C-407E-A947-70E740481C1C}">
+                <a14:useLocalDpi xmlns:a14="http://schemas.microsoft.com/office/drawing/2010/main" val="0"/>
+              </a:ext>
+            </a:extLst>
+          </a:blip>
+          <a:stretch>
+            <a:fillRect/>
+          </a:stretch>
+        </p:blipFill>
+        <p:spPr>
+          <a:xfrm>
+            <a:off x="2036231" y="209473"/>
+            <a:ext cx="8040641" cy="6351431"/>
+          </a:xfrm>
+          <a:prstGeom prst="rect">
+            <a:avLst/>
+          </a:prstGeom>
+        </p:spPr>
+      </p:pic>
+      <p:grpSp>
+        <p:nvGrpSpPr>
+          <p:cNvPr id="18" name="Group 17"/>
+          <p:cNvGrpSpPr/>
+          <p:nvPr/>
+        </p:nvGrpSpPr>
+        <p:grpSpPr>
+          <a:xfrm>
+            <a:off x="8340945" y="304800"/>
+            <a:ext cx="759772" cy="1845733"/>
+            <a:chOff x="8340945" y="304800"/>
+            <a:chExt cx="759772" cy="1845733"/>
+          </a:xfrm>
+        </p:grpSpPr>
+        <p:sp>
+          <p:nvSpPr>
+            <p:cNvPr id="10" name="Rectangle 9"/>
+            <p:cNvSpPr/>
+            <p:nvPr/>
+          </p:nvSpPr>
+          <p:spPr>
+            <a:xfrm>
+              <a:off x="8528062" y="304800"/>
+              <a:ext cx="572655" cy="1845733"/>
+            </a:xfrm>
+            <a:prstGeom prst="rect">
+              <a:avLst/>
+            </a:prstGeom>
+            <a:solidFill>
+              <a:schemeClr val="bg1"/>
+            </a:solidFill>
+            <a:ln>
+              <a:noFill/>
+            </a:ln>
+          </p:spPr>
+          <p:style>
+            <a:lnRef idx="2">
+              <a:schemeClr val="accent1">
+                <a:shade val="50000"/>
+              </a:schemeClr>
+            </a:lnRef>
+            <a:fillRef idx="1">
+              <a:schemeClr val="accent1"/>
+            </a:fillRef>
+            <a:effectRef idx="0">
+              <a:schemeClr val="accent1"/>
+            </a:effectRef>
+            <a:fontRef idx="minor">
+              <a:schemeClr val="lt1"/>
+            </a:fontRef>
+          </p:style>
+          <p:txBody>
+            <a:bodyPr rtlCol="0" anchor="ctr"/>
+            <a:lstStyle/>
+            <a:p>
+              <a:pPr algn="ctr"/>
+              <a:endParaRPr lang="en-US"/>
+            </a:p>
+          </p:txBody>
+        </p:sp>
+        <p:sp>
+          <p:nvSpPr>
+            <p:cNvPr id="16" name="Rectangle 15"/>
+            <p:cNvSpPr/>
+            <p:nvPr/>
+          </p:nvSpPr>
+          <p:spPr>
+            <a:xfrm>
+              <a:off x="8340945" y="734177"/>
+              <a:ext cx="430519" cy="933756"/>
+            </a:xfrm>
+            <a:prstGeom prst="rect">
+              <a:avLst/>
+            </a:prstGeom>
+            <a:solidFill>
+              <a:schemeClr val="bg1"/>
+            </a:solidFill>
+            <a:ln>
+              <a:noFill/>
+            </a:ln>
+          </p:spPr>
+          <p:style>
+            <a:lnRef idx="2">
+              <a:schemeClr val="accent1">
+                <a:shade val="50000"/>
+              </a:schemeClr>
+            </a:lnRef>
+            <a:fillRef idx="1">
+              <a:schemeClr val="accent1"/>
+            </a:fillRef>
+            <a:effectRef idx="0">
+              <a:schemeClr val="accent1"/>
+            </a:effectRef>
+            <a:fontRef idx="minor">
+              <a:schemeClr val="lt1"/>
+            </a:fontRef>
+          </p:style>
+          <p:txBody>
+            <a:bodyPr rtlCol="0" anchor="ctr"/>
+            <a:lstStyle/>
+            <a:p>
+              <a:pPr algn="ctr"/>
+              <a:endParaRPr lang="en-US"/>
+            </a:p>
+          </p:txBody>
+        </p:sp>
+      </p:grpSp>
+      <p:sp>
+        <p:nvSpPr>
+          <p:cNvPr id="6" name="TextBox 5"/>
+          <p:cNvSpPr txBox="1"/>
+          <p:nvPr/>
+        </p:nvSpPr>
+        <p:spPr>
+          <a:xfrm>
+            <a:off x="3401900" y="156140"/>
+            <a:ext cx="849745" cy="276999"/>
+          </a:xfrm>
+          <a:prstGeom prst="rect">
+            <a:avLst/>
+          </a:prstGeom>
+          <a:noFill/>
+        </p:spPr>
+        <p:txBody>
+          <a:bodyPr wrap="square" rtlCol="0">
+            <a:spAutoFit/>
+          </a:bodyPr>
+          <a:lstStyle/>
+          <a:p>
+            <a:r>
+              <a:rPr lang="en-US" sz="1200" dirty="0" smtClean="0">
+                <a:solidFill>
+                  <a:srgbClr val="CC3300"/>
+                </a:solidFill>
+              </a:rPr>
+              <a:t>PC_nxt</a:t>
+            </a:r>
+            <a:endParaRPr lang="en-US" sz="1200" dirty="0">
+              <a:solidFill>
+                <a:srgbClr val="CC3300"/>
+              </a:solidFill>
+            </a:endParaRPr>
+          </a:p>
+        </p:txBody>
+      </p:sp>
+      <p:sp>
+        <p:nvSpPr>
+          <p:cNvPr id="7" name="TextBox 6"/>
+          <p:cNvSpPr txBox="1"/>
+          <p:nvPr/>
+        </p:nvSpPr>
+        <p:spPr>
+          <a:xfrm>
+            <a:off x="8608239" y="1280366"/>
+            <a:ext cx="1296313" cy="461665"/>
+          </a:xfrm>
+          <a:prstGeom prst="rect">
+            <a:avLst/>
+          </a:prstGeom>
+          <a:noFill/>
+        </p:spPr>
+        <p:txBody>
+          <a:bodyPr wrap="square" rtlCol="0">
+            <a:spAutoFit/>
+          </a:bodyPr>
+          <a:lstStyle/>
+          <a:p>
+            <a:r>
+              <a:rPr lang="en-US" sz="1200" dirty="0" smtClean="0">
+                <a:solidFill>
+                  <a:srgbClr val="CC3300"/>
+                </a:solidFill>
+              </a:rPr>
+              <a:t>PC+(ImmOut &lt;&lt;1)</a:t>
+            </a:r>
+          </a:p>
+          <a:p>
+            <a:r>
+              <a:rPr lang="en-US" sz="1200" dirty="0" smtClean="0">
+                <a:solidFill>
+                  <a:srgbClr val="CC3300"/>
+                </a:solidFill>
+              </a:rPr>
+              <a:t>[JAL, BEQ, … ]</a:t>
+            </a:r>
+            <a:endParaRPr lang="en-US" sz="1200" dirty="0">
+              <a:solidFill>
+                <a:srgbClr val="CC3300"/>
+              </a:solidFill>
+            </a:endParaRPr>
+          </a:p>
+        </p:txBody>
+      </p:sp>
+      <p:sp>
+        <p:nvSpPr>
+          <p:cNvPr id="9" name="TextBox 8"/>
+          <p:cNvSpPr txBox="1"/>
+          <p:nvPr/>
+        </p:nvSpPr>
+        <p:spPr>
+          <a:xfrm>
+            <a:off x="8622047" y="647155"/>
+            <a:ext cx="1886683" cy="461665"/>
+          </a:xfrm>
+          <a:prstGeom prst="rect">
+            <a:avLst/>
+          </a:prstGeom>
+          <a:noFill/>
+        </p:spPr>
+        <p:txBody>
+          <a:bodyPr wrap="square" rtlCol="0">
+            <a:spAutoFit/>
+          </a:bodyPr>
+          <a:lstStyle/>
+          <a:p>
+            <a:r>
+              <a:rPr lang="en-US" sz="1200" dirty="0" smtClean="0">
+                <a:solidFill>
+                  <a:srgbClr val="CC3300"/>
+                </a:solidFill>
+              </a:rPr>
+              <a:t>PC+4</a:t>
+            </a:r>
+          </a:p>
+          <a:p>
+            <a:r>
+              <a:rPr lang="en-US" sz="1200" dirty="0" smtClean="0">
+                <a:solidFill>
+                  <a:srgbClr val="CC3300"/>
+                </a:solidFill>
+              </a:rPr>
+              <a:t>[Arithmetic, …]</a:t>
+            </a:r>
+            <a:endParaRPr lang="en-US" sz="1200" dirty="0">
+              <a:solidFill>
+                <a:srgbClr val="CC3300"/>
+              </a:solidFill>
+            </a:endParaRPr>
+          </a:p>
+        </p:txBody>
+      </p:sp>
+      <p:cxnSp>
+        <p:nvCxnSpPr>
+          <p:cNvPr id="20" name="Straight Connector 19"/>
+          <p:cNvCxnSpPr/>
+          <p:nvPr/>
+        </p:nvCxnSpPr>
+        <p:spPr>
+          <a:xfrm flipH="1" flipV="1">
+            <a:off x="8613775" y="282913"/>
+            <a:ext cx="2270024" cy="10988"/>
+          </a:xfrm>
+          <a:prstGeom prst="line">
+            <a:avLst/>
+          </a:prstGeom>
+          <a:ln w="28575">
+            <a:solidFill>
+              <a:srgbClr val="7F8084"/>
+            </a:solidFill>
+          </a:ln>
+        </p:spPr>
+        <p:style>
+          <a:lnRef idx="3">
+            <a:schemeClr val="accent1"/>
+          </a:lnRef>
+          <a:fillRef idx="0">
+            <a:schemeClr val="accent1"/>
+          </a:fillRef>
+          <a:effectRef idx="2">
+            <a:schemeClr val="accent1"/>
+          </a:effectRef>
+          <a:fontRef idx="minor">
+            <a:schemeClr val="tx1"/>
+          </a:fontRef>
+        </p:style>
+      </p:cxnSp>
+      <p:sp>
+        <p:nvSpPr>
+          <p:cNvPr id="48" name="Rectangle 47"/>
+          <p:cNvSpPr/>
+          <p:nvPr/>
+        </p:nvSpPr>
+        <p:spPr>
+          <a:xfrm>
+            <a:off x="10249345" y="988822"/>
+            <a:ext cx="600003" cy="1336155"/>
+          </a:xfrm>
+          <a:prstGeom prst="rect">
+            <a:avLst/>
+          </a:prstGeom>
+          <a:solidFill>
+            <a:schemeClr val="bg1"/>
+          </a:solidFill>
+          <a:ln>
+            <a:noFill/>
+          </a:ln>
+        </p:spPr>
+        <p:style>
+          <a:lnRef idx="2">
+            <a:schemeClr val="accent1">
+              <a:shade val="50000"/>
+            </a:schemeClr>
+          </a:lnRef>
+          <a:fillRef idx="1">
+            <a:schemeClr val="accent1"/>
+          </a:fillRef>
+          <a:effectRef idx="0">
+            <a:schemeClr val="accent1"/>
+          </a:effectRef>
+          <a:fontRef idx="minor">
+            <a:schemeClr val="lt1"/>
+          </a:fontRef>
+        </p:style>
+        <p:txBody>
+          <a:bodyPr rtlCol="0" anchor="ctr"/>
+          <a:lstStyle/>
+          <a:p>
+            <a:pPr algn="ctr"/>
+            <a:endParaRPr lang="en-US"/>
+          </a:p>
+        </p:txBody>
+      </p:sp>
+      <p:sp>
+        <p:nvSpPr>
+          <p:cNvPr id="49" name="Rectangle 48"/>
+          <p:cNvSpPr/>
+          <p:nvPr/>
+        </p:nvSpPr>
+        <p:spPr>
+          <a:xfrm>
+            <a:off x="9402099" y="2556934"/>
+            <a:ext cx="600003" cy="2707846"/>
+          </a:xfrm>
+          <a:prstGeom prst="rect">
+            <a:avLst/>
+          </a:prstGeom>
+          <a:solidFill>
+            <a:schemeClr val="bg1"/>
+          </a:solidFill>
+          <a:ln>
+            <a:noFill/>
+          </a:ln>
+        </p:spPr>
+        <p:style>
+          <a:lnRef idx="2">
+            <a:schemeClr val="accent1">
+              <a:shade val="50000"/>
+            </a:schemeClr>
+          </a:lnRef>
+          <a:fillRef idx="1">
+            <a:schemeClr val="accent1"/>
+          </a:fillRef>
+          <a:effectRef idx="0">
+            <a:schemeClr val="accent1"/>
+          </a:effectRef>
+          <a:fontRef idx="minor">
+            <a:schemeClr val="lt1"/>
+          </a:fontRef>
+        </p:style>
+        <p:txBody>
+          <a:bodyPr rtlCol="0" anchor="ctr"/>
+          <a:lstStyle/>
+          <a:p>
+            <a:pPr algn="ctr"/>
+            <a:endParaRPr lang="en-US"/>
+          </a:p>
+        </p:txBody>
+      </p:sp>
+      <p:grpSp>
+        <p:nvGrpSpPr>
+          <p:cNvPr id="47" name="Group 46"/>
+          <p:cNvGrpSpPr/>
+          <p:nvPr/>
+        </p:nvGrpSpPr>
+        <p:grpSpPr>
+          <a:xfrm>
+            <a:off x="9315603" y="3588525"/>
+            <a:ext cx="916808" cy="1438537"/>
+            <a:chOff x="10993273" y="1946651"/>
+            <a:chExt cx="686607" cy="1438537"/>
+          </a:xfrm>
+        </p:grpSpPr>
+        <p:pic>
+          <p:nvPicPr>
+            <p:cNvPr id="15" name="Picture 14"/>
+            <p:cNvPicPr>
+              <a:picLocks noChangeAspect="1"/>
+            </p:cNvPicPr>
+            <p:nvPr/>
+          </p:nvPicPr>
+          <p:blipFill>
+            <a:blip r:embed="rId3">
+              <a:extLst>
+                <a:ext uri="{28A0092B-C50C-407E-A947-70E740481C1C}">
+                  <a14:useLocalDpi xmlns:a14="http://schemas.microsoft.com/office/drawing/2010/main" val="0"/>
+                </a:ext>
+              </a:extLst>
+            </a:blip>
+            <a:stretch>
+              <a:fillRect/>
+            </a:stretch>
+          </p:blipFill>
+          <p:spPr>
+            <a:xfrm>
+              <a:off x="10993273" y="1946651"/>
+              <a:ext cx="686607" cy="1438537"/>
+            </a:xfrm>
+            <a:prstGeom prst="rect">
+              <a:avLst/>
+            </a:prstGeom>
+          </p:spPr>
+        </p:pic>
+        <p:sp>
+          <p:nvSpPr>
+            <p:cNvPr id="39" name="Rectangle 38"/>
+            <p:cNvSpPr/>
+            <p:nvPr/>
+          </p:nvSpPr>
+          <p:spPr>
+            <a:xfrm>
+              <a:off x="11179641" y="2300778"/>
+              <a:ext cx="326559" cy="685803"/>
+            </a:xfrm>
+            <a:prstGeom prst="rect">
+              <a:avLst/>
+            </a:prstGeom>
+            <a:solidFill>
+              <a:schemeClr val="bg1"/>
+            </a:solidFill>
+            <a:ln>
+              <a:noFill/>
+            </a:ln>
+          </p:spPr>
+          <p:style>
+            <a:lnRef idx="2">
+              <a:schemeClr val="accent1">
+                <a:shade val="50000"/>
+              </a:schemeClr>
+            </a:lnRef>
+            <a:fillRef idx="1">
+              <a:schemeClr val="accent1"/>
+            </a:fillRef>
+            <a:effectRef idx="0">
+              <a:schemeClr val="accent1"/>
+            </a:effectRef>
+            <a:fontRef idx="minor">
+              <a:schemeClr val="lt1"/>
+            </a:fontRef>
+          </p:style>
+          <p:txBody>
+            <a:bodyPr rtlCol="0" anchor="ctr"/>
+            <a:lstStyle/>
+            <a:p>
+              <a:pPr algn="ctr"/>
+              <a:endParaRPr lang="en-US"/>
+            </a:p>
+          </p:txBody>
+        </p:sp>
+      </p:grpSp>
+      <p:cxnSp>
+        <p:nvCxnSpPr>
+          <p:cNvPr id="42" name="Straight Connector 41"/>
+          <p:cNvCxnSpPr/>
+          <p:nvPr/>
+        </p:nvCxnSpPr>
+        <p:spPr>
+          <a:xfrm flipV="1">
+            <a:off x="9726642" y="2555393"/>
+            <a:ext cx="0" cy="1067000"/>
+          </a:xfrm>
+          <a:prstGeom prst="line">
+            <a:avLst/>
+          </a:prstGeom>
+          <a:ln w="28575">
+            <a:solidFill>
+              <a:srgbClr val="CC3300"/>
+            </a:solidFill>
+            <a:headEnd type="stealth" w="lg" len="lg"/>
+          </a:ln>
+        </p:spPr>
+        <p:style>
+          <a:lnRef idx="3">
+            <a:schemeClr val="accent1"/>
+          </a:lnRef>
+          <a:fillRef idx="0">
+            <a:schemeClr val="accent1"/>
+          </a:fillRef>
+          <a:effectRef idx="2">
+            <a:schemeClr val="accent1"/>
+          </a:effectRef>
+          <a:fontRef idx="minor">
+            <a:schemeClr val="tx1"/>
+          </a:fontRef>
+        </p:style>
+      </p:cxnSp>
+      <p:cxnSp>
+        <p:nvCxnSpPr>
+          <p:cNvPr id="53" name="Straight Connector 52"/>
+          <p:cNvCxnSpPr/>
+          <p:nvPr/>
+        </p:nvCxnSpPr>
+        <p:spPr>
+          <a:xfrm flipH="1">
+            <a:off x="9392719" y="2567305"/>
+            <a:ext cx="334783" cy="1"/>
+          </a:xfrm>
+          <a:prstGeom prst="line">
+            <a:avLst/>
+          </a:prstGeom>
+          <a:ln w="19050">
+            <a:solidFill>
+              <a:srgbClr val="42C4F1"/>
+            </a:solidFill>
+          </a:ln>
+        </p:spPr>
+        <p:style>
+          <a:lnRef idx="3">
+            <a:schemeClr val="accent1"/>
+          </a:lnRef>
+          <a:fillRef idx="0">
+            <a:schemeClr val="accent1"/>
+          </a:fillRef>
+          <a:effectRef idx="2">
+            <a:schemeClr val="accent1"/>
+          </a:effectRef>
+          <a:fontRef idx="minor">
+            <a:schemeClr val="tx1"/>
+          </a:fontRef>
+        </p:style>
+      </p:cxnSp>
+      <p:cxnSp>
+        <p:nvCxnSpPr>
+          <p:cNvPr id="63" name="Straight Connector 62"/>
+          <p:cNvCxnSpPr/>
+          <p:nvPr/>
+        </p:nvCxnSpPr>
+        <p:spPr>
+          <a:xfrm flipV="1">
+            <a:off x="10156633" y="3931182"/>
+            <a:ext cx="350575" cy="1252"/>
+          </a:xfrm>
+          <a:prstGeom prst="line">
+            <a:avLst/>
+          </a:prstGeom>
+          <a:ln w="28575">
+            <a:solidFill>
+              <a:srgbClr val="CC3300"/>
+            </a:solidFill>
+            <a:headEnd type="stealth" w="lg" len="lg"/>
+          </a:ln>
+        </p:spPr>
+        <p:style>
+          <a:lnRef idx="3">
+            <a:schemeClr val="accent1"/>
+          </a:lnRef>
+          <a:fillRef idx="0">
+            <a:schemeClr val="accent1"/>
+          </a:fillRef>
+          <a:effectRef idx="2">
+            <a:schemeClr val="accent1"/>
+          </a:effectRef>
+          <a:fontRef idx="minor">
+            <a:schemeClr val="tx1"/>
+          </a:fontRef>
+        </p:style>
+      </p:cxnSp>
+      <p:sp>
+        <p:nvSpPr>
+          <p:cNvPr id="40" name="TextBox 39"/>
+          <p:cNvSpPr txBox="1"/>
+          <p:nvPr/>
+        </p:nvSpPr>
+        <p:spPr>
+          <a:xfrm>
+            <a:off x="9802532" y="3782369"/>
+            <a:ext cx="457200" cy="307777"/>
+          </a:xfrm>
+          <a:prstGeom prst="rect">
+            <a:avLst/>
+          </a:prstGeom>
+          <a:noFill/>
+        </p:spPr>
+        <p:txBody>
+          <a:bodyPr wrap="square" rtlCol="0">
+            <a:spAutoFit/>
+          </a:bodyPr>
+          <a:lstStyle/>
+          <a:p>
+            <a:r>
+              <a:rPr lang="en-US" sz="1400" dirty="0" smtClean="0">
+                <a:solidFill>
+                  <a:srgbClr val="CC3300"/>
+                </a:solidFill>
+              </a:rPr>
+              <a:t>00</a:t>
+            </a:r>
+            <a:endParaRPr lang="en-US" sz="1400" dirty="0">
+              <a:solidFill>
+                <a:srgbClr val="CC3300"/>
+              </a:solidFill>
+            </a:endParaRPr>
+          </a:p>
+        </p:txBody>
+      </p:sp>
+      <p:pic>
+        <p:nvPicPr>
+          <p:cNvPr id="38" name="Picture 37"/>
+          <p:cNvPicPr>
+            <a:picLocks noChangeAspect="1"/>
+          </p:cNvPicPr>
+          <p:nvPr/>
+        </p:nvPicPr>
+        <p:blipFill>
+          <a:blip r:embed="rId4"/>
+          <a:stretch>
+            <a:fillRect/>
+          </a:stretch>
+        </p:blipFill>
+        <p:spPr>
+          <a:xfrm>
+            <a:off x="9711822" y="4001921"/>
+            <a:ext cx="165108" cy="495325"/>
+          </a:xfrm>
+          <a:prstGeom prst="rect">
+            <a:avLst/>
+          </a:prstGeom>
+        </p:spPr>
+      </p:pic>
+      <p:cxnSp>
+        <p:nvCxnSpPr>
+          <p:cNvPr id="70" name="Straight Connector 69"/>
+          <p:cNvCxnSpPr/>
+          <p:nvPr/>
+        </p:nvCxnSpPr>
+        <p:spPr>
+          <a:xfrm>
+            <a:off x="10156629" y="4262639"/>
+            <a:ext cx="524644" cy="915"/>
+          </a:xfrm>
+          <a:prstGeom prst="line">
+            <a:avLst/>
+          </a:prstGeom>
+          <a:ln w="28575">
+            <a:solidFill>
+              <a:srgbClr val="CC3300"/>
+            </a:solidFill>
+            <a:headEnd type="stealth" w="lg" len="lg"/>
+          </a:ln>
+        </p:spPr>
+        <p:style>
+          <a:lnRef idx="3">
+            <a:schemeClr val="accent1"/>
+          </a:lnRef>
+          <a:fillRef idx="0">
+            <a:schemeClr val="accent1"/>
+          </a:fillRef>
+          <a:effectRef idx="2">
+            <a:schemeClr val="accent1"/>
+          </a:effectRef>
+          <a:fontRef idx="minor">
+            <a:schemeClr val="tx1"/>
+          </a:fontRef>
+        </p:style>
+      </p:cxnSp>
+      <p:cxnSp>
+        <p:nvCxnSpPr>
+          <p:cNvPr id="71" name="Straight Connector 70"/>
+          <p:cNvCxnSpPr/>
+          <p:nvPr/>
+        </p:nvCxnSpPr>
+        <p:spPr>
+          <a:xfrm flipH="1">
+            <a:off x="8338288" y="882131"/>
+            <a:ext cx="2139017" cy="1904"/>
+          </a:xfrm>
+          <a:prstGeom prst="line">
+            <a:avLst/>
+          </a:prstGeom>
+          <a:ln w="28575">
+            <a:solidFill>
+              <a:srgbClr val="7F8084"/>
+            </a:solidFill>
+          </a:ln>
+        </p:spPr>
+        <p:style>
+          <a:lnRef idx="3">
+            <a:schemeClr val="accent1"/>
+          </a:lnRef>
+          <a:fillRef idx="0">
+            <a:schemeClr val="accent1"/>
+          </a:fillRef>
+          <a:effectRef idx="2">
+            <a:schemeClr val="accent1"/>
+          </a:effectRef>
+          <a:fontRef idx="minor">
+            <a:schemeClr val="tx1"/>
+          </a:fontRef>
+        </p:style>
+      </p:cxnSp>
+      <p:cxnSp>
+        <p:nvCxnSpPr>
+          <p:cNvPr id="74" name="Straight Connector 73"/>
+          <p:cNvCxnSpPr/>
+          <p:nvPr/>
+        </p:nvCxnSpPr>
+        <p:spPr>
+          <a:xfrm flipH="1" flipV="1">
+            <a:off x="10489342" y="871018"/>
+            <a:ext cx="7032" cy="3060518"/>
+          </a:xfrm>
+          <a:prstGeom prst="line">
+            <a:avLst/>
+          </a:prstGeom>
+          <a:ln w="28575">
+            <a:solidFill>
+              <a:srgbClr val="CC3300"/>
+            </a:solidFill>
+          </a:ln>
+        </p:spPr>
+        <p:style>
+          <a:lnRef idx="3">
+            <a:schemeClr val="accent1"/>
+          </a:lnRef>
+          <a:fillRef idx="0">
+            <a:schemeClr val="accent1"/>
+          </a:fillRef>
+          <a:effectRef idx="2">
+            <a:schemeClr val="accent1"/>
+          </a:effectRef>
+          <a:fontRef idx="minor">
+            <a:schemeClr val="tx1"/>
+          </a:fontRef>
+        </p:style>
+      </p:cxnSp>
+      <p:cxnSp>
+        <p:nvCxnSpPr>
+          <p:cNvPr id="85" name="Straight Connector 84"/>
+          <p:cNvCxnSpPr/>
+          <p:nvPr/>
+        </p:nvCxnSpPr>
+        <p:spPr>
+          <a:xfrm flipH="1" flipV="1">
+            <a:off x="8330856" y="1504871"/>
+            <a:ext cx="2350417" cy="9334"/>
+          </a:xfrm>
+          <a:prstGeom prst="line">
+            <a:avLst/>
+          </a:prstGeom>
+          <a:ln w="28575">
+            <a:solidFill>
+              <a:srgbClr val="7F8084"/>
+            </a:solidFill>
+          </a:ln>
+        </p:spPr>
+        <p:style>
+          <a:lnRef idx="3">
+            <a:schemeClr val="accent1"/>
+          </a:lnRef>
+          <a:fillRef idx="0">
+            <a:schemeClr val="accent1"/>
+          </a:fillRef>
+          <a:effectRef idx="2">
+            <a:schemeClr val="accent1"/>
+          </a:effectRef>
+          <a:fontRef idx="minor">
+            <a:schemeClr val="tx1"/>
+          </a:fontRef>
+        </p:style>
+      </p:cxnSp>
+      <p:cxnSp>
+        <p:nvCxnSpPr>
+          <p:cNvPr id="88" name="Straight Connector 87"/>
+          <p:cNvCxnSpPr/>
+          <p:nvPr/>
+        </p:nvCxnSpPr>
+        <p:spPr>
+          <a:xfrm flipV="1">
+            <a:off x="10678703" y="1503284"/>
+            <a:ext cx="2571" cy="2768733"/>
+          </a:xfrm>
+          <a:prstGeom prst="line">
+            <a:avLst/>
+          </a:prstGeom>
+          <a:ln w="28575">
+            <a:solidFill>
+              <a:srgbClr val="CC3300"/>
+            </a:solidFill>
+          </a:ln>
+        </p:spPr>
+        <p:style>
+          <a:lnRef idx="3">
+            <a:schemeClr val="accent1"/>
+          </a:lnRef>
+          <a:fillRef idx="0">
+            <a:schemeClr val="accent1"/>
+          </a:fillRef>
+          <a:effectRef idx="2">
+            <a:schemeClr val="accent1"/>
+          </a:effectRef>
+          <a:fontRef idx="minor">
+            <a:schemeClr val="tx1"/>
+          </a:fontRef>
+        </p:style>
+      </p:cxnSp>
+      <p:cxnSp>
+        <p:nvCxnSpPr>
+          <p:cNvPr id="97" name="Straight Connector 96"/>
+          <p:cNvCxnSpPr/>
+          <p:nvPr/>
+        </p:nvCxnSpPr>
+        <p:spPr>
+          <a:xfrm flipV="1">
+            <a:off x="9747810" y="4955511"/>
+            <a:ext cx="1347" cy="368538"/>
+          </a:xfrm>
+          <a:prstGeom prst="line">
+            <a:avLst/>
+          </a:prstGeom>
+          <a:ln w="28575">
+            <a:solidFill>
+              <a:srgbClr val="7D7F82"/>
+            </a:solidFill>
+          </a:ln>
+        </p:spPr>
+        <p:style>
+          <a:lnRef idx="3">
+            <a:schemeClr val="accent1"/>
+          </a:lnRef>
+          <a:fillRef idx="0">
+            <a:schemeClr val="accent1"/>
+          </a:fillRef>
+          <a:effectRef idx="2">
+            <a:schemeClr val="accent1"/>
+          </a:effectRef>
+          <a:fontRef idx="minor">
+            <a:schemeClr val="tx1"/>
+          </a:fontRef>
+        </p:style>
+      </p:cxnSp>
+      <p:cxnSp>
+        <p:nvCxnSpPr>
+          <p:cNvPr id="100" name="Straight Connector 99"/>
+          <p:cNvCxnSpPr/>
+          <p:nvPr/>
+        </p:nvCxnSpPr>
+        <p:spPr>
+          <a:xfrm flipV="1">
+            <a:off x="10866192" y="280975"/>
+            <a:ext cx="2198" cy="6128292"/>
+          </a:xfrm>
+          <a:prstGeom prst="line">
+            <a:avLst/>
+          </a:prstGeom>
+          <a:ln w="28575">
+            <a:solidFill>
+              <a:srgbClr val="7F8084"/>
+            </a:solidFill>
+          </a:ln>
+        </p:spPr>
+        <p:style>
+          <a:lnRef idx="3">
+            <a:schemeClr val="accent1"/>
+          </a:lnRef>
+          <a:fillRef idx="0">
+            <a:schemeClr val="accent1"/>
+          </a:fillRef>
+          <a:effectRef idx="2">
+            <a:schemeClr val="accent1"/>
+          </a:effectRef>
+          <a:fontRef idx="minor">
+            <a:schemeClr val="tx1"/>
+          </a:fontRef>
+        </p:style>
+      </p:cxnSp>
+      <p:cxnSp>
+        <p:nvCxnSpPr>
+          <p:cNvPr id="103" name="Straight Connector 102"/>
+          <p:cNvCxnSpPr/>
+          <p:nvPr/>
+        </p:nvCxnSpPr>
+        <p:spPr>
+          <a:xfrm flipH="1">
+            <a:off x="9743576" y="6396319"/>
+            <a:ext cx="1105773" cy="2919"/>
+          </a:xfrm>
+          <a:prstGeom prst="line">
+            <a:avLst/>
+          </a:prstGeom>
+          <a:ln w="28575">
+            <a:solidFill>
+              <a:srgbClr val="7F8084"/>
+            </a:solidFill>
+          </a:ln>
+        </p:spPr>
+        <p:style>
+          <a:lnRef idx="3">
+            <a:schemeClr val="accent1"/>
+          </a:lnRef>
+          <a:fillRef idx="0">
+            <a:schemeClr val="accent1"/>
+          </a:fillRef>
+          <a:effectRef idx="2">
+            <a:schemeClr val="accent1"/>
+          </a:effectRef>
+          <a:fontRef idx="minor">
+            <a:schemeClr val="tx1"/>
+          </a:fontRef>
+        </p:style>
+      </p:cxnSp>
+      <p:sp>
+        <p:nvSpPr>
+          <p:cNvPr id="105" name="TextBox 104"/>
+          <p:cNvSpPr txBox="1"/>
+          <p:nvPr/>
+        </p:nvSpPr>
+        <p:spPr>
+          <a:xfrm>
+            <a:off x="9659798" y="4364408"/>
+            <a:ext cx="284228" cy="307777"/>
+          </a:xfrm>
+          <a:prstGeom prst="rect">
+            <a:avLst/>
+          </a:prstGeom>
+          <a:noFill/>
+        </p:spPr>
+        <p:txBody>
+          <a:bodyPr wrap="square" rtlCol="0">
+            <a:spAutoFit/>
+          </a:bodyPr>
+          <a:lstStyle/>
+          <a:p>
+            <a:r>
+              <a:rPr lang="en-US" sz="1400" b="1" dirty="0" smtClean="0">
+                <a:solidFill>
+                  <a:srgbClr val="364251"/>
+                </a:solidFill>
+              </a:rPr>
+              <a:t>4</a:t>
+            </a:r>
+            <a:endParaRPr lang="en-US" sz="1400" b="1" dirty="0">
+              <a:solidFill>
+                <a:srgbClr val="364251"/>
+              </a:solidFill>
+            </a:endParaRPr>
+          </a:p>
+        </p:txBody>
+      </p:sp>
+      <p:sp>
+        <p:nvSpPr>
+          <p:cNvPr id="107" name="Rectangle 106"/>
+          <p:cNvSpPr/>
+          <p:nvPr/>
+        </p:nvSpPr>
+        <p:spPr>
+          <a:xfrm>
+            <a:off x="6796862" y="4352925"/>
+            <a:ext cx="143688" cy="373752"/>
+          </a:xfrm>
+          <a:prstGeom prst="rect">
+            <a:avLst/>
+          </a:prstGeom>
+          <a:solidFill>
+            <a:schemeClr val="bg1"/>
+          </a:solidFill>
+          <a:ln>
+            <a:noFill/>
+          </a:ln>
+        </p:spPr>
+        <p:style>
+          <a:lnRef idx="2">
+            <a:schemeClr val="accent1">
+              <a:shade val="50000"/>
+            </a:schemeClr>
+          </a:lnRef>
+          <a:fillRef idx="1">
+            <a:schemeClr val="accent1"/>
+          </a:fillRef>
+          <a:effectRef idx="0">
+            <a:schemeClr val="accent1"/>
+          </a:effectRef>
+          <a:fontRef idx="minor">
+            <a:schemeClr val="lt1"/>
+          </a:fontRef>
+        </p:style>
+        <p:txBody>
+          <a:bodyPr rtlCol="0" anchor="ctr"/>
+          <a:lstStyle/>
+          <a:p>
+            <a:pPr algn="ctr"/>
+            <a:endParaRPr lang="en-US"/>
+          </a:p>
+        </p:txBody>
+      </p:sp>
+      <p:pic>
+        <p:nvPicPr>
+          <p:cNvPr id="110" name="Picture 109"/>
+          <p:cNvPicPr>
+            <a:picLocks noChangeAspect="1"/>
+          </p:cNvPicPr>
+          <p:nvPr/>
+        </p:nvPicPr>
+        <p:blipFill>
+          <a:blip r:embed="rId5"/>
+          <a:stretch>
+            <a:fillRect/>
+          </a:stretch>
+        </p:blipFill>
+        <p:spPr>
+          <a:xfrm>
+            <a:off x="6758971" y="4373933"/>
+            <a:ext cx="225819" cy="432419"/>
+          </a:xfrm>
+          <a:prstGeom prst="rect">
+            <a:avLst/>
+          </a:prstGeom>
+        </p:spPr>
+      </p:pic>
+      <p:cxnSp>
+        <p:nvCxnSpPr>
+          <p:cNvPr id="111" name="Straight Connector 110"/>
+          <p:cNvCxnSpPr/>
+          <p:nvPr/>
+        </p:nvCxnSpPr>
+        <p:spPr>
+          <a:xfrm>
+            <a:off x="5212953" y="734177"/>
+            <a:ext cx="0" cy="898235"/>
+          </a:xfrm>
+          <a:prstGeom prst="line">
+            <a:avLst/>
+          </a:prstGeom>
+          <a:ln w="28575">
+            <a:solidFill>
+              <a:srgbClr val="CC3300"/>
+            </a:solidFill>
+            <a:headEnd type="stealth" w="lg" len="lg"/>
+          </a:ln>
+        </p:spPr>
+        <p:style>
+          <a:lnRef idx="3">
+            <a:schemeClr val="accent1"/>
+          </a:lnRef>
+          <a:fillRef idx="0">
+            <a:schemeClr val="accent1"/>
+          </a:fillRef>
+          <a:effectRef idx="2">
+            <a:schemeClr val="accent1"/>
+          </a:effectRef>
+          <a:fontRef idx="minor">
+            <a:schemeClr val="tx1"/>
+          </a:fontRef>
+        </p:style>
+      </p:cxnSp>
+      <p:cxnSp>
+        <p:nvCxnSpPr>
+          <p:cNvPr id="118" name="Straight Connector 117"/>
+          <p:cNvCxnSpPr/>
+          <p:nvPr/>
+        </p:nvCxnSpPr>
+        <p:spPr>
+          <a:xfrm flipV="1">
+            <a:off x="5892236" y="570454"/>
+            <a:ext cx="0" cy="630601"/>
+          </a:xfrm>
+          <a:prstGeom prst="line">
+            <a:avLst/>
+          </a:prstGeom>
+          <a:ln w="28575">
+            <a:solidFill>
+              <a:srgbClr val="7D7F82"/>
+            </a:solidFill>
+          </a:ln>
+        </p:spPr>
+        <p:style>
+          <a:lnRef idx="3">
+            <a:schemeClr val="accent1"/>
+          </a:lnRef>
+          <a:fillRef idx="0">
+            <a:schemeClr val="accent1"/>
+          </a:fillRef>
+          <a:effectRef idx="2">
+            <a:schemeClr val="accent1"/>
+          </a:effectRef>
+          <a:fontRef idx="minor">
+            <a:schemeClr val="tx1"/>
+          </a:fontRef>
+        </p:style>
+      </p:cxnSp>
+      <p:cxnSp>
+        <p:nvCxnSpPr>
+          <p:cNvPr id="121" name="Straight Connector 120"/>
+          <p:cNvCxnSpPr/>
+          <p:nvPr/>
+        </p:nvCxnSpPr>
+        <p:spPr>
+          <a:xfrm flipH="1">
+            <a:off x="5341788" y="570454"/>
+            <a:ext cx="565763" cy="6351"/>
+          </a:xfrm>
+          <a:prstGeom prst="line">
+            <a:avLst/>
+          </a:prstGeom>
+          <a:ln w="28575">
+            <a:solidFill>
+              <a:srgbClr val="7F8084"/>
+            </a:solidFill>
+          </a:ln>
+        </p:spPr>
+        <p:style>
+          <a:lnRef idx="3">
+            <a:schemeClr val="accent1"/>
+          </a:lnRef>
+          <a:fillRef idx="0">
+            <a:schemeClr val="accent1"/>
+          </a:fillRef>
+          <a:effectRef idx="2">
+            <a:schemeClr val="accent1"/>
+          </a:effectRef>
+          <a:fontRef idx="minor">
+            <a:schemeClr val="tx1"/>
+          </a:fontRef>
+        </p:style>
+      </p:cxnSp>
+      <p:sp>
+        <p:nvSpPr>
+          <p:cNvPr id="124" name="Oval 123"/>
+          <p:cNvSpPr/>
+          <p:nvPr/>
+        </p:nvSpPr>
+        <p:spPr>
+          <a:xfrm>
+            <a:off x="5865242" y="1170575"/>
+            <a:ext cx="66815" cy="69792"/>
+          </a:xfrm>
+          <a:prstGeom prst="ellipse">
+            <a:avLst/>
+          </a:prstGeom>
+          <a:solidFill>
+            <a:srgbClr val="272A30"/>
+          </a:solidFill>
+          <a:ln>
+            <a:noFill/>
+          </a:ln>
+        </p:spPr>
+        <p:style>
+          <a:lnRef idx="2">
+            <a:schemeClr val="accent1">
+              <a:shade val="50000"/>
+            </a:schemeClr>
+          </a:lnRef>
+          <a:fillRef idx="1">
+            <a:schemeClr val="accent1"/>
+          </a:fillRef>
+          <a:effectRef idx="0">
+            <a:schemeClr val="accent1"/>
+          </a:effectRef>
+          <a:fontRef idx="minor">
+            <a:schemeClr val="lt1"/>
+          </a:fontRef>
+        </p:style>
+        <p:txBody>
+          <a:bodyPr rtlCol="0" anchor="ctr"/>
+          <a:lstStyle/>
+          <a:p>
+            <a:pPr algn="ctr"/>
+            <a:endParaRPr lang="en-US"/>
+          </a:p>
+        </p:txBody>
+      </p:sp>
+      <p:grpSp>
+        <p:nvGrpSpPr>
+          <p:cNvPr id="125" name="Group 124"/>
+          <p:cNvGrpSpPr/>
+          <p:nvPr/>
+        </p:nvGrpSpPr>
+        <p:grpSpPr>
+          <a:xfrm>
+            <a:off x="5060160" y="199848"/>
+            <a:ext cx="305587" cy="567267"/>
+            <a:chOff x="941506" y="548908"/>
+            <a:chExt cx="305587" cy="567267"/>
+          </a:xfrm>
+        </p:grpSpPr>
+        <p:pic>
+          <p:nvPicPr>
+            <p:cNvPr id="116" name="Picture 115"/>
+            <p:cNvPicPr>
+              <a:picLocks noChangeAspect="1"/>
+            </p:cNvPicPr>
+            <p:nvPr/>
+          </p:nvPicPr>
+          <p:blipFill>
+            <a:blip r:embed="rId3">
+              <a:extLst>
+                <a:ext uri="{28A0092B-C50C-407E-A947-70E740481C1C}">
+                  <a14:useLocalDpi xmlns:a14="http://schemas.microsoft.com/office/drawing/2010/main" val="0"/>
+                </a:ext>
+              </a:extLst>
+            </a:blip>
+            <a:stretch>
+              <a:fillRect/>
+            </a:stretch>
+          </p:blipFill>
+          <p:spPr>
+            <a:xfrm>
+              <a:off x="941506" y="548908"/>
+              <a:ext cx="305587" cy="567267"/>
+            </a:xfrm>
+            <a:prstGeom prst="rect">
+              <a:avLst/>
+            </a:prstGeom>
+          </p:spPr>
+        </p:pic>
+        <p:sp>
+          <p:nvSpPr>
+            <p:cNvPr id="117" name="Rectangle 116"/>
+            <p:cNvSpPr/>
+            <p:nvPr/>
+          </p:nvSpPr>
+          <p:spPr>
+            <a:xfrm>
+              <a:off x="993775" y="660400"/>
+              <a:ext cx="203200" cy="328422"/>
+            </a:xfrm>
+            <a:prstGeom prst="rect">
+              <a:avLst/>
+            </a:prstGeom>
+            <a:solidFill>
+              <a:schemeClr val="bg1"/>
+            </a:solidFill>
+            <a:ln>
+              <a:noFill/>
+            </a:ln>
+          </p:spPr>
+          <p:style>
+            <a:lnRef idx="2">
+              <a:schemeClr val="accent1">
+                <a:shade val="50000"/>
+              </a:schemeClr>
+            </a:lnRef>
+            <a:fillRef idx="1">
+              <a:schemeClr val="accent1"/>
+            </a:fillRef>
+            <a:effectRef idx="0">
+              <a:schemeClr val="accent1"/>
+            </a:effectRef>
+            <a:fontRef idx="minor">
+              <a:schemeClr val="lt1"/>
+            </a:fontRef>
+          </p:style>
+          <p:txBody>
+            <a:bodyPr rtlCol="0" anchor="ctr"/>
+            <a:lstStyle/>
+            <a:p>
+              <a:pPr algn="ctr"/>
+              <a:endParaRPr lang="en-US"/>
+            </a:p>
+          </p:txBody>
+        </p:sp>
+      </p:grpSp>
+      <p:cxnSp>
+        <p:nvCxnSpPr>
+          <p:cNvPr id="133" name="Straight Connector 132"/>
+          <p:cNvCxnSpPr/>
+          <p:nvPr/>
+        </p:nvCxnSpPr>
+        <p:spPr>
+          <a:xfrm flipH="1" flipV="1">
+            <a:off x="7513879" y="2654295"/>
+            <a:ext cx="8735" cy="1128074"/>
+          </a:xfrm>
+          <a:prstGeom prst="line">
+            <a:avLst/>
+          </a:prstGeom>
+          <a:ln w="28575">
+            <a:solidFill>
+              <a:srgbClr val="CC3300"/>
+            </a:solidFill>
+          </a:ln>
+        </p:spPr>
+        <p:style>
+          <a:lnRef idx="3">
+            <a:schemeClr val="accent1"/>
+          </a:lnRef>
+          <a:fillRef idx="0">
+            <a:schemeClr val="accent1"/>
+          </a:fillRef>
+          <a:effectRef idx="2">
+            <a:schemeClr val="accent1"/>
+          </a:effectRef>
+          <a:fontRef idx="minor">
+            <a:schemeClr val="tx1"/>
+          </a:fontRef>
+        </p:style>
+      </p:cxnSp>
+      <p:cxnSp>
+        <p:nvCxnSpPr>
+          <p:cNvPr id="138" name="Straight Connector 137"/>
+          <p:cNvCxnSpPr/>
+          <p:nvPr/>
+        </p:nvCxnSpPr>
+        <p:spPr>
+          <a:xfrm flipH="1" flipV="1">
+            <a:off x="6359704" y="1611865"/>
+            <a:ext cx="4863" cy="1052056"/>
+          </a:xfrm>
+          <a:prstGeom prst="line">
+            <a:avLst/>
+          </a:prstGeom>
+          <a:ln w="28575">
+            <a:solidFill>
+              <a:srgbClr val="CC3300"/>
+            </a:solidFill>
+          </a:ln>
+        </p:spPr>
+        <p:style>
+          <a:lnRef idx="3">
+            <a:schemeClr val="accent1"/>
+          </a:lnRef>
+          <a:fillRef idx="0">
+            <a:schemeClr val="accent1"/>
+          </a:fillRef>
+          <a:effectRef idx="2">
+            <a:schemeClr val="accent1"/>
+          </a:effectRef>
+          <a:fontRef idx="minor">
+            <a:schemeClr val="tx1"/>
+          </a:fontRef>
+        </p:style>
+      </p:cxnSp>
+      <p:cxnSp>
+        <p:nvCxnSpPr>
+          <p:cNvPr id="142" name="Straight Connector 141"/>
+          <p:cNvCxnSpPr/>
+          <p:nvPr/>
+        </p:nvCxnSpPr>
+        <p:spPr>
+          <a:xfrm flipH="1">
+            <a:off x="6362224" y="2654295"/>
+            <a:ext cx="1162525" cy="0"/>
+          </a:xfrm>
+          <a:prstGeom prst="line">
+            <a:avLst/>
+          </a:prstGeom>
+          <a:ln w="28575">
+            <a:solidFill>
+              <a:srgbClr val="C00000"/>
+            </a:solidFill>
+          </a:ln>
+        </p:spPr>
+        <p:style>
+          <a:lnRef idx="3">
+            <a:schemeClr val="accent1"/>
+          </a:lnRef>
+          <a:fillRef idx="0">
+            <a:schemeClr val="accent1"/>
+          </a:fillRef>
+          <a:effectRef idx="2">
+            <a:schemeClr val="accent1"/>
+          </a:effectRef>
+          <a:fontRef idx="minor">
+            <a:schemeClr val="tx1"/>
+          </a:fontRef>
+        </p:style>
+      </p:cxnSp>
+      <p:cxnSp>
+        <p:nvCxnSpPr>
+          <p:cNvPr id="146" name="Straight Connector 145"/>
+          <p:cNvCxnSpPr/>
+          <p:nvPr/>
+        </p:nvCxnSpPr>
+        <p:spPr>
+          <a:xfrm flipH="1">
+            <a:off x="5212810" y="1611865"/>
+            <a:ext cx="1159415" cy="0"/>
+          </a:xfrm>
+          <a:prstGeom prst="line">
+            <a:avLst/>
+          </a:prstGeom>
+          <a:ln w="28575">
+            <a:solidFill>
+              <a:srgbClr val="C00000"/>
+            </a:solidFill>
+          </a:ln>
+        </p:spPr>
+        <p:style>
+          <a:lnRef idx="3">
+            <a:schemeClr val="accent1"/>
+          </a:lnRef>
+          <a:fillRef idx="0">
+            <a:schemeClr val="accent1"/>
+          </a:fillRef>
+          <a:effectRef idx="2">
+            <a:schemeClr val="accent1"/>
+          </a:effectRef>
+          <a:fontRef idx="minor">
+            <a:schemeClr val="tx1"/>
+          </a:fontRef>
+        </p:style>
+      </p:cxnSp>
+      <p:sp>
+        <p:nvSpPr>
+          <p:cNvPr id="147" name="TextBox 146"/>
+          <p:cNvSpPr txBox="1"/>
+          <p:nvPr/>
+        </p:nvSpPr>
+        <p:spPr>
+          <a:xfrm>
+            <a:off x="5418173" y="1369450"/>
+            <a:ext cx="767932" cy="276999"/>
+          </a:xfrm>
+          <a:prstGeom prst="rect">
+            <a:avLst/>
+          </a:prstGeom>
+          <a:noFill/>
+        </p:spPr>
+        <p:txBody>
+          <a:bodyPr wrap="square" rtlCol="0">
+            <a:spAutoFit/>
+          </a:bodyPr>
+          <a:lstStyle/>
+          <a:p>
+            <a:r>
+              <a:rPr lang="en-US" sz="1200" dirty="0" smtClean="0">
+                <a:solidFill>
+                  <a:srgbClr val="CC3300"/>
+                </a:solidFill>
+              </a:rPr>
+              <a:t>ALUState</a:t>
+            </a:r>
+            <a:endParaRPr lang="en-US" sz="1200" dirty="0">
+              <a:solidFill>
+                <a:srgbClr val="CC3300"/>
+              </a:solidFill>
+            </a:endParaRPr>
+          </a:p>
+        </p:txBody>
+      </p:sp>
+      <p:sp>
+        <p:nvSpPr>
+          <p:cNvPr id="148" name="TextBox 147"/>
+          <p:cNvSpPr txBox="1"/>
+          <p:nvPr/>
+        </p:nvSpPr>
+        <p:spPr>
+          <a:xfrm>
+            <a:off x="5410072" y="1725935"/>
+            <a:ext cx="838296" cy="276999"/>
+          </a:xfrm>
+          <a:prstGeom prst="rect">
+            <a:avLst/>
+          </a:prstGeom>
+          <a:noFill/>
+        </p:spPr>
+        <p:txBody>
+          <a:bodyPr wrap="square" rtlCol="0">
+            <a:spAutoFit/>
+          </a:bodyPr>
+          <a:lstStyle/>
+          <a:p>
+            <a:r>
+              <a:rPr lang="en-US" sz="1200" dirty="0" smtClean="0">
+                <a:solidFill>
+                  <a:srgbClr val="CC3300"/>
+                </a:solidFill>
+              </a:rPr>
+              <a:t>PCControl</a:t>
+            </a:r>
+            <a:endParaRPr lang="en-US" sz="1200" dirty="0">
+              <a:solidFill>
+                <a:srgbClr val="CC3300"/>
+              </a:solidFill>
+            </a:endParaRPr>
+          </a:p>
+        </p:txBody>
+      </p:sp>
+      <p:grpSp>
+        <p:nvGrpSpPr>
+          <p:cNvPr id="153" name="Group 152"/>
+          <p:cNvGrpSpPr/>
+          <p:nvPr/>
+        </p:nvGrpSpPr>
+        <p:grpSpPr>
+          <a:xfrm>
+            <a:off x="7691967" y="1881522"/>
+            <a:ext cx="974937" cy="456776"/>
+            <a:chOff x="7691967" y="1881522"/>
+            <a:chExt cx="974937" cy="456776"/>
+          </a:xfrm>
+        </p:grpSpPr>
+        <p:sp>
+          <p:nvSpPr>
+            <p:cNvPr id="151" name="Rectangle 150"/>
+            <p:cNvSpPr/>
+            <p:nvPr/>
+          </p:nvSpPr>
+          <p:spPr>
+            <a:xfrm>
+              <a:off x="7914640" y="1881522"/>
+              <a:ext cx="752264" cy="456776"/>
+            </a:xfrm>
+            <a:prstGeom prst="rect">
+              <a:avLst/>
+            </a:prstGeom>
+            <a:solidFill>
+              <a:schemeClr val="bg1"/>
+            </a:solidFill>
+            <a:ln>
+              <a:noFill/>
+            </a:ln>
+          </p:spPr>
+          <p:style>
+            <a:lnRef idx="2">
+              <a:schemeClr val="accent1">
+                <a:shade val="50000"/>
+              </a:schemeClr>
+            </a:lnRef>
+            <a:fillRef idx="1">
+              <a:schemeClr val="accent1"/>
+            </a:fillRef>
+            <a:effectRef idx="0">
+              <a:schemeClr val="accent1"/>
+            </a:effectRef>
+            <a:fontRef idx="minor">
+              <a:schemeClr val="lt1"/>
+            </a:fontRef>
+          </p:style>
+          <p:txBody>
+            <a:bodyPr rtlCol="0" anchor="ctr"/>
+            <a:lstStyle/>
+            <a:p>
+              <a:pPr algn="ctr"/>
+              <a:endParaRPr lang="en-US"/>
+            </a:p>
+          </p:txBody>
+        </p:sp>
+        <p:sp>
+          <p:nvSpPr>
+            <p:cNvPr id="152" name="Rectangle 151"/>
+            <p:cNvSpPr/>
+            <p:nvPr/>
+          </p:nvSpPr>
+          <p:spPr>
+            <a:xfrm>
+              <a:off x="7691967" y="1981082"/>
+              <a:ext cx="752264" cy="222466"/>
+            </a:xfrm>
+            <a:prstGeom prst="rect">
+              <a:avLst/>
+            </a:prstGeom>
+            <a:solidFill>
+              <a:schemeClr val="bg1"/>
+            </a:solidFill>
+            <a:ln>
+              <a:noFill/>
+            </a:ln>
+          </p:spPr>
+          <p:style>
+            <a:lnRef idx="2">
+              <a:schemeClr val="accent1">
+                <a:shade val="50000"/>
+              </a:schemeClr>
+            </a:lnRef>
+            <a:fillRef idx="1">
+              <a:schemeClr val="accent1"/>
+            </a:fillRef>
+            <a:effectRef idx="0">
+              <a:schemeClr val="accent1"/>
+            </a:effectRef>
+            <a:fontRef idx="minor">
+              <a:schemeClr val="lt1"/>
+            </a:fontRef>
+          </p:style>
+          <p:txBody>
+            <a:bodyPr rtlCol="0" anchor="ctr"/>
+            <a:lstStyle/>
+            <a:p>
+              <a:pPr algn="ctr"/>
+              <a:endParaRPr lang="en-US"/>
+            </a:p>
+          </p:txBody>
+        </p:sp>
+      </p:grpSp>
+      <p:cxnSp>
+        <p:nvCxnSpPr>
+          <p:cNvPr id="154" name="Straight Connector 153"/>
+          <p:cNvCxnSpPr/>
+          <p:nvPr/>
+        </p:nvCxnSpPr>
+        <p:spPr>
+          <a:xfrm flipH="1">
+            <a:off x="7801106" y="2219711"/>
+            <a:ext cx="318982" cy="1430"/>
+          </a:xfrm>
+          <a:prstGeom prst="line">
+            <a:avLst/>
+          </a:prstGeom>
+          <a:ln w="22225">
+            <a:solidFill>
+              <a:srgbClr val="6ED3F4"/>
+            </a:solidFill>
+          </a:ln>
+        </p:spPr>
+        <p:style>
+          <a:lnRef idx="3">
+            <a:schemeClr val="accent1"/>
+          </a:lnRef>
+          <a:fillRef idx="0">
+            <a:schemeClr val="accent1"/>
+          </a:fillRef>
+          <a:effectRef idx="2">
+            <a:schemeClr val="accent1"/>
+          </a:effectRef>
+          <a:fontRef idx="minor">
+            <a:schemeClr val="tx1"/>
+          </a:fontRef>
+        </p:style>
+      </p:cxnSp>
+      <p:sp>
+        <p:nvSpPr>
+          <p:cNvPr id="159" name="Rectangle 158"/>
+          <p:cNvSpPr/>
+          <p:nvPr/>
+        </p:nvSpPr>
+        <p:spPr>
+          <a:xfrm>
+            <a:off x="9820151" y="3105034"/>
+            <a:ext cx="360039" cy="68501"/>
+          </a:xfrm>
+          <a:prstGeom prst="rect">
+            <a:avLst/>
+          </a:prstGeom>
+          <a:solidFill>
+            <a:schemeClr val="bg1"/>
+          </a:solidFill>
+          <a:ln>
+            <a:noFill/>
+          </a:ln>
+        </p:spPr>
+        <p:style>
+          <a:lnRef idx="2">
+            <a:schemeClr val="accent1">
+              <a:shade val="50000"/>
+            </a:schemeClr>
+          </a:lnRef>
+          <a:fillRef idx="1">
+            <a:schemeClr val="accent1"/>
+          </a:fillRef>
+          <a:effectRef idx="0">
+            <a:schemeClr val="accent1"/>
+          </a:effectRef>
+          <a:fontRef idx="minor">
+            <a:schemeClr val="lt1"/>
+          </a:fontRef>
+        </p:style>
+        <p:txBody>
+          <a:bodyPr rtlCol="0" anchor="ctr"/>
+          <a:lstStyle/>
+          <a:p>
+            <a:pPr algn="ctr"/>
+            <a:endParaRPr lang="en-US"/>
+          </a:p>
+        </p:txBody>
+      </p:sp>
+      <p:grpSp>
+        <p:nvGrpSpPr>
+          <p:cNvPr id="161" name="Group 160"/>
+          <p:cNvGrpSpPr/>
+          <p:nvPr/>
+        </p:nvGrpSpPr>
+        <p:grpSpPr>
+          <a:xfrm>
+            <a:off x="8346940" y="116138"/>
+            <a:ext cx="305587" cy="588323"/>
+            <a:chOff x="941506" y="548908"/>
+            <a:chExt cx="305587" cy="567267"/>
+          </a:xfrm>
+        </p:grpSpPr>
+        <p:pic>
+          <p:nvPicPr>
+            <p:cNvPr id="162" name="Picture 161"/>
+            <p:cNvPicPr>
+              <a:picLocks noChangeAspect="1"/>
+            </p:cNvPicPr>
+            <p:nvPr/>
+          </p:nvPicPr>
+          <p:blipFill>
+            <a:blip r:embed="rId3">
+              <a:extLst>
+                <a:ext uri="{28A0092B-C50C-407E-A947-70E740481C1C}">
+                  <a14:useLocalDpi xmlns:a14="http://schemas.microsoft.com/office/drawing/2010/main" val="0"/>
+                </a:ext>
+              </a:extLst>
+            </a:blip>
+            <a:stretch>
+              <a:fillRect/>
+            </a:stretch>
+          </p:blipFill>
+          <p:spPr>
+            <a:xfrm>
+              <a:off x="941506" y="548908"/>
+              <a:ext cx="305587" cy="567267"/>
+            </a:xfrm>
+            <a:prstGeom prst="rect">
+              <a:avLst/>
+            </a:prstGeom>
+          </p:spPr>
+        </p:pic>
+        <p:sp>
+          <p:nvSpPr>
+            <p:cNvPr id="163" name="Rectangle 162"/>
+            <p:cNvSpPr/>
+            <p:nvPr/>
+          </p:nvSpPr>
+          <p:spPr>
+            <a:xfrm>
+              <a:off x="993775" y="660400"/>
+              <a:ext cx="203200" cy="328422"/>
+            </a:xfrm>
+            <a:prstGeom prst="rect">
+              <a:avLst/>
+            </a:prstGeom>
+            <a:solidFill>
+              <a:schemeClr val="bg1"/>
+            </a:solidFill>
+            <a:ln>
+              <a:noFill/>
+            </a:ln>
+          </p:spPr>
+          <p:style>
+            <a:lnRef idx="2">
+              <a:schemeClr val="accent1">
+                <a:shade val="50000"/>
+              </a:schemeClr>
+            </a:lnRef>
+            <a:fillRef idx="1">
+              <a:schemeClr val="accent1"/>
+            </a:fillRef>
+            <a:effectRef idx="0">
+              <a:schemeClr val="accent1"/>
+            </a:effectRef>
+            <a:fontRef idx="minor">
+              <a:schemeClr val="lt1"/>
+            </a:fontRef>
+          </p:style>
+          <p:txBody>
+            <a:bodyPr rtlCol="0" anchor="ctr"/>
+            <a:lstStyle/>
+            <a:p>
+              <a:pPr algn="ctr"/>
+              <a:endParaRPr lang="en-US"/>
+            </a:p>
+          </p:txBody>
+        </p:sp>
+      </p:grpSp>
+      <p:cxnSp>
+        <p:nvCxnSpPr>
+          <p:cNvPr id="169" name="Straight Connector 168"/>
+          <p:cNvCxnSpPr/>
+          <p:nvPr/>
+        </p:nvCxnSpPr>
+        <p:spPr>
+          <a:xfrm flipH="1" flipV="1">
+            <a:off x="8616701" y="396066"/>
+            <a:ext cx="1563489" cy="8101"/>
+          </a:xfrm>
+          <a:prstGeom prst="line">
+            <a:avLst/>
+          </a:prstGeom>
+          <a:ln w="28575">
+            <a:solidFill>
+              <a:srgbClr val="7F8084"/>
+            </a:solidFill>
+          </a:ln>
+        </p:spPr>
+        <p:style>
+          <a:lnRef idx="3">
+            <a:schemeClr val="accent1"/>
+          </a:lnRef>
+          <a:fillRef idx="0">
+            <a:schemeClr val="accent1"/>
+          </a:fillRef>
+          <a:effectRef idx="2">
+            <a:schemeClr val="accent1"/>
+          </a:effectRef>
+          <a:fontRef idx="minor">
+            <a:schemeClr val="tx1"/>
+          </a:fontRef>
+        </p:style>
+      </p:cxnSp>
+      <p:cxnSp>
+        <p:nvCxnSpPr>
+          <p:cNvPr id="171" name="Straight Connector 170"/>
+          <p:cNvCxnSpPr/>
+          <p:nvPr/>
+        </p:nvCxnSpPr>
+        <p:spPr>
+          <a:xfrm flipH="1">
+            <a:off x="8616701" y="519052"/>
+            <a:ext cx="1266738" cy="0"/>
+          </a:xfrm>
+          <a:prstGeom prst="line">
+            <a:avLst/>
+          </a:prstGeom>
+          <a:ln w="28575">
+            <a:solidFill>
+              <a:srgbClr val="7F8084"/>
+            </a:solidFill>
+          </a:ln>
+        </p:spPr>
+        <p:style>
+          <a:lnRef idx="3">
+            <a:schemeClr val="accent1"/>
+          </a:lnRef>
+          <a:fillRef idx="0">
+            <a:schemeClr val="accent1"/>
+          </a:fillRef>
+          <a:effectRef idx="2">
+            <a:schemeClr val="accent1"/>
+          </a:effectRef>
+          <a:fontRef idx="minor">
+            <a:schemeClr val="tx1"/>
+          </a:fontRef>
+        </p:style>
+      </p:cxnSp>
+      <p:cxnSp>
+        <p:nvCxnSpPr>
+          <p:cNvPr id="177" name="Straight Connector 176"/>
+          <p:cNvCxnSpPr/>
+          <p:nvPr/>
+        </p:nvCxnSpPr>
+        <p:spPr>
+          <a:xfrm flipH="1" flipV="1">
+            <a:off x="9869146" y="519052"/>
+            <a:ext cx="564" cy="363079"/>
+          </a:xfrm>
+          <a:prstGeom prst="line">
+            <a:avLst/>
+          </a:prstGeom>
+          <a:ln w="28575">
+            <a:solidFill>
+              <a:srgbClr val="7D7F82"/>
+            </a:solidFill>
+          </a:ln>
+        </p:spPr>
+        <p:style>
+          <a:lnRef idx="3">
+            <a:schemeClr val="accent1"/>
+          </a:lnRef>
+          <a:fillRef idx="0">
+            <a:schemeClr val="accent1"/>
+          </a:fillRef>
+          <a:effectRef idx="2">
+            <a:schemeClr val="accent1"/>
+          </a:effectRef>
+          <a:fontRef idx="minor">
+            <a:schemeClr val="tx1"/>
+          </a:fontRef>
+        </p:style>
+      </p:cxnSp>
+      <p:cxnSp>
+        <p:nvCxnSpPr>
+          <p:cNvPr id="179" name="Straight Connector 178"/>
+          <p:cNvCxnSpPr/>
+          <p:nvPr/>
+        </p:nvCxnSpPr>
+        <p:spPr>
+          <a:xfrm flipH="1" flipV="1">
+            <a:off x="10173222" y="396820"/>
+            <a:ext cx="3385" cy="1117644"/>
+          </a:xfrm>
+          <a:prstGeom prst="line">
+            <a:avLst/>
+          </a:prstGeom>
+          <a:ln w="28575">
+            <a:solidFill>
+              <a:srgbClr val="7D7F82"/>
+            </a:solidFill>
+          </a:ln>
+        </p:spPr>
+        <p:style>
+          <a:lnRef idx="3">
+            <a:schemeClr val="accent1"/>
+          </a:lnRef>
+          <a:fillRef idx="0">
+            <a:schemeClr val="accent1"/>
+          </a:fillRef>
+          <a:effectRef idx="2">
+            <a:schemeClr val="accent1"/>
+          </a:effectRef>
+          <a:fontRef idx="minor">
+            <a:schemeClr val="tx1"/>
+          </a:fontRef>
+        </p:style>
+      </p:cxnSp>
+      <p:sp>
+        <p:nvSpPr>
+          <p:cNvPr id="186" name="Oval 185"/>
+          <p:cNvSpPr/>
+          <p:nvPr/>
+        </p:nvSpPr>
+        <p:spPr>
+          <a:xfrm>
+            <a:off x="10139608" y="1476080"/>
+            <a:ext cx="66815" cy="69792"/>
+          </a:xfrm>
+          <a:prstGeom prst="ellipse">
+            <a:avLst/>
+          </a:prstGeom>
+          <a:solidFill>
+            <a:srgbClr val="272A30"/>
+          </a:solidFill>
+          <a:ln>
+            <a:noFill/>
+          </a:ln>
+        </p:spPr>
+        <p:style>
+          <a:lnRef idx="2">
+            <a:schemeClr val="accent1">
+              <a:shade val="50000"/>
+            </a:schemeClr>
+          </a:lnRef>
+          <a:fillRef idx="1">
+            <a:schemeClr val="accent1"/>
+          </a:fillRef>
+          <a:effectRef idx="0">
+            <a:schemeClr val="accent1"/>
+          </a:effectRef>
+          <a:fontRef idx="minor">
+            <a:schemeClr val="lt1"/>
+          </a:fontRef>
+        </p:style>
+        <p:txBody>
+          <a:bodyPr rtlCol="0" anchor="ctr"/>
+          <a:lstStyle/>
+          <a:p>
+            <a:pPr algn="ctr"/>
+            <a:endParaRPr lang="en-US"/>
+          </a:p>
+        </p:txBody>
+      </p:sp>
+      <p:sp>
+        <p:nvSpPr>
+          <p:cNvPr id="187" name="Oval 186"/>
+          <p:cNvSpPr/>
+          <p:nvPr/>
+        </p:nvSpPr>
+        <p:spPr>
+          <a:xfrm>
+            <a:off x="9834192" y="847091"/>
+            <a:ext cx="66815" cy="69792"/>
+          </a:xfrm>
+          <a:prstGeom prst="ellipse">
+            <a:avLst/>
+          </a:prstGeom>
+          <a:solidFill>
+            <a:srgbClr val="272A30"/>
+          </a:solidFill>
+          <a:ln>
+            <a:noFill/>
+          </a:ln>
+        </p:spPr>
+        <p:style>
+          <a:lnRef idx="2">
+            <a:schemeClr val="accent1">
+              <a:shade val="50000"/>
+            </a:schemeClr>
+          </a:lnRef>
+          <a:fillRef idx="1">
+            <a:schemeClr val="accent1"/>
+          </a:fillRef>
+          <a:effectRef idx="0">
+            <a:schemeClr val="accent1"/>
+          </a:effectRef>
+          <a:fontRef idx="minor">
+            <a:schemeClr val="lt1"/>
+          </a:fontRef>
+        </p:style>
+        <p:txBody>
+          <a:bodyPr rtlCol="0" anchor="ctr"/>
+          <a:lstStyle/>
+          <a:p>
+            <a:pPr algn="ctr"/>
+            <a:endParaRPr lang="en-US"/>
+          </a:p>
+        </p:txBody>
+      </p:sp>
+      <p:cxnSp>
+        <p:nvCxnSpPr>
+          <p:cNvPr id="193" name="Straight Connector 192"/>
+          <p:cNvCxnSpPr/>
+          <p:nvPr/>
+        </p:nvCxnSpPr>
+        <p:spPr>
+          <a:xfrm>
+            <a:off x="8042097" y="2078921"/>
+            <a:ext cx="3904" cy="323202"/>
+          </a:xfrm>
+          <a:prstGeom prst="line">
+            <a:avLst/>
+          </a:prstGeom>
+          <a:ln w="22225">
+            <a:solidFill>
+              <a:srgbClr val="6AD4F5"/>
+            </a:solidFill>
+          </a:ln>
+        </p:spPr>
+        <p:style>
+          <a:lnRef idx="3">
+            <a:schemeClr val="accent1"/>
+          </a:lnRef>
+          <a:fillRef idx="0">
+            <a:schemeClr val="accent1"/>
+          </a:fillRef>
+          <a:effectRef idx="2">
+            <a:schemeClr val="accent1"/>
+          </a:effectRef>
+          <a:fontRef idx="minor">
+            <a:schemeClr val="tx1"/>
+          </a:fontRef>
+        </p:style>
+      </p:cxnSp>
+      <p:cxnSp>
+        <p:nvCxnSpPr>
+          <p:cNvPr id="156" name="Straight Connector 155"/>
+          <p:cNvCxnSpPr/>
+          <p:nvPr/>
+        </p:nvCxnSpPr>
+        <p:spPr>
+          <a:xfrm flipH="1">
+            <a:off x="8503529" y="672751"/>
+            <a:ext cx="831" cy="1816067"/>
+          </a:xfrm>
+          <a:prstGeom prst="line">
+            <a:avLst/>
+          </a:prstGeom>
+          <a:ln w="28575">
+            <a:solidFill>
+              <a:srgbClr val="CC3300"/>
+            </a:solidFill>
+            <a:headEnd type="stealth" w="lg" len="lg"/>
+          </a:ln>
+        </p:spPr>
+        <p:style>
+          <a:lnRef idx="3">
+            <a:schemeClr val="accent1"/>
+          </a:lnRef>
+          <a:fillRef idx="0">
+            <a:schemeClr val="accent1"/>
+          </a:fillRef>
+          <a:effectRef idx="2">
+            <a:schemeClr val="accent1"/>
+          </a:effectRef>
+          <a:fontRef idx="minor">
+            <a:schemeClr val="tx1"/>
+          </a:fontRef>
+        </p:style>
+      </p:cxnSp>
+      <p:cxnSp>
+        <p:nvCxnSpPr>
+          <p:cNvPr id="220" name="Straight Connector 219"/>
+          <p:cNvCxnSpPr/>
+          <p:nvPr/>
+        </p:nvCxnSpPr>
+        <p:spPr>
+          <a:xfrm>
+            <a:off x="8043234" y="2092073"/>
+            <a:ext cx="76854" cy="615"/>
+          </a:xfrm>
+          <a:prstGeom prst="line">
+            <a:avLst/>
+          </a:prstGeom>
+          <a:ln w="22225">
+            <a:solidFill>
+              <a:srgbClr val="6ED3F4"/>
+            </a:solidFill>
+          </a:ln>
+        </p:spPr>
+        <p:style>
+          <a:lnRef idx="3">
+            <a:schemeClr val="accent1"/>
+          </a:lnRef>
+          <a:fillRef idx="0">
+            <a:schemeClr val="accent1"/>
+          </a:fillRef>
+          <a:effectRef idx="2">
+            <a:schemeClr val="accent1"/>
+          </a:effectRef>
+          <a:fontRef idx="minor">
+            <a:schemeClr val="tx1"/>
+          </a:fontRef>
+        </p:style>
+      </p:cxnSp>
+      <p:cxnSp>
+        <p:nvCxnSpPr>
+          <p:cNvPr id="235" name="Straight Connector 234"/>
+          <p:cNvCxnSpPr/>
+          <p:nvPr/>
+        </p:nvCxnSpPr>
+        <p:spPr>
+          <a:xfrm flipH="1">
+            <a:off x="8814389" y="2376160"/>
+            <a:ext cx="1" cy="1534697"/>
+          </a:xfrm>
+          <a:prstGeom prst="line">
+            <a:avLst/>
+          </a:prstGeom>
+          <a:ln w="25400">
+            <a:solidFill>
+              <a:srgbClr val="6AD4F5"/>
+            </a:solidFill>
+          </a:ln>
+        </p:spPr>
+        <p:style>
+          <a:lnRef idx="3">
+            <a:schemeClr val="accent1"/>
+          </a:lnRef>
+          <a:fillRef idx="0">
+            <a:schemeClr val="accent1"/>
+          </a:fillRef>
+          <a:effectRef idx="2">
+            <a:schemeClr val="accent1"/>
+          </a:effectRef>
+          <a:fontRef idx="minor">
+            <a:schemeClr val="tx1"/>
+          </a:fontRef>
+        </p:style>
+      </p:cxnSp>
+      <p:grpSp>
+        <p:nvGrpSpPr>
+          <p:cNvPr id="240" name="Group 239"/>
+          <p:cNvGrpSpPr/>
+          <p:nvPr/>
+        </p:nvGrpSpPr>
+        <p:grpSpPr>
+          <a:xfrm>
+            <a:off x="8830523" y="2324977"/>
+            <a:ext cx="1241864" cy="261498"/>
+            <a:chOff x="8830523" y="2324977"/>
+            <a:chExt cx="1241864" cy="261498"/>
+          </a:xfrm>
+        </p:grpSpPr>
+        <p:sp>
+          <p:nvSpPr>
+            <p:cNvPr id="238" name="Rectangle 237"/>
+            <p:cNvSpPr/>
+            <p:nvPr/>
+          </p:nvSpPr>
+          <p:spPr>
+            <a:xfrm>
+              <a:off x="8830523" y="2324977"/>
+              <a:ext cx="1178673" cy="171147"/>
+            </a:xfrm>
+            <a:prstGeom prst="rect">
+              <a:avLst/>
+            </a:prstGeom>
+            <a:solidFill>
+              <a:schemeClr val="bg1"/>
+            </a:solidFill>
+            <a:ln>
+              <a:noFill/>
+            </a:ln>
+          </p:spPr>
+          <p:style>
+            <a:lnRef idx="2">
+              <a:schemeClr val="accent1">
+                <a:shade val="50000"/>
+              </a:schemeClr>
+            </a:lnRef>
+            <a:fillRef idx="1">
+              <a:schemeClr val="accent1"/>
+            </a:fillRef>
+            <a:effectRef idx="0">
+              <a:schemeClr val="accent1"/>
+            </a:effectRef>
+            <a:fontRef idx="minor">
+              <a:schemeClr val="lt1"/>
+            </a:fontRef>
+          </p:style>
+          <p:txBody>
+            <a:bodyPr rtlCol="0" anchor="ctr"/>
+            <a:lstStyle/>
+            <a:p>
+              <a:pPr algn="ctr"/>
+              <a:endParaRPr lang="en-US"/>
+            </a:p>
+          </p:txBody>
+        </p:sp>
+        <p:sp>
+          <p:nvSpPr>
+            <p:cNvPr id="239" name="Rectangle 238"/>
+            <p:cNvSpPr/>
+            <p:nvPr/>
+          </p:nvSpPr>
+          <p:spPr>
+            <a:xfrm>
+              <a:off x="9829491" y="2415328"/>
+              <a:ext cx="242896" cy="171147"/>
+            </a:xfrm>
+            <a:prstGeom prst="rect">
+              <a:avLst/>
+            </a:prstGeom>
+            <a:solidFill>
+              <a:schemeClr val="bg1"/>
+            </a:solidFill>
+            <a:ln>
+              <a:noFill/>
+            </a:ln>
+          </p:spPr>
+          <p:style>
+            <a:lnRef idx="2">
+              <a:schemeClr val="accent1">
+                <a:shade val="50000"/>
+              </a:schemeClr>
+            </a:lnRef>
+            <a:fillRef idx="1">
+              <a:schemeClr val="accent1"/>
+            </a:fillRef>
+            <a:effectRef idx="0">
+              <a:schemeClr val="accent1"/>
+            </a:effectRef>
+            <a:fontRef idx="minor">
+              <a:schemeClr val="lt1"/>
+            </a:fontRef>
+          </p:style>
+          <p:txBody>
+            <a:bodyPr rtlCol="0" anchor="ctr"/>
+            <a:lstStyle/>
+            <a:p>
+              <a:pPr algn="ctr"/>
+              <a:endParaRPr lang="en-US"/>
+            </a:p>
+          </p:txBody>
+        </p:sp>
+      </p:grpSp>
+      <p:sp>
+        <p:nvSpPr>
+          <p:cNvPr id="242" name="Rectangle 241"/>
+          <p:cNvSpPr/>
+          <p:nvPr/>
+        </p:nvSpPr>
+        <p:spPr>
+          <a:xfrm>
+            <a:off x="8564903" y="5340769"/>
+            <a:ext cx="1444293" cy="363344"/>
+          </a:xfrm>
+          <a:prstGeom prst="rect">
+            <a:avLst/>
+          </a:prstGeom>
+          <a:solidFill>
+            <a:schemeClr val="bg1"/>
+          </a:solidFill>
+          <a:ln>
+            <a:noFill/>
+          </a:ln>
+        </p:spPr>
+        <p:style>
+          <a:lnRef idx="2">
+            <a:schemeClr val="accent1">
+              <a:shade val="50000"/>
+            </a:schemeClr>
+          </a:lnRef>
+          <a:fillRef idx="1">
+            <a:schemeClr val="accent1"/>
+          </a:fillRef>
+          <a:effectRef idx="0">
+            <a:schemeClr val="accent1"/>
+          </a:effectRef>
+          <a:fontRef idx="minor">
+            <a:schemeClr val="lt1"/>
+          </a:fontRef>
+        </p:style>
+        <p:txBody>
+          <a:bodyPr rtlCol="0" anchor="ctr"/>
+          <a:lstStyle/>
+          <a:p>
+            <a:pPr algn="ctr"/>
+            <a:endParaRPr lang="en-US"/>
+          </a:p>
+        </p:txBody>
+      </p:sp>
+      <p:sp>
+        <p:nvSpPr>
+          <p:cNvPr id="244" name="Rectangle 243"/>
+          <p:cNvSpPr/>
+          <p:nvPr/>
+        </p:nvSpPr>
+        <p:spPr>
+          <a:xfrm>
+            <a:off x="9672085" y="5267052"/>
+            <a:ext cx="467523" cy="317987"/>
+          </a:xfrm>
+          <a:prstGeom prst="rect">
+            <a:avLst/>
+          </a:prstGeom>
+          <a:solidFill>
+            <a:schemeClr val="bg1"/>
+          </a:solidFill>
+          <a:ln>
+            <a:noFill/>
+          </a:ln>
+        </p:spPr>
+        <p:style>
+          <a:lnRef idx="2">
+            <a:schemeClr val="accent1">
+              <a:shade val="50000"/>
+            </a:schemeClr>
+          </a:lnRef>
+          <a:fillRef idx="1">
+            <a:schemeClr val="accent1"/>
+          </a:fillRef>
+          <a:effectRef idx="0">
+            <a:schemeClr val="accent1"/>
+          </a:effectRef>
+          <a:fontRef idx="minor">
+            <a:schemeClr val="lt1"/>
+          </a:fontRef>
+        </p:style>
+        <p:txBody>
+          <a:bodyPr rtlCol="0" anchor="ctr"/>
+          <a:lstStyle/>
+          <a:p>
+            <a:pPr algn="ctr"/>
+            <a:endParaRPr lang="en-US"/>
+          </a:p>
+        </p:txBody>
+      </p:sp>
+      <p:cxnSp>
+        <p:nvCxnSpPr>
+          <p:cNvPr id="245" name="Straight Connector 244"/>
+          <p:cNvCxnSpPr/>
+          <p:nvPr/>
+        </p:nvCxnSpPr>
+        <p:spPr>
+          <a:xfrm flipH="1">
+            <a:off x="8541385" y="5442867"/>
+            <a:ext cx="730845" cy="0"/>
+          </a:xfrm>
+          <a:prstGeom prst="line">
+            <a:avLst/>
+          </a:prstGeom>
+          <a:ln w="28575">
+            <a:solidFill>
+              <a:srgbClr val="7F8084"/>
+            </a:solidFill>
+          </a:ln>
+        </p:spPr>
+        <p:style>
+          <a:lnRef idx="3">
+            <a:schemeClr val="accent1"/>
+          </a:lnRef>
+          <a:fillRef idx="0">
+            <a:schemeClr val="accent1"/>
+          </a:fillRef>
+          <a:effectRef idx="2">
+            <a:schemeClr val="accent1"/>
+          </a:effectRef>
+          <a:fontRef idx="minor">
+            <a:schemeClr val="tx1"/>
+          </a:fontRef>
+        </p:style>
+      </p:cxnSp>
+      <p:cxnSp>
+        <p:nvCxnSpPr>
+          <p:cNvPr id="249" name="Straight Connector 248"/>
+          <p:cNvCxnSpPr/>
+          <p:nvPr/>
+        </p:nvCxnSpPr>
+        <p:spPr>
+          <a:xfrm flipV="1">
+            <a:off x="9747810" y="5104641"/>
+            <a:ext cx="0" cy="700259"/>
+          </a:xfrm>
+          <a:prstGeom prst="line">
+            <a:avLst/>
+          </a:prstGeom>
+          <a:ln w="28575">
+            <a:solidFill>
+              <a:srgbClr val="7F8084"/>
+            </a:solidFill>
+          </a:ln>
+        </p:spPr>
+        <p:style>
+          <a:lnRef idx="3">
+            <a:schemeClr val="accent1"/>
+          </a:lnRef>
+          <a:fillRef idx="0">
+            <a:schemeClr val="accent1"/>
+          </a:fillRef>
+          <a:effectRef idx="2">
+            <a:schemeClr val="accent1"/>
+          </a:effectRef>
+          <a:fontRef idx="minor">
+            <a:schemeClr val="tx1"/>
+          </a:fontRef>
+        </p:style>
+      </p:cxnSp>
+      <p:cxnSp>
+        <p:nvCxnSpPr>
+          <p:cNvPr id="252" name="Straight Connector 251"/>
+          <p:cNvCxnSpPr/>
+          <p:nvPr/>
+        </p:nvCxnSpPr>
+        <p:spPr>
+          <a:xfrm flipV="1">
+            <a:off x="9260629" y="5043399"/>
+            <a:ext cx="0" cy="390991"/>
+          </a:xfrm>
+          <a:prstGeom prst="line">
+            <a:avLst/>
+          </a:prstGeom>
+          <a:ln w="22225">
+            <a:solidFill>
+              <a:srgbClr val="7F8084"/>
+            </a:solidFill>
+          </a:ln>
+        </p:spPr>
+        <p:style>
+          <a:lnRef idx="3">
+            <a:schemeClr val="accent1"/>
+          </a:lnRef>
+          <a:fillRef idx="0">
+            <a:schemeClr val="accent1"/>
+          </a:fillRef>
+          <a:effectRef idx="2">
+            <a:schemeClr val="accent1"/>
+          </a:effectRef>
+          <a:fontRef idx="minor">
+            <a:schemeClr val="tx1"/>
+          </a:fontRef>
+        </p:style>
+      </p:cxnSp>
+      <p:sp>
+        <p:nvSpPr>
+          <p:cNvPr id="8" name="TextBox 7"/>
+          <p:cNvSpPr txBox="1"/>
+          <p:nvPr/>
+        </p:nvSpPr>
+        <p:spPr>
+          <a:xfrm>
+            <a:off x="9200452" y="5167800"/>
+            <a:ext cx="849745" cy="276999"/>
+          </a:xfrm>
+          <a:prstGeom prst="rect">
+            <a:avLst/>
+          </a:prstGeom>
+          <a:noFill/>
+        </p:spPr>
+        <p:txBody>
+          <a:bodyPr wrap="square" rtlCol="0">
+            <a:spAutoFit/>
+          </a:bodyPr>
+          <a:lstStyle/>
+          <a:p>
+            <a:r>
+              <a:rPr lang="en-US" sz="1200" dirty="0" smtClean="0">
+                <a:solidFill>
+                  <a:srgbClr val="CC3300"/>
+                </a:solidFill>
+              </a:rPr>
+              <a:t>JALR</a:t>
+            </a:r>
+            <a:endParaRPr lang="en-US" sz="1200" dirty="0">
+              <a:solidFill>
+                <a:srgbClr val="CC3300"/>
+              </a:solidFill>
+            </a:endParaRPr>
+          </a:p>
+        </p:txBody>
+      </p:sp>
+      <p:sp>
+        <p:nvSpPr>
+          <p:cNvPr id="254" name="Rectangle 253"/>
+          <p:cNvSpPr/>
+          <p:nvPr/>
+        </p:nvSpPr>
+        <p:spPr>
+          <a:xfrm>
+            <a:off x="8184020" y="5790083"/>
+            <a:ext cx="979030" cy="496417"/>
+          </a:xfrm>
+          <a:prstGeom prst="rect">
+            <a:avLst/>
+          </a:prstGeom>
+          <a:noFill/>
+          <a:ln w="19050">
+            <a:solidFill>
+              <a:srgbClr val="C6C7C9"/>
+            </a:solidFill>
+          </a:ln>
+        </p:spPr>
+        <p:style>
+          <a:lnRef idx="2">
+            <a:schemeClr val="accent1">
+              <a:shade val="50000"/>
+            </a:schemeClr>
+          </a:lnRef>
+          <a:fillRef idx="1">
+            <a:schemeClr val="accent1"/>
+          </a:fillRef>
+          <a:effectRef idx="0">
+            <a:schemeClr val="accent1"/>
+          </a:effectRef>
+          <a:fontRef idx="minor">
+            <a:schemeClr val="lt1"/>
+          </a:fontRef>
+        </p:style>
+        <p:txBody>
+          <a:bodyPr rtlCol="0" anchor="ctr"/>
+          <a:lstStyle/>
+          <a:p>
+            <a:pPr algn="ctr"/>
+            <a:endParaRPr lang="en-US"/>
+          </a:p>
+        </p:txBody>
+      </p:sp>
+      <p:sp>
+        <p:nvSpPr>
+          <p:cNvPr id="255" name="TextBox 254"/>
+          <p:cNvSpPr txBox="1"/>
+          <p:nvPr/>
+        </p:nvSpPr>
+        <p:spPr>
+          <a:xfrm>
+            <a:off x="8331937" y="5918200"/>
+            <a:ext cx="747706" cy="276999"/>
+          </a:xfrm>
+          <a:prstGeom prst="rect">
+            <a:avLst/>
+          </a:prstGeom>
+          <a:noFill/>
+        </p:spPr>
+        <p:txBody>
+          <a:bodyPr wrap="square" rtlCol="0">
+            <a:spAutoFit/>
+          </a:bodyPr>
+          <a:lstStyle/>
+          <a:p>
+            <a:r>
+              <a:rPr lang="en-US" sz="1200" b="1" dirty="0" smtClean="0"/>
+              <a:t>multDiv</a:t>
+            </a:r>
+            <a:endParaRPr lang="en-US" sz="1200" b="1" dirty="0"/>
+          </a:p>
+        </p:txBody>
+      </p:sp>
+      <p:cxnSp>
+        <p:nvCxnSpPr>
+          <p:cNvPr id="256" name="Straight Connector 255"/>
+          <p:cNvCxnSpPr/>
+          <p:nvPr/>
+        </p:nvCxnSpPr>
+        <p:spPr>
+          <a:xfrm flipH="1" flipV="1">
+            <a:off x="7732060" y="4498309"/>
+            <a:ext cx="12366" cy="1506274"/>
+          </a:xfrm>
+          <a:prstGeom prst="line">
+            <a:avLst/>
+          </a:prstGeom>
+          <a:ln w="28575">
+            <a:solidFill>
+              <a:srgbClr val="CC3300"/>
+            </a:solidFill>
+          </a:ln>
+        </p:spPr>
+        <p:style>
+          <a:lnRef idx="3">
+            <a:schemeClr val="accent1"/>
+          </a:lnRef>
+          <a:fillRef idx="0">
+            <a:schemeClr val="accent1"/>
+          </a:fillRef>
+          <a:effectRef idx="2">
+            <a:schemeClr val="accent1"/>
+          </a:effectRef>
+          <a:fontRef idx="minor">
+            <a:schemeClr val="tx1"/>
+          </a:fontRef>
+        </p:style>
+      </p:cxnSp>
+      <p:cxnSp>
+        <p:nvCxnSpPr>
+          <p:cNvPr id="257" name="Straight Connector 256"/>
+          <p:cNvCxnSpPr/>
+          <p:nvPr/>
+        </p:nvCxnSpPr>
+        <p:spPr>
+          <a:xfrm flipH="1" flipV="1">
+            <a:off x="7635875" y="4533900"/>
+            <a:ext cx="12642" cy="1561479"/>
+          </a:xfrm>
+          <a:prstGeom prst="line">
+            <a:avLst/>
+          </a:prstGeom>
+          <a:ln w="28575">
+            <a:solidFill>
+              <a:srgbClr val="CC3300"/>
+            </a:solidFill>
+          </a:ln>
+        </p:spPr>
+        <p:style>
+          <a:lnRef idx="3">
+            <a:schemeClr val="accent1"/>
+          </a:lnRef>
+          <a:fillRef idx="0">
+            <a:schemeClr val="accent1"/>
+          </a:fillRef>
+          <a:effectRef idx="2">
+            <a:schemeClr val="accent1"/>
+          </a:effectRef>
+          <a:fontRef idx="minor">
+            <a:schemeClr val="tx1"/>
+          </a:fontRef>
+        </p:style>
+      </p:cxnSp>
+      <p:cxnSp>
+        <p:nvCxnSpPr>
+          <p:cNvPr id="258" name="Straight Connector 257"/>
+          <p:cNvCxnSpPr/>
+          <p:nvPr/>
+        </p:nvCxnSpPr>
+        <p:spPr>
+          <a:xfrm flipH="1" flipV="1">
+            <a:off x="7828438" y="4465819"/>
+            <a:ext cx="6698" cy="1238294"/>
+          </a:xfrm>
+          <a:prstGeom prst="line">
+            <a:avLst/>
+          </a:prstGeom>
+          <a:ln w="28575">
+            <a:solidFill>
+              <a:srgbClr val="CC3300"/>
+            </a:solidFill>
+            <a:tailEnd type="stealth" w="lg" len="lg"/>
+          </a:ln>
+        </p:spPr>
+        <p:style>
+          <a:lnRef idx="3">
+            <a:schemeClr val="accent1"/>
+          </a:lnRef>
+          <a:fillRef idx="0">
+            <a:schemeClr val="accent1"/>
+          </a:fillRef>
+          <a:effectRef idx="2">
+            <a:schemeClr val="accent1"/>
+          </a:effectRef>
+          <a:fontRef idx="minor">
+            <a:schemeClr val="tx1"/>
+          </a:fontRef>
+        </p:style>
+      </p:cxnSp>
+      <p:cxnSp>
+        <p:nvCxnSpPr>
+          <p:cNvPr id="259" name="Straight Connector 258"/>
+          <p:cNvCxnSpPr/>
+          <p:nvPr/>
+        </p:nvCxnSpPr>
+        <p:spPr>
+          <a:xfrm flipH="1">
+            <a:off x="7727097" y="6004583"/>
+            <a:ext cx="463204" cy="3501"/>
+          </a:xfrm>
+          <a:prstGeom prst="line">
+            <a:avLst/>
+          </a:prstGeom>
+          <a:ln w="28575">
+            <a:solidFill>
+              <a:srgbClr val="C00000"/>
+            </a:solidFill>
+            <a:headEnd type="stealth" w="lg" len="lg"/>
+          </a:ln>
+        </p:spPr>
+        <p:style>
+          <a:lnRef idx="3">
+            <a:schemeClr val="accent1"/>
+          </a:lnRef>
+          <a:fillRef idx="0">
+            <a:schemeClr val="accent1"/>
+          </a:fillRef>
+          <a:effectRef idx="2">
+            <a:schemeClr val="accent1"/>
+          </a:effectRef>
+          <a:fontRef idx="minor">
+            <a:schemeClr val="tx1"/>
+          </a:fontRef>
+        </p:style>
+      </p:cxnSp>
+      <p:cxnSp>
+        <p:nvCxnSpPr>
+          <p:cNvPr id="263" name="Straight Connector 262"/>
+          <p:cNvCxnSpPr/>
+          <p:nvPr/>
+        </p:nvCxnSpPr>
+        <p:spPr>
+          <a:xfrm flipH="1" flipV="1">
+            <a:off x="7633997" y="6095378"/>
+            <a:ext cx="550023" cy="622"/>
+          </a:xfrm>
+          <a:prstGeom prst="line">
+            <a:avLst/>
+          </a:prstGeom>
+          <a:ln w="28575">
+            <a:solidFill>
+              <a:srgbClr val="C00000"/>
+            </a:solidFill>
+            <a:headEnd type="stealth" w="lg" len="lg"/>
+          </a:ln>
+        </p:spPr>
+        <p:style>
+          <a:lnRef idx="3">
+            <a:schemeClr val="accent1"/>
+          </a:lnRef>
+          <a:fillRef idx="0">
+            <a:schemeClr val="accent1"/>
+          </a:fillRef>
+          <a:effectRef idx="2">
+            <a:schemeClr val="accent1"/>
+          </a:effectRef>
+          <a:fontRef idx="minor">
+            <a:schemeClr val="tx1"/>
+          </a:fontRef>
+        </p:style>
+      </p:cxnSp>
+      <p:sp>
+        <p:nvSpPr>
+          <p:cNvPr id="275" name="TextBox 274"/>
+          <p:cNvSpPr txBox="1"/>
+          <p:nvPr/>
+        </p:nvSpPr>
+        <p:spPr>
+          <a:xfrm>
+            <a:off x="7698317" y="5800926"/>
+            <a:ext cx="435884" cy="246221"/>
+          </a:xfrm>
+          <a:prstGeom prst="rect">
+            <a:avLst/>
+          </a:prstGeom>
+          <a:noFill/>
+        </p:spPr>
+        <p:txBody>
+          <a:bodyPr wrap="square" rtlCol="0">
+            <a:spAutoFit/>
+          </a:bodyPr>
+          <a:lstStyle/>
+          <a:p>
+            <a:r>
+              <a:rPr lang="en-US" sz="1000" dirty="0" smtClean="0">
+                <a:solidFill>
+                  <a:srgbClr val="CC3300"/>
+                </a:solidFill>
+              </a:rPr>
+              <a:t>valid</a:t>
+            </a:r>
+            <a:endParaRPr lang="en-US" sz="1000" dirty="0">
+              <a:solidFill>
+                <a:srgbClr val="CC3300"/>
+              </a:solidFill>
+            </a:endParaRPr>
+          </a:p>
+        </p:txBody>
+      </p:sp>
+      <p:sp>
+        <p:nvSpPr>
+          <p:cNvPr id="276" name="TextBox 275"/>
+          <p:cNvSpPr txBox="1"/>
+          <p:nvPr/>
+        </p:nvSpPr>
+        <p:spPr>
+          <a:xfrm>
+            <a:off x="7629854" y="6057777"/>
+            <a:ext cx="495175" cy="246221"/>
+          </a:xfrm>
+          <a:prstGeom prst="rect">
+            <a:avLst/>
+          </a:prstGeom>
+          <a:noFill/>
+        </p:spPr>
+        <p:txBody>
+          <a:bodyPr wrap="square" rtlCol="0">
+            <a:spAutoFit/>
+          </a:bodyPr>
+          <a:lstStyle/>
+          <a:p>
+            <a:r>
+              <a:rPr lang="en-US" sz="1000" dirty="0" smtClean="0">
+                <a:solidFill>
+                  <a:srgbClr val="CC3300"/>
+                </a:solidFill>
+              </a:rPr>
+              <a:t>mode</a:t>
+            </a:r>
+            <a:endParaRPr lang="en-US" sz="1000" dirty="0">
+              <a:solidFill>
+                <a:srgbClr val="CC3300"/>
+              </a:solidFill>
+            </a:endParaRPr>
+          </a:p>
+        </p:txBody>
+      </p:sp>
+      <p:cxnSp>
+        <p:nvCxnSpPr>
+          <p:cNvPr id="277" name="Straight Connector 276"/>
+          <p:cNvCxnSpPr/>
+          <p:nvPr/>
+        </p:nvCxnSpPr>
+        <p:spPr>
+          <a:xfrm flipH="1">
+            <a:off x="7846605" y="5693295"/>
+            <a:ext cx="1613538" cy="0"/>
+          </a:xfrm>
+          <a:prstGeom prst="line">
+            <a:avLst/>
+          </a:prstGeom>
+          <a:ln w="28575">
+            <a:solidFill>
+              <a:srgbClr val="C00000"/>
+            </a:solidFill>
+            <a:headEnd type="none" w="lg" len="lg"/>
+          </a:ln>
+        </p:spPr>
+        <p:style>
+          <a:lnRef idx="3">
+            <a:schemeClr val="accent1"/>
+          </a:lnRef>
+          <a:fillRef idx="0">
+            <a:schemeClr val="accent1"/>
+          </a:fillRef>
+          <a:effectRef idx="2">
+            <a:schemeClr val="accent1"/>
+          </a:effectRef>
+          <a:fontRef idx="minor">
+            <a:schemeClr val="tx1"/>
+          </a:fontRef>
+        </p:style>
+      </p:cxnSp>
+      <p:cxnSp>
+        <p:nvCxnSpPr>
+          <p:cNvPr id="280" name="Straight Connector 279"/>
+          <p:cNvCxnSpPr/>
+          <p:nvPr/>
+        </p:nvCxnSpPr>
+        <p:spPr>
+          <a:xfrm flipH="1" flipV="1">
+            <a:off x="9446373" y="5693295"/>
+            <a:ext cx="110" cy="402083"/>
+          </a:xfrm>
+          <a:prstGeom prst="line">
+            <a:avLst/>
+          </a:prstGeom>
+          <a:ln w="28575">
+            <a:solidFill>
+              <a:srgbClr val="CC3300"/>
+            </a:solidFill>
+          </a:ln>
+        </p:spPr>
+        <p:style>
+          <a:lnRef idx="3">
+            <a:schemeClr val="accent1"/>
+          </a:lnRef>
+          <a:fillRef idx="0">
+            <a:schemeClr val="accent1"/>
+          </a:fillRef>
+          <a:effectRef idx="2">
+            <a:schemeClr val="accent1"/>
+          </a:effectRef>
+          <a:fontRef idx="minor">
+            <a:schemeClr val="tx1"/>
+          </a:fontRef>
+        </p:style>
+      </p:cxnSp>
+      <p:cxnSp>
+        <p:nvCxnSpPr>
+          <p:cNvPr id="283" name="Straight Connector 282"/>
+          <p:cNvCxnSpPr/>
+          <p:nvPr/>
+        </p:nvCxnSpPr>
+        <p:spPr>
+          <a:xfrm flipH="1">
+            <a:off x="9167710" y="6095378"/>
+            <a:ext cx="292433" cy="0"/>
+          </a:xfrm>
+          <a:prstGeom prst="line">
+            <a:avLst/>
+          </a:prstGeom>
+          <a:ln w="28575">
+            <a:solidFill>
+              <a:srgbClr val="C00000"/>
+            </a:solidFill>
+            <a:headEnd type="none" w="lg" len="lg"/>
+          </a:ln>
+        </p:spPr>
+        <p:style>
+          <a:lnRef idx="3">
+            <a:schemeClr val="accent1"/>
+          </a:lnRef>
+          <a:fillRef idx="0">
+            <a:schemeClr val="accent1"/>
+          </a:fillRef>
+          <a:effectRef idx="2">
+            <a:schemeClr val="accent1"/>
+          </a:effectRef>
+          <a:fontRef idx="minor">
+            <a:schemeClr val="tx1"/>
+          </a:fontRef>
+        </p:style>
+      </p:cxnSp>
+      <p:sp>
+        <p:nvSpPr>
+          <p:cNvPr id="287" name="TextBox 286"/>
+          <p:cNvSpPr txBox="1"/>
+          <p:nvPr/>
+        </p:nvSpPr>
+        <p:spPr>
+          <a:xfrm>
+            <a:off x="8360215" y="5484492"/>
+            <a:ext cx="489792" cy="246221"/>
+          </a:xfrm>
+          <a:prstGeom prst="rect">
+            <a:avLst/>
+          </a:prstGeom>
+          <a:noFill/>
+        </p:spPr>
+        <p:txBody>
+          <a:bodyPr wrap="square" rtlCol="0">
+            <a:spAutoFit/>
+          </a:bodyPr>
+          <a:lstStyle/>
+          <a:p>
+            <a:r>
+              <a:rPr lang="en-US" sz="1000" dirty="0" smtClean="0">
+                <a:solidFill>
+                  <a:srgbClr val="CC3300"/>
+                </a:solidFill>
+              </a:rPr>
+              <a:t>ready</a:t>
+            </a:r>
+            <a:endParaRPr lang="en-US" sz="1000" dirty="0">
+              <a:solidFill>
+                <a:srgbClr val="CC3300"/>
+              </a:solidFill>
+            </a:endParaRPr>
+          </a:p>
+        </p:txBody>
+      </p:sp>
+      <p:sp>
+        <p:nvSpPr>
+          <p:cNvPr id="90" name="Oval 89"/>
+          <p:cNvSpPr/>
+          <p:nvPr/>
+        </p:nvSpPr>
+        <p:spPr>
+          <a:xfrm>
+            <a:off x="9717365" y="6361671"/>
+            <a:ext cx="66815" cy="69792"/>
+          </a:xfrm>
+          <a:prstGeom prst="ellipse">
+            <a:avLst/>
+          </a:prstGeom>
+          <a:solidFill>
+            <a:srgbClr val="272A30"/>
+          </a:solidFill>
+          <a:ln>
+            <a:noFill/>
+          </a:ln>
+        </p:spPr>
+        <p:style>
+          <a:lnRef idx="2">
+            <a:schemeClr val="accent1">
+              <a:shade val="50000"/>
+            </a:schemeClr>
+          </a:lnRef>
+          <a:fillRef idx="1">
+            <a:schemeClr val="accent1"/>
+          </a:fillRef>
+          <a:effectRef idx="0">
+            <a:schemeClr val="accent1"/>
+          </a:effectRef>
+          <a:fontRef idx="minor">
+            <a:schemeClr val="lt1"/>
+          </a:fontRef>
+        </p:style>
+        <p:txBody>
+          <a:bodyPr rtlCol="0" anchor="ctr"/>
+          <a:lstStyle/>
+          <a:p>
+            <a:pPr algn="ctr"/>
+            <a:endParaRPr lang="en-US"/>
+          </a:p>
+        </p:txBody>
+      </p:sp>
+      <p:sp>
+        <p:nvSpPr>
+          <p:cNvPr id="98" name="TextBox 97"/>
+          <p:cNvSpPr txBox="1"/>
+          <p:nvPr/>
+        </p:nvSpPr>
+        <p:spPr>
+          <a:xfrm>
+            <a:off x="8331938" y="165130"/>
+            <a:ext cx="457200" cy="276999"/>
+          </a:xfrm>
+          <a:prstGeom prst="rect">
+            <a:avLst/>
+          </a:prstGeom>
+          <a:noFill/>
+        </p:spPr>
+        <p:txBody>
+          <a:bodyPr wrap="square" rtlCol="0">
+            <a:spAutoFit/>
+          </a:bodyPr>
+          <a:lstStyle/>
+          <a:p>
+            <a:r>
+              <a:rPr lang="en-US" sz="1200" dirty="0" smtClean="0">
+                <a:solidFill>
+                  <a:srgbClr val="CC3300"/>
+                </a:solidFill>
+              </a:rPr>
+              <a:t>01</a:t>
+            </a:r>
+            <a:endParaRPr lang="en-US" sz="1200" dirty="0">
+              <a:solidFill>
+                <a:srgbClr val="CC3300"/>
+              </a:solidFill>
+            </a:endParaRPr>
+          </a:p>
+        </p:txBody>
+      </p:sp>
+      <p:pic>
+        <p:nvPicPr>
+          <p:cNvPr id="4" name="Picture 3"/>
+          <p:cNvPicPr>
+            <a:picLocks noChangeAspect="1"/>
+          </p:cNvPicPr>
+          <p:nvPr/>
+        </p:nvPicPr>
+        <p:blipFill>
+          <a:blip r:embed="rId6"/>
+          <a:stretch>
+            <a:fillRect/>
+          </a:stretch>
+        </p:blipFill>
+        <p:spPr>
+          <a:xfrm>
+            <a:off x="8109491" y="1981858"/>
+            <a:ext cx="311166" cy="336567"/>
+          </a:xfrm>
+          <a:prstGeom prst="rect">
+            <a:avLst/>
+          </a:prstGeom>
+        </p:spPr>
+      </p:pic>
+      <p:cxnSp>
+        <p:nvCxnSpPr>
+          <p:cNvPr id="104" name="Straight Connector 103"/>
+          <p:cNvCxnSpPr/>
+          <p:nvPr/>
+        </p:nvCxnSpPr>
+        <p:spPr>
+          <a:xfrm flipH="1" flipV="1">
+            <a:off x="5293597" y="1954709"/>
+            <a:ext cx="1183211" cy="448"/>
+          </a:xfrm>
+          <a:prstGeom prst="line">
+            <a:avLst/>
+          </a:prstGeom>
+          <a:ln w="28575">
+            <a:solidFill>
+              <a:srgbClr val="C00000"/>
+            </a:solidFill>
+          </a:ln>
+        </p:spPr>
+        <p:style>
+          <a:lnRef idx="3">
+            <a:schemeClr val="accent1"/>
+          </a:lnRef>
+          <a:fillRef idx="0">
+            <a:schemeClr val="accent1"/>
+          </a:fillRef>
+          <a:effectRef idx="2">
+            <a:schemeClr val="accent1"/>
+          </a:effectRef>
+          <a:fontRef idx="minor">
+            <a:schemeClr val="tx1"/>
+          </a:fontRef>
+        </p:style>
+      </p:cxnSp>
+      <p:cxnSp>
+        <p:nvCxnSpPr>
+          <p:cNvPr id="106" name="Straight Connector 105"/>
+          <p:cNvCxnSpPr/>
+          <p:nvPr/>
+        </p:nvCxnSpPr>
+        <p:spPr>
+          <a:xfrm flipH="1">
+            <a:off x="6485079" y="2479192"/>
+            <a:ext cx="2012721" cy="0"/>
+          </a:xfrm>
+          <a:prstGeom prst="line">
+            <a:avLst/>
+          </a:prstGeom>
+          <a:ln w="28575">
+            <a:solidFill>
+              <a:srgbClr val="C00000"/>
+            </a:solidFill>
+          </a:ln>
+        </p:spPr>
+        <p:style>
+          <a:lnRef idx="3">
+            <a:schemeClr val="accent1"/>
+          </a:lnRef>
+          <a:fillRef idx="0">
+            <a:schemeClr val="accent1"/>
+          </a:fillRef>
+          <a:effectRef idx="2">
+            <a:schemeClr val="accent1"/>
+          </a:effectRef>
+          <a:fontRef idx="minor">
+            <a:schemeClr val="tx1"/>
+          </a:fontRef>
+        </p:style>
+      </p:cxnSp>
+      <p:cxnSp>
+        <p:nvCxnSpPr>
+          <p:cNvPr id="112" name="Straight Connector 111"/>
+          <p:cNvCxnSpPr/>
+          <p:nvPr/>
+        </p:nvCxnSpPr>
+        <p:spPr>
+          <a:xfrm flipH="1" flipV="1">
+            <a:off x="6475903" y="1945084"/>
+            <a:ext cx="1329" cy="551040"/>
+          </a:xfrm>
+          <a:prstGeom prst="line">
+            <a:avLst/>
+          </a:prstGeom>
+          <a:ln w="28575">
+            <a:solidFill>
+              <a:srgbClr val="CC3300"/>
+            </a:solidFill>
+          </a:ln>
+        </p:spPr>
+        <p:style>
+          <a:lnRef idx="3">
+            <a:schemeClr val="accent1"/>
+          </a:lnRef>
+          <a:fillRef idx="0">
+            <a:schemeClr val="accent1"/>
+          </a:fillRef>
+          <a:effectRef idx="2">
+            <a:schemeClr val="accent1"/>
+          </a:effectRef>
+          <a:fontRef idx="minor">
+            <a:schemeClr val="tx1"/>
+          </a:fontRef>
+        </p:style>
+      </p:cxnSp>
+      <p:cxnSp>
+        <p:nvCxnSpPr>
+          <p:cNvPr id="122" name="Straight Connector 121"/>
+          <p:cNvCxnSpPr/>
+          <p:nvPr/>
+        </p:nvCxnSpPr>
+        <p:spPr>
+          <a:xfrm flipH="1" flipV="1">
+            <a:off x="6123834" y="2172267"/>
+            <a:ext cx="1861496" cy="6338"/>
+          </a:xfrm>
+          <a:prstGeom prst="line">
+            <a:avLst/>
+          </a:prstGeom>
+          <a:ln w="22225">
+            <a:solidFill>
+              <a:srgbClr val="6ED3F4"/>
+            </a:solidFill>
+          </a:ln>
+        </p:spPr>
+        <p:style>
+          <a:lnRef idx="3">
+            <a:schemeClr val="accent1"/>
+          </a:lnRef>
+          <a:fillRef idx="0">
+            <a:schemeClr val="accent1"/>
+          </a:fillRef>
+          <a:effectRef idx="2">
+            <a:schemeClr val="accent1"/>
+          </a:effectRef>
+          <a:fontRef idx="minor">
+            <a:schemeClr val="tx1"/>
+          </a:fontRef>
+        </p:style>
+      </p:cxnSp>
+      <p:cxnSp>
+        <p:nvCxnSpPr>
+          <p:cNvPr id="126" name="Straight Connector 125"/>
+          <p:cNvCxnSpPr/>
+          <p:nvPr/>
+        </p:nvCxnSpPr>
+        <p:spPr>
+          <a:xfrm flipH="1" flipV="1">
+            <a:off x="5341064" y="2044040"/>
+            <a:ext cx="789290" cy="1281"/>
+          </a:xfrm>
+          <a:prstGeom prst="line">
+            <a:avLst/>
+          </a:prstGeom>
+          <a:ln w="22225">
+            <a:solidFill>
+              <a:srgbClr val="6ED3F4"/>
+            </a:solidFill>
+            <a:tailEnd type="stealth" w="med" len="lg"/>
+          </a:ln>
+        </p:spPr>
+        <p:style>
+          <a:lnRef idx="3">
+            <a:schemeClr val="accent1"/>
+          </a:lnRef>
+          <a:fillRef idx="0">
+            <a:schemeClr val="accent1"/>
+          </a:fillRef>
+          <a:effectRef idx="2">
+            <a:schemeClr val="accent1"/>
+          </a:effectRef>
+          <a:fontRef idx="minor">
+            <a:schemeClr val="tx1"/>
+          </a:fontRef>
+        </p:style>
+      </p:cxnSp>
+      <p:cxnSp>
+        <p:nvCxnSpPr>
+          <p:cNvPr id="129" name="Straight Connector 128"/>
+          <p:cNvCxnSpPr/>
+          <p:nvPr/>
+        </p:nvCxnSpPr>
+        <p:spPr>
+          <a:xfrm flipH="1">
+            <a:off x="8445382" y="1940656"/>
+            <a:ext cx="1647" cy="209329"/>
+          </a:xfrm>
+          <a:prstGeom prst="line">
+            <a:avLst/>
+          </a:prstGeom>
+          <a:ln w="22225">
+            <a:solidFill>
+              <a:srgbClr val="6AD4F5"/>
+            </a:solidFill>
+          </a:ln>
+        </p:spPr>
+        <p:style>
+          <a:lnRef idx="3">
+            <a:schemeClr val="accent1"/>
+          </a:lnRef>
+          <a:fillRef idx="0">
+            <a:schemeClr val="accent1"/>
+          </a:fillRef>
+          <a:effectRef idx="2">
+            <a:schemeClr val="accent1"/>
+          </a:effectRef>
+          <a:fontRef idx="minor">
+            <a:schemeClr val="tx1"/>
+          </a:fontRef>
+        </p:style>
+      </p:cxnSp>
+      <p:cxnSp>
+        <p:nvCxnSpPr>
+          <p:cNvPr id="130" name="Straight Connector 129"/>
+          <p:cNvCxnSpPr/>
+          <p:nvPr/>
+        </p:nvCxnSpPr>
+        <p:spPr>
+          <a:xfrm flipH="1">
+            <a:off x="7979344" y="1940362"/>
+            <a:ext cx="1313" cy="237563"/>
+          </a:xfrm>
+          <a:prstGeom prst="line">
+            <a:avLst/>
+          </a:prstGeom>
+          <a:ln w="22225">
+            <a:solidFill>
+              <a:srgbClr val="6AD4F5"/>
+            </a:solidFill>
+          </a:ln>
+        </p:spPr>
+        <p:style>
+          <a:lnRef idx="3">
+            <a:schemeClr val="accent1"/>
+          </a:lnRef>
+          <a:fillRef idx="0">
+            <a:schemeClr val="accent1"/>
+          </a:fillRef>
+          <a:effectRef idx="2">
+            <a:schemeClr val="accent1"/>
+          </a:effectRef>
+          <a:fontRef idx="minor">
+            <a:schemeClr val="tx1"/>
+          </a:fontRef>
+        </p:style>
+      </p:cxnSp>
+      <p:cxnSp>
+        <p:nvCxnSpPr>
+          <p:cNvPr id="131" name="Straight Connector 130"/>
+          <p:cNvCxnSpPr/>
+          <p:nvPr/>
+        </p:nvCxnSpPr>
+        <p:spPr>
+          <a:xfrm>
+            <a:off x="6130354" y="2044040"/>
+            <a:ext cx="394" cy="127511"/>
+          </a:xfrm>
+          <a:prstGeom prst="line">
+            <a:avLst/>
+          </a:prstGeom>
+          <a:ln w="22225">
+            <a:solidFill>
+              <a:srgbClr val="6AD4F5"/>
+            </a:solidFill>
+          </a:ln>
+        </p:spPr>
+        <p:style>
+          <a:lnRef idx="3">
+            <a:schemeClr val="accent1"/>
+          </a:lnRef>
+          <a:fillRef idx="0">
+            <a:schemeClr val="accent1"/>
+          </a:fillRef>
+          <a:effectRef idx="2">
+            <a:schemeClr val="accent1"/>
+          </a:effectRef>
+          <a:fontRef idx="minor">
+            <a:schemeClr val="tx1"/>
+          </a:fontRef>
+        </p:style>
+      </p:cxnSp>
+      <p:cxnSp>
+        <p:nvCxnSpPr>
+          <p:cNvPr id="140" name="Straight Connector 139"/>
+          <p:cNvCxnSpPr/>
+          <p:nvPr/>
+        </p:nvCxnSpPr>
+        <p:spPr>
+          <a:xfrm flipH="1">
+            <a:off x="7974295" y="1951179"/>
+            <a:ext cx="469742" cy="1430"/>
+          </a:xfrm>
+          <a:prstGeom prst="line">
+            <a:avLst/>
+          </a:prstGeom>
+          <a:ln w="22225">
+            <a:solidFill>
+              <a:srgbClr val="6ED3F4"/>
+            </a:solidFill>
+          </a:ln>
+        </p:spPr>
+        <p:style>
+          <a:lnRef idx="3">
+            <a:schemeClr val="accent1"/>
+          </a:lnRef>
+          <a:fillRef idx="0">
+            <a:schemeClr val="accent1"/>
+          </a:fillRef>
+          <a:effectRef idx="2">
+            <a:schemeClr val="accent1"/>
+          </a:effectRef>
+          <a:fontRef idx="minor">
+            <a:schemeClr val="tx1"/>
+          </a:fontRef>
+        </p:style>
+      </p:cxnSp>
+      <p:cxnSp>
+        <p:nvCxnSpPr>
+          <p:cNvPr id="150" name="Straight Connector 149"/>
+          <p:cNvCxnSpPr/>
+          <p:nvPr/>
+        </p:nvCxnSpPr>
+        <p:spPr>
+          <a:xfrm>
+            <a:off x="8380405" y="2142112"/>
+            <a:ext cx="76854" cy="615"/>
+          </a:xfrm>
+          <a:prstGeom prst="line">
+            <a:avLst/>
+          </a:prstGeom>
+          <a:ln w="22225">
+            <a:solidFill>
+              <a:srgbClr val="6ED3F4"/>
+            </a:solidFill>
+          </a:ln>
+        </p:spPr>
+        <p:style>
+          <a:lnRef idx="3">
+            <a:schemeClr val="accent1"/>
+          </a:lnRef>
+          <a:fillRef idx="0">
+            <a:schemeClr val="accent1"/>
+          </a:fillRef>
+          <a:effectRef idx="2">
+            <a:schemeClr val="accent1"/>
+          </a:effectRef>
+          <a:fontRef idx="minor">
+            <a:schemeClr val="tx1"/>
+          </a:fontRef>
+        </p:style>
+      </p:cxnSp>
+      <p:sp>
+        <p:nvSpPr>
+          <p:cNvPr id="173" name="TextBox 172"/>
+          <p:cNvSpPr txBox="1"/>
+          <p:nvPr/>
+        </p:nvSpPr>
+        <p:spPr>
+          <a:xfrm>
+            <a:off x="5087191" y="438998"/>
+            <a:ext cx="245039" cy="276999"/>
+          </a:xfrm>
+          <a:prstGeom prst="rect">
+            <a:avLst/>
+          </a:prstGeom>
+          <a:noFill/>
+        </p:spPr>
+        <p:txBody>
+          <a:bodyPr wrap="square" rtlCol="0">
+            <a:spAutoFit/>
+          </a:bodyPr>
+          <a:lstStyle/>
+          <a:p>
+            <a:r>
+              <a:rPr lang="en-US" sz="1200" dirty="0" smtClean="0">
+                <a:solidFill>
+                  <a:srgbClr val="CC3300"/>
+                </a:solidFill>
+              </a:rPr>
+              <a:t>0</a:t>
+            </a:r>
+            <a:endParaRPr lang="en-US" sz="1200" dirty="0">
+              <a:solidFill>
+                <a:srgbClr val="CC3300"/>
+              </a:solidFill>
+            </a:endParaRPr>
+          </a:p>
+        </p:txBody>
+      </p:sp>
+      <p:cxnSp>
+        <p:nvCxnSpPr>
+          <p:cNvPr id="176" name="Straight Connector 175"/>
+          <p:cNvCxnSpPr/>
+          <p:nvPr/>
+        </p:nvCxnSpPr>
+        <p:spPr>
+          <a:xfrm flipH="1">
+            <a:off x="5108846" y="396066"/>
+            <a:ext cx="211906" cy="1503"/>
+          </a:xfrm>
+          <a:prstGeom prst="line">
+            <a:avLst/>
+          </a:prstGeom>
+          <a:ln w="28575">
+            <a:solidFill>
+              <a:srgbClr val="CC3300"/>
+            </a:solidFill>
+          </a:ln>
+        </p:spPr>
+        <p:style>
+          <a:lnRef idx="3">
+            <a:schemeClr val="accent1"/>
+          </a:lnRef>
+          <a:fillRef idx="0">
+            <a:schemeClr val="accent1"/>
+          </a:fillRef>
+          <a:effectRef idx="2">
+            <a:schemeClr val="accent1"/>
+          </a:effectRef>
+          <a:fontRef idx="minor">
+            <a:schemeClr val="tx1"/>
+          </a:fontRef>
+        </p:style>
+      </p:cxnSp>
+      <p:sp>
+        <p:nvSpPr>
+          <p:cNvPr id="180" name="TextBox 179"/>
+          <p:cNvSpPr txBox="1"/>
+          <p:nvPr/>
+        </p:nvSpPr>
+        <p:spPr>
+          <a:xfrm>
+            <a:off x="4523002" y="438305"/>
+            <a:ext cx="679649" cy="276999"/>
+          </a:xfrm>
+          <a:prstGeom prst="rect">
+            <a:avLst/>
+          </a:prstGeom>
+          <a:noFill/>
+        </p:spPr>
+        <p:txBody>
+          <a:bodyPr wrap="square" rtlCol="0">
+            <a:spAutoFit/>
+          </a:bodyPr>
+          <a:lstStyle/>
+          <a:p>
+            <a:r>
+              <a:rPr lang="en-US" sz="1200" dirty="0" smtClean="0">
+                <a:solidFill>
+                  <a:srgbClr val="CC3300"/>
+                </a:solidFill>
+              </a:rPr>
+              <a:t>SCYCLE</a:t>
+            </a:r>
+            <a:endParaRPr lang="en-US" sz="1200" dirty="0">
+              <a:solidFill>
+                <a:srgbClr val="CC3300"/>
+              </a:solidFill>
+            </a:endParaRPr>
+          </a:p>
+        </p:txBody>
+      </p:sp>
+      <p:sp>
+        <p:nvSpPr>
+          <p:cNvPr id="181" name="TextBox 180"/>
+          <p:cNvSpPr txBox="1"/>
+          <p:nvPr/>
+        </p:nvSpPr>
+        <p:spPr>
+          <a:xfrm>
+            <a:off x="8758042" y="3322459"/>
+            <a:ext cx="245039" cy="276999"/>
+          </a:xfrm>
+          <a:prstGeom prst="rect">
+            <a:avLst/>
+          </a:prstGeom>
+          <a:noFill/>
+        </p:spPr>
+        <p:txBody>
+          <a:bodyPr wrap="square" rtlCol="0">
+            <a:spAutoFit/>
+          </a:bodyPr>
+          <a:lstStyle/>
+          <a:p>
+            <a:r>
+              <a:rPr lang="en-US" sz="1200" dirty="0" smtClean="0">
+                <a:solidFill>
+                  <a:srgbClr val="CC3300"/>
+                </a:solidFill>
+              </a:rPr>
+              <a:t>0</a:t>
+            </a:r>
+            <a:endParaRPr lang="en-US" sz="1200" dirty="0">
+              <a:solidFill>
+                <a:srgbClr val="CC3300"/>
+              </a:solidFill>
+            </a:endParaRPr>
+          </a:p>
+        </p:txBody>
+      </p:sp>
+      <p:cxnSp>
+        <p:nvCxnSpPr>
+          <p:cNvPr id="182" name="Straight Connector 181"/>
+          <p:cNvCxnSpPr/>
+          <p:nvPr/>
+        </p:nvCxnSpPr>
+        <p:spPr>
+          <a:xfrm flipV="1">
+            <a:off x="9754159" y="3969696"/>
+            <a:ext cx="365069" cy="963480"/>
+          </a:xfrm>
+          <a:prstGeom prst="line">
+            <a:avLst/>
+          </a:prstGeom>
+          <a:ln w="28575">
+            <a:solidFill>
+              <a:srgbClr val="CC3300"/>
+            </a:solidFill>
+          </a:ln>
+        </p:spPr>
+        <p:style>
+          <a:lnRef idx="3">
+            <a:schemeClr val="accent1"/>
+          </a:lnRef>
+          <a:fillRef idx="0">
+            <a:schemeClr val="accent1"/>
+          </a:fillRef>
+          <a:effectRef idx="2">
+            <a:schemeClr val="accent1"/>
+          </a:effectRef>
+          <a:fontRef idx="minor">
+            <a:schemeClr val="tx1"/>
+          </a:fontRef>
+        </p:style>
+      </p:cxnSp>
+      <p:sp>
+        <p:nvSpPr>
+          <p:cNvPr id="188" name="TextBox 187"/>
+          <p:cNvSpPr txBox="1"/>
+          <p:nvPr/>
+        </p:nvSpPr>
+        <p:spPr>
+          <a:xfrm>
+            <a:off x="8599580" y="3323802"/>
+            <a:ext cx="245039" cy="276999"/>
+          </a:xfrm>
+          <a:prstGeom prst="rect">
+            <a:avLst/>
+          </a:prstGeom>
+          <a:noFill/>
+        </p:spPr>
+        <p:txBody>
+          <a:bodyPr wrap="square" rtlCol="0">
+            <a:spAutoFit/>
+          </a:bodyPr>
+          <a:lstStyle/>
+          <a:p>
+            <a:r>
+              <a:rPr lang="en-US" sz="1200" dirty="0" smtClean="0">
+                <a:solidFill>
+                  <a:srgbClr val="CC3300"/>
+                </a:solidFill>
+              </a:rPr>
+              <a:t>0</a:t>
+            </a:r>
+            <a:endParaRPr lang="en-US" sz="1200" dirty="0">
+              <a:solidFill>
+                <a:srgbClr val="CC3300"/>
+              </a:solidFill>
+            </a:endParaRPr>
+          </a:p>
+        </p:txBody>
+      </p:sp>
+      <p:sp>
+        <p:nvSpPr>
+          <p:cNvPr id="189" name="TextBox 188"/>
+          <p:cNvSpPr txBox="1"/>
+          <p:nvPr/>
+        </p:nvSpPr>
+        <p:spPr>
+          <a:xfrm>
+            <a:off x="6796862" y="3882376"/>
+            <a:ext cx="245039" cy="276999"/>
+          </a:xfrm>
+          <a:prstGeom prst="rect">
+            <a:avLst/>
+          </a:prstGeom>
+          <a:noFill/>
+        </p:spPr>
+        <p:txBody>
+          <a:bodyPr wrap="square" rtlCol="0">
+            <a:spAutoFit/>
+          </a:bodyPr>
+          <a:lstStyle/>
+          <a:p>
+            <a:r>
+              <a:rPr lang="en-US" sz="1200" dirty="0" smtClean="0">
+                <a:solidFill>
+                  <a:srgbClr val="CC3300"/>
+                </a:solidFill>
+              </a:rPr>
+              <a:t>0</a:t>
+            </a:r>
+            <a:endParaRPr lang="en-US" sz="1200" dirty="0">
+              <a:solidFill>
+                <a:srgbClr val="CC3300"/>
+              </a:solidFill>
+            </a:endParaRPr>
+          </a:p>
+        </p:txBody>
+      </p:sp>
+      <p:sp>
+        <p:nvSpPr>
+          <p:cNvPr id="190" name="TextBox 189"/>
+          <p:cNvSpPr txBox="1"/>
+          <p:nvPr/>
+        </p:nvSpPr>
+        <p:spPr>
+          <a:xfrm>
+            <a:off x="5711780" y="3168719"/>
+            <a:ext cx="245039" cy="276999"/>
+          </a:xfrm>
+          <a:prstGeom prst="rect">
+            <a:avLst/>
+          </a:prstGeom>
+          <a:noFill/>
+        </p:spPr>
+        <p:txBody>
+          <a:bodyPr wrap="square" rtlCol="0">
+            <a:spAutoFit/>
+          </a:bodyPr>
+          <a:lstStyle/>
+          <a:p>
+            <a:r>
+              <a:rPr lang="en-US" sz="1200" dirty="0" smtClean="0">
+                <a:solidFill>
+                  <a:srgbClr val="CC3300"/>
+                </a:solidFill>
+              </a:rPr>
+              <a:t>1</a:t>
+            </a:r>
+            <a:endParaRPr lang="en-US" sz="1200" dirty="0">
+              <a:solidFill>
+                <a:srgbClr val="CC3300"/>
+              </a:solidFill>
+            </a:endParaRPr>
+          </a:p>
+        </p:txBody>
+      </p:sp>
+      <p:cxnSp>
+        <p:nvCxnSpPr>
+          <p:cNvPr id="191" name="Straight Connector 190"/>
+          <p:cNvCxnSpPr/>
+          <p:nvPr/>
+        </p:nvCxnSpPr>
+        <p:spPr>
+          <a:xfrm flipH="1" flipV="1">
+            <a:off x="6741583" y="4332817"/>
+            <a:ext cx="243207" cy="193824"/>
+          </a:xfrm>
+          <a:prstGeom prst="line">
+            <a:avLst/>
+          </a:prstGeom>
+          <a:ln w="28575">
+            <a:solidFill>
+              <a:srgbClr val="CC3300"/>
+            </a:solidFill>
+          </a:ln>
+        </p:spPr>
+        <p:style>
+          <a:lnRef idx="3">
+            <a:schemeClr val="accent1"/>
+          </a:lnRef>
+          <a:fillRef idx="0">
+            <a:schemeClr val="accent1"/>
+          </a:fillRef>
+          <a:effectRef idx="2">
+            <a:schemeClr val="accent1"/>
+          </a:effectRef>
+          <a:fontRef idx="minor">
+            <a:schemeClr val="tx1"/>
+          </a:fontRef>
+        </p:style>
+      </p:cxnSp>
+      <p:sp>
+        <p:nvSpPr>
+          <p:cNvPr id="108" name="TextBox 107"/>
+          <p:cNvSpPr txBox="1"/>
+          <p:nvPr/>
+        </p:nvSpPr>
+        <p:spPr>
+          <a:xfrm>
+            <a:off x="7984037" y="5752528"/>
+            <a:ext cx="245039" cy="276999"/>
+          </a:xfrm>
+          <a:prstGeom prst="rect">
+            <a:avLst/>
+          </a:prstGeom>
+          <a:noFill/>
+        </p:spPr>
+        <p:txBody>
+          <a:bodyPr wrap="square" rtlCol="0">
+            <a:spAutoFit/>
+          </a:bodyPr>
+          <a:lstStyle/>
+          <a:p>
+            <a:r>
+              <a:rPr lang="en-US" sz="1200" dirty="0" smtClean="0">
+                <a:solidFill>
+                  <a:srgbClr val="CC3300"/>
+                </a:solidFill>
+              </a:rPr>
+              <a:t>0</a:t>
+            </a:r>
+            <a:endParaRPr lang="en-US" sz="1200" dirty="0">
+              <a:solidFill>
+                <a:srgbClr val="CC3300"/>
+              </a:solidFill>
+            </a:endParaRPr>
+          </a:p>
+        </p:txBody>
+      </p:sp>
+      <p:sp>
+        <p:nvSpPr>
+          <p:cNvPr id="2" name="TextBox 1"/>
+          <p:cNvSpPr txBox="1"/>
+          <p:nvPr/>
+        </p:nvSpPr>
+        <p:spPr>
+          <a:xfrm>
+            <a:off x="407181" y="300933"/>
+            <a:ext cx="905163" cy="769441"/>
+          </a:xfrm>
+          <a:prstGeom prst="rect">
+            <a:avLst/>
+          </a:prstGeom>
+          <a:noFill/>
+        </p:spPr>
+        <p:txBody>
+          <a:bodyPr wrap="square" rtlCol="0">
+            <a:spAutoFit/>
+          </a:bodyPr>
+          <a:lstStyle/>
+          <a:p>
+            <a:pPr algn="ctr"/>
+            <a:r>
+              <a:rPr lang="en-US" sz="4400" dirty="0" smtClean="0"/>
+              <a:t>B</a:t>
+            </a:r>
+            <a:endParaRPr lang="en-US" sz="4400" dirty="0"/>
+          </a:p>
+        </p:txBody>
+      </p:sp>
+      <p:cxnSp>
+        <p:nvCxnSpPr>
+          <p:cNvPr id="109" name="Straight Connector 108"/>
+          <p:cNvCxnSpPr/>
+          <p:nvPr/>
+        </p:nvCxnSpPr>
+        <p:spPr>
+          <a:xfrm flipH="1">
+            <a:off x="8393909" y="396821"/>
+            <a:ext cx="211906" cy="1503"/>
+          </a:xfrm>
+          <a:prstGeom prst="line">
+            <a:avLst/>
+          </a:prstGeom>
+          <a:ln w="28575">
+            <a:solidFill>
+              <a:srgbClr val="CC3300"/>
+            </a:solidFill>
+          </a:ln>
+        </p:spPr>
+        <p:style>
+          <a:lnRef idx="3">
+            <a:schemeClr val="accent1"/>
+          </a:lnRef>
+          <a:fillRef idx="0">
+            <a:schemeClr val="accent1"/>
+          </a:fillRef>
+          <a:effectRef idx="2">
+            <a:schemeClr val="accent1"/>
+          </a:effectRef>
+          <a:fontRef idx="minor">
+            <a:schemeClr val="tx1"/>
+          </a:fontRef>
+        </p:style>
+      </p:cxnSp>
+    </p:spTree>
+    <p:extLst>
+      <p:ext uri="{BB962C8B-B14F-4D97-AF65-F5344CB8AC3E}">
+        <p14:creationId xmlns:p14="http://schemas.microsoft.com/office/powerpoint/2010/main" val="607819655"/>
+      </p:ext>
+    </p:extLst>
+  </p:cSld>
+  <p:clrMapOvr>
+    <a:masterClrMapping/>
+  </p:clrMapOvr>
+</p:sld>
+</file>
+
+<file path=ppt/slides/slide5.xml><?xml version="1.0" encoding="utf-8"?>
+<p:sld xmlns:a="http://schemas.openxmlformats.org/drawingml/2006/main" xmlns:r="http://schemas.openxmlformats.org/officeDocument/2006/relationships" xmlns:p="http://schemas.openxmlformats.org/presentationml/2006/main">
+  <p:cSld>
+    <p:spTree>
+      <p:nvGrpSpPr>
+        <p:cNvPr id="1" name=""/>
+        <p:cNvGrpSpPr/>
+        <p:nvPr/>
+      </p:nvGrpSpPr>
+      <p:grpSpPr>
+        <a:xfrm>
+          <a:off x="0" y="0"/>
+          <a:ext cx="0" cy="0"/>
+          <a:chOff x="0" y="0"/>
+          <a:chExt cx="0" cy="0"/>
+        </a:xfrm>
+      </p:grpSpPr>
+      <p:pic>
+        <p:nvPicPr>
+          <p:cNvPr id="5" name="Picture 4"/>
+          <p:cNvPicPr>
+            <a:picLocks noChangeAspect="1"/>
+          </p:cNvPicPr>
+          <p:nvPr/>
+        </p:nvPicPr>
+        <p:blipFill>
+          <a:blip r:embed="rId2">
+            <a:extLst>
+              <a:ext uri="{28A0092B-C50C-407E-A947-70E740481C1C}">
+                <a14:useLocalDpi xmlns:a14="http://schemas.microsoft.com/office/drawing/2010/main" val="0"/>
+              </a:ext>
+            </a:extLst>
+          </a:blip>
+          <a:stretch>
+            <a:fillRect/>
+          </a:stretch>
+        </p:blipFill>
+        <p:spPr>
+          <a:xfrm>
+            <a:off x="2036231" y="209473"/>
+            <a:ext cx="8040641" cy="6351431"/>
+          </a:xfrm>
+          <a:prstGeom prst="rect">
+            <a:avLst/>
+          </a:prstGeom>
+        </p:spPr>
+      </p:pic>
+      <p:grpSp>
+        <p:nvGrpSpPr>
+          <p:cNvPr id="18" name="Group 17"/>
+          <p:cNvGrpSpPr/>
+          <p:nvPr/>
+        </p:nvGrpSpPr>
+        <p:grpSpPr>
+          <a:xfrm>
+            <a:off x="8340945" y="304800"/>
+            <a:ext cx="759772" cy="1845733"/>
+            <a:chOff x="8340945" y="304800"/>
+            <a:chExt cx="759772" cy="1845733"/>
+          </a:xfrm>
+        </p:grpSpPr>
+        <p:sp>
+          <p:nvSpPr>
+            <p:cNvPr id="10" name="Rectangle 9"/>
+            <p:cNvSpPr/>
+            <p:nvPr/>
+          </p:nvSpPr>
+          <p:spPr>
+            <a:xfrm>
+              <a:off x="8528062" y="304800"/>
+              <a:ext cx="572655" cy="1845733"/>
+            </a:xfrm>
+            <a:prstGeom prst="rect">
+              <a:avLst/>
+            </a:prstGeom>
+            <a:solidFill>
+              <a:schemeClr val="bg1"/>
+            </a:solidFill>
+            <a:ln>
+              <a:noFill/>
+            </a:ln>
+          </p:spPr>
+          <p:style>
+            <a:lnRef idx="2">
+              <a:schemeClr val="accent1">
+                <a:shade val="50000"/>
+              </a:schemeClr>
+            </a:lnRef>
+            <a:fillRef idx="1">
+              <a:schemeClr val="accent1"/>
+            </a:fillRef>
+            <a:effectRef idx="0">
+              <a:schemeClr val="accent1"/>
+            </a:effectRef>
+            <a:fontRef idx="minor">
+              <a:schemeClr val="lt1"/>
+            </a:fontRef>
+          </p:style>
+          <p:txBody>
+            <a:bodyPr rtlCol="0" anchor="ctr"/>
+            <a:lstStyle/>
+            <a:p>
+              <a:pPr algn="ctr"/>
+              <a:endParaRPr lang="en-US"/>
+            </a:p>
+          </p:txBody>
+        </p:sp>
+        <p:sp>
+          <p:nvSpPr>
+            <p:cNvPr id="16" name="Rectangle 15"/>
+            <p:cNvSpPr/>
+            <p:nvPr/>
+          </p:nvSpPr>
+          <p:spPr>
+            <a:xfrm>
+              <a:off x="8340945" y="734177"/>
+              <a:ext cx="430519" cy="933756"/>
+            </a:xfrm>
+            <a:prstGeom prst="rect">
+              <a:avLst/>
+            </a:prstGeom>
+            <a:solidFill>
+              <a:schemeClr val="bg1"/>
+            </a:solidFill>
+            <a:ln>
+              <a:noFill/>
+            </a:ln>
+          </p:spPr>
+          <p:style>
+            <a:lnRef idx="2">
+              <a:schemeClr val="accent1">
+                <a:shade val="50000"/>
+              </a:schemeClr>
+            </a:lnRef>
+            <a:fillRef idx="1">
+              <a:schemeClr val="accent1"/>
+            </a:fillRef>
+            <a:effectRef idx="0">
+              <a:schemeClr val="accent1"/>
+            </a:effectRef>
+            <a:fontRef idx="minor">
+              <a:schemeClr val="lt1"/>
+            </a:fontRef>
+          </p:style>
+          <p:txBody>
+            <a:bodyPr rtlCol="0" anchor="ctr"/>
+            <a:lstStyle/>
+            <a:p>
+              <a:pPr algn="ctr"/>
+              <a:endParaRPr lang="en-US"/>
+            </a:p>
+          </p:txBody>
+        </p:sp>
+      </p:grpSp>
+      <p:sp>
+        <p:nvSpPr>
+          <p:cNvPr id="6" name="TextBox 5"/>
+          <p:cNvSpPr txBox="1"/>
+          <p:nvPr/>
+        </p:nvSpPr>
+        <p:spPr>
+          <a:xfrm>
+            <a:off x="3401900" y="156140"/>
+            <a:ext cx="849745" cy="276999"/>
+          </a:xfrm>
+          <a:prstGeom prst="rect">
+            <a:avLst/>
+          </a:prstGeom>
+          <a:noFill/>
+        </p:spPr>
+        <p:txBody>
+          <a:bodyPr wrap="square" rtlCol="0">
+            <a:spAutoFit/>
+          </a:bodyPr>
+          <a:lstStyle/>
+          <a:p>
+            <a:r>
+              <a:rPr lang="en-US" sz="1200" dirty="0" smtClean="0">
+                <a:solidFill>
+                  <a:srgbClr val="CC3300"/>
+                </a:solidFill>
+              </a:rPr>
+              <a:t>PC_nxt</a:t>
+            </a:r>
+            <a:endParaRPr lang="en-US" sz="1200" dirty="0">
+              <a:solidFill>
+                <a:srgbClr val="CC3300"/>
+              </a:solidFill>
+            </a:endParaRPr>
+          </a:p>
+        </p:txBody>
+      </p:sp>
+      <p:sp>
+        <p:nvSpPr>
+          <p:cNvPr id="7" name="TextBox 6"/>
+          <p:cNvSpPr txBox="1"/>
+          <p:nvPr/>
+        </p:nvSpPr>
+        <p:spPr>
+          <a:xfrm>
+            <a:off x="8608239" y="1280366"/>
+            <a:ext cx="1296313" cy="461665"/>
+          </a:xfrm>
+          <a:prstGeom prst="rect">
+            <a:avLst/>
+          </a:prstGeom>
+          <a:noFill/>
+        </p:spPr>
+        <p:txBody>
+          <a:bodyPr wrap="square" rtlCol="0">
+            <a:spAutoFit/>
+          </a:bodyPr>
+          <a:lstStyle/>
+          <a:p>
+            <a:r>
+              <a:rPr lang="en-US" sz="1200" dirty="0" smtClean="0">
+                <a:solidFill>
+                  <a:srgbClr val="CC3300"/>
+                </a:solidFill>
+              </a:rPr>
+              <a:t>PC+(ImmOut &lt;&lt;1)</a:t>
+            </a:r>
+          </a:p>
+          <a:p>
+            <a:r>
+              <a:rPr lang="en-US" sz="1200" dirty="0" smtClean="0">
+                <a:solidFill>
+                  <a:srgbClr val="CC3300"/>
+                </a:solidFill>
+              </a:rPr>
+              <a:t>[JAL, BEQ, … ]</a:t>
+            </a:r>
+            <a:endParaRPr lang="en-US" sz="1200" dirty="0">
+              <a:solidFill>
+                <a:srgbClr val="CC3300"/>
+              </a:solidFill>
+            </a:endParaRPr>
+          </a:p>
+        </p:txBody>
+      </p:sp>
+      <p:sp>
+        <p:nvSpPr>
+          <p:cNvPr id="9" name="TextBox 8"/>
+          <p:cNvSpPr txBox="1"/>
+          <p:nvPr/>
+        </p:nvSpPr>
+        <p:spPr>
+          <a:xfrm>
+            <a:off x="8622047" y="647155"/>
+            <a:ext cx="1886683" cy="461665"/>
+          </a:xfrm>
+          <a:prstGeom prst="rect">
+            <a:avLst/>
+          </a:prstGeom>
+          <a:noFill/>
+        </p:spPr>
+        <p:txBody>
+          <a:bodyPr wrap="square" rtlCol="0">
+            <a:spAutoFit/>
+          </a:bodyPr>
+          <a:lstStyle/>
+          <a:p>
+            <a:r>
+              <a:rPr lang="en-US" sz="1200" dirty="0" smtClean="0">
+                <a:solidFill>
+                  <a:srgbClr val="CC3300"/>
+                </a:solidFill>
+              </a:rPr>
+              <a:t>PC+4</a:t>
+            </a:r>
+          </a:p>
+          <a:p>
+            <a:r>
+              <a:rPr lang="en-US" sz="1200" dirty="0" smtClean="0">
+                <a:solidFill>
+                  <a:srgbClr val="CC3300"/>
+                </a:solidFill>
+              </a:rPr>
+              <a:t>[Arithmetic, …]</a:t>
+            </a:r>
+            <a:endParaRPr lang="en-US" sz="1200" dirty="0">
+              <a:solidFill>
+                <a:srgbClr val="CC3300"/>
+              </a:solidFill>
+            </a:endParaRPr>
+          </a:p>
+        </p:txBody>
+      </p:sp>
+      <p:cxnSp>
+        <p:nvCxnSpPr>
+          <p:cNvPr id="20" name="Straight Connector 19"/>
+          <p:cNvCxnSpPr/>
+          <p:nvPr/>
+        </p:nvCxnSpPr>
+        <p:spPr>
+          <a:xfrm flipH="1" flipV="1">
+            <a:off x="8613775" y="282913"/>
+            <a:ext cx="2270024" cy="10988"/>
+          </a:xfrm>
+          <a:prstGeom prst="line">
+            <a:avLst/>
+          </a:prstGeom>
+          <a:ln w="28575">
+            <a:solidFill>
+              <a:srgbClr val="7F8084"/>
+            </a:solidFill>
+          </a:ln>
+        </p:spPr>
+        <p:style>
+          <a:lnRef idx="3">
+            <a:schemeClr val="accent1"/>
+          </a:lnRef>
+          <a:fillRef idx="0">
+            <a:schemeClr val="accent1"/>
+          </a:fillRef>
+          <a:effectRef idx="2">
+            <a:schemeClr val="accent1"/>
+          </a:effectRef>
+          <a:fontRef idx="minor">
+            <a:schemeClr val="tx1"/>
+          </a:fontRef>
+        </p:style>
+      </p:cxnSp>
+      <p:sp>
+        <p:nvSpPr>
+          <p:cNvPr id="48" name="Rectangle 47"/>
+          <p:cNvSpPr/>
+          <p:nvPr/>
+        </p:nvSpPr>
+        <p:spPr>
+          <a:xfrm>
+            <a:off x="10249345" y="988822"/>
+            <a:ext cx="600003" cy="1336155"/>
+          </a:xfrm>
+          <a:prstGeom prst="rect">
+            <a:avLst/>
+          </a:prstGeom>
+          <a:solidFill>
+            <a:schemeClr val="bg1"/>
+          </a:solidFill>
+          <a:ln>
+            <a:noFill/>
+          </a:ln>
+        </p:spPr>
+        <p:style>
+          <a:lnRef idx="2">
+            <a:schemeClr val="accent1">
+              <a:shade val="50000"/>
+            </a:schemeClr>
+          </a:lnRef>
+          <a:fillRef idx="1">
+            <a:schemeClr val="accent1"/>
+          </a:fillRef>
+          <a:effectRef idx="0">
+            <a:schemeClr val="accent1"/>
+          </a:effectRef>
+          <a:fontRef idx="minor">
+            <a:schemeClr val="lt1"/>
+          </a:fontRef>
+        </p:style>
+        <p:txBody>
+          <a:bodyPr rtlCol="0" anchor="ctr"/>
+          <a:lstStyle/>
+          <a:p>
+            <a:pPr algn="ctr"/>
+            <a:endParaRPr lang="en-US"/>
+          </a:p>
+        </p:txBody>
+      </p:sp>
+      <p:sp>
+        <p:nvSpPr>
+          <p:cNvPr id="49" name="Rectangle 48"/>
+          <p:cNvSpPr/>
+          <p:nvPr/>
+        </p:nvSpPr>
+        <p:spPr>
+          <a:xfrm>
+            <a:off x="9402099" y="2556934"/>
+            <a:ext cx="600003" cy="2707846"/>
+          </a:xfrm>
+          <a:prstGeom prst="rect">
+            <a:avLst/>
+          </a:prstGeom>
+          <a:solidFill>
+            <a:schemeClr val="bg1"/>
+          </a:solidFill>
+          <a:ln>
+            <a:noFill/>
+          </a:ln>
+        </p:spPr>
+        <p:style>
+          <a:lnRef idx="2">
+            <a:schemeClr val="accent1">
+              <a:shade val="50000"/>
+            </a:schemeClr>
+          </a:lnRef>
+          <a:fillRef idx="1">
+            <a:schemeClr val="accent1"/>
+          </a:fillRef>
+          <a:effectRef idx="0">
+            <a:schemeClr val="accent1"/>
+          </a:effectRef>
+          <a:fontRef idx="minor">
+            <a:schemeClr val="lt1"/>
+          </a:fontRef>
+        </p:style>
+        <p:txBody>
+          <a:bodyPr rtlCol="0" anchor="ctr"/>
+          <a:lstStyle/>
+          <a:p>
+            <a:pPr algn="ctr"/>
+            <a:endParaRPr lang="en-US"/>
+          </a:p>
+        </p:txBody>
+      </p:sp>
+      <p:grpSp>
+        <p:nvGrpSpPr>
+          <p:cNvPr id="47" name="Group 46"/>
+          <p:cNvGrpSpPr/>
+          <p:nvPr/>
+        </p:nvGrpSpPr>
+        <p:grpSpPr>
+          <a:xfrm>
+            <a:off x="9315603" y="3588525"/>
+            <a:ext cx="916808" cy="1438537"/>
+            <a:chOff x="10993273" y="1946651"/>
+            <a:chExt cx="686607" cy="1438537"/>
+          </a:xfrm>
+        </p:grpSpPr>
+        <p:pic>
+          <p:nvPicPr>
+            <p:cNvPr id="15" name="Picture 14"/>
+            <p:cNvPicPr>
+              <a:picLocks noChangeAspect="1"/>
+            </p:cNvPicPr>
+            <p:nvPr/>
+          </p:nvPicPr>
+          <p:blipFill>
+            <a:blip r:embed="rId3">
+              <a:extLst>
+                <a:ext uri="{28A0092B-C50C-407E-A947-70E740481C1C}">
+                  <a14:useLocalDpi xmlns:a14="http://schemas.microsoft.com/office/drawing/2010/main" val="0"/>
+                </a:ext>
+              </a:extLst>
+            </a:blip>
+            <a:stretch>
+              <a:fillRect/>
+            </a:stretch>
+          </p:blipFill>
+          <p:spPr>
+            <a:xfrm>
+              <a:off x="10993273" y="1946651"/>
+              <a:ext cx="686607" cy="1438537"/>
+            </a:xfrm>
+            <a:prstGeom prst="rect">
+              <a:avLst/>
+            </a:prstGeom>
+          </p:spPr>
+        </p:pic>
+        <p:sp>
+          <p:nvSpPr>
+            <p:cNvPr id="39" name="Rectangle 38"/>
+            <p:cNvSpPr/>
+            <p:nvPr/>
+          </p:nvSpPr>
+          <p:spPr>
+            <a:xfrm>
+              <a:off x="11179641" y="2300778"/>
+              <a:ext cx="326559" cy="685803"/>
+            </a:xfrm>
+            <a:prstGeom prst="rect">
+              <a:avLst/>
+            </a:prstGeom>
+            <a:solidFill>
+              <a:schemeClr val="bg1"/>
+            </a:solidFill>
+            <a:ln>
+              <a:noFill/>
+            </a:ln>
+          </p:spPr>
+          <p:style>
+            <a:lnRef idx="2">
+              <a:schemeClr val="accent1">
+                <a:shade val="50000"/>
+              </a:schemeClr>
+            </a:lnRef>
+            <a:fillRef idx="1">
+              <a:schemeClr val="accent1"/>
+            </a:fillRef>
+            <a:effectRef idx="0">
+              <a:schemeClr val="accent1"/>
+            </a:effectRef>
+            <a:fontRef idx="minor">
+              <a:schemeClr val="lt1"/>
+            </a:fontRef>
+          </p:style>
+          <p:txBody>
+            <a:bodyPr rtlCol="0" anchor="ctr"/>
+            <a:lstStyle/>
+            <a:p>
+              <a:pPr algn="ctr"/>
+              <a:endParaRPr lang="en-US"/>
+            </a:p>
+          </p:txBody>
+        </p:sp>
+      </p:grpSp>
+      <p:cxnSp>
+        <p:nvCxnSpPr>
+          <p:cNvPr id="42" name="Straight Connector 41"/>
+          <p:cNvCxnSpPr/>
+          <p:nvPr/>
+        </p:nvCxnSpPr>
+        <p:spPr>
+          <a:xfrm flipV="1">
+            <a:off x="9726642" y="2555393"/>
+            <a:ext cx="0" cy="1067000"/>
+          </a:xfrm>
+          <a:prstGeom prst="line">
+            <a:avLst/>
+          </a:prstGeom>
+          <a:ln w="28575">
+            <a:solidFill>
+              <a:srgbClr val="CC3300"/>
+            </a:solidFill>
+            <a:headEnd type="stealth" w="lg" len="lg"/>
+          </a:ln>
+        </p:spPr>
+        <p:style>
+          <a:lnRef idx="3">
+            <a:schemeClr val="accent1"/>
+          </a:lnRef>
+          <a:fillRef idx="0">
+            <a:schemeClr val="accent1"/>
+          </a:fillRef>
+          <a:effectRef idx="2">
+            <a:schemeClr val="accent1"/>
+          </a:effectRef>
+          <a:fontRef idx="minor">
+            <a:schemeClr val="tx1"/>
+          </a:fontRef>
+        </p:style>
+      </p:cxnSp>
+      <p:cxnSp>
+        <p:nvCxnSpPr>
+          <p:cNvPr id="53" name="Straight Connector 52"/>
+          <p:cNvCxnSpPr/>
+          <p:nvPr/>
+        </p:nvCxnSpPr>
+        <p:spPr>
+          <a:xfrm flipH="1">
+            <a:off x="9392719" y="2567305"/>
+            <a:ext cx="334783" cy="1"/>
+          </a:xfrm>
+          <a:prstGeom prst="line">
+            <a:avLst/>
+          </a:prstGeom>
+          <a:ln w="19050">
+            <a:solidFill>
+              <a:srgbClr val="42C4F1"/>
+            </a:solidFill>
+          </a:ln>
+        </p:spPr>
+        <p:style>
+          <a:lnRef idx="3">
+            <a:schemeClr val="accent1"/>
+          </a:lnRef>
+          <a:fillRef idx="0">
+            <a:schemeClr val="accent1"/>
+          </a:fillRef>
+          <a:effectRef idx="2">
+            <a:schemeClr val="accent1"/>
+          </a:effectRef>
+          <a:fontRef idx="minor">
+            <a:schemeClr val="tx1"/>
+          </a:fontRef>
+        </p:style>
+      </p:cxnSp>
+      <p:cxnSp>
+        <p:nvCxnSpPr>
+          <p:cNvPr id="63" name="Straight Connector 62"/>
+          <p:cNvCxnSpPr/>
+          <p:nvPr/>
+        </p:nvCxnSpPr>
+        <p:spPr>
+          <a:xfrm flipV="1">
+            <a:off x="10156633" y="3931182"/>
+            <a:ext cx="350575" cy="1252"/>
+          </a:xfrm>
+          <a:prstGeom prst="line">
+            <a:avLst/>
+          </a:prstGeom>
+          <a:ln w="28575">
+            <a:solidFill>
+              <a:srgbClr val="CC3300"/>
+            </a:solidFill>
+            <a:headEnd type="stealth" w="lg" len="lg"/>
+          </a:ln>
+        </p:spPr>
+        <p:style>
+          <a:lnRef idx="3">
+            <a:schemeClr val="accent1"/>
+          </a:lnRef>
+          <a:fillRef idx="0">
+            <a:schemeClr val="accent1"/>
+          </a:fillRef>
+          <a:effectRef idx="2">
+            <a:schemeClr val="accent1"/>
+          </a:effectRef>
+          <a:fontRef idx="minor">
+            <a:schemeClr val="tx1"/>
+          </a:fontRef>
+        </p:style>
+      </p:cxnSp>
+      <p:sp>
+        <p:nvSpPr>
+          <p:cNvPr id="40" name="TextBox 39"/>
+          <p:cNvSpPr txBox="1"/>
+          <p:nvPr/>
+        </p:nvSpPr>
+        <p:spPr>
+          <a:xfrm>
+            <a:off x="9414945" y="4031644"/>
+            <a:ext cx="457200" cy="307777"/>
+          </a:xfrm>
+          <a:prstGeom prst="rect">
+            <a:avLst/>
+          </a:prstGeom>
+          <a:noFill/>
+        </p:spPr>
+        <p:txBody>
+          <a:bodyPr wrap="square" rtlCol="0">
+            <a:spAutoFit/>
+          </a:bodyPr>
+          <a:lstStyle/>
+          <a:p>
+            <a:r>
+              <a:rPr lang="en-US" sz="1400" dirty="0" smtClean="0">
+                <a:solidFill>
+                  <a:srgbClr val="CC3300"/>
+                </a:solidFill>
+              </a:rPr>
+              <a:t>01</a:t>
+            </a:r>
+            <a:endParaRPr lang="en-US" sz="1400" dirty="0">
+              <a:solidFill>
+                <a:srgbClr val="CC3300"/>
+              </a:solidFill>
+            </a:endParaRPr>
+          </a:p>
+        </p:txBody>
+      </p:sp>
+      <p:pic>
+        <p:nvPicPr>
+          <p:cNvPr id="38" name="Picture 37"/>
+          <p:cNvPicPr>
+            <a:picLocks noChangeAspect="1"/>
+          </p:cNvPicPr>
+          <p:nvPr/>
+        </p:nvPicPr>
+        <p:blipFill>
+          <a:blip r:embed="rId4"/>
+          <a:stretch>
+            <a:fillRect/>
+          </a:stretch>
+        </p:blipFill>
+        <p:spPr>
+          <a:xfrm>
+            <a:off x="9711822" y="4001921"/>
+            <a:ext cx="165108" cy="495325"/>
+          </a:xfrm>
+          <a:prstGeom prst="rect">
+            <a:avLst/>
+          </a:prstGeom>
+        </p:spPr>
+      </p:pic>
+      <p:cxnSp>
+        <p:nvCxnSpPr>
+          <p:cNvPr id="70" name="Straight Connector 69"/>
+          <p:cNvCxnSpPr/>
+          <p:nvPr/>
+        </p:nvCxnSpPr>
+        <p:spPr>
+          <a:xfrm>
+            <a:off x="10156629" y="4262639"/>
+            <a:ext cx="524644" cy="915"/>
+          </a:xfrm>
+          <a:prstGeom prst="line">
+            <a:avLst/>
+          </a:prstGeom>
+          <a:ln w="28575">
+            <a:solidFill>
+              <a:srgbClr val="CC3300"/>
+            </a:solidFill>
+            <a:headEnd type="stealth" w="lg" len="lg"/>
+          </a:ln>
+        </p:spPr>
+        <p:style>
+          <a:lnRef idx="3">
+            <a:schemeClr val="accent1"/>
+          </a:lnRef>
+          <a:fillRef idx="0">
+            <a:schemeClr val="accent1"/>
+          </a:fillRef>
+          <a:effectRef idx="2">
+            <a:schemeClr val="accent1"/>
+          </a:effectRef>
+          <a:fontRef idx="minor">
+            <a:schemeClr val="tx1"/>
+          </a:fontRef>
+        </p:style>
+      </p:cxnSp>
+      <p:cxnSp>
+        <p:nvCxnSpPr>
+          <p:cNvPr id="71" name="Straight Connector 70"/>
+          <p:cNvCxnSpPr/>
+          <p:nvPr/>
+        </p:nvCxnSpPr>
+        <p:spPr>
+          <a:xfrm flipH="1">
+            <a:off x="8338288" y="882131"/>
+            <a:ext cx="2139017" cy="1904"/>
+          </a:xfrm>
+          <a:prstGeom prst="line">
+            <a:avLst/>
+          </a:prstGeom>
+          <a:ln w="28575">
+            <a:solidFill>
+              <a:srgbClr val="7F8084"/>
+            </a:solidFill>
+          </a:ln>
+        </p:spPr>
+        <p:style>
+          <a:lnRef idx="3">
+            <a:schemeClr val="accent1"/>
+          </a:lnRef>
+          <a:fillRef idx="0">
+            <a:schemeClr val="accent1"/>
+          </a:fillRef>
+          <a:effectRef idx="2">
+            <a:schemeClr val="accent1"/>
+          </a:effectRef>
+          <a:fontRef idx="minor">
+            <a:schemeClr val="tx1"/>
+          </a:fontRef>
+        </p:style>
+      </p:cxnSp>
+      <p:cxnSp>
+        <p:nvCxnSpPr>
+          <p:cNvPr id="74" name="Straight Connector 73"/>
+          <p:cNvCxnSpPr/>
+          <p:nvPr/>
+        </p:nvCxnSpPr>
+        <p:spPr>
+          <a:xfrm flipH="1" flipV="1">
+            <a:off x="10489342" y="871018"/>
+            <a:ext cx="7032" cy="3060518"/>
+          </a:xfrm>
+          <a:prstGeom prst="line">
+            <a:avLst/>
+          </a:prstGeom>
+          <a:ln w="28575">
+            <a:solidFill>
+              <a:srgbClr val="CC3300"/>
+            </a:solidFill>
+          </a:ln>
+        </p:spPr>
+        <p:style>
+          <a:lnRef idx="3">
+            <a:schemeClr val="accent1"/>
+          </a:lnRef>
+          <a:fillRef idx="0">
+            <a:schemeClr val="accent1"/>
+          </a:fillRef>
+          <a:effectRef idx="2">
+            <a:schemeClr val="accent1"/>
+          </a:effectRef>
+          <a:fontRef idx="minor">
+            <a:schemeClr val="tx1"/>
+          </a:fontRef>
+        </p:style>
+      </p:cxnSp>
+      <p:cxnSp>
+        <p:nvCxnSpPr>
+          <p:cNvPr id="85" name="Straight Connector 84"/>
+          <p:cNvCxnSpPr/>
+          <p:nvPr/>
+        </p:nvCxnSpPr>
+        <p:spPr>
+          <a:xfrm flipH="1" flipV="1">
+            <a:off x="8330856" y="1504871"/>
+            <a:ext cx="2350417" cy="9334"/>
+          </a:xfrm>
+          <a:prstGeom prst="line">
+            <a:avLst/>
+          </a:prstGeom>
+          <a:ln w="28575">
+            <a:solidFill>
+              <a:srgbClr val="7F8084"/>
+            </a:solidFill>
+          </a:ln>
+        </p:spPr>
+        <p:style>
+          <a:lnRef idx="3">
+            <a:schemeClr val="accent1"/>
+          </a:lnRef>
+          <a:fillRef idx="0">
+            <a:schemeClr val="accent1"/>
+          </a:fillRef>
+          <a:effectRef idx="2">
+            <a:schemeClr val="accent1"/>
+          </a:effectRef>
+          <a:fontRef idx="minor">
+            <a:schemeClr val="tx1"/>
+          </a:fontRef>
+        </p:style>
+      </p:cxnSp>
+      <p:cxnSp>
+        <p:nvCxnSpPr>
+          <p:cNvPr id="88" name="Straight Connector 87"/>
+          <p:cNvCxnSpPr/>
+          <p:nvPr/>
+        </p:nvCxnSpPr>
+        <p:spPr>
+          <a:xfrm flipV="1">
+            <a:off x="10678703" y="1503284"/>
+            <a:ext cx="2571" cy="2768733"/>
+          </a:xfrm>
+          <a:prstGeom prst="line">
+            <a:avLst/>
+          </a:prstGeom>
+          <a:ln w="28575">
+            <a:solidFill>
+              <a:srgbClr val="CC3300"/>
+            </a:solidFill>
+          </a:ln>
+        </p:spPr>
+        <p:style>
+          <a:lnRef idx="3">
+            <a:schemeClr val="accent1"/>
+          </a:lnRef>
+          <a:fillRef idx="0">
+            <a:schemeClr val="accent1"/>
+          </a:fillRef>
+          <a:effectRef idx="2">
+            <a:schemeClr val="accent1"/>
+          </a:effectRef>
+          <a:fontRef idx="minor">
+            <a:schemeClr val="tx1"/>
+          </a:fontRef>
+        </p:style>
+      </p:cxnSp>
+      <p:cxnSp>
+        <p:nvCxnSpPr>
+          <p:cNvPr id="97" name="Straight Connector 96"/>
+          <p:cNvCxnSpPr/>
+          <p:nvPr/>
+        </p:nvCxnSpPr>
+        <p:spPr>
+          <a:xfrm flipV="1">
+            <a:off x="9747810" y="4955511"/>
+            <a:ext cx="1347" cy="368538"/>
+          </a:xfrm>
+          <a:prstGeom prst="line">
+            <a:avLst/>
+          </a:prstGeom>
+          <a:ln w="28575">
+            <a:solidFill>
+              <a:srgbClr val="7D7F82"/>
+            </a:solidFill>
+          </a:ln>
+        </p:spPr>
+        <p:style>
+          <a:lnRef idx="3">
+            <a:schemeClr val="accent1"/>
+          </a:lnRef>
+          <a:fillRef idx="0">
+            <a:schemeClr val="accent1"/>
+          </a:fillRef>
+          <a:effectRef idx="2">
+            <a:schemeClr val="accent1"/>
+          </a:effectRef>
+          <a:fontRef idx="minor">
+            <a:schemeClr val="tx1"/>
+          </a:fontRef>
+        </p:style>
+      </p:cxnSp>
+      <p:cxnSp>
+        <p:nvCxnSpPr>
+          <p:cNvPr id="100" name="Straight Connector 99"/>
+          <p:cNvCxnSpPr/>
+          <p:nvPr/>
+        </p:nvCxnSpPr>
+        <p:spPr>
+          <a:xfrm flipV="1">
+            <a:off x="10866192" y="280975"/>
+            <a:ext cx="2198" cy="6128292"/>
+          </a:xfrm>
+          <a:prstGeom prst="line">
+            <a:avLst/>
+          </a:prstGeom>
+          <a:ln w="28575">
+            <a:solidFill>
+              <a:srgbClr val="7F8084"/>
+            </a:solidFill>
+          </a:ln>
+        </p:spPr>
+        <p:style>
+          <a:lnRef idx="3">
+            <a:schemeClr val="accent1"/>
+          </a:lnRef>
+          <a:fillRef idx="0">
+            <a:schemeClr val="accent1"/>
+          </a:fillRef>
+          <a:effectRef idx="2">
+            <a:schemeClr val="accent1"/>
+          </a:effectRef>
+          <a:fontRef idx="minor">
+            <a:schemeClr val="tx1"/>
+          </a:fontRef>
+        </p:style>
+      </p:cxnSp>
+      <p:cxnSp>
+        <p:nvCxnSpPr>
+          <p:cNvPr id="103" name="Straight Connector 102"/>
+          <p:cNvCxnSpPr/>
+          <p:nvPr/>
+        </p:nvCxnSpPr>
+        <p:spPr>
+          <a:xfrm flipH="1">
+            <a:off x="9743576" y="6396319"/>
+            <a:ext cx="1105773" cy="2919"/>
+          </a:xfrm>
+          <a:prstGeom prst="line">
+            <a:avLst/>
+          </a:prstGeom>
+          <a:ln w="28575">
+            <a:solidFill>
+              <a:srgbClr val="7F8084"/>
+            </a:solidFill>
+          </a:ln>
+        </p:spPr>
+        <p:style>
+          <a:lnRef idx="3">
+            <a:schemeClr val="accent1"/>
+          </a:lnRef>
+          <a:fillRef idx="0">
+            <a:schemeClr val="accent1"/>
+          </a:fillRef>
+          <a:effectRef idx="2">
+            <a:schemeClr val="accent1"/>
+          </a:effectRef>
+          <a:fontRef idx="minor">
+            <a:schemeClr val="tx1"/>
+          </a:fontRef>
+        </p:style>
+      </p:cxnSp>
+      <p:sp>
+        <p:nvSpPr>
+          <p:cNvPr id="105" name="TextBox 104"/>
+          <p:cNvSpPr txBox="1"/>
+          <p:nvPr/>
+        </p:nvSpPr>
+        <p:spPr>
+          <a:xfrm>
+            <a:off x="9659798" y="4364408"/>
+            <a:ext cx="284228" cy="307777"/>
+          </a:xfrm>
+          <a:prstGeom prst="rect">
+            <a:avLst/>
+          </a:prstGeom>
+          <a:noFill/>
+        </p:spPr>
+        <p:txBody>
+          <a:bodyPr wrap="square" rtlCol="0">
+            <a:spAutoFit/>
+          </a:bodyPr>
+          <a:lstStyle/>
+          <a:p>
+            <a:r>
+              <a:rPr lang="en-US" sz="1400" b="1" dirty="0" smtClean="0">
+                <a:solidFill>
+                  <a:srgbClr val="364251"/>
+                </a:solidFill>
+              </a:rPr>
+              <a:t>4</a:t>
+            </a:r>
+            <a:endParaRPr lang="en-US" sz="1400" b="1" dirty="0">
+              <a:solidFill>
+                <a:srgbClr val="364251"/>
+              </a:solidFill>
+            </a:endParaRPr>
+          </a:p>
+        </p:txBody>
+      </p:sp>
+      <p:sp>
+        <p:nvSpPr>
+          <p:cNvPr id="107" name="Rectangle 106"/>
+          <p:cNvSpPr/>
+          <p:nvPr/>
+        </p:nvSpPr>
+        <p:spPr>
+          <a:xfrm>
+            <a:off x="6796862" y="4352925"/>
+            <a:ext cx="143688" cy="373752"/>
+          </a:xfrm>
+          <a:prstGeom prst="rect">
+            <a:avLst/>
+          </a:prstGeom>
+          <a:solidFill>
+            <a:schemeClr val="bg1"/>
+          </a:solidFill>
+          <a:ln>
+            <a:noFill/>
+          </a:ln>
+        </p:spPr>
+        <p:style>
+          <a:lnRef idx="2">
+            <a:schemeClr val="accent1">
+              <a:shade val="50000"/>
+            </a:schemeClr>
+          </a:lnRef>
+          <a:fillRef idx="1">
+            <a:schemeClr val="accent1"/>
+          </a:fillRef>
+          <a:effectRef idx="0">
+            <a:schemeClr val="accent1"/>
+          </a:effectRef>
+          <a:fontRef idx="minor">
+            <a:schemeClr val="lt1"/>
+          </a:fontRef>
+        </p:style>
+        <p:txBody>
+          <a:bodyPr rtlCol="0" anchor="ctr"/>
+          <a:lstStyle/>
+          <a:p>
+            <a:pPr algn="ctr"/>
+            <a:endParaRPr lang="en-US"/>
+          </a:p>
+        </p:txBody>
+      </p:sp>
+      <p:pic>
+        <p:nvPicPr>
+          <p:cNvPr id="110" name="Picture 109"/>
+          <p:cNvPicPr>
+            <a:picLocks noChangeAspect="1"/>
+          </p:cNvPicPr>
+          <p:nvPr/>
+        </p:nvPicPr>
+        <p:blipFill>
+          <a:blip r:embed="rId5"/>
+          <a:stretch>
+            <a:fillRect/>
+          </a:stretch>
+        </p:blipFill>
+        <p:spPr>
+          <a:xfrm>
+            <a:off x="6758971" y="4373933"/>
+            <a:ext cx="225819" cy="432419"/>
+          </a:xfrm>
+          <a:prstGeom prst="rect">
+            <a:avLst/>
+          </a:prstGeom>
+        </p:spPr>
+      </p:pic>
+      <p:cxnSp>
+        <p:nvCxnSpPr>
+          <p:cNvPr id="111" name="Straight Connector 110"/>
+          <p:cNvCxnSpPr/>
+          <p:nvPr/>
+        </p:nvCxnSpPr>
+        <p:spPr>
+          <a:xfrm>
+            <a:off x="5212953" y="734177"/>
+            <a:ext cx="0" cy="898235"/>
+          </a:xfrm>
+          <a:prstGeom prst="line">
+            <a:avLst/>
+          </a:prstGeom>
+          <a:ln w="28575">
+            <a:solidFill>
+              <a:srgbClr val="CC3300"/>
+            </a:solidFill>
+            <a:headEnd type="stealth" w="lg" len="lg"/>
+          </a:ln>
+        </p:spPr>
+        <p:style>
+          <a:lnRef idx="3">
+            <a:schemeClr val="accent1"/>
+          </a:lnRef>
+          <a:fillRef idx="0">
+            <a:schemeClr val="accent1"/>
+          </a:fillRef>
+          <a:effectRef idx="2">
+            <a:schemeClr val="accent1"/>
+          </a:effectRef>
+          <a:fontRef idx="minor">
+            <a:schemeClr val="tx1"/>
+          </a:fontRef>
+        </p:style>
+      </p:cxnSp>
+      <p:cxnSp>
+        <p:nvCxnSpPr>
+          <p:cNvPr id="118" name="Straight Connector 117"/>
+          <p:cNvCxnSpPr/>
+          <p:nvPr/>
+        </p:nvCxnSpPr>
+        <p:spPr>
+          <a:xfrm flipV="1">
+            <a:off x="5892236" y="570454"/>
+            <a:ext cx="0" cy="630601"/>
+          </a:xfrm>
+          <a:prstGeom prst="line">
+            <a:avLst/>
+          </a:prstGeom>
+          <a:ln w="28575">
+            <a:solidFill>
+              <a:srgbClr val="7D7F82"/>
+            </a:solidFill>
+          </a:ln>
+        </p:spPr>
+        <p:style>
+          <a:lnRef idx="3">
+            <a:schemeClr val="accent1"/>
+          </a:lnRef>
+          <a:fillRef idx="0">
+            <a:schemeClr val="accent1"/>
+          </a:fillRef>
+          <a:effectRef idx="2">
+            <a:schemeClr val="accent1"/>
+          </a:effectRef>
+          <a:fontRef idx="minor">
+            <a:schemeClr val="tx1"/>
+          </a:fontRef>
+        </p:style>
+      </p:cxnSp>
+      <p:cxnSp>
+        <p:nvCxnSpPr>
+          <p:cNvPr id="121" name="Straight Connector 120"/>
+          <p:cNvCxnSpPr/>
+          <p:nvPr/>
+        </p:nvCxnSpPr>
+        <p:spPr>
+          <a:xfrm flipH="1">
+            <a:off x="5341788" y="570454"/>
+            <a:ext cx="565763" cy="6351"/>
+          </a:xfrm>
+          <a:prstGeom prst="line">
+            <a:avLst/>
+          </a:prstGeom>
+          <a:ln w="28575">
+            <a:solidFill>
+              <a:srgbClr val="7F8084"/>
+            </a:solidFill>
+          </a:ln>
+        </p:spPr>
+        <p:style>
+          <a:lnRef idx="3">
+            <a:schemeClr val="accent1"/>
+          </a:lnRef>
+          <a:fillRef idx="0">
+            <a:schemeClr val="accent1"/>
+          </a:fillRef>
+          <a:effectRef idx="2">
+            <a:schemeClr val="accent1"/>
+          </a:effectRef>
+          <a:fontRef idx="minor">
+            <a:schemeClr val="tx1"/>
+          </a:fontRef>
+        </p:style>
+      </p:cxnSp>
+      <p:sp>
+        <p:nvSpPr>
+          <p:cNvPr id="124" name="Oval 123"/>
+          <p:cNvSpPr/>
+          <p:nvPr/>
+        </p:nvSpPr>
+        <p:spPr>
+          <a:xfrm>
+            <a:off x="5865242" y="1170575"/>
+            <a:ext cx="66815" cy="69792"/>
+          </a:xfrm>
+          <a:prstGeom prst="ellipse">
+            <a:avLst/>
+          </a:prstGeom>
+          <a:solidFill>
+            <a:srgbClr val="272A30"/>
+          </a:solidFill>
+          <a:ln>
+            <a:noFill/>
+          </a:ln>
+        </p:spPr>
+        <p:style>
+          <a:lnRef idx="2">
+            <a:schemeClr val="accent1">
+              <a:shade val="50000"/>
+            </a:schemeClr>
+          </a:lnRef>
+          <a:fillRef idx="1">
+            <a:schemeClr val="accent1"/>
+          </a:fillRef>
+          <a:effectRef idx="0">
+            <a:schemeClr val="accent1"/>
+          </a:effectRef>
+          <a:fontRef idx="minor">
+            <a:schemeClr val="lt1"/>
+          </a:fontRef>
+        </p:style>
+        <p:txBody>
+          <a:bodyPr rtlCol="0" anchor="ctr"/>
+          <a:lstStyle/>
+          <a:p>
+            <a:pPr algn="ctr"/>
+            <a:endParaRPr lang="en-US"/>
+          </a:p>
+        </p:txBody>
+      </p:sp>
+      <p:grpSp>
+        <p:nvGrpSpPr>
+          <p:cNvPr id="125" name="Group 124"/>
+          <p:cNvGrpSpPr/>
+          <p:nvPr/>
+        </p:nvGrpSpPr>
+        <p:grpSpPr>
+          <a:xfrm>
+            <a:off x="5060160" y="199848"/>
+            <a:ext cx="305587" cy="567267"/>
+            <a:chOff x="941506" y="548908"/>
+            <a:chExt cx="305587" cy="567267"/>
+          </a:xfrm>
+        </p:grpSpPr>
+        <p:pic>
+          <p:nvPicPr>
+            <p:cNvPr id="116" name="Picture 115"/>
+            <p:cNvPicPr>
+              <a:picLocks noChangeAspect="1"/>
+            </p:cNvPicPr>
+            <p:nvPr/>
+          </p:nvPicPr>
+          <p:blipFill>
+            <a:blip r:embed="rId3">
+              <a:extLst>
+                <a:ext uri="{28A0092B-C50C-407E-A947-70E740481C1C}">
+                  <a14:useLocalDpi xmlns:a14="http://schemas.microsoft.com/office/drawing/2010/main" val="0"/>
+                </a:ext>
+              </a:extLst>
+            </a:blip>
+            <a:stretch>
+              <a:fillRect/>
+            </a:stretch>
+          </p:blipFill>
+          <p:spPr>
+            <a:xfrm>
+              <a:off x="941506" y="548908"/>
+              <a:ext cx="305587" cy="567267"/>
+            </a:xfrm>
+            <a:prstGeom prst="rect">
+              <a:avLst/>
+            </a:prstGeom>
+          </p:spPr>
+        </p:pic>
+        <p:sp>
+          <p:nvSpPr>
+            <p:cNvPr id="117" name="Rectangle 116"/>
+            <p:cNvSpPr/>
+            <p:nvPr/>
+          </p:nvSpPr>
+          <p:spPr>
+            <a:xfrm>
+              <a:off x="993775" y="660400"/>
+              <a:ext cx="203200" cy="328422"/>
+            </a:xfrm>
+            <a:prstGeom prst="rect">
+              <a:avLst/>
+            </a:prstGeom>
+            <a:solidFill>
+              <a:schemeClr val="bg1"/>
+            </a:solidFill>
+            <a:ln>
+              <a:noFill/>
+            </a:ln>
+          </p:spPr>
+          <p:style>
+            <a:lnRef idx="2">
+              <a:schemeClr val="accent1">
+                <a:shade val="50000"/>
+              </a:schemeClr>
+            </a:lnRef>
+            <a:fillRef idx="1">
+              <a:schemeClr val="accent1"/>
+            </a:fillRef>
+            <a:effectRef idx="0">
+              <a:schemeClr val="accent1"/>
+            </a:effectRef>
+            <a:fontRef idx="minor">
+              <a:schemeClr val="lt1"/>
+            </a:fontRef>
+          </p:style>
+          <p:txBody>
+            <a:bodyPr rtlCol="0" anchor="ctr"/>
+            <a:lstStyle/>
+            <a:p>
+              <a:pPr algn="ctr"/>
+              <a:endParaRPr lang="en-US"/>
+            </a:p>
+          </p:txBody>
+        </p:sp>
+      </p:grpSp>
+      <p:cxnSp>
+        <p:nvCxnSpPr>
+          <p:cNvPr id="133" name="Straight Connector 132"/>
+          <p:cNvCxnSpPr/>
+          <p:nvPr/>
+        </p:nvCxnSpPr>
+        <p:spPr>
+          <a:xfrm flipH="1" flipV="1">
+            <a:off x="7513879" y="2654295"/>
+            <a:ext cx="8735" cy="1128074"/>
+          </a:xfrm>
+          <a:prstGeom prst="line">
+            <a:avLst/>
+          </a:prstGeom>
+          <a:ln w="28575">
+            <a:solidFill>
+              <a:srgbClr val="CC3300"/>
+            </a:solidFill>
+          </a:ln>
+        </p:spPr>
+        <p:style>
+          <a:lnRef idx="3">
+            <a:schemeClr val="accent1"/>
+          </a:lnRef>
+          <a:fillRef idx="0">
+            <a:schemeClr val="accent1"/>
+          </a:fillRef>
+          <a:effectRef idx="2">
+            <a:schemeClr val="accent1"/>
+          </a:effectRef>
+          <a:fontRef idx="minor">
+            <a:schemeClr val="tx1"/>
+          </a:fontRef>
+        </p:style>
+      </p:cxnSp>
+      <p:cxnSp>
+        <p:nvCxnSpPr>
+          <p:cNvPr id="138" name="Straight Connector 137"/>
+          <p:cNvCxnSpPr/>
+          <p:nvPr/>
+        </p:nvCxnSpPr>
+        <p:spPr>
+          <a:xfrm flipH="1" flipV="1">
+            <a:off x="6359704" y="1611865"/>
+            <a:ext cx="4863" cy="1052056"/>
+          </a:xfrm>
+          <a:prstGeom prst="line">
+            <a:avLst/>
+          </a:prstGeom>
+          <a:ln w="28575">
+            <a:solidFill>
+              <a:srgbClr val="CC3300"/>
+            </a:solidFill>
+          </a:ln>
+        </p:spPr>
+        <p:style>
+          <a:lnRef idx="3">
+            <a:schemeClr val="accent1"/>
+          </a:lnRef>
+          <a:fillRef idx="0">
+            <a:schemeClr val="accent1"/>
+          </a:fillRef>
+          <a:effectRef idx="2">
+            <a:schemeClr val="accent1"/>
+          </a:effectRef>
+          <a:fontRef idx="minor">
+            <a:schemeClr val="tx1"/>
+          </a:fontRef>
+        </p:style>
+      </p:cxnSp>
+      <p:cxnSp>
+        <p:nvCxnSpPr>
+          <p:cNvPr id="142" name="Straight Connector 141"/>
+          <p:cNvCxnSpPr/>
+          <p:nvPr/>
+        </p:nvCxnSpPr>
+        <p:spPr>
+          <a:xfrm flipH="1">
+            <a:off x="6362224" y="2654295"/>
+            <a:ext cx="1162525" cy="0"/>
+          </a:xfrm>
+          <a:prstGeom prst="line">
+            <a:avLst/>
+          </a:prstGeom>
+          <a:ln w="28575">
+            <a:solidFill>
+              <a:srgbClr val="C00000"/>
+            </a:solidFill>
+          </a:ln>
+        </p:spPr>
+        <p:style>
+          <a:lnRef idx="3">
+            <a:schemeClr val="accent1"/>
+          </a:lnRef>
+          <a:fillRef idx="0">
+            <a:schemeClr val="accent1"/>
+          </a:fillRef>
+          <a:effectRef idx="2">
+            <a:schemeClr val="accent1"/>
+          </a:effectRef>
+          <a:fontRef idx="minor">
+            <a:schemeClr val="tx1"/>
+          </a:fontRef>
+        </p:style>
+      </p:cxnSp>
+      <p:cxnSp>
+        <p:nvCxnSpPr>
+          <p:cNvPr id="146" name="Straight Connector 145"/>
+          <p:cNvCxnSpPr/>
+          <p:nvPr/>
+        </p:nvCxnSpPr>
+        <p:spPr>
+          <a:xfrm flipH="1">
+            <a:off x="5212810" y="1611865"/>
+            <a:ext cx="1159415" cy="0"/>
+          </a:xfrm>
+          <a:prstGeom prst="line">
+            <a:avLst/>
+          </a:prstGeom>
+          <a:ln w="28575">
+            <a:solidFill>
+              <a:srgbClr val="C00000"/>
+            </a:solidFill>
+          </a:ln>
+        </p:spPr>
+        <p:style>
+          <a:lnRef idx="3">
+            <a:schemeClr val="accent1"/>
+          </a:lnRef>
+          <a:fillRef idx="0">
+            <a:schemeClr val="accent1"/>
+          </a:fillRef>
+          <a:effectRef idx="2">
+            <a:schemeClr val="accent1"/>
+          </a:effectRef>
+          <a:fontRef idx="minor">
+            <a:schemeClr val="tx1"/>
+          </a:fontRef>
+        </p:style>
+      </p:cxnSp>
+      <p:sp>
+        <p:nvSpPr>
+          <p:cNvPr id="147" name="TextBox 146"/>
+          <p:cNvSpPr txBox="1"/>
+          <p:nvPr/>
+        </p:nvSpPr>
+        <p:spPr>
+          <a:xfrm>
+            <a:off x="5418173" y="1369450"/>
+            <a:ext cx="767932" cy="276999"/>
+          </a:xfrm>
+          <a:prstGeom prst="rect">
+            <a:avLst/>
+          </a:prstGeom>
+          <a:noFill/>
+        </p:spPr>
+        <p:txBody>
+          <a:bodyPr wrap="square" rtlCol="0">
+            <a:spAutoFit/>
+          </a:bodyPr>
+          <a:lstStyle/>
+          <a:p>
+            <a:r>
+              <a:rPr lang="en-US" sz="1200" dirty="0" smtClean="0">
+                <a:solidFill>
+                  <a:srgbClr val="CC3300"/>
+                </a:solidFill>
+              </a:rPr>
+              <a:t>ALUState</a:t>
+            </a:r>
+            <a:endParaRPr lang="en-US" sz="1200" dirty="0">
+              <a:solidFill>
+                <a:srgbClr val="CC3300"/>
+              </a:solidFill>
+            </a:endParaRPr>
+          </a:p>
+        </p:txBody>
+      </p:sp>
+      <p:sp>
+        <p:nvSpPr>
+          <p:cNvPr id="148" name="TextBox 147"/>
+          <p:cNvSpPr txBox="1"/>
+          <p:nvPr/>
+        </p:nvSpPr>
+        <p:spPr>
+          <a:xfrm>
+            <a:off x="5410072" y="1725935"/>
+            <a:ext cx="838296" cy="276999"/>
+          </a:xfrm>
+          <a:prstGeom prst="rect">
+            <a:avLst/>
+          </a:prstGeom>
+          <a:noFill/>
+        </p:spPr>
+        <p:txBody>
+          <a:bodyPr wrap="square" rtlCol="0">
+            <a:spAutoFit/>
+          </a:bodyPr>
+          <a:lstStyle/>
+          <a:p>
+            <a:r>
+              <a:rPr lang="en-US" sz="1200" dirty="0" smtClean="0">
+                <a:solidFill>
+                  <a:srgbClr val="CC3300"/>
+                </a:solidFill>
+              </a:rPr>
+              <a:t>PCControl</a:t>
+            </a:r>
+            <a:endParaRPr lang="en-US" sz="1200" dirty="0">
+              <a:solidFill>
+                <a:srgbClr val="CC3300"/>
+              </a:solidFill>
+            </a:endParaRPr>
+          </a:p>
+        </p:txBody>
+      </p:sp>
+      <p:grpSp>
+        <p:nvGrpSpPr>
+          <p:cNvPr id="153" name="Group 152"/>
+          <p:cNvGrpSpPr/>
+          <p:nvPr/>
+        </p:nvGrpSpPr>
+        <p:grpSpPr>
+          <a:xfrm>
+            <a:off x="7691967" y="1881522"/>
+            <a:ext cx="974937" cy="456776"/>
+            <a:chOff x="7691967" y="1881522"/>
+            <a:chExt cx="974937" cy="456776"/>
+          </a:xfrm>
+        </p:grpSpPr>
+        <p:sp>
+          <p:nvSpPr>
+            <p:cNvPr id="151" name="Rectangle 150"/>
+            <p:cNvSpPr/>
+            <p:nvPr/>
+          </p:nvSpPr>
+          <p:spPr>
+            <a:xfrm>
+              <a:off x="7914640" y="1881522"/>
+              <a:ext cx="752264" cy="456776"/>
+            </a:xfrm>
+            <a:prstGeom prst="rect">
+              <a:avLst/>
+            </a:prstGeom>
+            <a:solidFill>
+              <a:schemeClr val="bg1"/>
+            </a:solidFill>
+            <a:ln>
+              <a:noFill/>
+            </a:ln>
+          </p:spPr>
+          <p:style>
+            <a:lnRef idx="2">
+              <a:schemeClr val="accent1">
+                <a:shade val="50000"/>
+              </a:schemeClr>
+            </a:lnRef>
+            <a:fillRef idx="1">
+              <a:schemeClr val="accent1"/>
+            </a:fillRef>
+            <a:effectRef idx="0">
+              <a:schemeClr val="accent1"/>
+            </a:effectRef>
+            <a:fontRef idx="minor">
+              <a:schemeClr val="lt1"/>
+            </a:fontRef>
+          </p:style>
+          <p:txBody>
+            <a:bodyPr rtlCol="0" anchor="ctr"/>
+            <a:lstStyle/>
+            <a:p>
+              <a:pPr algn="ctr"/>
+              <a:endParaRPr lang="en-US"/>
+            </a:p>
+          </p:txBody>
+        </p:sp>
+        <p:sp>
+          <p:nvSpPr>
+            <p:cNvPr id="152" name="Rectangle 151"/>
+            <p:cNvSpPr/>
+            <p:nvPr/>
+          </p:nvSpPr>
+          <p:spPr>
+            <a:xfrm>
+              <a:off x="7691967" y="1981082"/>
+              <a:ext cx="752264" cy="222466"/>
+            </a:xfrm>
+            <a:prstGeom prst="rect">
+              <a:avLst/>
+            </a:prstGeom>
+            <a:solidFill>
+              <a:schemeClr val="bg1"/>
+            </a:solidFill>
+            <a:ln>
+              <a:noFill/>
+            </a:ln>
+          </p:spPr>
+          <p:style>
+            <a:lnRef idx="2">
+              <a:schemeClr val="accent1">
+                <a:shade val="50000"/>
+              </a:schemeClr>
+            </a:lnRef>
+            <a:fillRef idx="1">
+              <a:schemeClr val="accent1"/>
+            </a:fillRef>
+            <a:effectRef idx="0">
+              <a:schemeClr val="accent1"/>
+            </a:effectRef>
+            <a:fontRef idx="minor">
+              <a:schemeClr val="lt1"/>
+            </a:fontRef>
+          </p:style>
+          <p:txBody>
+            <a:bodyPr rtlCol="0" anchor="ctr"/>
+            <a:lstStyle/>
+            <a:p>
+              <a:pPr algn="ctr"/>
+              <a:endParaRPr lang="en-US"/>
+            </a:p>
+          </p:txBody>
+        </p:sp>
+      </p:grpSp>
+      <p:cxnSp>
+        <p:nvCxnSpPr>
+          <p:cNvPr id="154" name="Straight Connector 153"/>
+          <p:cNvCxnSpPr/>
+          <p:nvPr/>
+        </p:nvCxnSpPr>
+        <p:spPr>
+          <a:xfrm flipH="1">
+            <a:off x="7801106" y="2219711"/>
+            <a:ext cx="318982" cy="1430"/>
+          </a:xfrm>
+          <a:prstGeom prst="line">
+            <a:avLst/>
+          </a:prstGeom>
+          <a:ln w="22225">
+            <a:solidFill>
+              <a:srgbClr val="6ED3F4"/>
+            </a:solidFill>
+          </a:ln>
+        </p:spPr>
+        <p:style>
+          <a:lnRef idx="3">
+            <a:schemeClr val="accent1"/>
+          </a:lnRef>
+          <a:fillRef idx="0">
+            <a:schemeClr val="accent1"/>
+          </a:fillRef>
+          <a:effectRef idx="2">
+            <a:schemeClr val="accent1"/>
+          </a:effectRef>
+          <a:fontRef idx="minor">
+            <a:schemeClr val="tx1"/>
+          </a:fontRef>
+        </p:style>
+      </p:cxnSp>
+      <p:sp>
+        <p:nvSpPr>
+          <p:cNvPr id="159" name="Rectangle 158"/>
+          <p:cNvSpPr/>
+          <p:nvPr/>
+        </p:nvSpPr>
+        <p:spPr>
+          <a:xfrm>
+            <a:off x="9820151" y="3105034"/>
+            <a:ext cx="360039" cy="68501"/>
+          </a:xfrm>
+          <a:prstGeom prst="rect">
+            <a:avLst/>
+          </a:prstGeom>
+          <a:solidFill>
+            <a:schemeClr val="bg1"/>
+          </a:solidFill>
+          <a:ln>
+            <a:noFill/>
+          </a:ln>
+        </p:spPr>
+        <p:style>
+          <a:lnRef idx="2">
+            <a:schemeClr val="accent1">
+              <a:shade val="50000"/>
+            </a:schemeClr>
+          </a:lnRef>
+          <a:fillRef idx="1">
+            <a:schemeClr val="accent1"/>
+          </a:fillRef>
+          <a:effectRef idx="0">
+            <a:schemeClr val="accent1"/>
+          </a:effectRef>
+          <a:fontRef idx="minor">
+            <a:schemeClr val="lt1"/>
+          </a:fontRef>
+        </p:style>
+        <p:txBody>
+          <a:bodyPr rtlCol="0" anchor="ctr"/>
+          <a:lstStyle/>
+          <a:p>
+            <a:pPr algn="ctr"/>
+            <a:endParaRPr lang="en-US"/>
+          </a:p>
+        </p:txBody>
+      </p:sp>
+      <p:grpSp>
+        <p:nvGrpSpPr>
+          <p:cNvPr id="161" name="Group 160"/>
+          <p:cNvGrpSpPr/>
+          <p:nvPr/>
+        </p:nvGrpSpPr>
+        <p:grpSpPr>
+          <a:xfrm>
+            <a:off x="8346940" y="116138"/>
+            <a:ext cx="305587" cy="588323"/>
+            <a:chOff x="941506" y="548908"/>
+            <a:chExt cx="305587" cy="567267"/>
+          </a:xfrm>
+        </p:grpSpPr>
+        <p:pic>
+          <p:nvPicPr>
+            <p:cNvPr id="162" name="Picture 161"/>
+            <p:cNvPicPr>
+              <a:picLocks noChangeAspect="1"/>
+            </p:cNvPicPr>
+            <p:nvPr/>
+          </p:nvPicPr>
+          <p:blipFill>
+            <a:blip r:embed="rId3">
+              <a:extLst>
+                <a:ext uri="{28A0092B-C50C-407E-A947-70E740481C1C}">
+                  <a14:useLocalDpi xmlns:a14="http://schemas.microsoft.com/office/drawing/2010/main" val="0"/>
+                </a:ext>
+              </a:extLst>
+            </a:blip>
+            <a:stretch>
+              <a:fillRect/>
+            </a:stretch>
+          </p:blipFill>
+          <p:spPr>
+            <a:xfrm>
+              <a:off x="941506" y="548908"/>
+              <a:ext cx="305587" cy="567267"/>
+            </a:xfrm>
+            <a:prstGeom prst="rect">
+              <a:avLst/>
+            </a:prstGeom>
+          </p:spPr>
+        </p:pic>
+        <p:sp>
+          <p:nvSpPr>
+            <p:cNvPr id="163" name="Rectangle 162"/>
+            <p:cNvSpPr/>
+            <p:nvPr/>
+          </p:nvSpPr>
+          <p:spPr>
+            <a:xfrm>
+              <a:off x="993775" y="660400"/>
+              <a:ext cx="203200" cy="328422"/>
+            </a:xfrm>
+            <a:prstGeom prst="rect">
+              <a:avLst/>
+            </a:prstGeom>
+            <a:solidFill>
+              <a:schemeClr val="bg1"/>
+            </a:solidFill>
+            <a:ln>
+              <a:noFill/>
+            </a:ln>
+          </p:spPr>
+          <p:style>
+            <a:lnRef idx="2">
+              <a:schemeClr val="accent1">
+                <a:shade val="50000"/>
+              </a:schemeClr>
+            </a:lnRef>
+            <a:fillRef idx="1">
+              <a:schemeClr val="accent1"/>
+            </a:fillRef>
+            <a:effectRef idx="0">
+              <a:schemeClr val="accent1"/>
+            </a:effectRef>
+            <a:fontRef idx="minor">
+              <a:schemeClr val="lt1"/>
+            </a:fontRef>
+          </p:style>
+          <p:txBody>
+            <a:bodyPr rtlCol="0" anchor="ctr"/>
+            <a:lstStyle/>
+            <a:p>
+              <a:pPr algn="ctr"/>
+              <a:endParaRPr lang="en-US"/>
+            </a:p>
+          </p:txBody>
+        </p:sp>
+      </p:grpSp>
+      <p:cxnSp>
+        <p:nvCxnSpPr>
+          <p:cNvPr id="169" name="Straight Connector 168"/>
+          <p:cNvCxnSpPr/>
+          <p:nvPr/>
+        </p:nvCxnSpPr>
+        <p:spPr>
+          <a:xfrm flipH="1" flipV="1">
+            <a:off x="8616701" y="396066"/>
+            <a:ext cx="1563489" cy="8101"/>
+          </a:xfrm>
+          <a:prstGeom prst="line">
+            <a:avLst/>
+          </a:prstGeom>
+          <a:ln w="28575">
+            <a:solidFill>
+              <a:srgbClr val="7F8084"/>
+            </a:solidFill>
+          </a:ln>
+        </p:spPr>
+        <p:style>
+          <a:lnRef idx="3">
+            <a:schemeClr val="accent1"/>
+          </a:lnRef>
+          <a:fillRef idx="0">
+            <a:schemeClr val="accent1"/>
+          </a:fillRef>
+          <a:effectRef idx="2">
+            <a:schemeClr val="accent1"/>
+          </a:effectRef>
+          <a:fontRef idx="minor">
+            <a:schemeClr val="tx1"/>
+          </a:fontRef>
+        </p:style>
+      </p:cxnSp>
+      <p:cxnSp>
+        <p:nvCxnSpPr>
+          <p:cNvPr id="171" name="Straight Connector 170"/>
+          <p:cNvCxnSpPr/>
+          <p:nvPr/>
+        </p:nvCxnSpPr>
+        <p:spPr>
+          <a:xfrm flipH="1">
+            <a:off x="8616701" y="519052"/>
+            <a:ext cx="1266738" cy="0"/>
+          </a:xfrm>
+          <a:prstGeom prst="line">
+            <a:avLst/>
+          </a:prstGeom>
+          <a:ln w="28575">
+            <a:solidFill>
+              <a:srgbClr val="7F8084"/>
+            </a:solidFill>
+          </a:ln>
+        </p:spPr>
+        <p:style>
+          <a:lnRef idx="3">
+            <a:schemeClr val="accent1"/>
+          </a:lnRef>
+          <a:fillRef idx="0">
+            <a:schemeClr val="accent1"/>
+          </a:fillRef>
+          <a:effectRef idx="2">
+            <a:schemeClr val="accent1"/>
+          </a:effectRef>
+          <a:fontRef idx="minor">
+            <a:schemeClr val="tx1"/>
+          </a:fontRef>
+        </p:style>
+      </p:cxnSp>
+      <p:cxnSp>
+        <p:nvCxnSpPr>
+          <p:cNvPr id="177" name="Straight Connector 176"/>
+          <p:cNvCxnSpPr/>
+          <p:nvPr/>
+        </p:nvCxnSpPr>
+        <p:spPr>
+          <a:xfrm flipH="1" flipV="1">
+            <a:off x="9869146" y="519052"/>
+            <a:ext cx="564" cy="363079"/>
+          </a:xfrm>
+          <a:prstGeom prst="line">
+            <a:avLst/>
+          </a:prstGeom>
+          <a:ln w="28575">
+            <a:solidFill>
+              <a:srgbClr val="7D7F82"/>
+            </a:solidFill>
+          </a:ln>
+        </p:spPr>
+        <p:style>
+          <a:lnRef idx="3">
+            <a:schemeClr val="accent1"/>
+          </a:lnRef>
+          <a:fillRef idx="0">
+            <a:schemeClr val="accent1"/>
+          </a:fillRef>
+          <a:effectRef idx="2">
+            <a:schemeClr val="accent1"/>
+          </a:effectRef>
+          <a:fontRef idx="minor">
+            <a:schemeClr val="tx1"/>
+          </a:fontRef>
+        </p:style>
+      </p:cxnSp>
+      <p:cxnSp>
+        <p:nvCxnSpPr>
+          <p:cNvPr id="179" name="Straight Connector 178"/>
+          <p:cNvCxnSpPr/>
+          <p:nvPr/>
+        </p:nvCxnSpPr>
+        <p:spPr>
+          <a:xfrm flipH="1" flipV="1">
+            <a:off x="10173222" y="396820"/>
+            <a:ext cx="3385" cy="1117644"/>
+          </a:xfrm>
+          <a:prstGeom prst="line">
+            <a:avLst/>
+          </a:prstGeom>
+          <a:ln w="28575">
+            <a:solidFill>
+              <a:srgbClr val="7D7F82"/>
+            </a:solidFill>
+          </a:ln>
+        </p:spPr>
+        <p:style>
+          <a:lnRef idx="3">
+            <a:schemeClr val="accent1"/>
+          </a:lnRef>
+          <a:fillRef idx="0">
+            <a:schemeClr val="accent1"/>
+          </a:fillRef>
+          <a:effectRef idx="2">
+            <a:schemeClr val="accent1"/>
+          </a:effectRef>
+          <a:fontRef idx="minor">
+            <a:schemeClr val="tx1"/>
+          </a:fontRef>
+        </p:style>
+      </p:cxnSp>
+      <p:sp>
+        <p:nvSpPr>
+          <p:cNvPr id="186" name="Oval 185"/>
+          <p:cNvSpPr/>
+          <p:nvPr/>
+        </p:nvSpPr>
+        <p:spPr>
+          <a:xfrm>
+            <a:off x="10139608" y="1476080"/>
+            <a:ext cx="66815" cy="69792"/>
+          </a:xfrm>
+          <a:prstGeom prst="ellipse">
+            <a:avLst/>
+          </a:prstGeom>
+          <a:solidFill>
+            <a:srgbClr val="272A30"/>
+          </a:solidFill>
+          <a:ln>
+            <a:noFill/>
+          </a:ln>
+        </p:spPr>
+        <p:style>
+          <a:lnRef idx="2">
+            <a:schemeClr val="accent1">
+              <a:shade val="50000"/>
+            </a:schemeClr>
+          </a:lnRef>
+          <a:fillRef idx="1">
+            <a:schemeClr val="accent1"/>
+          </a:fillRef>
+          <a:effectRef idx="0">
+            <a:schemeClr val="accent1"/>
+          </a:effectRef>
+          <a:fontRef idx="minor">
+            <a:schemeClr val="lt1"/>
+          </a:fontRef>
+        </p:style>
+        <p:txBody>
+          <a:bodyPr rtlCol="0" anchor="ctr"/>
+          <a:lstStyle/>
+          <a:p>
+            <a:pPr algn="ctr"/>
+            <a:endParaRPr lang="en-US"/>
+          </a:p>
+        </p:txBody>
+      </p:sp>
+      <p:sp>
+        <p:nvSpPr>
+          <p:cNvPr id="187" name="Oval 186"/>
+          <p:cNvSpPr/>
+          <p:nvPr/>
+        </p:nvSpPr>
+        <p:spPr>
+          <a:xfrm>
+            <a:off x="9834192" y="847091"/>
+            <a:ext cx="66815" cy="69792"/>
+          </a:xfrm>
+          <a:prstGeom prst="ellipse">
+            <a:avLst/>
+          </a:prstGeom>
+          <a:solidFill>
+            <a:srgbClr val="272A30"/>
+          </a:solidFill>
+          <a:ln>
+            <a:noFill/>
+          </a:ln>
+        </p:spPr>
+        <p:style>
+          <a:lnRef idx="2">
+            <a:schemeClr val="accent1">
+              <a:shade val="50000"/>
+            </a:schemeClr>
+          </a:lnRef>
+          <a:fillRef idx="1">
+            <a:schemeClr val="accent1"/>
+          </a:fillRef>
+          <a:effectRef idx="0">
+            <a:schemeClr val="accent1"/>
+          </a:effectRef>
+          <a:fontRef idx="minor">
+            <a:schemeClr val="lt1"/>
+          </a:fontRef>
+        </p:style>
+        <p:txBody>
+          <a:bodyPr rtlCol="0" anchor="ctr"/>
+          <a:lstStyle/>
+          <a:p>
+            <a:pPr algn="ctr"/>
+            <a:endParaRPr lang="en-US"/>
+          </a:p>
+        </p:txBody>
+      </p:sp>
+      <p:cxnSp>
+        <p:nvCxnSpPr>
+          <p:cNvPr id="193" name="Straight Connector 192"/>
+          <p:cNvCxnSpPr/>
+          <p:nvPr/>
+        </p:nvCxnSpPr>
+        <p:spPr>
+          <a:xfrm>
+            <a:off x="8042097" y="2078921"/>
+            <a:ext cx="3904" cy="323202"/>
+          </a:xfrm>
+          <a:prstGeom prst="line">
+            <a:avLst/>
+          </a:prstGeom>
+          <a:ln w="22225">
+            <a:solidFill>
+              <a:srgbClr val="6AD4F5"/>
+            </a:solidFill>
+          </a:ln>
+        </p:spPr>
+        <p:style>
+          <a:lnRef idx="3">
+            <a:schemeClr val="accent1"/>
+          </a:lnRef>
+          <a:fillRef idx="0">
+            <a:schemeClr val="accent1"/>
+          </a:fillRef>
+          <a:effectRef idx="2">
+            <a:schemeClr val="accent1"/>
+          </a:effectRef>
+          <a:fontRef idx="minor">
+            <a:schemeClr val="tx1"/>
+          </a:fontRef>
+        </p:style>
+      </p:cxnSp>
+      <p:cxnSp>
+        <p:nvCxnSpPr>
+          <p:cNvPr id="156" name="Straight Connector 155"/>
+          <p:cNvCxnSpPr/>
+          <p:nvPr/>
+        </p:nvCxnSpPr>
+        <p:spPr>
+          <a:xfrm flipH="1">
+            <a:off x="8503529" y="672751"/>
+            <a:ext cx="831" cy="1816067"/>
+          </a:xfrm>
+          <a:prstGeom prst="line">
+            <a:avLst/>
+          </a:prstGeom>
+          <a:ln w="28575">
+            <a:solidFill>
+              <a:srgbClr val="CC3300"/>
+            </a:solidFill>
+            <a:headEnd type="stealth" w="lg" len="lg"/>
+          </a:ln>
+        </p:spPr>
+        <p:style>
+          <a:lnRef idx="3">
+            <a:schemeClr val="accent1"/>
+          </a:lnRef>
+          <a:fillRef idx="0">
+            <a:schemeClr val="accent1"/>
+          </a:fillRef>
+          <a:effectRef idx="2">
+            <a:schemeClr val="accent1"/>
+          </a:effectRef>
+          <a:fontRef idx="minor">
+            <a:schemeClr val="tx1"/>
+          </a:fontRef>
+        </p:style>
+      </p:cxnSp>
+      <p:cxnSp>
+        <p:nvCxnSpPr>
+          <p:cNvPr id="220" name="Straight Connector 219"/>
+          <p:cNvCxnSpPr/>
+          <p:nvPr/>
+        </p:nvCxnSpPr>
+        <p:spPr>
+          <a:xfrm>
+            <a:off x="8043234" y="2092073"/>
+            <a:ext cx="76854" cy="615"/>
+          </a:xfrm>
+          <a:prstGeom prst="line">
+            <a:avLst/>
+          </a:prstGeom>
+          <a:ln w="22225">
+            <a:solidFill>
+              <a:srgbClr val="6ED3F4"/>
+            </a:solidFill>
+          </a:ln>
+        </p:spPr>
+        <p:style>
+          <a:lnRef idx="3">
+            <a:schemeClr val="accent1"/>
+          </a:lnRef>
+          <a:fillRef idx="0">
+            <a:schemeClr val="accent1"/>
+          </a:fillRef>
+          <a:effectRef idx="2">
+            <a:schemeClr val="accent1"/>
+          </a:effectRef>
+          <a:fontRef idx="minor">
+            <a:schemeClr val="tx1"/>
+          </a:fontRef>
+        </p:style>
+      </p:cxnSp>
+      <p:cxnSp>
+        <p:nvCxnSpPr>
+          <p:cNvPr id="235" name="Straight Connector 234"/>
+          <p:cNvCxnSpPr/>
+          <p:nvPr/>
+        </p:nvCxnSpPr>
+        <p:spPr>
+          <a:xfrm flipH="1">
+            <a:off x="8814389" y="2376160"/>
+            <a:ext cx="1" cy="1534697"/>
+          </a:xfrm>
+          <a:prstGeom prst="line">
+            <a:avLst/>
+          </a:prstGeom>
+          <a:ln w="25400">
+            <a:solidFill>
+              <a:srgbClr val="6AD4F5"/>
+            </a:solidFill>
+          </a:ln>
+        </p:spPr>
+        <p:style>
+          <a:lnRef idx="3">
+            <a:schemeClr val="accent1"/>
+          </a:lnRef>
+          <a:fillRef idx="0">
+            <a:schemeClr val="accent1"/>
+          </a:fillRef>
+          <a:effectRef idx="2">
+            <a:schemeClr val="accent1"/>
+          </a:effectRef>
+          <a:fontRef idx="minor">
+            <a:schemeClr val="tx1"/>
+          </a:fontRef>
+        </p:style>
+      </p:cxnSp>
+      <p:grpSp>
+        <p:nvGrpSpPr>
+          <p:cNvPr id="240" name="Group 239"/>
+          <p:cNvGrpSpPr/>
+          <p:nvPr/>
+        </p:nvGrpSpPr>
+        <p:grpSpPr>
+          <a:xfrm>
+            <a:off x="8830523" y="2324977"/>
+            <a:ext cx="1241864" cy="261498"/>
+            <a:chOff x="8830523" y="2324977"/>
+            <a:chExt cx="1241864" cy="261498"/>
+          </a:xfrm>
+        </p:grpSpPr>
+        <p:sp>
+          <p:nvSpPr>
+            <p:cNvPr id="238" name="Rectangle 237"/>
+            <p:cNvSpPr/>
+            <p:nvPr/>
+          </p:nvSpPr>
+          <p:spPr>
+            <a:xfrm>
+              <a:off x="8830523" y="2324977"/>
+              <a:ext cx="1178673" cy="171147"/>
+            </a:xfrm>
+            <a:prstGeom prst="rect">
+              <a:avLst/>
+            </a:prstGeom>
+            <a:solidFill>
+              <a:schemeClr val="bg1"/>
+            </a:solidFill>
+            <a:ln>
+              <a:noFill/>
+            </a:ln>
+          </p:spPr>
+          <p:style>
+            <a:lnRef idx="2">
+              <a:schemeClr val="accent1">
+                <a:shade val="50000"/>
+              </a:schemeClr>
+            </a:lnRef>
+            <a:fillRef idx="1">
+              <a:schemeClr val="accent1"/>
+            </a:fillRef>
+            <a:effectRef idx="0">
+              <a:schemeClr val="accent1"/>
+            </a:effectRef>
+            <a:fontRef idx="minor">
+              <a:schemeClr val="lt1"/>
+            </a:fontRef>
+          </p:style>
+          <p:txBody>
+            <a:bodyPr rtlCol="0" anchor="ctr"/>
+            <a:lstStyle/>
+            <a:p>
+              <a:pPr algn="ctr"/>
+              <a:endParaRPr lang="en-US"/>
+            </a:p>
+          </p:txBody>
+        </p:sp>
+        <p:sp>
+          <p:nvSpPr>
+            <p:cNvPr id="239" name="Rectangle 238"/>
+            <p:cNvSpPr/>
+            <p:nvPr/>
+          </p:nvSpPr>
+          <p:spPr>
+            <a:xfrm>
+              <a:off x="9829491" y="2415328"/>
+              <a:ext cx="242896" cy="171147"/>
+            </a:xfrm>
+            <a:prstGeom prst="rect">
+              <a:avLst/>
+            </a:prstGeom>
+            <a:solidFill>
+              <a:schemeClr val="bg1"/>
+            </a:solidFill>
+            <a:ln>
+              <a:noFill/>
+            </a:ln>
+          </p:spPr>
+          <p:style>
+            <a:lnRef idx="2">
+              <a:schemeClr val="accent1">
+                <a:shade val="50000"/>
+              </a:schemeClr>
+            </a:lnRef>
+            <a:fillRef idx="1">
+              <a:schemeClr val="accent1"/>
+            </a:fillRef>
+            <a:effectRef idx="0">
+              <a:schemeClr val="accent1"/>
+            </a:effectRef>
+            <a:fontRef idx="minor">
+              <a:schemeClr val="lt1"/>
+            </a:fontRef>
+          </p:style>
+          <p:txBody>
+            <a:bodyPr rtlCol="0" anchor="ctr"/>
+            <a:lstStyle/>
+            <a:p>
+              <a:pPr algn="ctr"/>
+              <a:endParaRPr lang="en-US"/>
+            </a:p>
+          </p:txBody>
+        </p:sp>
+      </p:grpSp>
+      <p:sp>
+        <p:nvSpPr>
+          <p:cNvPr id="242" name="Rectangle 241"/>
+          <p:cNvSpPr/>
+          <p:nvPr/>
+        </p:nvSpPr>
+        <p:spPr>
+          <a:xfrm>
+            <a:off x="8564903" y="5340769"/>
+            <a:ext cx="1444293" cy="363344"/>
+          </a:xfrm>
+          <a:prstGeom prst="rect">
+            <a:avLst/>
+          </a:prstGeom>
+          <a:solidFill>
+            <a:schemeClr val="bg1"/>
+          </a:solidFill>
+          <a:ln>
+            <a:noFill/>
+          </a:ln>
+        </p:spPr>
+        <p:style>
+          <a:lnRef idx="2">
+            <a:schemeClr val="accent1">
+              <a:shade val="50000"/>
+            </a:schemeClr>
+          </a:lnRef>
+          <a:fillRef idx="1">
+            <a:schemeClr val="accent1"/>
+          </a:fillRef>
+          <a:effectRef idx="0">
+            <a:schemeClr val="accent1"/>
+          </a:effectRef>
+          <a:fontRef idx="minor">
+            <a:schemeClr val="lt1"/>
+          </a:fontRef>
+        </p:style>
+        <p:txBody>
+          <a:bodyPr rtlCol="0" anchor="ctr"/>
+          <a:lstStyle/>
+          <a:p>
+            <a:pPr algn="ctr"/>
+            <a:endParaRPr lang="en-US"/>
+          </a:p>
+        </p:txBody>
+      </p:sp>
+      <p:sp>
+        <p:nvSpPr>
+          <p:cNvPr id="244" name="Rectangle 243"/>
+          <p:cNvSpPr/>
+          <p:nvPr/>
+        </p:nvSpPr>
+        <p:spPr>
+          <a:xfrm>
+            <a:off x="9672085" y="5267052"/>
+            <a:ext cx="467523" cy="317987"/>
+          </a:xfrm>
+          <a:prstGeom prst="rect">
+            <a:avLst/>
+          </a:prstGeom>
+          <a:solidFill>
+            <a:schemeClr val="bg1"/>
+          </a:solidFill>
+          <a:ln>
+            <a:noFill/>
+          </a:ln>
+        </p:spPr>
+        <p:style>
+          <a:lnRef idx="2">
+            <a:schemeClr val="accent1">
+              <a:shade val="50000"/>
+            </a:schemeClr>
+          </a:lnRef>
+          <a:fillRef idx="1">
+            <a:schemeClr val="accent1"/>
+          </a:fillRef>
+          <a:effectRef idx="0">
+            <a:schemeClr val="accent1"/>
+          </a:effectRef>
+          <a:fontRef idx="minor">
+            <a:schemeClr val="lt1"/>
+          </a:fontRef>
+        </p:style>
+        <p:txBody>
+          <a:bodyPr rtlCol="0" anchor="ctr"/>
+          <a:lstStyle/>
+          <a:p>
+            <a:pPr algn="ctr"/>
+            <a:endParaRPr lang="en-US"/>
+          </a:p>
+        </p:txBody>
+      </p:sp>
+      <p:cxnSp>
+        <p:nvCxnSpPr>
+          <p:cNvPr id="245" name="Straight Connector 244"/>
+          <p:cNvCxnSpPr/>
+          <p:nvPr/>
+        </p:nvCxnSpPr>
+        <p:spPr>
+          <a:xfrm flipH="1">
+            <a:off x="8541385" y="5442867"/>
+            <a:ext cx="730845" cy="0"/>
+          </a:xfrm>
+          <a:prstGeom prst="line">
+            <a:avLst/>
+          </a:prstGeom>
+          <a:ln w="28575">
+            <a:solidFill>
+              <a:srgbClr val="7F8084"/>
+            </a:solidFill>
+          </a:ln>
+        </p:spPr>
+        <p:style>
+          <a:lnRef idx="3">
+            <a:schemeClr val="accent1"/>
+          </a:lnRef>
+          <a:fillRef idx="0">
+            <a:schemeClr val="accent1"/>
+          </a:fillRef>
+          <a:effectRef idx="2">
+            <a:schemeClr val="accent1"/>
+          </a:effectRef>
+          <a:fontRef idx="minor">
+            <a:schemeClr val="tx1"/>
+          </a:fontRef>
+        </p:style>
+      </p:cxnSp>
+      <p:cxnSp>
+        <p:nvCxnSpPr>
+          <p:cNvPr id="249" name="Straight Connector 248"/>
+          <p:cNvCxnSpPr/>
+          <p:nvPr/>
+        </p:nvCxnSpPr>
+        <p:spPr>
+          <a:xfrm flipV="1">
+            <a:off x="9747810" y="5104641"/>
+            <a:ext cx="0" cy="700259"/>
+          </a:xfrm>
+          <a:prstGeom prst="line">
+            <a:avLst/>
+          </a:prstGeom>
+          <a:ln w="28575">
+            <a:solidFill>
+              <a:srgbClr val="7F8084"/>
+            </a:solidFill>
+          </a:ln>
+        </p:spPr>
+        <p:style>
+          <a:lnRef idx="3">
+            <a:schemeClr val="accent1"/>
+          </a:lnRef>
+          <a:fillRef idx="0">
+            <a:schemeClr val="accent1"/>
+          </a:fillRef>
+          <a:effectRef idx="2">
+            <a:schemeClr val="accent1"/>
+          </a:effectRef>
+          <a:fontRef idx="minor">
+            <a:schemeClr val="tx1"/>
+          </a:fontRef>
+        </p:style>
+      </p:cxnSp>
+      <p:cxnSp>
+        <p:nvCxnSpPr>
+          <p:cNvPr id="252" name="Straight Connector 251"/>
+          <p:cNvCxnSpPr/>
+          <p:nvPr/>
+        </p:nvCxnSpPr>
+        <p:spPr>
+          <a:xfrm flipV="1">
+            <a:off x="9260629" y="5043399"/>
+            <a:ext cx="0" cy="390991"/>
+          </a:xfrm>
+          <a:prstGeom prst="line">
+            <a:avLst/>
+          </a:prstGeom>
+          <a:ln w="22225">
+            <a:solidFill>
+              <a:srgbClr val="7F8084"/>
+            </a:solidFill>
+          </a:ln>
+        </p:spPr>
+        <p:style>
+          <a:lnRef idx="3">
+            <a:schemeClr val="accent1"/>
+          </a:lnRef>
+          <a:fillRef idx="0">
+            <a:schemeClr val="accent1"/>
+          </a:fillRef>
+          <a:effectRef idx="2">
+            <a:schemeClr val="accent1"/>
+          </a:effectRef>
+          <a:fontRef idx="minor">
+            <a:schemeClr val="tx1"/>
+          </a:fontRef>
+        </p:style>
+      </p:cxnSp>
+      <p:sp>
+        <p:nvSpPr>
+          <p:cNvPr id="8" name="TextBox 7"/>
+          <p:cNvSpPr txBox="1"/>
+          <p:nvPr/>
+        </p:nvSpPr>
+        <p:spPr>
+          <a:xfrm>
+            <a:off x="9200452" y="5167800"/>
+            <a:ext cx="849745" cy="276999"/>
+          </a:xfrm>
+          <a:prstGeom prst="rect">
+            <a:avLst/>
+          </a:prstGeom>
+          <a:noFill/>
+        </p:spPr>
+        <p:txBody>
+          <a:bodyPr wrap="square" rtlCol="0">
+            <a:spAutoFit/>
+          </a:bodyPr>
+          <a:lstStyle/>
+          <a:p>
+            <a:r>
+              <a:rPr lang="en-US" sz="1200" dirty="0" smtClean="0">
+                <a:solidFill>
+                  <a:srgbClr val="CC3300"/>
+                </a:solidFill>
+              </a:rPr>
+              <a:t>JALR</a:t>
+            </a:r>
+            <a:endParaRPr lang="en-US" sz="1200" dirty="0">
+              <a:solidFill>
+                <a:srgbClr val="CC3300"/>
+              </a:solidFill>
+            </a:endParaRPr>
+          </a:p>
+        </p:txBody>
+      </p:sp>
+      <p:sp>
+        <p:nvSpPr>
+          <p:cNvPr id="254" name="Rectangle 253"/>
+          <p:cNvSpPr/>
+          <p:nvPr/>
+        </p:nvSpPr>
+        <p:spPr>
+          <a:xfrm>
+            <a:off x="8184020" y="5790083"/>
+            <a:ext cx="979030" cy="496417"/>
+          </a:xfrm>
+          <a:prstGeom prst="rect">
+            <a:avLst/>
+          </a:prstGeom>
+          <a:noFill/>
+          <a:ln w="19050">
+            <a:solidFill>
+              <a:srgbClr val="C6C7C9"/>
+            </a:solidFill>
+          </a:ln>
+        </p:spPr>
+        <p:style>
+          <a:lnRef idx="2">
+            <a:schemeClr val="accent1">
+              <a:shade val="50000"/>
+            </a:schemeClr>
+          </a:lnRef>
+          <a:fillRef idx="1">
+            <a:schemeClr val="accent1"/>
+          </a:fillRef>
+          <a:effectRef idx="0">
+            <a:schemeClr val="accent1"/>
+          </a:effectRef>
+          <a:fontRef idx="minor">
+            <a:schemeClr val="lt1"/>
+          </a:fontRef>
+        </p:style>
+        <p:txBody>
+          <a:bodyPr rtlCol="0" anchor="ctr"/>
+          <a:lstStyle/>
+          <a:p>
+            <a:pPr algn="ctr"/>
+            <a:endParaRPr lang="en-US"/>
+          </a:p>
+        </p:txBody>
+      </p:sp>
+      <p:sp>
+        <p:nvSpPr>
+          <p:cNvPr id="255" name="TextBox 254"/>
+          <p:cNvSpPr txBox="1"/>
+          <p:nvPr/>
+        </p:nvSpPr>
+        <p:spPr>
+          <a:xfrm>
+            <a:off x="8331937" y="5918200"/>
+            <a:ext cx="747706" cy="276999"/>
+          </a:xfrm>
+          <a:prstGeom prst="rect">
+            <a:avLst/>
+          </a:prstGeom>
+          <a:noFill/>
+        </p:spPr>
+        <p:txBody>
+          <a:bodyPr wrap="square" rtlCol="0">
+            <a:spAutoFit/>
+          </a:bodyPr>
+          <a:lstStyle/>
+          <a:p>
+            <a:r>
+              <a:rPr lang="en-US" sz="1200" b="1" dirty="0" smtClean="0"/>
+              <a:t>multDiv</a:t>
+            </a:r>
+            <a:endParaRPr lang="en-US" sz="1200" b="1" dirty="0"/>
+          </a:p>
+        </p:txBody>
+      </p:sp>
+      <p:cxnSp>
+        <p:nvCxnSpPr>
+          <p:cNvPr id="256" name="Straight Connector 255"/>
+          <p:cNvCxnSpPr/>
+          <p:nvPr/>
+        </p:nvCxnSpPr>
+        <p:spPr>
+          <a:xfrm flipH="1" flipV="1">
+            <a:off x="7732060" y="4498309"/>
+            <a:ext cx="12366" cy="1506274"/>
+          </a:xfrm>
+          <a:prstGeom prst="line">
+            <a:avLst/>
+          </a:prstGeom>
+          <a:ln w="28575">
+            <a:solidFill>
+              <a:srgbClr val="CC3300"/>
+            </a:solidFill>
+          </a:ln>
+        </p:spPr>
+        <p:style>
+          <a:lnRef idx="3">
+            <a:schemeClr val="accent1"/>
+          </a:lnRef>
+          <a:fillRef idx="0">
+            <a:schemeClr val="accent1"/>
+          </a:fillRef>
+          <a:effectRef idx="2">
+            <a:schemeClr val="accent1"/>
+          </a:effectRef>
+          <a:fontRef idx="minor">
+            <a:schemeClr val="tx1"/>
+          </a:fontRef>
+        </p:style>
+      </p:cxnSp>
+      <p:cxnSp>
+        <p:nvCxnSpPr>
+          <p:cNvPr id="257" name="Straight Connector 256"/>
+          <p:cNvCxnSpPr/>
+          <p:nvPr/>
+        </p:nvCxnSpPr>
+        <p:spPr>
+          <a:xfrm flipH="1" flipV="1">
+            <a:off x="7635875" y="4533900"/>
+            <a:ext cx="12642" cy="1561479"/>
+          </a:xfrm>
+          <a:prstGeom prst="line">
+            <a:avLst/>
+          </a:prstGeom>
+          <a:ln w="28575">
+            <a:solidFill>
+              <a:srgbClr val="CC3300"/>
+            </a:solidFill>
+          </a:ln>
+        </p:spPr>
+        <p:style>
+          <a:lnRef idx="3">
+            <a:schemeClr val="accent1"/>
+          </a:lnRef>
+          <a:fillRef idx="0">
+            <a:schemeClr val="accent1"/>
+          </a:fillRef>
+          <a:effectRef idx="2">
+            <a:schemeClr val="accent1"/>
+          </a:effectRef>
+          <a:fontRef idx="minor">
+            <a:schemeClr val="tx1"/>
+          </a:fontRef>
+        </p:style>
+      </p:cxnSp>
+      <p:cxnSp>
+        <p:nvCxnSpPr>
+          <p:cNvPr id="258" name="Straight Connector 257"/>
+          <p:cNvCxnSpPr/>
+          <p:nvPr/>
+        </p:nvCxnSpPr>
+        <p:spPr>
+          <a:xfrm flipH="1" flipV="1">
+            <a:off x="7828438" y="4465819"/>
+            <a:ext cx="6698" cy="1238294"/>
+          </a:xfrm>
+          <a:prstGeom prst="line">
+            <a:avLst/>
+          </a:prstGeom>
+          <a:ln w="28575">
+            <a:solidFill>
+              <a:srgbClr val="CC3300"/>
+            </a:solidFill>
+            <a:tailEnd type="stealth" w="lg" len="lg"/>
+          </a:ln>
+        </p:spPr>
+        <p:style>
+          <a:lnRef idx="3">
+            <a:schemeClr val="accent1"/>
+          </a:lnRef>
+          <a:fillRef idx="0">
+            <a:schemeClr val="accent1"/>
+          </a:fillRef>
+          <a:effectRef idx="2">
+            <a:schemeClr val="accent1"/>
+          </a:effectRef>
+          <a:fontRef idx="minor">
+            <a:schemeClr val="tx1"/>
+          </a:fontRef>
+        </p:style>
+      </p:cxnSp>
+      <p:cxnSp>
+        <p:nvCxnSpPr>
+          <p:cNvPr id="259" name="Straight Connector 258"/>
+          <p:cNvCxnSpPr/>
+          <p:nvPr/>
+        </p:nvCxnSpPr>
+        <p:spPr>
+          <a:xfrm flipH="1">
+            <a:off x="7727097" y="6004583"/>
+            <a:ext cx="463204" cy="3501"/>
+          </a:xfrm>
+          <a:prstGeom prst="line">
+            <a:avLst/>
+          </a:prstGeom>
+          <a:ln w="28575">
+            <a:solidFill>
+              <a:srgbClr val="C00000"/>
+            </a:solidFill>
+            <a:headEnd type="stealth" w="lg" len="lg"/>
+          </a:ln>
+        </p:spPr>
+        <p:style>
+          <a:lnRef idx="3">
+            <a:schemeClr val="accent1"/>
+          </a:lnRef>
+          <a:fillRef idx="0">
+            <a:schemeClr val="accent1"/>
+          </a:fillRef>
+          <a:effectRef idx="2">
+            <a:schemeClr val="accent1"/>
+          </a:effectRef>
+          <a:fontRef idx="minor">
+            <a:schemeClr val="tx1"/>
+          </a:fontRef>
+        </p:style>
+      </p:cxnSp>
+      <p:cxnSp>
+        <p:nvCxnSpPr>
+          <p:cNvPr id="263" name="Straight Connector 262"/>
+          <p:cNvCxnSpPr/>
+          <p:nvPr/>
+        </p:nvCxnSpPr>
+        <p:spPr>
+          <a:xfrm flipH="1" flipV="1">
+            <a:off x="7633997" y="6095378"/>
+            <a:ext cx="550023" cy="622"/>
+          </a:xfrm>
+          <a:prstGeom prst="line">
+            <a:avLst/>
+          </a:prstGeom>
+          <a:ln w="28575">
+            <a:solidFill>
+              <a:srgbClr val="C00000"/>
+            </a:solidFill>
+            <a:headEnd type="stealth" w="lg" len="lg"/>
+          </a:ln>
+        </p:spPr>
+        <p:style>
+          <a:lnRef idx="3">
+            <a:schemeClr val="accent1"/>
+          </a:lnRef>
+          <a:fillRef idx="0">
+            <a:schemeClr val="accent1"/>
+          </a:fillRef>
+          <a:effectRef idx="2">
+            <a:schemeClr val="accent1"/>
+          </a:effectRef>
+          <a:fontRef idx="minor">
+            <a:schemeClr val="tx1"/>
+          </a:fontRef>
+        </p:style>
+      </p:cxnSp>
+      <p:sp>
+        <p:nvSpPr>
+          <p:cNvPr id="275" name="TextBox 274"/>
+          <p:cNvSpPr txBox="1"/>
+          <p:nvPr/>
+        </p:nvSpPr>
+        <p:spPr>
+          <a:xfrm>
+            <a:off x="7698317" y="5800926"/>
+            <a:ext cx="435884" cy="246221"/>
+          </a:xfrm>
+          <a:prstGeom prst="rect">
+            <a:avLst/>
+          </a:prstGeom>
+          <a:noFill/>
+        </p:spPr>
+        <p:txBody>
+          <a:bodyPr wrap="square" rtlCol="0">
+            <a:spAutoFit/>
+          </a:bodyPr>
+          <a:lstStyle/>
+          <a:p>
+            <a:r>
+              <a:rPr lang="en-US" sz="1000" dirty="0" smtClean="0">
+                <a:solidFill>
+                  <a:srgbClr val="CC3300"/>
+                </a:solidFill>
+              </a:rPr>
+              <a:t>valid</a:t>
+            </a:r>
+            <a:endParaRPr lang="en-US" sz="1000" dirty="0">
+              <a:solidFill>
+                <a:srgbClr val="CC3300"/>
+              </a:solidFill>
+            </a:endParaRPr>
+          </a:p>
+        </p:txBody>
+      </p:sp>
+      <p:sp>
+        <p:nvSpPr>
+          <p:cNvPr id="276" name="TextBox 275"/>
+          <p:cNvSpPr txBox="1"/>
+          <p:nvPr/>
+        </p:nvSpPr>
+        <p:spPr>
+          <a:xfrm>
+            <a:off x="7629854" y="6057777"/>
+            <a:ext cx="495175" cy="246221"/>
+          </a:xfrm>
+          <a:prstGeom prst="rect">
+            <a:avLst/>
+          </a:prstGeom>
+          <a:noFill/>
+        </p:spPr>
+        <p:txBody>
+          <a:bodyPr wrap="square" rtlCol="0">
+            <a:spAutoFit/>
+          </a:bodyPr>
+          <a:lstStyle/>
+          <a:p>
+            <a:r>
+              <a:rPr lang="en-US" sz="1000" dirty="0" smtClean="0">
+                <a:solidFill>
+                  <a:srgbClr val="CC3300"/>
+                </a:solidFill>
+              </a:rPr>
+              <a:t>mode</a:t>
+            </a:r>
+            <a:endParaRPr lang="en-US" sz="1000" dirty="0">
+              <a:solidFill>
+                <a:srgbClr val="CC3300"/>
+              </a:solidFill>
+            </a:endParaRPr>
+          </a:p>
+        </p:txBody>
+      </p:sp>
+      <p:cxnSp>
+        <p:nvCxnSpPr>
+          <p:cNvPr id="277" name="Straight Connector 276"/>
+          <p:cNvCxnSpPr/>
+          <p:nvPr/>
+        </p:nvCxnSpPr>
+        <p:spPr>
+          <a:xfrm flipH="1">
+            <a:off x="7846605" y="5693295"/>
+            <a:ext cx="1613538" cy="0"/>
+          </a:xfrm>
+          <a:prstGeom prst="line">
+            <a:avLst/>
+          </a:prstGeom>
+          <a:ln w="28575">
+            <a:solidFill>
+              <a:srgbClr val="C00000"/>
+            </a:solidFill>
+            <a:headEnd type="none" w="lg" len="lg"/>
+          </a:ln>
+        </p:spPr>
+        <p:style>
+          <a:lnRef idx="3">
+            <a:schemeClr val="accent1"/>
+          </a:lnRef>
+          <a:fillRef idx="0">
+            <a:schemeClr val="accent1"/>
+          </a:fillRef>
+          <a:effectRef idx="2">
+            <a:schemeClr val="accent1"/>
+          </a:effectRef>
+          <a:fontRef idx="minor">
+            <a:schemeClr val="tx1"/>
+          </a:fontRef>
+        </p:style>
+      </p:cxnSp>
+      <p:cxnSp>
+        <p:nvCxnSpPr>
+          <p:cNvPr id="280" name="Straight Connector 279"/>
+          <p:cNvCxnSpPr/>
+          <p:nvPr/>
+        </p:nvCxnSpPr>
+        <p:spPr>
+          <a:xfrm flipH="1" flipV="1">
+            <a:off x="9446373" y="5693295"/>
+            <a:ext cx="110" cy="402083"/>
+          </a:xfrm>
+          <a:prstGeom prst="line">
+            <a:avLst/>
+          </a:prstGeom>
+          <a:ln w="28575">
+            <a:solidFill>
+              <a:srgbClr val="CC3300"/>
+            </a:solidFill>
+          </a:ln>
+        </p:spPr>
+        <p:style>
+          <a:lnRef idx="3">
+            <a:schemeClr val="accent1"/>
+          </a:lnRef>
+          <a:fillRef idx="0">
+            <a:schemeClr val="accent1"/>
+          </a:fillRef>
+          <a:effectRef idx="2">
+            <a:schemeClr val="accent1"/>
+          </a:effectRef>
+          <a:fontRef idx="minor">
+            <a:schemeClr val="tx1"/>
+          </a:fontRef>
+        </p:style>
+      </p:cxnSp>
+      <p:cxnSp>
+        <p:nvCxnSpPr>
+          <p:cNvPr id="283" name="Straight Connector 282"/>
+          <p:cNvCxnSpPr/>
+          <p:nvPr/>
+        </p:nvCxnSpPr>
+        <p:spPr>
+          <a:xfrm flipH="1">
+            <a:off x="9167710" y="6095378"/>
+            <a:ext cx="292433" cy="0"/>
+          </a:xfrm>
+          <a:prstGeom prst="line">
+            <a:avLst/>
+          </a:prstGeom>
+          <a:ln w="28575">
+            <a:solidFill>
+              <a:srgbClr val="C00000"/>
+            </a:solidFill>
+            <a:headEnd type="none" w="lg" len="lg"/>
+          </a:ln>
+        </p:spPr>
+        <p:style>
+          <a:lnRef idx="3">
+            <a:schemeClr val="accent1"/>
+          </a:lnRef>
+          <a:fillRef idx="0">
+            <a:schemeClr val="accent1"/>
+          </a:fillRef>
+          <a:effectRef idx="2">
+            <a:schemeClr val="accent1"/>
+          </a:effectRef>
+          <a:fontRef idx="minor">
+            <a:schemeClr val="tx1"/>
+          </a:fontRef>
+        </p:style>
+      </p:cxnSp>
+      <p:sp>
+        <p:nvSpPr>
+          <p:cNvPr id="287" name="TextBox 286"/>
+          <p:cNvSpPr txBox="1"/>
+          <p:nvPr/>
+        </p:nvSpPr>
+        <p:spPr>
+          <a:xfrm>
+            <a:off x="8360215" y="5484492"/>
+            <a:ext cx="489792" cy="246221"/>
+          </a:xfrm>
+          <a:prstGeom prst="rect">
+            <a:avLst/>
+          </a:prstGeom>
+          <a:noFill/>
+        </p:spPr>
+        <p:txBody>
+          <a:bodyPr wrap="square" rtlCol="0">
+            <a:spAutoFit/>
+          </a:bodyPr>
+          <a:lstStyle/>
+          <a:p>
+            <a:r>
+              <a:rPr lang="en-US" sz="1000" dirty="0" smtClean="0">
+                <a:solidFill>
+                  <a:srgbClr val="CC3300"/>
+                </a:solidFill>
+              </a:rPr>
+              <a:t>ready</a:t>
+            </a:r>
+            <a:endParaRPr lang="en-US" sz="1000" dirty="0">
+              <a:solidFill>
+                <a:srgbClr val="CC3300"/>
+              </a:solidFill>
+            </a:endParaRPr>
+          </a:p>
+        </p:txBody>
+      </p:sp>
+      <p:sp>
+        <p:nvSpPr>
+          <p:cNvPr id="90" name="Oval 89"/>
+          <p:cNvSpPr/>
+          <p:nvPr/>
+        </p:nvSpPr>
+        <p:spPr>
+          <a:xfrm>
+            <a:off x="9717365" y="6361671"/>
+            <a:ext cx="66815" cy="69792"/>
+          </a:xfrm>
+          <a:prstGeom prst="ellipse">
+            <a:avLst/>
+          </a:prstGeom>
+          <a:solidFill>
+            <a:srgbClr val="272A30"/>
+          </a:solidFill>
+          <a:ln>
+            <a:noFill/>
+          </a:ln>
+        </p:spPr>
+        <p:style>
+          <a:lnRef idx="2">
+            <a:schemeClr val="accent1">
+              <a:shade val="50000"/>
+            </a:schemeClr>
+          </a:lnRef>
+          <a:fillRef idx="1">
+            <a:schemeClr val="accent1"/>
+          </a:fillRef>
+          <a:effectRef idx="0">
+            <a:schemeClr val="accent1"/>
+          </a:effectRef>
+          <a:fontRef idx="minor">
+            <a:schemeClr val="lt1"/>
+          </a:fontRef>
+        </p:style>
+        <p:txBody>
+          <a:bodyPr rtlCol="0" anchor="ctr"/>
+          <a:lstStyle/>
+          <a:p>
+            <a:pPr algn="ctr"/>
+            <a:endParaRPr lang="en-US"/>
+          </a:p>
+        </p:txBody>
+      </p:sp>
+      <p:sp>
+        <p:nvSpPr>
+          <p:cNvPr id="98" name="TextBox 97"/>
+          <p:cNvSpPr txBox="1"/>
+          <p:nvPr/>
+        </p:nvSpPr>
+        <p:spPr>
+          <a:xfrm>
+            <a:off x="8331938" y="165130"/>
+            <a:ext cx="457200" cy="276999"/>
+          </a:xfrm>
+          <a:prstGeom prst="rect">
+            <a:avLst/>
+          </a:prstGeom>
+          <a:noFill/>
+        </p:spPr>
+        <p:txBody>
+          <a:bodyPr wrap="square" rtlCol="0">
+            <a:spAutoFit/>
+          </a:bodyPr>
+          <a:lstStyle/>
+          <a:p>
+            <a:r>
+              <a:rPr lang="en-US" sz="1200" dirty="0" smtClean="0">
+                <a:solidFill>
+                  <a:srgbClr val="CC3300"/>
+                </a:solidFill>
+              </a:rPr>
+              <a:t>00</a:t>
+            </a:r>
+            <a:endParaRPr lang="en-US" sz="1200" dirty="0">
+              <a:solidFill>
+                <a:srgbClr val="CC3300"/>
+              </a:solidFill>
+            </a:endParaRPr>
+          </a:p>
+        </p:txBody>
+      </p:sp>
+      <p:pic>
+        <p:nvPicPr>
+          <p:cNvPr id="4" name="Picture 3"/>
+          <p:cNvPicPr>
+            <a:picLocks noChangeAspect="1"/>
+          </p:cNvPicPr>
+          <p:nvPr/>
+        </p:nvPicPr>
+        <p:blipFill>
+          <a:blip r:embed="rId6"/>
+          <a:stretch>
+            <a:fillRect/>
+          </a:stretch>
+        </p:blipFill>
+        <p:spPr>
+          <a:xfrm>
+            <a:off x="8109491" y="1981858"/>
+            <a:ext cx="311166" cy="336567"/>
+          </a:xfrm>
+          <a:prstGeom prst="rect">
+            <a:avLst/>
+          </a:prstGeom>
+        </p:spPr>
+      </p:pic>
+      <p:cxnSp>
+        <p:nvCxnSpPr>
+          <p:cNvPr id="104" name="Straight Connector 103"/>
+          <p:cNvCxnSpPr/>
+          <p:nvPr/>
+        </p:nvCxnSpPr>
+        <p:spPr>
+          <a:xfrm flipH="1" flipV="1">
+            <a:off x="5293597" y="1954709"/>
+            <a:ext cx="1183211" cy="448"/>
+          </a:xfrm>
+          <a:prstGeom prst="line">
+            <a:avLst/>
+          </a:prstGeom>
+          <a:ln w="28575">
+            <a:solidFill>
+              <a:srgbClr val="C00000"/>
+            </a:solidFill>
+          </a:ln>
+        </p:spPr>
+        <p:style>
+          <a:lnRef idx="3">
+            <a:schemeClr val="accent1"/>
+          </a:lnRef>
+          <a:fillRef idx="0">
+            <a:schemeClr val="accent1"/>
+          </a:fillRef>
+          <a:effectRef idx="2">
+            <a:schemeClr val="accent1"/>
+          </a:effectRef>
+          <a:fontRef idx="minor">
+            <a:schemeClr val="tx1"/>
+          </a:fontRef>
+        </p:style>
+      </p:cxnSp>
+      <p:cxnSp>
+        <p:nvCxnSpPr>
+          <p:cNvPr id="106" name="Straight Connector 105"/>
+          <p:cNvCxnSpPr/>
+          <p:nvPr/>
+        </p:nvCxnSpPr>
+        <p:spPr>
+          <a:xfrm flipH="1">
+            <a:off x="6485079" y="2479192"/>
+            <a:ext cx="2012721" cy="0"/>
+          </a:xfrm>
+          <a:prstGeom prst="line">
+            <a:avLst/>
+          </a:prstGeom>
+          <a:ln w="28575">
+            <a:solidFill>
+              <a:srgbClr val="C00000"/>
+            </a:solidFill>
+          </a:ln>
+        </p:spPr>
+        <p:style>
+          <a:lnRef idx="3">
+            <a:schemeClr val="accent1"/>
+          </a:lnRef>
+          <a:fillRef idx="0">
+            <a:schemeClr val="accent1"/>
+          </a:fillRef>
+          <a:effectRef idx="2">
+            <a:schemeClr val="accent1"/>
+          </a:effectRef>
+          <a:fontRef idx="minor">
+            <a:schemeClr val="tx1"/>
+          </a:fontRef>
+        </p:style>
+      </p:cxnSp>
+      <p:cxnSp>
+        <p:nvCxnSpPr>
+          <p:cNvPr id="112" name="Straight Connector 111"/>
+          <p:cNvCxnSpPr/>
+          <p:nvPr/>
+        </p:nvCxnSpPr>
+        <p:spPr>
+          <a:xfrm flipH="1" flipV="1">
+            <a:off x="6475903" y="1945084"/>
+            <a:ext cx="1329" cy="551040"/>
+          </a:xfrm>
+          <a:prstGeom prst="line">
+            <a:avLst/>
+          </a:prstGeom>
+          <a:ln w="28575">
+            <a:solidFill>
+              <a:srgbClr val="CC3300"/>
+            </a:solidFill>
+          </a:ln>
+        </p:spPr>
+        <p:style>
+          <a:lnRef idx="3">
+            <a:schemeClr val="accent1"/>
+          </a:lnRef>
+          <a:fillRef idx="0">
+            <a:schemeClr val="accent1"/>
+          </a:fillRef>
+          <a:effectRef idx="2">
+            <a:schemeClr val="accent1"/>
+          </a:effectRef>
+          <a:fontRef idx="minor">
+            <a:schemeClr val="tx1"/>
+          </a:fontRef>
+        </p:style>
+      </p:cxnSp>
+      <p:cxnSp>
+        <p:nvCxnSpPr>
+          <p:cNvPr id="122" name="Straight Connector 121"/>
+          <p:cNvCxnSpPr/>
+          <p:nvPr/>
+        </p:nvCxnSpPr>
+        <p:spPr>
+          <a:xfrm flipH="1" flipV="1">
+            <a:off x="6123834" y="2172267"/>
+            <a:ext cx="1861496" cy="6338"/>
+          </a:xfrm>
+          <a:prstGeom prst="line">
+            <a:avLst/>
+          </a:prstGeom>
+          <a:ln w="22225">
+            <a:solidFill>
+              <a:srgbClr val="6ED3F4"/>
+            </a:solidFill>
+          </a:ln>
+        </p:spPr>
+        <p:style>
+          <a:lnRef idx="3">
+            <a:schemeClr val="accent1"/>
+          </a:lnRef>
+          <a:fillRef idx="0">
+            <a:schemeClr val="accent1"/>
+          </a:fillRef>
+          <a:effectRef idx="2">
+            <a:schemeClr val="accent1"/>
+          </a:effectRef>
+          <a:fontRef idx="minor">
+            <a:schemeClr val="tx1"/>
+          </a:fontRef>
+        </p:style>
+      </p:cxnSp>
+      <p:cxnSp>
+        <p:nvCxnSpPr>
+          <p:cNvPr id="126" name="Straight Connector 125"/>
+          <p:cNvCxnSpPr/>
+          <p:nvPr/>
+        </p:nvCxnSpPr>
+        <p:spPr>
+          <a:xfrm flipH="1" flipV="1">
+            <a:off x="5341064" y="2044040"/>
+            <a:ext cx="789290" cy="1281"/>
+          </a:xfrm>
+          <a:prstGeom prst="line">
+            <a:avLst/>
+          </a:prstGeom>
+          <a:ln w="22225">
+            <a:solidFill>
+              <a:srgbClr val="6ED3F4"/>
+            </a:solidFill>
+            <a:tailEnd type="stealth" w="med" len="lg"/>
+          </a:ln>
+        </p:spPr>
+        <p:style>
+          <a:lnRef idx="3">
+            <a:schemeClr val="accent1"/>
+          </a:lnRef>
+          <a:fillRef idx="0">
+            <a:schemeClr val="accent1"/>
+          </a:fillRef>
+          <a:effectRef idx="2">
+            <a:schemeClr val="accent1"/>
+          </a:effectRef>
+          <a:fontRef idx="minor">
+            <a:schemeClr val="tx1"/>
+          </a:fontRef>
+        </p:style>
+      </p:cxnSp>
+      <p:cxnSp>
+        <p:nvCxnSpPr>
+          <p:cNvPr id="129" name="Straight Connector 128"/>
+          <p:cNvCxnSpPr/>
+          <p:nvPr/>
+        </p:nvCxnSpPr>
+        <p:spPr>
+          <a:xfrm flipH="1">
+            <a:off x="8445382" y="1940656"/>
+            <a:ext cx="1647" cy="209329"/>
+          </a:xfrm>
+          <a:prstGeom prst="line">
+            <a:avLst/>
+          </a:prstGeom>
+          <a:ln w="22225">
+            <a:solidFill>
+              <a:srgbClr val="6AD4F5"/>
+            </a:solidFill>
+          </a:ln>
+        </p:spPr>
+        <p:style>
+          <a:lnRef idx="3">
+            <a:schemeClr val="accent1"/>
+          </a:lnRef>
+          <a:fillRef idx="0">
+            <a:schemeClr val="accent1"/>
+          </a:fillRef>
+          <a:effectRef idx="2">
+            <a:schemeClr val="accent1"/>
+          </a:effectRef>
+          <a:fontRef idx="minor">
+            <a:schemeClr val="tx1"/>
+          </a:fontRef>
+        </p:style>
+      </p:cxnSp>
+      <p:cxnSp>
+        <p:nvCxnSpPr>
+          <p:cNvPr id="130" name="Straight Connector 129"/>
+          <p:cNvCxnSpPr/>
+          <p:nvPr/>
+        </p:nvCxnSpPr>
+        <p:spPr>
+          <a:xfrm flipH="1">
+            <a:off x="7979344" y="1940362"/>
+            <a:ext cx="1313" cy="237563"/>
+          </a:xfrm>
+          <a:prstGeom prst="line">
+            <a:avLst/>
+          </a:prstGeom>
+          <a:ln w="22225">
+            <a:solidFill>
+              <a:srgbClr val="6AD4F5"/>
+            </a:solidFill>
+          </a:ln>
+        </p:spPr>
+        <p:style>
+          <a:lnRef idx="3">
+            <a:schemeClr val="accent1"/>
+          </a:lnRef>
+          <a:fillRef idx="0">
+            <a:schemeClr val="accent1"/>
+          </a:fillRef>
+          <a:effectRef idx="2">
+            <a:schemeClr val="accent1"/>
+          </a:effectRef>
+          <a:fontRef idx="minor">
+            <a:schemeClr val="tx1"/>
+          </a:fontRef>
+        </p:style>
+      </p:cxnSp>
+      <p:cxnSp>
+        <p:nvCxnSpPr>
+          <p:cNvPr id="131" name="Straight Connector 130"/>
+          <p:cNvCxnSpPr/>
+          <p:nvPr/>
+        </p:nvCxnSpPr>
+        <p:spPr>
+          <a:xfrm>
+            <a:off x="6130354" y="2044040"/>
+            <a:ext cx="394" cy="127511"/>
+          </a:xfrm>
+          <a:prstGeom prst="line">
+            <a:avLst/>
+          </a:prstGeom>
+          <a:ln w="22225">
+            <a:solidFill>
+              <a:srgbClr val="6AD4F5"/>
+            </a:solidFill>
+          </a:ln>
+        </p:spPr>
+        <p:style>
+          <a:lnRef idx="3">
+            <a:schemeClr val="accent1"/>
+          </a:lnRef>
+          <a:fillRef idx="0">
+            <a:schemeClr val="accent1"/>
+          </a:fillRef>
+          <a:effectRef idx="2">
+            <a:schemeClr val="accent1"/>
+          </a:effectRef>
+          <a:fontRef idx="minor">
+            <a:schemeClr val="tx1"/>
+          </a:fontRef>
+        </p:style>
+      </p:cxnSp>
+      <p:cxnSp>
+        <p:nvCxnSpPr>
+          <p:cNvPr id="140" name="Straight Connector 139"/>
+          <p:cNvCxnSpPr/>
+          <p:nvPr/>
+        </p:nvCxnSpPr>
+        <p:spPr>
+          <a:xfrm flipH="1">
+            <a:off x="7974295" y="1951179"/>
+            <a:ext cx="469742" cy="1430"/>
+          </a:xfrm>
+          <a:prstGeom prst="line">
+            <a:avLst/>
+          </a:prstGeom>
+          <a:ln w="22225">
+            <a:solidFill>
+              <a:srgbClr val="6ED3F4"/>
+            </a:solidFill>
+          </a:ln>
+        </p:spPr>
+        <p:style>
+          <a:lnRef idx="3">
+            <a:schemeClr val="accent1"/>
+          </a:lnRef>
+          <a:fillRef idx="0">
+            <a:schemeClr val="accent1"/>
+          </a:fillRef>
+          <a:effectRef idx="2">
+            <a:schemeClr val="accent1"/>
+          </a:effectRef>
+          <a:fontRef idx="minor">
+            <a:schemeClr val="tx1"/>
+          </a:fontRef>
+        </p:style>
+      </p:cxnSp>
+      <p:cxnSp>
+        <p:nvCxnSpPr>
+          <p:cNvPr id="150" name="Straight Connector 149"/>
+          <p:cNvCxnSpPr/>
+          <p:nvPr/>
+        </p:nvCxnSpPr>
+        <p:spPr>
+          <a:xfrm>
+            <a:off x="8380405" y="2142112"/>
+            <a:ext cx="76854" cy="615"/>
+          </a:xfrm>
+          <a:prstGeom prst="line">
+            <a:avLst/>
+          </a:prstGeom>
+          <a:ln w="22225">
+            <a:solidFill>
+              <a:srgbClr val="6ED3F4"/>
+            </a:solidFill>
+          </a:ln>
+        </p:spPr>
+        <p:style>
+          <a:lnRef idx="3">
+            <a:schemeClr val="accent1"/>
+          </a:lnRef>
+          <a:fillRef idx="0">
+            <a:schemeClr val="accent1"/>
+          </a:fillRef>
+          <a:effectRef idx="2">
+            <a:schemeClr val="accent1"/>
+          </a:effectRef>
+          <a:fontRef idx="minor">
+            <a:schemeClr val="tx1"/>
+          </a:fontRef>
+        </p:style>
+      </p:cxnSp>
+      <p:sp>
+        <p:nvSpPr>
+          <p:cNvPr id="173" name="TextBox 172"/>
+          <p:cNvSpPr txBox="1"/>
+          <p:nvPr/>
+        </p:nvSpPr>
+        <p:spPr>
+          <a:xfrm>
+            <a:off x="5087191" y="438998"/>
+            <a:ext cx="245039" cy="276999"/>
+          </a:xfrm>
+          <a:prstGeom prst="rect">
+            <a:avLst/>
+          </a:prstGeom>
+          <a:noFill/>
+        </p:spPr>
+        <p:txBody>
+          <a:bodyPr wrap="square" rtlCol="0">
+            <a:spAutoFit/>
+          </a:bodyPr>
+          <a:lstStyle/>
+          <a:p>
+            <a:r>
+              <a:rPr lang="en-US" sz="1200" dirty="0" smtClean="0">
+                <a:solidFill>
+                  <a:srgbClr val="CC3300"/>
+                </a:solidFill>
+              </a:rPr>
+              <a:t>0</a:t>
+            </a:r>
+            <a:endParaRPr lang="en-US" sz="1200" dirty="0">
+              <a:solidFill>
+                <a:srgbClr val="CC3300"/>
+              </a:solidFill>
+            </a:endParaRPr>
+          </a:p>
+        </p:txBody>
+      </p:sp>
+      <p:cxnSp>
+        <p:nvCxnSpPr>
+          <p:cNvPr id="174" name="Straight Connector 173"/>
+          <p:cNvCxnSpPr>
+            <a:endCxn id="163" idx="1"/>
+          </p:cNvCxnSpPr>
+          <p:nvPr/>
+        </p:nvCxnSpPr>
+        <p:spPr>
+          <a:xfrm flipH="1" flipV="1">
+            <a:off x="8399209" y="402074"/>
+            <a:ext cx="222838" cy="116978"/>
+          </a:xfrm>
+          <a:prstGeom prst="line">
+            <a:avLst/>
+          </a:prstGeom>
+          <a:ln w="28575">
+            <a:solidFill>
+              <a:srgbClr val="CC3300"/>
+            </a:solidFill>
+          </a:ln>
+        </p:spPr>
+        <p:style>
+          <a:lnRef idx="3">
+            <a:schemeClr val="accent1"/>
+          </a:lnRef>
+          <a:fillRef idx="0">
+            <a:schemeClr val="accent1"/>
+          </a:fillRef>
+          <a:effectRef idx="2">
+            <a:schemeClr val="accent1"/>
+          </a:effectRef>
+          <a:fontRef idx="minor">
+            <a:schemeClr val="tx1"/>
+          </a:fontRef>
+        </p:style>
+      </p:cxnSp>
+      <p:cxnSp>
+        <p:nvCxnSpPr>
+          <p:cNvPr id="176" name="Straight Connector 175"/>
+          <p:cNvCxnSpPr/>
+          <p:nvPr/>
+        </p:nvCxnSpPr>
+        <p:spPr>
+          <a:xfrm flipH="1">
+            <a:off x="5108846" y="396066"/>
+            <a:ext cx="211906" cy="1503"/>
+          </a:xfrm>
+          <a:prstGeom prst="line">
+            <a:avLst/>
+          </a:prstGeom>
+          <a:ln w="28575">
+            <a:solidFill>
+              <a:srgbClr val="CC3300"/>
+            </a:solidFill>
+          </a:ln>
+        </p:spPr>
+        <p:style>
+          <a:lnRef idx="3">
+            <a:schemeClr val="accent1"/>
+          </a:lnRef>
+          <a:fillRef idx="0">
+            <a:schemeClr val="accent1"/>
+          </a:fillRef>
+          <a:effectRef idx="2">
+            <a:schemeClr val="accent1"/>
+          </a:effectRef>
+          <a:fontRef idx="minor">
+            <a:schemeClr val="tx1"/>
+          </a:fontRef>
+        </p:style>
+      </p:cxnSp>
+      <p:sp>
+        <p:nvSpPr>
+          <p:cNvPr id="180" name="TextBox 179"/>
+          <p:cNvSpPr txBox="1"/>
+          <p:nvPr/>
+        </p:nvSpPr>
+        <p:spPr>
+          <a:xfrm>
+            <a:off x="4523002" y="438305"/>
+            <a:ext cx="679649" cy="276999"/>
+          </a:xfrm>
+          <a:prstGeom prst="rect">
+            <a:avLst/>
+          </a:prstGeom>
+          <a:noFill/>
+        </p:spPr>
+        <p:txBody>
+          <a:bodyPr wrap="square" rtlCol="0">
+            <a:spAutoFit/>
+          </a:bodyPr>
+          <a:lstStyle/>
+          <a:p>
+            <a:r>
+              <a:rPr lang="en-US" sz="1200" dirty="0" smtClean="0">
+                <a:solidFill>
+                  <a:srgbClr val="CC3300"/>
+                </a:solidFill>
+              </a:rPr>
+              <a:t>SCYCLE</a:t>
+            </a:r>
+            <a:endParaRPr lang="en-US" sz="1200" dirty="0">
+              <a:solidFill>
+                <a:srgbClr val="CC3300"/>
+              </a:solidFill>
+            </a:endParaRPr>
+          </a:p>
+        </p:txBody>
+      </p:sp>
+      <p:sp>
+        <p:nvSpPr>
+          <p:cNvPr id="181" name="TextBox 180"/>
+          <p:cNvSpPr txBox="1"/>
+          <p:nvPr/>
+        </p:nvSpPr>
+        <p:spPr>
+          <a:xfrm>
+            <a:off x="8758042" y="3322459"/>
+            <a:ext cx="245039" cy="276999"/>
+          </a:xfrm>
+          <a:prstGeom prst="rect">
+            <a:avLst/>
+          </a:prstGeom>
+          <a:noFill/>
+        </p:spPr>
+        <p:txBody>
+          <a:bodyPr wrap="square" rtlCol="0">
+            <a:spAutoFit/>
+          </a:bodyPr>
+          <a:lstStyle/>
+          <a:p>
+            <a:r>
+              <a:rPr lang="en-US" sz="1200" dirty="0" smtClean="0">
+                <a:solidFill>
+                  <a:srgbClr val="CC3300"/>
+                </a:solidFill>
+              </a:rPr>
+              <a:t>0</a:t>
+            </a:r>
+            <a:endParaRPr lang="en-US" sz="1200" dirty="0">
+              <a:solidFill>
+                <a:srgbClr val="CC3300"/>
+              </a:solidFill>
+            </a:endParaRPr>
+          </a:p>
+        </p:txBody>
+      </p:sp>
+      <p:cxnSp>
+        <p:nvCxnSpPr>
+          <p:cNvPr id="182" name="Straight Connector 181"/>
+          <p:cNvCxnSpPr/>
+          <p:nvPr/>
+        </p:nvCxnSpPr>
+        <p:spPr>
+          <a:xfrm flipH="1" flipV="1">
+            <a:off x="9446373" y="4272017"/>
+            <a:ext cx="307786" cy="661159"/>
+          </a:xfrm>
+          <a:prstGeom prst="line">
+            <a:avLst/>
+          </a:prstGeom>
+          <a:ln w="28575">
+            <a:solidFill>
+              <a:srgbClr val="CC3300"/>
+            </a:solidFill>
+          </a:ln>
+        </p:spPr>
+        <p:style>
+          <a:lnRef idx="3">
+            <a:schemeClr val="accent1"/>
+          </a:lnRef>
+          <a:fillRef idx="0">
+            <a:schemeClr val="accent1"/>
+          </a:fillRef>
+          <a:effectRef idx="2">
+            <a:schemeClr val="accent1"/>
+          </a:effectRef>
+          <a:fontRef idx="minor">
+            <a:schemeClr val="tx1"/>
+          </a:fontRef>
+        </p:style>
+      </p:cxnSp>
+      <p:sp>
+        <p:nvSpPr>
+          <p:cNvPr id="188" name="TextBox 187"/>
+          <p:cNvSpPr txBox="1"/>
+          <p:nvPr/>
+        </p:nvSpPr>
+        <p:spPr>
+          <a:xfrm>
+            <a:off x="8599580" y="3323802"/>
+            <a:ext cx="245039" cy="276999"/>
+          </a:xfrm>
+          <a:prstGeom prst="rect">
+            <a:avLst/>
+          </a:prstGeom>
+          <a:noFill/>
+        </p:spPr>
+        <p:txBody>
+          <a:bodyPr wrap="square" rtlCol="0">
+            <a:spAutoFit/>
+          </a:bodyPr>
+          <a:lstStyle/>
+          <a:p>
+            <a:r>
+              <a:rPr lang="en-US" sz="1200" dirty="0" smtClean="0">
+                <a:solidFill>
+                  <a:srgbClr val="CC3300"/>
+                </a:solidFill>
+              </a:rPr>
+              <a:t>0</a:t>
+            </a:r>
+            <a:endParaRPr lang="en-US" sz="1200" dirty="0">
+              <a:solidFill>
+                <a:srgbClr val="CC3300"/>
+              </a:solidFill>
+            </a:endParaRPr>
+          </a:p>
+        </p:txBody>
+      </p:sp>
+      <p:sp>
+        <p:nvSpPr>
+          <p:cNvPr id="189" name="TextBox 188"/>
+          <p:cNvSpPr txBox="1"/>
+          <p:nvPr/>
+        </p:nvSpPr>
+        <p:spPr>
+          <a:xfrm>
+            <a:off x="6796862" y="3882376"/>
+            <a:ext cx="245039" cy="276999"/>
+          </a:xfrm>
+          <a:prstGeom prst="rect">
+            <a:avLst/>
+          </a:prstGeom>
+          <a:noFill/>
+        </p:spPr>
+        <p:txBody>
+          <a:bodyPr wrap="square" rtlCol="0">
+            <a:spAutoFit/>
+          </a:bodyPr>
+          <a:lstStyle/>
+          <a:p>
+            <a:r>
+              <a:rPr lang="en-US" sz="1200" dirty="0" smtClean="0">
+                <a:solidFill>
+                  <a:srgbClr val="CC3300"/>
+                </a:solidFill>
+              </a:rPr>
+              <a:t>1</a:t>
+            </a:r>
+            <a:endParaRPr lang="en-US" sz="1200" dirty="0">
+              <a:solidFill>
+                <a:srgbClr val="CC3300"/>
+              </a:solidFill>
+            </a:endParaRPr>
+          </a:p>
+        </p:txBody>
+      </p:sp>
+      <p:sp>
+        <p:nvSpPr>
+          <p:cNvPr id="190" name="TextBox 189"/>
+          <p:cNvSpPr txBox="1"/>
+          <p:nvPr/>
+        </p:nvSpPr>
+        <p:spPr>
+          <a:xfrm>
+            <a:off x="5711780" y="3168719"/>
+            <a:ext cx="245039" cy="276999"/>
+          </a:xfrm>
+          <a:prstGeom prst="rect">
+            <a:avLst/>
+          </a:prstGeom>
+          <a:noFill/>
+        </p:spPr>
+        <p:txBody>
+          <a:bodyPr wrap="square" rtlCol="0">
+            <a:spAutoFit/>
+          </a:bodyPr>
+          <a:lstStyle/>
+          <a:p>
+            <a:r>
+              <a:rPr lang="en-US" sz="1200" dirty="0" smtClean="0">
+                <a:solidFill>
+                  <a:srgbClr val="CC3300"/>
+                </a:solidFill>
+              </a:rPr>
+              <a:t>1</a:t>
+            </a:r>
+            <a:endParaRPr lang="en-US" sz="1200" dirty="0">
+              <a:solidFill>
+                <a:srgbClr val="CC3300"/>
+              </a:solidFill>
+            </a:endParaRPr>
+          </a:p>
+        </p:txBody>
+      </p:sp>
+      <p:cxnSp>
+        <p:nvCxnSpPr>
+          <p:cNvPr id="191" name="Straight Connector 190"/>
+          <p:cNvCxnSpPr/>
+          <p:nvPr/>
+        </p:nvCxnSpPr>
+        <p:spPr>
+          <a:xfrm flipH="1">
+            <a:off x="6747502" y="4518296"/>
+            <a:ext cx="244183" cy="252724"/>
+          </a:xfrm>
+          <a:prstGeom prst="line">
+            <a:avLst/>
+          </a:prstGeom>
+          <a:ln w="28575">
+            <a:solidFill>
+              <a:srgbClr val="CC3300"/>
+            </a:solidFill>
+          </a:ln>
+        </p:spPr>
+        <p:style>
+          <a:lnRef idx="3">
+            <a:schemeClr val="accent1"/>
+          </a:lnRef>
+          <a:fillRef idx="0">
+            <a:schemeClr val="accent1"/>
+          </a:fillRef>
+          <a:effectRef idx="2">
+            <a:schemeClr val="accent1"/>
+          </a:effectRef>
+          <a:fontRef idx="minor">
+            <a:schemeClr val="tx1"/>
+          </a:fontRef>
+        </p:style>
+      </p:cxnSp>
+      <p:sp>
+        <p:nvSpPr>
+          <p:cNvPr id="108" name="TextBox 107"/>
+          <p:cNvSpPr txBox="1"/>
+          <p:nvPr/>
+        </p:nvSpPr>
+        <p:spPr>
+          <a:xfrm>
+            <a:off x="7984037" y="5752528"/>
+            <a:ext cx="245039" cy="276999"/>
+          </a:xfrm>
+          <a:prstGeom prst="rect">
+            <a:avLst/>
+          </a:prstGeom>
+          <a:noFill/>
+        </p:spPr>
+        <p:txBody>
+          <a:bodyPr wrap="square" rtlCol="0">
+            <a:spAutoFit/>
+          </a:bodyPr>
+          <a:lstStyle/>
+          <a:p>
+            <a:r>
+              <a:rPr lang="en-US" sz="1200" dirty="0" smtClean="0">
+                <a:solidFill>
+                  <a:srgbClr val="CC3300"/>
+                </a:solidFill>
+              </a:rPr>
+              <a:t>0</a:t>
+            </a:r>
+            <a:endParaRPr lang="en-US" sz="1200" dirty="0">
+              <a:solidFill>
+                <a:srgbClr val="CC3300"/>
+              </a:solidFill>
+            </a:endParaRPr>
+          </a:p>
+        </p:txBody>
+      </p:sp>
+      <p:sp>
+        <p:nvSpPr>
+          <p:cNvPr id="2" name="TextBox 1"/>
+          <p:cNvSpPr txBox="1"/>
+          <p:nvPr/>
+        </p:nvSpPr>
+        <p:spPr>
+          <a:xfrm>
+            <a:off x="407181" y="300933"/>
+            <a:ext cx="905163" cy="769441"/>
+          </a:xfrm>
+          <a:prstGeom prst="rect">
+            <a:avLst/>
+          </a:prstGeom>
+          <a:noFill/>
+        </p:spPr>
+        <p:txBody>
+          <a:bodyPr wrap="square" rtlCol="0">
+            <a:spAutoFit/>
+          </a:bodyPr>
+          <a:lstStyle/>
+          <a:p>
+            <a:pPr algn="ctr"/>
+            <a:r>
+              <a:rPr lang="en-US" sz="4400" dirty="0" smtClean="0"/>
+              <a:t>LI</a:t>
+            </a:r>
+            <a:endParaRPr lang="en-US" sz="4400" dirty="0"/>
+          </a:p>
+        </p:txBody>
+      </p:sp>
+    </p:spTree>
+    <p:extLst>
+      <p:ext uri="{BB962C8B-B14F-4D97-AF65-F5344CB8AC3E}">
+        <p14:creationId xmlns:p14="http://schemas.microsoft.com/office/powerpoint/2010/main" val="1226903459"/>
       </p:ext>
     </p:extLst>
   </p:cSld>

--- a/Architecture.pptx
+++ b/Architecture.pptx
@@ -5,7 +5,7 @@
     <p:sldMasterId id="2147483648" r:id="rId1"/>
   </p:sldMasterIdLst>
   <p:notesMasterIdLst>
-    <p:notesMasterId r:id="rId11"/>
+    <p:notesMasterId r:id="rId12"/>
   </p:notesMasterIdLst>
   <p:sldIdLst>
     <p:sldId id="257" r:id="rId2"/>
@@ -17,6 +17,7 @@
     <p:sldId id="264" r:id="rId8"/>
     <p:sldId id="263" r:id="rId9"/>
     <p:sldId id="265" r:id="rId10"/>
+    <p:sldId id="266" r:id="rId11"/>
   </p:sldIdLst>
   <p:sldSz cx="12192000" cy="6858000"/>
   <p:notesSz cx="6858000" cy="9144000"/>
@@ -7194,6 +7195,3932 @@
     <p:extLst>
       <p:ext uri="{BB962C8B-B14F-4D97-AF65-F5344CB8AC3E}">
         <p14:creationId xmlns:p14="http://schemas.microsoft.com/office/powerpoint/2010/main" val="935639813"/>
+      </p:ext>
+    </p:extLst>
+  </p:cSld>
+  <p:clrMapOvr>
+    <a:masterClrMapping/>
+  </p:clrMapOvr>
+</p:sld>
+</file>
+
+<file path=ppt/slides/slide10.xml><?xml version="1.0" encoding="utf-8"?>
+<p:sld xmlns:a="http://schemas.openxmlformats.org/drawingml/2006/main" xmlns:r="http://schemas.openxmlformats.org/officeDocument/2006/relationships" xmlns:p="http://schemas.openxmlformats.org/presentationml/2006/main">
+  <p:cSld>
+    <p:spTree>
+      <p:nvGrpSpPr>
+        <p:cNvPr id="1" name=""/>
+        <p:cNvGrpSpPr/>
+        <p:nvPr/>
+      </p:nvGrpSpPr>
+      <p:grpSpPr>
+        <a:xfrm>
+          <a:off x="0" y="0"/>
+          <a:ext cx="0" cy="0"/>
+          <a:chOff x="0" y="0"/>
+          <a:chExt cx="0" cy="0"/>
+        </a:xfrm>
+      </p:grpSpPr>
+      <p:pic>
+        <p:nvPicPr>
+          <p:cNvPr id="5" name="Picture 4"/>
+          <p:cNvPicPr>
+            <a:picLocks noChangeAspect="1"/>
+          </p:cNvPicPr>
+          <p:nvPr/>
+        </p:nvPicPr>
+        <p:blipFill>
+          <a:blip r:embed="rId2">
+            <a:extLst>
+              <a:ext uri="{28A0092B-C50C-407E-A947-70E740481C1C}">
+                <a14:useLocalDpi xmlns:a14="http://schemas.microsoft.com/office/drawing/2010/main" val="0"/>
+              </a:ext>
+            </a:extLst>
+          </a:blip>
+          <a:stretch>
+            <a:fillRect/>
+          </a:stretch>
+        </p:blipFill>
+        <p:spPr>
+          <a:xfrm>
+            <a:off x="2036231" y="209473"/>
+            <a:ext cx="8040641" cy="6351431"/>
+          </a:xfrm>
+          <a:prstGeom prst="rect">
+            <a:avLst/>
+          </a:prstGeom>
+        </p:spPr>
+      </p:pic>
+      <p:grpSp>
+        <p:nvGrpSpPr>
+          <p:cNvPr id="18" name="Group 17"/>
+          <p:cNvGrpSpPr/>
+          <p:nvPr/>
+        </p:nvGrpSpPr>
+        <p:grpSpPr>
+          <a:xfrm>
+            <a:off x="8340945" y="304800"/>
+            <a:ext cx="759772" cy="1845733"/>
+            <a:chOff x="8340945" y="304800"/>
+            <a:chExt cx="759772" cy="1845733"/>
+          </a:xfrm>
+        </p:grpSpPr>
+        <p:sp>
+          <p:nvSpPr>
+            <p:cNvPr id="10" name="Rectangle 9"/>
+            <p:cNvSpPr/>
+            <p:nvPr/>
+          </p:nvSpPr>
+          <p:spPr>
+            <a:xfrm>
+              <a:off x="8528062" y="304800"/>
+              <a:ext cx="572655" cy="1845733"/>
+            </a:xfrm>
+            <a:prstGeom prst="rect">
+              <a:avLst/>
+            </a:prstGeom>
+            <a:solidFill>
+              <a:schemeClr val="bg1"/>
+            </a:solidFill>
+            <a:ln>
+              <a:noFill/>
+            </a:ln>
+          </p:spPr>
+          <p:style>
+            <a:lnRef idx="2">
+              <a:schemeClr val="accent1">
+                <a:shade val="50000"/>
+              </a:schemeClr>
+            </a:lnRef>
+            <a:fillRef idx="1">
+              <a:schemeClr val="accent1"/>
+            </a:fillRef>
+            <a:effectRef idx="0">
+              <a:schemeClr val="accent1"/>
+            </a:effectRef>
+            <a:fontRef idx="minor">
+              <a:schemeClr val="lt1"/>
+            </a:fontRef>
+          </p:style>
+          <p:txBody>
+            <a:bodyPr rtlCol="0" anchor="ctr"/>
+            <a:lstStyle/>
+            <a:p>
+              <a:pPr algn="ctr"/>
+              <a:endParaRPr lang="en-US"/>
+            </a:p>
+          </p:txBody>
+        </p:sp>
+        <p:sp>
+          <p:nvSpPr>
+            <p:cNvPr id="16" name="Rectangle 15"/>
+            <p:cNvSpPr/>
+            <p:nvPr/>
+          </p:nvSpPr>
+          <p:spPr>
+            <a:xfrm>
+              <a:off x="8340945" y="734177"/>
+              <a:ext cx="430519" cy="933756"/>
+            </a:xfrm>
+            <a:prstGeom prst="rect">
+              <a:avLst/>
+            </a:prstGeom>
+            <a:solidFill>
+              <a:schemeClr val="bg1"/>
+            </a:solidFill>
+            <a:ln>
+              <a:noFill/>
+            </a:ln>
+          </p:spPr>
+          <p:style>
+            <a:lnRef idx="2">
+              <a:schemeClr val="accent1">
+                <a:shade val="50000"/>
+              </a:schemeClr>
+            </a:lnRef>
+            <a:fillRef idx="1">
+              <a:schemeClr val="accent1"/>
+            </a:fillRef>
+            <a:effectRef idx="0">
+              <a:schemeClr val="accent1"/>
+            </a:effectRef>
+            <a:fontRef idx="minor">
+              <a:schemeClr val="lt1"/>
+            </a:fontRef>
+          </p:style>
+          <p:txBody>
+            <a:bodyPr rtlCol="0" anchor="ctr"/>
+            <a:lstStyle/>
+            <a:p>
+              <a:pPr algn="ctr"/>
+              <a:endParaRPr lang="en-US"/>
+            </a:p>
+          </p:txBody>
+        </p:sp>
+      </p:grpSp>
+      <p:sp>
+        <p:nvSpPr>
+          <p:cNvPr id="6" name="TextBox 5"/>
+          <p:cNvSpPr txBox="1"/>
+          <p:nvPr/>
+        </p:nvSpPr>
+        <p:spPr>
+          <a:xfrm>
+            <a:off x="3401900" y="156140"/>
+            <a:ext cx="849745" cy="276999"/>
+          </a:xfrm>
+          <a:prstGeom prst="rect">
+            <a:avLst/>
+          </a:prstGeom>
+          <a:noFill/>
+        </p:spPr>
+        <p:txBody>
+          <a:bodyPr wrap="square" rtlCol="0">
+            <a:spAutoFit/>
+          </a:bodyPr>
+          <a:lstStyle/>
+          <a:p>
+            <a:r>
+              <a:rPr lang="en-US" sz="1200" dirty="0" smtClean="0">
+                <a:solidFill>
+                  <a:srgbClr val="CC3300"/>
+                </a:solidFill>
+              </a:rPr>
+              <a:t>PC_nxt</a:t>
+            </a:r>
+            <a:endParaRPr lang="en-US" sz="1200" dirty="0">
+              <a:solidFill>
+                <a:srgbClr val="CC3300"/>
+              </a:solidFill>
+            </a:endParaRPr>
+          </a:p>
+        </p:txBody>
+      </p:sp>
+      <p:sp>
+        <p:nvSpPr>
+          <p:cNvPr id="7" name="TextBox 6"/>
+          <p:cNvSpPr txBox="1"/>
+          <p:nvPr/>
+        </p:nvSpPr>
+        <p:spPr>
+          <a:xfrm>
+            <a:off x="8608239" y="1280366"/>
+            <a:ext cx="1296313" cy="461665"/>
+          </a:xfrm>
+          <a:prstGeom prst="rect">
+            <a:avLst/>
+          </a:prstGeom>
+          <a:noFill/>
+        </p:spPr>
+        <p:txBody>
+          <a:bodyPr wrap="square" rtlCol="0">
+            <a:spAutoFit/>
+          </a:bodyPr>
+          <a:lstStyle/>
+          <a:p>
+            <a:r>
+              <a:rPr lang="en-US" sz="1200" dirty="0" smtClean="0">
+                <a:solidFill>
+                  <a:srgbClr val="CC3300"/>
+                </a:solidFill>
+              </a:rPr>
+              <a:t>PC+(ImmOut &lt;&lt;1)</a:t>
+            </a:r>
+          </a:p>
+          <a:p>
+            <a:r>
+              <a:rPr lang="en-US" sz="1200" dirty="0" smtClean="0">
+                <a:solidFill>
+                  <a:srgbClr val="CC3300"/>
+                </a:solidFill>
+              </a:rPr>
+              <a:t>[JAL, BEQ, … ]</a:t>
+            </a:r>
+            <a:endParaRPr lang="en-US" sz="1200" dirty="0">
+              <a:solidFill>
+                <a:srgbClr val="CC3300"/>
+              </a:solidFill>
+            </a:endParaRPr>
+          </a:p>
+        </p:txBody>
+      </p:sp>
+      <p:sp>
+        <p:nvSpPr>
+          <p:cNvPr id="9" name="TextBox 8"/>
+          <p:cNvSpPr txBox="1"/>
+          <p:nvPr/>
+        </p:nvSpPr>
+        <p:spPr>
+          <a:xfrm>
+            <a:off x="8622047" y="647155"/>
+            <a:ext cx="1886683" cy="461665"/>
+          </a:xfrm>
+          <a:prstGeom prst="rect">
+            <a:avLst/>
+          </a:prstGeom>
+          <a:noFill/>
+        </p:spPr>
+        <p:txBody>
+          <a:bodyPr wrap="square" rtlCol="0">
+            <a:spAutoFit/>
+          </a:bodyPr>
+          <a:lstStyle/>
+          <a:p>
+            <a:r>
+              <a:rPr lang="en-US" sz="1200" dirty="0" smtClean="0">
+                <a:solidFill>
+                  <a:srgbClr val="CC3300"/>
+                </a:solidFill>
+              </a:rPr>
+              <a:t>PC+4</a:t>
+            </a:r>
+          </a:p>
+          <a:p>
+            <a:r>
+              <a:rPr lang="en-US" sz="1200" dirty="0" smtClean="0">
+                <a:solidFill>
+                  <a:srgbClr val="CC3300"/>
+                </a:solidFill>
+              </a:rPr>
+              <a:t>[Arithmetic, …]</a:t>
+            </a:r>
+            <a:endParaRPr lang="en-US" sz="1200" dirty="0">
+              <a:solidFill>
+                <a:srgbClr val="CC3300"/>
+              </a:solidFill>
+            </a:endParaRPr>
+          </a:p>
+        </p:txBody>
+      </p:sp>
+      <p:cxnSp>
+        <p:nvCxnSpPr>
+          <p:cNvPr id="20" name="Straight Connector 19"/>
+          <p:cNvCxnSpPr/>
+          <p:nvPr/>
+        </p:nvCxnSpPr>
+        <p:spPr>
+          <a:xfrm flipH="1" flipV="1">
+            <a:off x="8613775" y="282913"/>
+            <a:ext cx="2270024" cy="10988"/>
+          </a:xfrm>
+          <a:prstGeom prst="line">
+            <a:avLst/>
+          </a:prstGeom>
+          <a:ln w="28575">
+            <a:solidFill>
+              <a:srgbClr val="7F8084"/>
+            </a:solidFill>
+          </a:ln>
+        </p:spPr>
+        <p:style>
+          <a:lnRef idx="3">
+            <a:schemeClr val="accent1"/>
+          </a:lnRef>
+          <a:fillRef idx="0">
+            <a:schemeClr val="accent1"/>
+          </a:fillRef>
+          <a:effectRef idx="2">
+            <a:schemeClr val="accent1"/>
+          </a:effectRef>
+          <a:fontRef idx="minor">
+            <a:schemeClr val="tx1"/>
+          </a:fontRef>
+        </p:style>
+      </p:cxnSp>
+      <p:sp>
+        <p:nvSpPr>
+          <p:cNvPr id="48" name="Rectangle 47"/>
+          <p:cNvSpPr/>
+          <p:nvPr/>
+        </p:nvSpPr>
+        <p:spPr>
+          <a:xfrm>
+            <a:off x="10249345" y="988822"/>
+            <a:ext cx="600003" cy="1336155"/>
+          </a:xfrm>
+          <a:prstGeom prst="rect">
+            <a:avLst/>
+          </a:prstGeom>
+          <a:solidFill>
+            <a:schemeClr val="bg1"/>
+          </a:solidFill>
+          <a:ln>
+            <a:noFill/>
+          </a:ln>
+        </p:spPr>
+        <p:style>
+          <a:lnRef idx="2">
+            <a:schemeClr val="accent1">
+              <a:shade val="50000"/>
+            </a:schemeClr>
+          </a:lnRef>
+          <a:fillRef idx="1">
+            <a:schemeClr val="accent1"/>
+          </a:fillRef>
+          <a:effectRef idx="0">
+            <a:schemeClr val="accent1"/>
+          </a:effectRef>
+          <a:fontRef idx="minor">
+            <a:schemeClr val="lt1"/>
+          </a:fontRef>
+        </p:style>
+        <p:txBody>
+          <a:bodyPr rtlCol="0" anchor="ctr"/>
+          <a:lstStyle/>
+          <a:p>
+            <a:pPr algn="ctr"/>
+            <a:endParaRPr lang="en-US"/>
+          </a:p>
+        </p:txBody>
+      </p:sp>
+      <p:sp>
+        <p:nvSpPr>
+          <p:cNvPr id="49" name="Rectangle 48"/>
+          <p:cNvSpPr/>
+          <p:nvPr/>
+        </p:nvSpPr>
+        <p:spPr>
+          <a:xfrm>
+            <a:off x="9402099" y="2556934"/>
+            <a:ext cx="600003" cy="2707846"/>
+          </a:xfrm>
+          <a:prstGeom prst="rect">
+            <a:avLst/>
+          </a:prstGeom>
+          <a:solidFill>
+            <a:schemeClr val="bg1"/>
+          </a:solidFill>
+          <a:ln>
+            <a:noFill/>
+          </a:ln>
+        </p:spPr>
+        <p:style>
+          <a:lnRef idx="2">
+            <a:schemeClr val="accent1">
+              <a:shade val="50000"/>
+            </a:schemeClr>
+          </a:lnRef>
+          <a:fillRef idx="1">
+            <a:schemeClr val="accent1"/>
+          </a:fillRef>
+          <a:effectRef idx="0">
+            <a:schemeClr val="accent1"/>
+          </a:effectRef>
+          <a:fontRef idx="minor">
+            <a:schemeClr val="lt1"/>
+          </a:fontRef>
+        </p:style>
+        <p:txBody>
+          <a:bodyPr rtlCol="0" anchor="ctr"/>
+          <a:lstStyle/>
+          <a:p>
+            <a:pPr algn="ctr"/>
+            <a:endParaRPr lang="en-US"/>
+          </a:p>
+        </p:txBody>
+      </p:sp>
+      <p:grpSp>
+        <p:nvGrpSpPr>
+          <p:cNvPr id="47" name="Group 46"/>
+          <p:cNvGrpSpPr/>
+          <p:nvPr/>
+        </p:nvGrpSpPr>
+        <p:grpSpPr>
+          <a:xfrm>
+            <a:off x="9315603" y="3588525"/>
+            <a:ext cx="916808" cy="1438537"/>
+            <a:chOff x="10993273" y="1946651"/>
+            <a:chExt cx="686607" cy="1438537"/>
+          </a:xfrm>
+        </p:grpSpPr>
+        <p:pic>
+          <p:nvPicPr>
+            <p:cNvPr id="15" name="Picture 14"/>
+            <p:cNvPicPr>
+              <a:picLocks noChangeAspect="1"/>
+            </p:cNvPicPr>
+            <p:nvPr/>
+          </p:nvPicPr>
+          <p:blipFill>
+            <a:blip r:embed="rId3">
+              <a:extLst>
+                <a:ext uri="{28A0092B-C50C-407E-A947-70E740481C1C}">
+                  <a14:useLocalDpi xmlns:a14="http://schemas.microsoft.com/office/drawing/2010/main" val="0"/>
+                </a:ext>
+              </a:extLst>
+            </a:blip>
+            <a:stretch>
+              <a:fillRect/>
+            </a:stretch>
+          </p:blipFill>
+          <p:spPr>
+            <a:xfrm>
+              <a:off x="10993273" y="1946651"/>
+              <a:ext cx="686607" cy="1438537"/>
+            </a:xfrm>
+            <a:prstGeom prst="rect">
+              <a:avLst/>
+            </a:prstGeom>
+          </p:spPr>
+        </p:pic>
+        <p:sp>
+          <p:nvSpPr>
+            <p:cNvPr id="39" name="Rectangle 38"/>
+            <p:cNvSpPr/>
+            <p:nvPr/>
+          </p:nvSpPr>
+          <p:spPr>
+            <a:xfrm>
+              <a:off x="11179641" y="2300778"/>
+              <a:ext cx="326559" cy="685803"/>
+            </a:xfrm>
+            <a:prstGeom prst="rect">
+              <a:avLst/>
+            </a:prstGeom>
+            <a:solidFill>
+              <a:schemeClr val="bg1"/>
+            </a:solidFill>
+            <a:ln>
+              <a:noFill/>
+            </a:ln>
+          </p:spPr>
+          <p:style>
+            <a:lnRef idx="2">
+              <a:schemeClr val="accent1">
+                <a:shade val="50000"/>
+              </a:schemeClr>
+            </a:lnRef>
+            <a:fillRef idx="1">
+              <a:schemeClr val="accent1"/>
+            </a:fillRef>
+            <a:effectRef idx="0">
+              <a:schemeClr val="accent1"/>
+            </a:effectRef>
+            <a:fontRef idx="minor">
+              <a:schemeClr val="lt1"/>
+            </a:fontRef>
+          </p:style>
+          <p:txBody>
+            <a:bodyPr rtlCol="0" anchor="ctr"/>
+            <a:lstStyle/>
+            <a:p>
+              <a:pPr algn="ctr"/>
+              <a:endParaRPr lang="en-US"/>
+            </a:p>
+          </p:txBody>
+        </p:sp>
+      </p:grpSp>
+      <p:cxnSp>
+        <p:nvCxnSpPr>
+          <p:cNvPr id="42" name="Straight Connector 41"/>
+          <p:cNvCxnSpPr/>
+          <p:nvPr/>
+        </p:nvCxnSpPr>
+        <p:spPr>
+          <a:xfrm flipV="1">
+            <a:off x="9726642" y="2555393"/>
+            <a:ext cx="0" cy="1067000"/>
+          </a:xfrm>
+          <a:prstGeom prst="line">
+            <a:avLst/>
+          </a:prstGeom>
+          <a:ln w="28575">
+            <a:solidFill>
+              <a:srgbClr val="CC3300"/>
+            </a:solidFill>
+            <a:headEnd type="stealth" w="lg" len="lg"/>
+          </a:ln>
+        </p:spPr>
+        <p:style>
+          <a:lnRef idx="3">
+            <a:schemeClr val="accent1"/>
+          </a:lnRef>
+          <a:fillRef idx="0">
+            <a:schemeClr val="accent1"/>
+          </a:fillRef>
+          <a:effectRef idx="2">
+            <a:schemeClr val="accent1"/>
+          </a:effectRef>
+          <a:fontRef idx="minor">
+            <a:schemeClr val="tx1"/>
+          </a:fontRef>
+        </p:style>
+      </p:cxnSp>
+      <p:cxnSp>
+        <p:nvCxnSpPr>
+          <p:cNvPr id="53" name="Straight Connector 52"/>
+          <p:cNvCxnSpPr/>
+          <p:nvPr/>
+        </p:nvCxnSpPr>
+        <p:spPr>
+          <a:xfrm flipH="1">
+            <a:off x="9392719" y="2567305"/>
+            <a:ext cx="334783" cy="1"/>
+          </a:xfrm>
+          <a:prstGeom prst="line">
+            <a:avLst/>
+          </a:prstGeom>
+          <a:ln w="19050">
+            <a:solidFill>
+              <a:srgbClr val="42C4F1"/>
+            </a:solidFill>
+          </a:ln>
+        </p:spPr>
+        <p:style>
+          <a:lnRef idx="3">
+            <a:schemeClr val="accent1"/>
+          </a:lnRef>
+          <a:fillRef idx="0">
+            <a:schemeClr val="accent1"/>
+          </a:fillRef>
+          <a:effectRef idx="2">
+            <a:schemeClr val="accent1"/>
+          </a:effectRef>
+          <a:fontRef idx="minor">
+            <a:schemeClr val="tx1"/>
+          </a:fontRef>
+        </p:style>
+      </p:cxnSp>
+      <p:cxnSp>
+        <p:nvCxnSpPr>
+          <p:cNvPr id="63" name="Straight Connector 62"/>
+          <p:cNvCxnSpPr/>
+          <p:nvPr/>
+        </p:nvCxnSpPr>
+        <p:spPr>
+          <a:xfrm flipV="1">
+            <a:off x="10156633" y="3931182"/>
+            <a:ext cx="350575" cy="1252"/>
+          </a:xfrm>
+          <a:prstGeom prst="line">
+            <a:avLst/>
+          </a:prstGeom>
+          <a:ln w="28575">
+            <a:solidFill>
+              <a:srgbClr val="CC3300"/>
+            </a:solidFill>
+            <a:headEnd type="stealth" w="lg" len="lg"/>
+          </a:ln>
+        </p:spPr>
+        <p:style>
+          <a:lnRef idx="3">
+            <a:schemeClr val="accent1"/>
+          </a:lnRef>
+          <a:fillRef idx="0">
+            <a:schemeClr val="accent1"/>
+          </a:fillRef>
+          <a:effectRef idx="2">
+            <a:schemeClr val="accent1"/>
+          </a:effectRef>
+          <a:fontRef idx="minor">
+            <a:schemeClr val="tx1"/>
+          </a:fontRef>
+        </p:style>
+      </p:cxnSp>
+      <p:sp>
+        <p:nvSpPr>
+          <p:cNvPr id="40" name="TextBox 39"/>
+          <p:cNvSpPr txBox="1"/>
+          <p:nvPr/>
+        </p:nvSpPr>
+        <p:spPr>
+          <a:xfrm>
+            <a:off x="9802532" y="3782369"/>
+            <a:ext cx="457200" cy="307777"/>
+          </a:xfrm>
+          <a:prstGeom prst="rect">
+            <a:avLst/>
+          </a:prstGeom>
+          <a:noFill/>
+        </p:spPr>
+        <p:txBody>
+          <a:bodyPr wrap="square" rtlCol="0">
+            <a:spAutoFit/>
+          </a:bodyPr>
+          <a:lstStyle/>
+          <a:p>
+            <a:r>
+              <a:rPr lang="en-US" sz="1400" dirty="0" smtClean="0">
+                <a:solidFill>
+                  <a:srgbClr val="CC3300"/>
+                </a:solidFill>
+              </a:rPr>
+              <a:t>00</a:t>
+            </a:r>
+            <a:endParaRPr lang="en-US" sz="1400" dirty="0">
+              <a:solidFill>
+                <a:srgbClr val="CC3300"/>
+              </a:solidFill>
+            </a:endParaRPr>
+          </a:p>
+        </p:txBody>
+      </p:sp>
+      <p:pic>
+        <p:nvPicPr>
+          <p:cNvPr id="38" name="Picture 37"/>
+          <p:cNvPicPr>
+            <a:picLocks noChangeAspect="1"/>
+          </p:cNvPicPr>
+          <p:nvPr/>
+        </p:nvPicPr>
+        <p:blipFill>
+          <a:blip r:embed="rId4"/>
+          <a:stretch>
+            <a:fillRect/>
+          </a:stretch>
+        </p:blipFill>
+        <p:spPr>
+          <a:xfrm>
+            <a:off x="9711822" y="4001921"/>
+            <a:ext cx="165108" cy="495325"/>
+          </a:xfrm>
+          <a:prstGeom prst="rect">
+            <a:avLst/>
+          </a:prstGeom>
+        </p:spPr>
+      </p:pic>
+      <p:cxnSp>
+        <p:nvCxnSpPr>
+          <p:cNvPr id="70" name="Straight Connector 69"/>
+          <p:cNvCxnSpPr/>
+          <p:nvPr/>
+        </p:nvCxnSpPr>
+        <p:spPr>
+          <a:xfrm>
+            <a:off x="10156629" y="4262639"/>
+            <a:ext cx="524644" cy="915"/>
+          </a:xfrm>
+          <a:prstGeom prst="line">
+            <a:avLst/>
+          </a:prstGeom>
+          <a:ln w="28575">
+            <a:solidFill>
+              <a:srgbClr val="CC3300"/>
+            </a:solidFill>
+            <a:headEnd type="stealth" w="lg" len="lg"/>
+          </a:ln>
+        </p:spPr>
+        <p:style>
+          <a:lnRef idx="3">
+            <a:schemeClr val="accent1"/>
+          </a:lnRef>
+          <a:fillRef idx="0">
+            <a:schemeClr val="accent1"/>
+          </a:fillRef>
+          <a:effectRef idx="2">
+            <a:schemeClr val="accent1"/>
+          </a:effectRef>
+          <a:fontRef idx="minor">
+            <a:schemeClr val="tx1"/>
+          </a:fontRef>
+        </p:style>
+      </p:cxnSp>
+      <p:cxnSp>
+        <p:nvCxnSpPr>
+          <p:cNvPr id="71" name="Straight Connector 70"/>
+          <p:cNvCxnSpPr/>
+          <p:nvPr/>
+        </p:nvCxnSpPr>
+        <p:spPr>
+          <a:xfrm flipH="1">
+            <a:off x="8338288" y="882131"/>
+            <a:ext cx="2139017" cy="1904"/>
+          </a:xfrm>
+          <a:prstGeom prst="line">
+            <a:avLst/>
+          </a:prstGeom>
+          <a:ln w="28575">
+            <a:solidFill>
+              <a:srgbClr val="7F8084"/>
+            </a:solidFill>
+          </a:ln>
+        </p:spPr>
+        <p:style>
+          <a:lnRef idx="3">
+            <a:schemeClr val="accent1"/>
+          </a:lnRef>
+          <a:fillRef idx="0">
+            <a:schemeClr val="accent1"/>
+          </a:fillRef>
+          <a:effectRef idx="2">
+            <a:schemeClr val="accent1"/>
+          </a:effectRef>
+          <a:fontRef idx="minor">
+            <a:schemeClr val="tx1"/>
+          </a:fontRef>
+        </p:style>
+      </p:cxnSp>
+      <p:cxnSp>
+        <p:nvCxnSpPr>
+          <p:cNvPr id="74" name="Straight Connector 73"/>
+          <p:cNvCxnSpPr/>
+          <p:nvPr/>
+        </p:nvCxnSpPr>
+        <p:spPr>
+          <a:xfrm flipH="1" flipV="1">
+            <a:off x="10489342" y="871018"/>
+            <a:ext cx="7032" cy="3060518"/>
+          </a:xfrm>
+          <a:prstGeom prst="line">
+            <a:avLst/>
+          </a:prstGeom>
+          <a:ln w="28575">
+            <a:solidFill>
+              <a:srgbClr val="CC3300"/>
+            </a:solidFill>
+          </a:ln>
+        </p:spPr>
+        <p:style>
+          <a:lnRef idx="3">
+            <a:schemeClr val="accent1"/>
+          </a:lnRef>
+          <a:fillRef idx="0">
+            <a:schemeClr val="accent1"/>
+          </a:fillRef>
+          <a:effectRef idx="2">
+            <a:schemeClr val="accent1"/>
+          </a:effectRef>
+          <a:fontRef idx="minor">
+            <a:schemeClr val="tx1"/>
+          </a:fontRef>
+        </p:style>
+      </p:cxnSp>
+      <p:cxnSp>
+        <p:nvCxnSpPr>
+          <p:cNvPr id="85" name="Straight Connector 84"/>
+          <p:cNvCxnSpPr/>
+          <p:nvPr/>
+        </p:nvCxnSpPr>
+        <p:spPr>
+          <a:xfrm flipH="1" flipV="1">
+            <a:off x="8330856" y="1504871"/>
+            <a:ext cx="2350417" cy="9334"/>
+          </a:xfrm>
+          <a:prstGeom prst="line">
+            <a:avLst/>
+          </a:prstGeom>
+          <a:ln w="28575">
+            <a:solidFill>
+              <a:srgbClr val="7F8084"/>
+            </a:solidFill>
+          </a:ln>
+        </p:spPr>
+        <p:style>
+          <a:lnRef idx="3">
+            <a:schemeClr val="accent1"/>
+          </a:lnRef>
+          <a:fillRef idx="0">
+            <a:schemeClr val="accent1"/>
+          </a:fillRef>
+          <a:effectRef idx="2">
+            <a:schemeClr val="accent1"/>
+          </a:effectRef>
+          <a:fontRef idx="minor">
+            <a:schemeClr val="tx1"/>
+          </a:fontRef>
+        </p:style>
+      </p:cxnSp>
+      <p:cxnSp>
+        <p:nvCxnSpPr>
+          <p:cNvPr id="88" name="Straight Connector 87"/>
+          <p:cNvCxnSpPr/>
+          <p:nvPr/>
+        </p:nvCxnSpPr>
+        <p:spPr>
+          <a:xfrm flipV="1">
+            <a:off x="10678703" y="1503284"/>
+            <a:ext cx="2571" cy="2768733"/>
+          </a:xfrm>
+          <a:prstGeom prst="line">
+            <a:avLst/>
+          </a:prstGeom>
+          <a:ln w="28575">
+            <a:solidFill>
+              <a:srgbClr val="CC3300"/>
+            </a:solidFill>
+          </a:ln>
+        </p:spPr>
+        <p:style>
+          <a:lnRef idx="3">
+            <a:schemeClr val="accent1"/>
+          </a:lnRef>
+          <a:fillRef idx="0">
+            <a:schemeClr val="accent1"/>
+          </a:fillRef>
+          <a:effectRef idx="2">
+            <a:schemeClr val="accent1"/>
+          </a:effectRef>
+          <a:fontRef idx="minor">
+            <a:schemeClr val="tx1"/>
+          </a:fontRef>
+        </p:style>
+      </p:cxnSp>
+      <p:cxnSp>
+        <p:nvCxnSpPr>
+          <p:cNvPr id="97" name="Straight Connector 96"/>
+          <p:cNvCxnSpPr/>
+          <p:nvPr/>
+        </p:nvCxnSpPr>
+        <p:spPr>
+          <a:xfrm flipV="1">
+            <a:off x="9747810" y="4955511"/>
+            <a:ext cx="1347" cy="368538"/>
+          </a:xfrm>
+          <a:prstGeom prst="line">
+            <a:avLst/>
+          </a:prstGeom>
+          <a:ln w="28575">
+            <a:solidFill>
+              <a:srgbClr val="7D7F82"/>
+            </a:solidFill>
+          </a:ln>
+        </p:spPr>
+        <p:style>
+          <a:lnRef idx="3">
+            <a:schemeClr val="accent1"/>
+          </a:lnRef>
+          <a:fillRef idx="0">
+            <a:schemeClr val="accent1"/>
+          </a:fillRef>
+          <a:effectRef idx="2">
+            <a:schemeClr val="accent1"/>
+          </a:effectRef>
+          <a:fontRef idx="minor">
+            <a:schemeClr val="tx1"/>
+          </a:fontRef>
+        </p:style>
+      </p:cxnSp>
+      <p:cxnSp>
+        <p:nvCxnSpPr>
+          <p:cNvPr id="100" name="Straight Connector 99"/>
+          <p:cNvCxnSpPr/>
+          <p:nvPr/>
+        </p:nvCxnSpPr>
+        <p:spPr>
+          <a:xfrm flipV="1">
+            <a:off x="10866192" y="280975"/>
+            <a:ext cx="2198" cy="6128292"/>
+          </a:xfrm>
+          <a:prstGeom prst="line">
+            <a:avLst/>
+          </a:prstGeom>
+          <a:ln w="28575">
+            <a:solidFill>
+              <a:srgbClr val="7F8084"/>
+            </a:solidFill>
+          </a:ln>
+        </p:spPr>
+        <p:style>
+          <a:lnRef idx="3">
+            <a:schemeClr val="accent1"/>
+          </a:lnRef>
+          <a:fillRef idx="0">
+            <a:schemeClr val="accent1"/>
+          </a:fillRef>
+          <a:effectRef idx="2">
+            <a:schemeClr val="accent1"/>
+          </a:effectRef>
+          <a:fontRef idx="minor">
+            <a:schemeClr val="tx1"/>
+          </a:fontRef>
+        </p:style>
+      </p:cxnSp>
+      <p:cxnSp>
+        <p:nvCxnSpPr>
+          <p:cNvPr id="103" name="Straight Connector 102"/>
+          <p:cNvCxnSpPr/>
+          <p:nvPr/>
+        </p:nvCxnSpPr>
+        <p:spPr>
+          <a:xfrm flipH="1">
+            <a:off x="9743576" y="6396319"/>
+            <a:ext cx="1105773" cy="2919"/>
+          </a:xfrm>
+          <a:prstGeom prst="line">
+            <a:avLst/>
+          </a:prstGeom>
+          <a:ln w="28575">
+            <a:solidFill>
+              <a:srgbClr val="7F8084"/>
+            </a:solidFill>
+          </a:ln>
+        </p:spPr>
+        <p:style>
+          <a:lnRef idx="3">
+            <a:schemeClr val="accent1"/>
+          </a:lnRef>
+          <a:fillRef idx="0">
+            <a:schemeClr val="accent1"/>
+          </a:fillRef>
+          <a:effectRef idx="2">
+            <a:schemeClr val="accent1"/>
+          </a:effectRef>
+          <a:fontRef idx="minor">
+            <a:schemeClr val="tx1"/>
+          </a:fontRef>
+        </p:style>
+      </p:cxnSp>
+      <p:sp>
+        <p:nvSpPr>
+          <p:cNvPr id="105" name="TextBox 104"/>
+          <p:cNvSpPr txBox="1"/>
+          <p:nvPr/>
+        </p:nvSpPr>
+        <p:spPr>
+          <a:xfrm>
+            <a:off x="9659798" y="4364408"/>
+            <a:ext cx="284228" cy="307777"/>
+          </a:xfrm>
+          <a:prstGeom prst="rect">
+            <a:avLst/>
+          </a:prstGeom>
+          <a:noFill/>
+        </p:spPr>
+        <p:txBody>
+          <a:bodyPr wrap="square" rtlCol="0">
+            <a:spAutoFit/>
+          </a:bodyPr>
+          <a:lstStyle/>
+          <a:p>
+            <a:r>
+              <a:rPr lang="en-US" sz="1400" b="1" dirty="0" smtClean="0">
+                <a:solidFill>
+                  <a:srgbClr val="364251"/>
+                </a:solidFill>
+              </a:rPr>
+              <a:t>4</a:t>
+            </a:r>
+            <a:endParaRPr lang="en-US" sz="1400" b="1" dirty="0">
+              <a:solidFill>
+                <a:srgbClr val="364251"/>
+              </a:solidFill>
+            </a:endParaRPr>
+          </a:p>
+        </p:txBody>
+      </p:sp>
+      <p:sp>
+        <p:nvSpPr>
+          <p:cNvPr id="107" name="Rectangle 106"/>
+          <p:cNvSpPr/>
+          <p:nvPr/>
+        </p:nvSpPr>
+        <p:spPr>
+          <a:xfrm>
+            <a:off x="6796862" y="4352925"/>
+            <a:ext cx="143688" cy="373752"/>
+          </a:xfrm>
+          <a:prstGeom prst="rect">
+            <a:avLst/>
+          </a:prstGeom>
+          <a:solidFill>
+            <a:schemeClr val="bg1"/>
+          </a:solidFill>
+          <a:ln>
+            <a:noFill/>
+          </a:ln>
+        </p:spPr>
+        <p:style>
+          <a:lnRef idx="2">
+            <a:schemeClr val="accent1">
+              <a:shade val="50000"/>
+            </a:schemeClr>
+          </a:lnRef>
+          <a:fillRef idx="1">
+            <a:schemeClr val="accent1"/>
+          </a:fillRef>
+          <a:effectRef idx="0">
+            <a:schemeClr val="accent1"/>
+          </a:effectRef>
+          <a:fontRef idx="minor">
+            <a:schemeClr val="lt1"/>
+          </a:fontRef>
+        </p:style>
+        <p:txBody>
+          <a:bodyPr rtlCol="0" anchor="ctr"/>
+          <a:lstStyle/>
+          <a:p>
+            <a:pPr algn="ctr"/>
+            <a:endParaRPr lang="en-US"/>
+          </a:p>
+        </p:txBody>
+      </p:sp>
+      <p:pic>
+        <p:nvPicPr>
+          <p:cNvPr id="110" name="Picture 109"/>
+          <p:cNvPicPr>
+            <a:picLocks noChangeAspect="1"/>
+          </p:cNvPicPr>
+          <p:nvPr/>
+        </p:nvPicPr>
+        <p:blipFill>
+          <a:blip r:embed="rId5"/>
+          <a:stretch>
+            <a:fillRect/>
+          </a:stretch>
+        </p:blipFill>
+        <p:spPr>
+          <a:xfrm>
+            <a:off x="6758971" y="4373933"/>
+            <a:ext cx="225819" cy="432419"/>
+          </a:xfrm>
+          <a:prstGeom prst="rect">
+            <a:avLst/>
+          </a:prstGeom>
+        </p:spPr>
+      </p:pic>
+      <p:cxnSp>
+        <p:nvCxnSpPr>
+          <p:cNvPr id="111" name="Straight Connector 110"/>
+          <p:cNvCxnSpPr/>
+          <p:nvPr/>
+        </p:nvCxnSpPr>
+        <p:spPr>
+          <a:xfrm>
+            <a:off x="5212953" y="734177"/>
+            <a:ext cx="0" cy="898235"/>
+          </a:xfrm>
+          <a:prstGeom prst="line">
+            <a:avLst/>
+          </a:prstGeom>
+          <a:ln w="28575">
+            <a:solidFill>
+              <a:srgbClr val="CC3300"/>
+            </a:solidFill>
+            <a:headEnd type="stealth" w="lg" len="lg"/>
+          </a:ln>
+        </p:spPr>
+        <p:style>
+          <a:lnRef idx="3">
+            <a:schemeClr val="accent1"/>
+          </a:lnRef>
+          <a:fillRef idx="0">
+            <a:schemeClr val="accent1"/>
+          </a:fillRef>
+          <a:effectRef idx="2">
+            <a:schemeClr val="accent1"/>
+          </a:effectRef>
+          <a:fontRef idx="minor">
+            <a:schemeClr val="tx1"/>
+          </a:fontRef>
+        </p:style>
+      </p:cxnSp>
+      <p:cxnSp>
+        <p:nvCxnSpPr>
+          <p:cNvPr id="118" name="Straight Connector 117"/>
+          <p:cNvCxnSpPr/>
+          <p:nvPr/>
+        </p:nvCxnSpPr>
+        <p:spPr>
+          <a:xfrm flipV="1">
+            <a:off x="5892236" y="570454"/>
+            <a:ext cx="0" cy="630601"/>
+          </a:xfrm>
+          <a:prstGeom prst="line">
+            <a:avLst/>
+          </a:prstGeom>
+          <a:ln w="28575">
+            <a:solidFill>
+              <a:srgbClr val="7D7F82"/>
+            </a:solidFill>
+          </a:ln>
+        </p:spPr>
+        <p:style>
+          <a:lnRef idx="3">
+            <a:schemeClr val="accent1"/>
+          </a:lnRef>
+          <a:fillRef idx="0">
+            <a:schemeClr val="accent1"/>
+          </a:fillRef>
+          <a:effectRef idx="2">
+            <a:schemeClr val="accent1"/>
+          </a:effectRef>
+          <a:fontRef idx="minor">
+            <a:schemeClr val="tx1"/>
+          </a:fontRef>
+        </p:style>
+      </p:cxnSp>
+      <p:cxnSp>
+        <p:nvCxnSpPr>
+          <p:cNvPr id="121" name="Straight Connector 120"/>
+          <p:cNvCxnSpPr/>
+          <p:nvPr/>
+        </p:nvCxnSpPr>
+        <p:spPr>
+          <a:xfrm flipH="1">
+            <a:off x="5341788" y="570454"/>
+            <a:ext cx="565763" cy="6351"/>
+          </a:xfrm>
+          <a:prstGeom prst="line">
+            <a:avLst/>
+          </a:prstGeom>
+          <a:ln w="28575">
+            <a:solidFill>
+              <a:srgbClr val="7F8084"/>
+            </a:solidFill>
+          </a:ln>
+        </p:spPr>
+        <p:style>
+          <a:lnRef idx="3">
+            <a:schemeClr val="accent1"/>
+          </a:lnRef>
+          <a:fillRef idx="0">
+            <a:schemeClr val="accent1"/>
+          </a:fillRef>
+          <a:effectRef idx="2">
+            <a:schemeClr val="accent1"/>
+          </a:effectRef>
+          <a:fontRef idx="minor">
+            <a:schemeClr val="tx1"/>
+          </a:fontRef>
+        </p:style>
+      </p:cxnSp>
+      <p:sp>
+        <p:nvSpPr>
+          <p:cNvPr id="124" name="Oval 123"/>
+          <p:cNvSpPr/>
+          <p:nvPr/>
+        </p:nvSpPr>
+        <p:spPr>
+          <a:xfrm>
+            <a:off x="5865242" y="1170575"/>
+            <a:ext cx="66815" cy="69792"/>
+          </a:xfrm>
+          <a:prstGeom prst="ellipse">
+            <a:avLst/>
+          </a:prstGeom>
+          <a:solidFill>
+            <a:srgbClr val="272A30"/>
+          </a:solidFill>
+          <a:ln>
+            <a:noFill/>
+          </a:ln>
+        </p:spPr>
+        <p:style>
+          <a:lnRef idx="2">
+            <a:schemeClr val="accent1">
+              <a:shade val="50000"/>
+            </a:schemeClr>
+          </a:lnRef>
+          <a:fillRef idx="1">
+            <a:schemeClr val="accent1"/>
+          </a:fillRef>
+          <a:effectRef idx="0">
+            <a:schemeClr val="accent1"/>
+          </a:effectRef>
+          <a:fontRef idx="minor">
+            <a:schemeClr val="lt1"/>
+          </a:fontRef>
+        </p:style>
+        <p:txBody>
+          <a:bodyPr rtlCol="0" anchor="ctr"/>
+          <a:lstStyle/>
+          <a:p>
+            <a:pPr algn="ctr"/>
+            <a:endParaRPr lang="en-US"/>
+          </a:p>
+        </p:txBody>
+      </p:sp>
+      <p:grpSp>
+        <p:nvGrpSpPr>
+          <p:cNvPr id="125" name="Group 124"/>
+          <p:cNvGrpSpPr/>
+          <p:nvPr/>
+        </p:nvGrpSpPr>
+        <p:grpSpPr>
+          <a:xfrm>
+            <a:off x="5060160" y="199848"/>
+            <a:ext cx="305587" cy="567267"/>
+            <a:chOff x="941506" y="548908"/>
+            <a:chExt cx="305587" cy="567267"/>
+          </a:xfrm>
+        </p:grpSpPr>
+        <p:pic>
+          <p:nvPicPr>
+            <p:cNvPr id="116" name="Picture 115"/>
+            <p:cNvPicPr>
+              <a:picLocks noChangeAspect="1"/>
+            </p:cNvPicPr>
+            <p:nvPr/>
+          </p:nvPicPr>
+          <p:blipFill>
+            <a:blip r:embed="rId3">
+              <a:extLst>
+                <a:ext uri="{28A0092B-C50C-407E-A947-70E740481C1C}">
+                  <a14:useLocalDpi xmlns:a14="http://schemas.microsoft.com/office/drawing/2010/main" val="0"/>
+                </a:ext>
+              </a:extLst>
+            </a:blip>
+            <a:stretch>
+              <a:fillRect/>
+            </a:stretch>
+          </p:blipFill>
+          <p:spPr>
+            <a:xfrm>
+              <a:off x="941506" y="548908"/>
+              <a:ext cx="305587" cy="567267"/>
+            </a:xfrm>
+            <a:prstGeom prst="rect">
+              <a:avLst/>
+            </a:prstGeom>
+          </p:spPr>
+        </p:pic>
+        <p:sp>
+          <p:nvSpPr>
+            <p:cNvPr id="117" name="Rectangle 116"/>
+            <p:cNvSpPr/>
+            <p:nvPr/>
+          </p:nvSpPr>
+          <p:spPr>
+            <a:xfrm>
+              <a:off x="993775" y="660400"/>
+              <a:ext cx="203200" cy="328422"/>
+            </a:xfrm>
+            <a:prstGeom prst="rect">
+              <a:avLst/>
+            </a:prstGeom>
+            <a:solidFill>
+              <a:schemeClr val="bg1"/>
+            </a:solidFill>
+            <a:ln>
+              <a:noFill/>
+            </a:ln>
+          </p:spPr>
+          <p:style>
+            <a:lnRef idx="2">
+              <a:schemeClr val="accent1">
+                <a:shade val="50000"/>
+              </a:schemeClr>
+            </a:lnRef>
+            <a:fillRef idx="1">
+              <a:schemeClr val="accent1"/>
+            </a:fillRef>
+            <a:effectRef idx="0">
+              <a:schemeClr val="accent1"/>
+            </a:effectRef>
+            <a:fontRef idx="minor">
+              <a:schemeClr val="lt1"/>
+            </a:fontRef>
+          </p:style>
+          <p:txBody>
+            <a:bodyPr rtlCol="0" anchor="ctr"/>
+            <a:lstStyle/>
+            <a:p>
+              <a:pPr algn="ctr"/>
+              <a:endParaRPr lang="en-US"/>
+            </a:p>
+          </p:txBody>
+        </p:sp>
+      </p:grpSp>
+      <p:cxnSp>
+        <p:nvCxnSpPr>
+          <p:cNvPr id="133" name="Straight Connector 132"/>
+          <p:cNvCxnSpPr/>
+          <p:nvPr/>
+        </p:nvCxnSpPr>
+        <p:spPr>
+          <a:xfrm flipH="1" flipV="1">
+            <a:off x="7513879" y="2654295"/>
+            <a:ext cx="8735" cy="1128074"/>
+          </a:xfrm>
+          <a:prstGeom prst="line">
+            <a:avLst/>
+          </a:prstGeom>
+          <a:ln w="28575">
+            <a:solidFill>
+              <a:srgbClr val="CC3300"/>
+            </a:solidFill>
+          </a:ln>
+        </p:spPr>
+        <p:style>
+          <a:lnRef idx="3">
+            <a:schemeClr val="accent1"/>
+          </a:lnRef>
+          <a:fillRef idx="0">
+            <a:schemeClr val="accent1"/>
+          </a:fillRef>
+          <a:effectRef idx="2">
+            <a:schemeClr val="accent1"/>
+          </a:effectRef>
+          <a:fontRef idx="minor">
+            <a:schemeClr val="tx1"/>
+          </a:fontRef>
+        </p:style>
+      </p:cxnSp>
+      <p:cxnSp>
+        <p:nvCxnSpPr>
+          <p:cNvPr id="138" name="Straight Connector 137"/>
+          <p:cNvCxnSpPr/>
+          <p:nvPr/>
+        </p:nvCxnSpPr>
+        <p:spPr>
+          <a:xfrm flipH="1" flipV="1">
+            <a:off x="6359704" y="1611865"/>
+            <a:ext cx="4863" cy="1052056"/>
+          </a:xfrm>
+          <a:prstGeom prst="line">
+            <a:avLst/>
+          </a:prstGeom>
+          <a:ln w="28575">
+            <a:solidFill>
+              <a:srgbClr val="CC3300"/>
+            </a:solidFill>
+          </a:ln>
+        </p:spPr>
+        <p:style>
+          <a:lnRef idx="3">
+            <a:schemeClr val="accent1"/>
+          </a:lnRef>
+          <a:fillRef idx="0">
+            <a:schemeClr val="accent1"/>
+          </a:fillRef>
+          <a:effectRef idx="2">
+            <a:schemeClr val="accent1"/>
+          </a:effectRef>
+          <a:fontRef idx="minor">
+            <a:schemeClr val="tx1"/>
+          </a:fontRef>
+        </p:style>
+      </p:cxnSp>
+      <p:cxnSp>
+        <p:nvCxnSpPr>
+          <p:cNvPr id="142" name="Straight Connector 141"/>
+          <p:cNvCxnSpPr/>
+          <p:nvPr/>
+        </p:nvCxnSpPr>
+        <p:spPr>
+          <a:xfrm flipH="1">
+            <a:off x="6362224" y="2654295"/>
+            <a:ext cx="1162525" cy="0"/>
+          </a:xfrm>
+          <a:prstGeom prst="line">
+            <a:avLst/>
+          </a:prstGeom>
+          <a:ln w="28575">
+            <a:solidFill>
+              <a:srgbClr val="C00000"/>
+            </a:solidFill>
+          </a:ln>
+        </p:spPr>
+        <p:style>
+          <a:lnRef idx="3">
+            <a:schemeClr val="accent1"/>
+          </a:lnRef>
+          <a:fillRef idx="0">
+            <a:schemeClr val="accent1"/>
+          </a:fillRef>
+          <a:effectRef idx="2">
+            <a:schemeClr val="accent1"/>
+          </a:effectRef>
+          <a:fontRef idx="minor">
+            <a:schemeClr val="tx1"/>
+          </a:fontRef>
+        </p:style>
+      </p:cxnSp>
+      <p:cxnSp>
+        <p:nvCxnSpPr>
+          <p:cNvPr id="146" name="Straight Connector 145"/>
+          <p:cNvCxnSpPr/>
+          <p:nvPr/>
+        </p:nvCxnSpPr>
+        <p:spPr>
+          <a:xfrm flipH="1">
+            <a:off x="5212810" y="1611865"/>
+            <a:ext cx="1159415" cy="0"/>
+          </a:xfrm>
+          <a:prstGeom prst="line">
+            <a:avLst/>
+          </a:prstGeom>
+          <a:ln w="28575">
+            <a:solidFill>
+              <a:srgbClr val="C00000"/>
+            </a:solidFill>
+          </a:ln>
+        </p:spPr>
+        <p:style>
+          <a:lnRef idx="3">
+            <a:schemeClr val="accent1"/>
+          </a:lnRef>
+          <a:fillRef idx="0">
+            <a:schemeClr val="accent1"/>
+          </a:fillRef>
+          <a:effectRef idx="2">
+            <a:schemeClr val="accent1"/>
+          </a:effectRef>
+          <a:fontRef idx="minor">
+            <a:schemeClr val="tx1"/>
+          </a:fontRef>
+        </p:style>
+      </p:cxnSp>
+      <p:sp>
+        <p:nvSpPr>
+          <p:cNvPr id="147" name="TextBox 146"/>
+          <p:cNvSpPr txBox="1"/>
+          <p:nvPr/>
+        </p:nvSpPr>
+        <p:spPr>
+          <a:xfrm>
+            <a:off x="5418173" y="1369450"/>
+            <a:ext cx="767932" cy="276999"/>
+          </a:xfrm>
+          <a:prstGeom prst="rect">
+            <a:avLst/>
+          </a:prstGeom>
+          <a:noFill/>
+        </p:spPr>
+        <p:txBody>
+          <a:bodyPr wrap="square" rtlCol="0">
+            <a:spAutoFit/>
+          </a:bodyPr>
+          <a:lstStyle/>
+          <a:p>
+            <a:r>
+              <a:rPr lang="en-US" sz="1200" dirty="0" smtClean="0">
+                <a:solidFill>
+                  <a:srgbClr val="CC3300"/>
+                </a:solidFill>
+              </a:rPr>
+              <a:t>ALUState</a:t>
+            </a:r>
+            <a:endParaRPr lang="en-US" sz="1200" dirty="0">
+              <a:solidFill>
+                <a:srgbClr val="CC3300"/>
+              </a:solidFill>
+            </a:endParaRPr>
+          </a:p>
+        </p:txBody>
+      </p:sp>
+      <p:sp>
+        <p:nvSpPr>
+          <p:cNvPr id="148" name="TextBox 147"/>
+          <p:cNvSpPr txBox="1"/>
+          <p:nvPr/>
+        </p:nvSpPr>
+        <p:spPr>
+          <a:xfrm>
+            <a:off x="5410072" y="1725935"/>
+            <a:ext cx="838296" cy="276999"/>
+          </a:xfrm>
+          <a:prstGeom prst="rect">
+            <a:avLst/>
+          </a:prstGeom>
+          <a:noFill/>
+        </p:spPr>
+        <p:txBody>
+          <a:bodyPr wrap="square" rtlCol="0">
+            <a:spAutoFit/>
+          </a:bodyPr>
+          <a:lstStyle/>
+          <a:p>
+            <a:r>
+              <a:rPr lang="en-US" sz="1200" dirty="0" smtClean="0">
+                <a:solidFill>
+                  <a:srgbClr val="CC3300"/>
+                </a:solidFill>
+              </a:rPr>
+              <a:t>PCControl</a:t>
+            </a:r>
+            <a:endParaRPr lang="en-US" sz="1200" dirty="0">
+              <a:solidFill>
+                <a:srgbClr val="CC3300"/>
+              </a:solidFill>
+            </a:endParaRPr>
+          </a:p>
+        </p:txBody>
+      </p:sp>
+      <p:grpSp>
+        <p:nvGrpSpPr>
+          <p:cNvPr id="153" name="Group 152"/>
+          <p:cNvGrpSpPr/>
+          <p:nvPr/>
+        </p:nvGrpSpPr>
+        <p:grpSpPr>
+          <a:xfrm>
+            <a:off x="7691967" y="1881522"/>
+            <a:ext cx="974937" cy="456776"/>
+            <a:chOff x="7691967" y="1881522"/>
+            <a:chExt cx="974937" cy="456776"/>
+          </a:xfrm>
+        </p:grpSpPr>
+        <p:sp>
+          <p:nvSpPr>
+            <p:cNvPr id="151" name="Rectangle 150"/>
+            <p:cNvSpPr/>
+            <p:nvPr/>
+          </p:nvSpPr>
+          <p:spPr>
+            <a:xfrm>
+              <a:off x="7914640" y="1881522"/>
+              <a:ext cx="752264" cy="456776"/>
+            </a:xfrm>
+            <a:prstGeom prst="rect">
+              <a:avLst/>
+            </a:prstGeom>
+            <a:solidFill>
+              <a:schemeClr val="bg1"/>
+            </a:solidFill>
+            <a:ln>
+              <a:noFill/>
+            </a:ln>
+          </p:spPr>
+          <p:style>
+            <a:lnRef idx="2">
+              <a:schemeClr val="accent1">
+                <a:shade val="50000"/>
+              </a:schemeClr>
+            </a:lnRef>
+            <a:fillRef idx="1">
+              <a:schemeClr val="accent1"/>
+            </a:fillRef>
+            <a:effectRef idx="0">
+              <a:schemeClr val="accent1"/>
+            </a:effectRef>
+            <a:fontRef idx="minor">
+              <a:schemeClr val="lt1"/>
+            </a:fontRef>
+          </p:style>
+          <p:txBody>
+            <a:bodyPr rtlCol="0" anchor="ctr"/>
+            <a:lstStyle/>
+            <a:p>
+              <a:pPr algn="ctr"/>
+              <a:endParaRPr lang="en-US"/>
+            </a:p>
+          </p:txBody>
+        </p:sp>
+        <p:sp>
+          <p:nvSpPr>
+            <p:cNvPr id="152" name="Rectangle 151"/>
+            <p:cNvSpPr/>
+            <p:nvPr/>
+          </p:nvSpPr>
+          <p:spPr>
+            <a:xfrm>
+              <a:off x="7691967" y="1981082"/>
+              <a:ext cx="752264" cy="222466"/>
+            </a:xfrm>
+            <a:prstGeom prst="rect">
+              <a:avLst/>
+            </a:prstGeom>
+            <a:solidFill>
+              <a:schemeClr val="bg1"/>
+            </a:solidFill>
+            <a:ln>
+              <a:noFill/>
+            </a:ln>
+          </p:spPr>
+          <p:style>
+            <a:lnRef idx="2">
+              <a:schemeClr val="accent1">
+                <a:shade val="50000"/>
+              </a:schemeClr>
+            </a:lnRef>
+            <a:fillRef idx="1">
+              <a:schemeClr val="accent1"/>
+            </a:fillRef>
+            <a:effectRef idx="0">
+              <a:schemeClr val="accent1"/>
+            </a:effectRef>
+            <a:fontRef idx="minor">
+              <a:schemeClr val="lt1"/>
+            </a:fontRef>
+          </p:style>
+          <p:txBody>
+            <a:bodyPr rtlCol="0" anchor="ctr"/>
+            <a:lstStyle/>
+            <a:p>
+              <a:pPr algn="ctr"/>
+              <a:endParaRPr lang="en-US"/>
+            </a:p>
+          </p:txBody>
+        </p:sp>
+      </p:grpSp>
+      <p:cxnSp>
+        <p:nvCxnSpPr>
+          <p:cNvPr id="154" name="Straight Connector 153"/>
+          <p:cNvCxnSpPr/>
+          <p:nvPr/>
+        </p:nvCxnSpPr>
+        <p:spPr>
+          <a:xfrm flipH="1">
+            <a:off x="7801106" y="2219711"/>
+            <a:ext cx="318982" cy="1430"/>
+          </a:xfrm>
+          <a:prstGeom prst="line">
+            <a:avLst/>
+          </a:prstGeom>
+          <a:ln w="22225">
+            <a:solidFill>
+              <a:srgbClr val="6ED3F4"/>
+            </a:solidFill>
+          </a:ln>
+        </p:spPr>
+        <p:style>
+          <a:lnRef idx="3">
+            <a:schemeClr val="accent1"/>
+          </a:lnRef>
+          <a:fillRef idx="0">
+            <a:schemeClr val="accent1"/>
+          </a:fillRef>
+          <a:effectRef idx="2">
+            <a:schemeClr val="accent1"/>
+          </a:effectRef>
+          <a:fontRef idx="minor">
+            <a:schemeClr val="tx1"/>
+          </a:fontRef>
+        </p:style>
+      </p:cxnSp>
+      <p:sp>
+        <p:nvSpPr>
+          <p:cNvPr id="159" name="Rectangle 158"/>
+          <p:cNvSpPr/>
+          <p:nvPr/>
+        </p:nvSpPr>
+        <p:spPr>
+          <a:xfrm>
+            <a:off x="9820151" y="3105034"/>
+            <a:ext cx="360039" cy="68501"/>
+          </a:xfrm>
+          <a:prstGeom prst="rect">
+            <a:avLst/>
+          </a:prstGeom>
+          <a:solidFill>
+            <a:schemeClr val="bg1"/>
+          </a:solidFill>
+          <a:ln>
+            <a:noFill/>
+          </a:ln>
+        </p:spPr>
+        <p:style>
+          <a:lnRef idx="2">
+            <a:schemeClr val="accent1">
+              <a:shade val="50000"/>
+            </a:schemeClr>
+          </a:lnRef>
+          <a:fillRef idx="1">
+            <a:schemeClr val="accent1"/>
+          </a:fillRef>
+          <a:effectRef idx="0">
+            <a:schemeClr val="accent1"/>
+          </a:effectRef>
+          <a:fontRef idx="minor">
+            <a:schemeClr val="lt1"/>
+          </a:fontRef>
+        </p:style>
+        <p:txBody>
+          <a:bodyPr rtlCol="0" anchor="ctr"/>
+          <a:lstStyle/>
+          <a:p>
+            <a:pPr algn="ctr"/>
+            <a:endParaRPr lang="en-US"/>
+          </a:p>
+        </p:txBody>
+      </p:sp>
+      <p:grpSp>
+        <p:nvGrpSpPr>
+          <p:cNvPr id="161" name="Group 160"/>
+          <p:cNvGrpSpPr/>
+          <p:nvPr/>
+        </p:nvGrpSpPr>
+        <p:grpSpPr>
+          <a:xfrm>
+            <a:off x="8346940" y="116138"/>
+            <a:ext cx="305587" cy="588323"/>
+            <a:chOff x="941506" y="548908"/>
+            <a:chExt cx="305587" cy="567267"/>
+          </a:xfrm>
+        </p:grpSpPr>
+        <p:pic>
+          <p:nvPicPr>
+            <p:cNvPr id="162" name="Picture 161"/>
+            <p:cNvPicPr>
+              <a:picLocks noChangeAspect="1"/>
+            </p:cNvPicPr>
+            <p:nvPr/>
+          </p:nvPicPr>
+          <p:blipFill>
+            <a:blip r:embed="rId3">
+              <a:extLst>
+                <a:ext uri="{28A0092B-C50C-407E-A947-70E740481C1C}">
+                  <a14:useLocalDpi xmlns:a14="http://schemas.microsoft.com/office/drawing/2010/main" val="0"/>
+                </a:ext>
+              </a:extLst>
+            </a:blip>
+            <a:stretch>
+              <a:fillRect/>
+            </a:stretch>
+          </p:blipFill>
+          <p:spPr>
+            <a:xfrm>
+              <a:off x="941506" y="548908"/>
+              <a:ext cx="305587" cy="567267"/>
+            </a:xfrm>
+            <a:prstGeom prst="rect">
+              <a:avLst/>
+            </a:prstGeom>
+          </p:spPr>
+        </p:pic>
+        <p:sp>
+          <p:nvSpPr>
+            <p:cNvPr id="163" name="Rectangle 162"/>
+            <p:cNvSpPr/>
+            <p:nvPr/>
+          </p:nvSpPr>
+          <p:spPr>
+            <a:xfrm>
+              <a:off x="993775" y="660400"/>
+              <a:ext cx="203200" cy="328422"/>
+            </a:xfrm>
+            <a:prstGeom prst="rect">
+              <a:avLst/>
+            </a:prstGeom>
+            <a:solidFill>
+              <a:schemeClr val="bg1"/>
+            </a:solidFill>
+            <a:ln>
+              <a:noFill/>
+            </a:ln>
+          </p:spPr>
+          <p:style>
+            <a:lnRef idx="2">
+              <a:schemeClr val="accent1">
+                <a:shade val="50000"/>
+              </a:schemeClr>
+            </a:lnRef>
+            <a:fillRef idx="1">
+              <a:schemeClr val="accent1"/>
+            </a:fillRef>
+            <a:effectRef idx="0">
+              <a:schemeClr val="accent1"/>
+            </a:effectRef>
+            <a:fontRef idx="minor">
+              <a:schemeClr val="lt1"/>
+            </a:fontRef>
+          </p:style>
+          <p:txBody>
+            <a:bodyPr rtlCol="0" anchor="ctr"/>
+            <a:lstStyle/>
+            <a:p>
+              <a:pPr algn="ctr"/>
+              <a:endParaRPr lang="en-US"/>
+            </a:p>
+          </p:txBody>
+        </p:sp>
+      </p:grpSp>
+      <p:cxnSp>
+        <p:nvCxnSpPr>
+          <p:cNvPr id="169" name="Straight Connector 168"/>
+          <p:cNvCxnSpPr/>
+          <p:nvPr/>
+        </p:nvCxnSpPr>
+        <p:spPr>
+          <a:xfrm flipH="1" flipV="1">
+            <a:off x="8616701" y="396066"/>
+            <a:ext cx="1563489" cy="8101"/>
+          </a:xfrm>
+          <a:prstGeom prst="line">
+            <a:avLst/>
+          </a:prstGeom>
+          <a:ln w="28575">
+            <a:solidFill>
+              <a:srgbClr val="7F8084"/>
+            </a:solidFill>
+          </a:ln>
+        </p:spPr>
+        <p:style>
+          <a:lnRef idx="3">
+            <a:schemeClr val="accent1"/>
+          </a:lnRef>
+          <a:fillRef idx="0">
+            <a:schemeClr val="accent1"/>
+          </a:fillRef>
+          <a:effectRef idx="2">
+            <a:schemeClr val="accent1"/>
+          </a:effectRef>
+          <a:fontRef idx="minor">
+            <a:schemeClr val="tx1"/>
+          </a:fontRef>
+        </p:style>
+      </p:cxnSp>
+      <p:cxnSp>
+        <p:nvCxnSpPr>
+          <p:cNvPr id="171" name="Straight Connector 170"/>
+          <p:cNvCxnSpPr/>
+          <p:nvPr/>
+        </p:nvCxnSpPr>
+        <p:spPr>
+          <a:xfrm flipH="1">
+            <a:off x="8616701" y="519052"/>
+            <a:ext cx="1266738" cy="0"/>
+          </a:xfrm>
+          <a:prstGeom prst="line">
+            <a:avLst/>
+          </a:prstGeom>
+          <a:ln w="28575">
+            <a:solidFill>
+              <a:srgbClr val="7F8084"/>
+            </a:solidFill>
+          </a:ln>
+        </p:spPr>
+        <p:style>
+          <a:lnRef idx="3">
+            <a:schemeClr val="accent1"/>
+          </a:lnRef>
+          <a:fillRef idx="0">
+            <a:schemeClr val="accent1"/>
+          </a:fillRef>
+          <a:effectRef idx="2">
+            <a:schemeClr val="accent1"/>
+          </a:effectRef>
+          <a:fontRef idx="minor">
+            <a:schemeClr val="tx1"/>
+          </a:fontRef>
+        </p:style>
+      </p:cxnSp>
+      <p:cxnSp>
+        <p:nvCxnSpPr>
+          <p:cNvPr id="177" name="Straight Connector 176"/>
+          <p:cNvCxnSpPr/>
+          <p:nvPr/>
+        </p:nvCxnSpPr>
+        <p:spPr>
+          <a:xfrm flipH="1" flipV="1">
+            <a:off x="9869146" y="519052"/>
+            <a:ext cx="564" cy="363079"/>
+          </a:xfrm>
+          <a:prstGeom prst="line">
+            <a:avLst/>
+          </a:prstGeom>
+          <a:ln w="28575">
+            <a:solidFill>
+              <a:srgbClr val="7D7F82"/>
+            </a:solidFill>
+          </a:ln>
+        </p:spPr>
+        <p:style>
+          <a:lnRef idx="3">
+            <a:schemeClr val="accent1"/>
+          </a:lnRef>
+          <a:fillRef idx="0">
+            <a:schemeClr val="accent1"/>
+          </a:fillRef>
+          <a:effectRef idx="2">
+            <a:schemeClr val="accent1"/>
+          </a:effectRef>
+          <a:fontRef idx="minor">
+            <a:schemeClr val="tx1"/>
+          </a:fontRef>
+        </p:style>
+      </p:cxnSp>
+      <p:cxnSp>
+        <p:nvCxnSpPr>
+          <p:cNvPr id="179" name="Straight Connector 178"/>
+          <p:cNvCxnSpPr/>
+          <p:nvPr/>
+        </p:nvCxnSpPr>
+        <p:spPr>
+          <a:xfrm flipH="1" flipV="1">
+            <a:off x="10173222" y="396820"/>
+            <a:ext cx="3385" cy="1117644"/>
+          </a:xfrm>
+          <a:prstGeom prst="line">
+            <a:avLst/>
+          </a:prstGeom>
+          <a:ln w="28575">
+            <a:solidFill>
+              <a:srgbClr val="7D7F82"/>
+            </a:solidFill>
+          </a:ln>
+        </p:spPr>
+        <p:style>
+          <a:lnRef idx="3">
+            <a:schemeClr val="accent1"/>
+          </a:lnRef>
+          <a:fillRef idx="0">
+            <a:schemeClr val="accent1"/>
+          </a:fillRef>
+          <a:effectRef idx="2">
+            <a:schemeClr val="accent1"/>
+          </a:effectRef>
+          <a:fontRef idx="minor">
+            <a:schemeClr val="tx1"/>
+          </a:fontRef>
+        </p:style>
+      </p:cxnSp>
+      <p:sp>
+        <p:nvSpPr>
+          <p:cNvPr id="186" name="Oval 185"/>
+          <p:cNvSpPr/>
+          <p:nvPr/>
+        </p:nvSpPr>
+        <p:spPr>
+          <a:xfrm>
+            <a:off x="10139608" y="1476080"/>
+            <a:ext cx="66815" cy="69792"/>
+          </a:xfrm>
+          <a:prstGeom prst="ellipse">
+            <a:avLst/>
+          </a:prstGeom>
+          <a:solidFill>
+            <a:srgbClr val="272A30"/>
+          </a:solidFill>
+          <a:ln>
+            <a:noFill/>
+          </a:ln>
+        </p:spPr>
+        <p:style>
+          <a:lnRef idx="2">
+            <a:schemeClr val="accent1">
+              <a:shade val="50000"/>
+            </a:schemeClr>
+          </a:lnRef>
+          <a:fillRef idx="1">
+            <a:schemeClr val="accent1"/>
+          </a:fillRef>
+          <a:effectRef idx="0">
+            <a:schemeClr val="accent1"/>
+          </a:effectRef>
+          <a:fontRef idx="minor">
+            <a:schemeClr val="lt1"/>
+          </a:fontRef>
+        </p:style>
+        <p:txBody>
+          <a:bodyPr rtlCol="0" anchor="ctr"/>
+          <a:lstStyle/>
+          <a:p>
+            <a:pPr algn="ctr"/>
+            <a:endParaRPr lang="en-US"/>
+          </a:p>
+        </p:txBody>
+      </p:sp>
+      <p:sp>
+        <p:nvSpPr>
+          <p:cNvPr id="187" name="Oval 186"/>
+          <p:cNvSpPr/>
+          <p:nvPr/>
+        </p:nvSpPr>
+        <p:spPr>
+          <a:xfrm>
+            <a:off x="9834192" y="847091"/>
+            <a:ext cx="66815" cy="69792"/>
+          </a:xfrm>
+          <a:prstGeom prst="ellipse">
+            <a:avLst/>
+          </a:prstGeom>
+          <a:solidFill>
+            <a:srgbClr val="272A30"/>
+          </a:solidFill>
+          <a:ln>
+            <a:noFill/>
+          </a:ln>
+        </p:spPr>
+        <p:style>
+          <a:lnRef idx="2">
+            <a:schemeClr val="accent1">
+              <a:shade val="50000"/>
+            </a:schemeClr>
+          </a:lnRef>
+          <a:fillRef idx="1">
+            <a:schemeClr val="accent1"/>
+          </a:fillRef>
+          <a:effectRef idx="0">
+            <a:schemeClr val="accent1"/>
+          </a:effectRef>
+          <a:fontRef idx="minor">
+            <a:schemeClr val="lt1"/>
+          </a:fontRef>
+        </p:style>
+        <p:txBody>
+          <a:bodyPr rtlCol="0" anchor="ctr"/>
+          <a:lstStyle/>
+          <a:p>
+            <a:pPr algn="ctr"/>
+            <a:endParaRPr lang="en-US"/>
+          </a:p>
+        </p:txBody>
+      </p:sp>
+      <p:cxnSp>
+        <p:nvCxnSpPr>
+          <p:cNvPr id="193" name="Straight Connector 192"/>
+          <p:cNvCxnSpPr/>
+          <p:nvPr/>
+        </p:nvCxnSpPr>
+        <p:spPr>
+          <a:xfrm>
+            <a:off x="8042097" y="2078921"/>
+            <a:ext cx="3904" cy="323202"/>
+          </a:xfrm>
+          <a:prstGeom prst="line">
+            <a:avLst/>
+          </a:prstGeom>
+          <a:ln w="22225">
+            <a:solidFill>
+              <a:srgbClr val="6AD4F5"/>
+            </a:solidFill>
+          </a:ln>
+        </p:spPr>
+        <p:style>
+          <a:lnRef idx="3">
+            <a:schemeClr val="accent1"/>
+          </a:lnRef>
+          <a:fillRef idx="0">
+            <a:schemeClr val="accent1"/>
+          </a:fillRef>
+          <a:effectRef idx="2">
+            <a:schemeClr val="accent1"/>
+          </a:effectRef>
+          <a:fontRef idx="minor">
+            <a:schemeClr val="tx1"/>
+          </a:fontRef>
+        </p:style>
+      </p:cxnSp>
+      <p:cxnSp>
+        <p:nvCxnSpPr>
+          <p:cNvPr id="156" name="Straight Connector 155"/>
+          <p:cNvCxnSpPr/>
+          <p:nvPr/>
+        </p:nvCxnSpPr>
+        <p:spPr>
+          <a:xfrm flipH="1">
+            <a:off x="8503529" y="672751"/>
+            <a:ext cx="831" cy="1816067"/>
+          </a:xfrm>
+          <a:prstGeom prst="line">
+            <a:avLst/>
+          </a:prstGeom>
+          <a:ln w="28575">
+            <a:solidFill>
+              <a:srgbClr val="CC3300"/>
+            </a:solidFill>
+            <a:headEnd type="stealth" w="lg" len="lg"/>
+          </a:ln>
+        </p:spPr>
+        <p:style>
+          <a:lnRef idx="3">
+            <a:schemeClr val="accent1"/>
+          </a:lnRef>
+          <a:fillRef idx="0">
+            <a:schemeClr val="accent1"/>
+          </a:fillRef>
+          <a:effectRef idx="2">
+            <a:schemeClr val="accent1"/>
+          </a:effectRef>
+          <a:fontRef idx="minor">
+            <a:schemeClr val="tx1"/>
+          </a:fontRef>
+        </p:style>
+      </p:cxnSp>
+      <p:cxnSp>
+        <p:nvCxnSpPr>
+          <p:cNvPr id="220" name="Straight Connector 219"/>
+          <p:cNvCxnSpPr/>
+          <p:nvPr/>
+        </p:nvCxnSpPr>
+        <p:spPr>
+          <a:xfrm>
+            <a:off x="8043234" y="2092073"/>
+            <a:ext cx="76854" cy="615"/>
+          </a:xfrm>
+          <a:prstGeom prst="line">
+            <a:avLst/>
+          </a:prstGeom>
+          <a:ln w="22225">
+            <a:solidFill>
+              <a:srgbClr val="6ED3F4"/>
+            </a:solidFill>
+          </a:ln>
+        </p:spPr>
+        <p:style>
+          <a:lnRef idx="3">
+            <a:schemeClr val="accent1"/>
+          </a:lnRef>
+          <a:fillRef idx="0">
+            <a:schemeClr val="accent1"/>
+          </a:fillRef>
+          <a:effectRef idx="2">
+            <a:schemeClr val="accent1"/>
+          </a:effectRef>
+          <a:fontRef idx="minor">
+            <a:schemeClr val="tx1"/>
+          </a:fontRef>
+        </p:style>
+      </p:cxnSp>
+      <p:cxnSp>
+        <p:nvCxnSpPr>
+          <p:cNvPr id="235" name="Straight Connector 234"/>
+          <p:cNvCxnSpPr/>
+          <p:nvPr/>
+        </p:nvCxnSpPr>
+        <p:spPr>
+          <a:xfrm flipH="1">
+            <a:off x="8814389" y="2376160"/>
+            <a:ext cx="1" cy="1534697"/>
+          </a:xfrm>
+          <a:prstGeom prst="line">
+            <a:avLst/>
+          </a:prstGeom>
+          <a:ln w="25400">
+            <a:solidFill>
+              <a:srgbClr val="6AD4F5"/>
+            </a:solidFill>
+          </a:ln>
+        </p:spPr>
+        <p:style>
+          <a:lnRef idx="3">
+            <a:schemeClr val="accent1"/>
+          </a:lnRef>
+          <a:fillRef idx="0">
+            <a:schemeClr val="accent1"/>
+          </a:fillRef>
+          <a:effectRef idx="2">
+            <a:schemeClr val="accent1"/>
+          </a:effectRef>
+          <a:fontRef idx="minor">
+            <a:schemeClr val="tx1"/>
+          </a:fontRef>
+        </p:style>
+      </p:cxnSp>
+      <p:grpSp>
+        <p:nvGrpSpPr>
+          <p:cNvPr id="240" name="Group 239"/>
+          <p:cNvGrpSpPr/>
+          <p:nvPr/>
+        </p:nvGrpSpPr>
+        <p:grpSpPr>
+          <a:xfrm>
+            <a:off x="8830523" y="2324977"/>
+            <a:ext cx="1241864" cy="261498"/>
+            <a:chOff x="8830523" y="2324977"/>
+            <a:chExt cx="1241864" cy="261498"/>
+          </a:xfrm>
+        </p:grpSpPr>
+        <p:sp>
+          <p:nvSpPr>
+            <p:cNvPr id="238" name="Rectangle 237"/>
+            <p:cNvSpPr/>
+            <p:nvPr/>
+          </p:nvSpPr>
+          <p:spPr>
+            <a:xfrm>
+              <a:off x="8830523" y="2324977"/>
+              <a:ext cx="1178673" cy="171147"/>
+            </a:xfrm>
+            <a:prstGeom prst="rect">
+              <a:avLst/>
+            </a:prstGeom>
+            <a:solidFill>
+              <a:schemeClr val="bg1"/>
+            </a:solidFill>
+            <a:ln>
+              <a:noFill/>
+            </a:ln>
+          </p:spPr>
+          <p:style>
+            <a:lnRef idx="2">
+              <a:schemeClr val="accent1">
+                <a:shade val="50000"/>
+              </a:schemeClr>
+            </a:lnRef>
+            <a:fillRef idx="1">
+              <a:schemeClr val="accent1"/>
+            </a:fillRef>
+            <a:effectRef idx="0">
+              <a:schemeClr val="accent1"/>
+            </a:effectRef>
+            <a:fontRef idx="minor">
+              <a:schemeClr val="lt1"/>
+            </a:fontRef>
+          </p:style>
+          <p:txBody>
+            <a:bodyPr rtlCol="0" anchor="ctr"/>
+            <a:lstStyle/>
+            <a:p>
+              <a:pPr algn="ctr"/>
+              <a:endParaRPr lang="en-US"/>
+            </a:p>
+          </p:txBody>
+        </p:sp>
+        <p:sp>
+          <p:nvSpPr>
+            <p:cNvPr id="239" name="Rectangle 238"/>
+            <p:cNvSpPr/>
+            <p:nvPr/>
+          </p:nvSpPr>
+          <p:spPr>
+            <a:xfrm>
+              <a:off x="9829491" y="2415328"/>
+              <a:ext cx="242896" cy="171147"/>
+            </a:xfrm>
+            <a:prstGeom prst="rect">
+              <a:avLst/>
+            </a:prstGeom>
+            <a:solidFill>
+              <a:schemeClr val="bg1"/>
+            </a:solidFill>
+            <a:ln>
+              <a:noFill/>
+            </a:ln>
+          </p:spPr>
+          <p:style>
+            <a:lnRef idx="2">
+              <a:schemeClr val="accent1">
+                <a:shade val="50000"/>
+              </a:schemeClr>
+            </a:lnRef>
+            <a:fillRef idx="1">
+              <a:schemeClr val="accent1"/>
+            </a:fillRef>
+            <a:effectRef idx="0">
+              <a:schemeClr val="accent1"/>
+            </a:effectRef>
+            <a:fontRef idx="minor">
+              <a:schemeClr val="lt1"/>
+            </a:fontRef>
+          </p:style>
+          <p:txBody>
+            <a:bodyPr rtlCol="0" anchor="ctr"/>
+            <a:lstStyle/>
+            <a:p>
+              <a:pPr algn="ctr"/>
+              <a:endParaRPr lang="en-US"/>
+            </a:p>
+          </p:txBody>
+        </p:sp>
+      </p:grpSp>
+      <p:sp>
+        <p:nvSpPr>
+          <p:cNvPr id="242" name="Rectangle 241"/>
+          <p:cNvSpPr/>
+          <p:nvPr/>
+        </p:nvSpPr>
+        <p:spPr>
+          <a:xfrm>
+            <a:off x="8564903" y="5340769"/>
+            <a:ext cx="1444293" cy="363344"/>
+          </a:xfrm>
+          <a:prstGeom prst="rect">
+            <a:avLst/>
+          </a:prstGeom>
+          <a:solidFill>
+            <a:schemeClr val="bg1"/>
+          </a:solidFill>
+          <a:ln>
+            <a:noFill/>
+          </a:ln>
+        </p:spPr>
+        <p:style>
+          <a:lnRef idx="2">
+            <a:schemeClr val="accent1">
+              <a:shade val="50000"/>
+            </a:schemeClr>
+          </a:lnRef>
+          <a:fillRef idx="1">
+            <a:schemeClr val="accent1"/>
+          </a:fillRef>
+          <a:effectRef idx="0">
+            <a:schemeClr val="accent1"/>
+          </a:effectRef>
+          <a:fontRef idx="minor">
+            <a:schemeClr val="lt1"/>
+          </a:fontRef>
+        </p:style>
+        <p:txBody>
+          <a:bodyPr rtlCol="0" anchor="ctr"/>
+          <a:lstStyle/>
+          <a:p>
+            <a:pPr algn="ctr"/>
+            <a:endParaRPr lang="en-US"/>
+          </a:p>
+        </p:txBody>
+      </p:sp>
+      <p:sp>
+        <p:nvSpPr>
+          <p:cNvPr id="244" name="Rectangle 243"/>
+          <p:cNvSpPr/>
+          <p:nvPr/>
+        </p:nvSpPr>
+        <p:spPr>
+          <a:xfrm>
+            <a:off x="9672085" y="5267052"/>
+            <a:ext cx="467523" cy="317987"/>
+          </a:xfrm>
+          <a:prstGeom prst="rect">
+            <a:avLst/>
+          </a:prstGeom>
+          <a:solidFill>
+            <a:schemeClr val="bg1"/>
+          </a:solidFill>
+          <a:ln>
+            <a:noFill/>
+          </a:ln>
+        </p:spPr>
+        <p:style>
+          <a:lnRef idx="2">
+            <a:schemeClr val="accent1">
+              <a:shade val="50000"/>
+            </a:schemeClr>
+          </a:lnRef>
+          <a:fillRef idx="1">
+            <a:schemeClr val="accent1"/>
+          </a:fillRef>
+          <a:effectRef idx="0">
+            <a:schemeClr val="accent1"/>
+          </a:effectRef>
+          <a:fontRef idx="minor">
+            <a:schemeClr val="lt1"/>
+          </a:fontRef>
+        </p:style>
+        <p:txBody>
+          <a:bodyPr rtlCol="0" anchor="ctr"/>
+          <a:lstStyle/>
+          <a:p>
+            <a:pPr algn="ctr"/>
+            <a:endParaRPr lang="en-US"/>
+          </a:p>
+        </p:txBody>
+      </p:sp>
+      <p:cxnSp>
+        <p:nvCxnSpPr>
+          <p:cNvPr id="245" name="Straight Connector 244"/>
+          <p:cNvCxnSpPr/>
+          <p:nvPr/>
+        </p:nvCxnSpPr>
+        <p:spPr>
+          <a:xfrm flipH="1">
+            <a:off x="8541385" y="5442867"/>
+            <a:ext cx="730845" cy="0"/>
+          </a:xfrm>
+          <a:prstGeom prst="line">
+            <a:avLst/>
+          </a:prstGeom>
+          <a:ln w="28575">
+            <a:solidFill>
+              <a:srgbClr val="7F8084"/>
+            </a:solidFill>
+          </a:ln>
+        </p:spPr>
+        <p:style>
+          <a:lnRef idx="3">
+            <a:schemeClr val="accent1"/>
+          </a:lnRef>
+          <a:fillRef idx="0">
+            <a:schemeClr val="accent1"/>
+          </a:fillRef>
+          <a:effectRef idx="2">
+            <a:schemeClr val="accent1"/>
+          </a:effectRef>
+          <a:fontRef idx="minor">
+            <a:schemeClr val="tx1"/>
+          </a:fontRef>
+        </p:style>
+      </p:cxnSp>
+      <p:cxnSp>
+        <p:nvCxnSpPr>
+          <p:cNvPr id="249" name="Straight Connector 248"/>
+          <p:cNvCxnSpPr/>
+          <p:nvPr/>
+        </p:nvCxnSpPr>
+        <p:spPr>
+          <a:xfrm flipV="1">
+            <a:off x="9747810" y="5104641"/>
+            <a:ext cx="0" cy="700259"/>
+          </a:xfrm>
+          <a:prstGeom prst="line">
+            <a:avLst/>
+          </a:prstGeom>
+          <a:ln w="28575">
+            <a:solidFill>
+              <a:srgbClr val="7F8084"/>
+            </a:solidFill>
+          </a:ln>
+        </p:spPr>
+        <p:style>
+          <a:lnRef idx="3">
+            <a:schemeClr val="accent1"/>
+          </a:lnRef>
+          <a:fillRef idx="0">
+            <a:schemeClr val="accent1"/>
+          </a:fillRef>
+          <a:effectRef idx="2">
+            <a:schemeClr val="accent1"/>
+          </a:effectRef>
+          <a:fontRef idx="minor">
+            <a:schemeClr val="tx1"/>
+          </a:fontRef>
+        </p:style>
+      </p:cxnSp>
+      <p:cxnSp>
+        <p:nvCxnSpPr>
+          <p:cNvPr id="252" name="Straight Connector 251"/>
+          <p:cNvCxnSpPr/>
+          <p:nvPr/>
+        </p:nvCxnSpPr>
+        <p:spPr>
+          <a:xfrm flipV="1">
+            <a:off x="9260629" y="5043399"/>
+            <a:ext cx="0" cy="390991"/>
+          </a:xfrm>
+          <a:prstGeom prst="line">
+            <a:avLst/>
+          </a:prstGeom>
+          <a:ln w="22225">
+            <a:solidFill>
+              <a:srgbClr val="7F8084"/>
+            </a:solidFill>
+          </a:ln>
+        </p:spPr>
+        <p:style>
+          <a:lnRef idx="3">
+            <a:schemeClr val="accent1"/>
+          </a:lnRef>
+          <a:fillRef idx="0">
+            <a:schemeClr val="accent1"/>
+          </a:fillRef>
+          <a:effectRef idx="2">
+            <a:schemeClr val="accent1"/>
+          </a:effectRef>
+          <a:fontRef idx="minor">
+            <a:schemeClr val="tx1"/>
+          </a:fontRef>
+        </p:style>
+      </p:cxnSp>
+      <p:sp>
+        <p:nvSpPr>
+          <p:cNvPr id="8" name="TextBox 7"/>
+          <p:cNvSpPr txBox="1"/>
+          <p:nvPr/>
+        </p:nvSpPr>
+        <p:spPr>
+          <a:xfrm>
+            <a:off x="9200452" y="5167800"/>
+            <a:ext cx="849745" cy="276999"/>
+          </a:xfrm>
+          <a:prstGeom prst="rect">
+            <a:avLst/>
+          </a:prstGeom>
+          <a:noFill/>
+        </p:spPr>
+        <p:txBody>
+          <a:bodyPr wrap="square" rtlCol="0">
+            <a:spAutoFit/>
+          </a:bodyPr>
+          <a:lstStyle/>
+          <a:p>
+            <a:r>
+              <a:rPr lang="en-US" sz="1200" dirty="0" smtClean="0">
+                <a:solidFill>
+                  <a:srgbClr val="CC3300"/>
+                </a:solidFill>
+              </a:rPr>
+              <a:t>JALR</a:t>
+            </a:r>
+            <a:endParaRPr lang="en-US" sz="1200" dirty="0">
+              <a:solidFill>
+                <a:srgbClr val="CC3300"/>
+              </a:solidFill>
+            </a:endParaRPr>
+          </a:p>
+        </p:txBody>
+      </p:sp>
+      <p:sp>
+        <p:nvSpPr>
+          <p:cNvPr id="254" name="Rectangle 253"/>
+          <p:cNvSpPr/>
+          <p:nvPr/>
+        </p:nvSpPr>
+        <p:spPr>
+          <a:xfrm>
+            <a:off x="8184020" y="5790083"/>
+            <a:ext cx="979030" cy="496417"/>
+          </a:xfrm>
+          <a:prstGeom prst="rect">
+            <a:avLst/>
+          </a:prstGeom>
+          <a:noFill/>
+          <a:ln w="19050">
+            <a:solidFill>
+              <a:srgbClr val="C6C7C9"/>
+            </a:solidFill>
+          </a:ln>
+        </p:spPr>
+        <p:style>
+          <a:lnRef idx="2">
+            <a:schemeClr val="accent1">
+              <a:shade val="50000"/>
+            </a:schemeClr>
+          </a:lnRef>
+          <a:fillRef idx="1">
+            <a:schemeClr val="accent1"/>
+          </a:fillRef>
+          <a:effectRef idx="0">
+            <a:schemeClr val="accent1"/>
+          </a:effectRef>
+          <a:fontRef idx="minor">
+            <a:schemeClr val="lt1"/>
+          </a:fontRef>
+        </p:style>
+        <p:txBody>
+          <a:bodyPr rtlCol="0" anchor="ctr"/>
+          <a:lstStyle/>
+          <a:p>
+            <a:pPr algn="ctr"/>
+            <a:endParaRPr lang="en-US"/>
+          </a:p>
+        </p:txBody>
+      </p:sp>
+      <p:sp>
+        <p:nvSpPr>
+          <p:cNvPr id="255" name="TextBox 254"/>
+          <p:cNvSpPr txBox="1"/>
+          <p:nvPr/>
+        </p:nvSpPr>
+        <p:spPr>
+          <a:xfrm>
+            <a:off x="8331937" y="5918200"/>
+            <a:ext cx="747706" cy="276999"/>
+          </a:xfrm>
+          <a:prstGeom prst="rect">
+            <a:avLst/>
+          </a:prstGeom>
+          <a:noFill/>
+        </p:spPr>
+        <p:txBody>
+          <a:bodyPr wrap="square" rtlCol="0">
+            <a:spAutoFit/>
+          </a:bodyPr>
+          <a:lstStyle/>
+          <a:p>
+            <a:r>
+              <a:rPr lang="en-US" sz="1200" b="1" dirty="0" smtClean="0"/>
+              <a:t>multDiv</a:t>
+            </a:r>
+            <a:endParaRPr lang="en-US" sz="1200" b="1" dirty="0"/>
+          </a:p>
+        </p:txBody>
+      </p:sp>
+      <p:cxnSp>
+        <p:nvCxnSpPr>
+          <p:cNvPr id="256" name="Straight Connector 255"/>
+          <p:cNvCxnSpPr/>
+          <p:nvPr/>
+        </p:nvCxnSpPr>
+        <p:spPr>
+          <a:xfrm flipH="1" flipV="1">
+            <a:off x="7732060" y="4498309"/>
+            <a:ext cx="12366" cy="1506274"/>
+          </a:xfrm>
+          <a:prstGeom prst="line">
+            <a:avLst/>
+          </a:prstGeom>
+          <a:ln w="28575">
+            <a:solidFill>
+              <a:srgbClr val="CC3300"/>
+            </a:solidFill>
+          </a:ln>
+        </p:spPr>
+        <p:style>
+          <a:lnRef idx="3">
+            <a:schemeClr val="accent1"/>
+          </a:lnRef>
+          <a:fillRef idx="0">
+            <a:schemeClr val="accent1"/>
+          </a:fillRef>
+          <a:effectRef idx="2">
+            <a:schemeClr val="accent1"/>
+          </a:effectRef>
+          <a:fontRef idx="minor">
+            <a:schemeClr val="tx1"/>
+          </a:fontRef>
+        </p:style>
+      </p:cxnSp>
+      <p:cxnSp>
+        <p:nvCxnSpPr>
+          <p:cNvPr id="257" name="Straight Connector 256"/>
+          <p:cNvCxnSpPr/>
+          <p:nvPr/>
+        </p:nvCxnSpPr>
+        <p:spPr>
+          <a:xfrm flipH="1" flipV="1">
+            <a:off x="7635875" y="4533900"/>
+            <a:ext cx="12642" cy="1561479"/>
+          </a:xfrm>
+          <a:prstGeom prst="line">
+            <a:avLst/>
+          </a:prstGeom>
+          <a:ln w="28575">
+            <a:solidFill>
+              <a:srgbClr val="CC3300"/>
+            </a:solidFill>
+          </a:ln>
+        </p:spPr>
+        <p:style>
+          <a:lnRef idx="3">
+            <a:schemeClr val="accent1"/>
+          </a:lnRef>
+          <a:fillRef idx="0">
+            <a:schemeClr val="accent1"/>
+          </a:fillRef>
+          <a:effectRef idx="2">
+            <a:schemeClr val="accent1"/>
+          </a:effectRef>
+          <a:fontRef idx="minor">
+            <a:schemeClr val="tx1"/>
+          </a:fontRef>
+        </p:style>
+      </p:cxnSp>
+      <p:cxnSp>
+        <p:nvCxnSpPr>
+          <p:cNvPr id="258" name="Straight Connector 257"/>
+          <p:cNvCxnSpPr/>
+          <p:nvPr/>
+        </p:nvCxnSpPr>
+        <p:spPr>
+          <a:xfrm flipH="1" flipV="1">
+            <a:off x="7828438" y="4465819"/>
+            <a:ext cx="6698" cy="1238294"/>
+          </a:xfrm>
+          <a:prstGeom prst="line">
+            <a:avLst/>
+          </a:prstGeom>
+          <a:ln w="28575">
+            <a:solidFill>
+              <a:srgbClr val="CC3300"/>
+            </a:solidFill>
+            <a:tailEnd type="stealth" w="lg" len="lg"/>
+          </a:ln>
+        </p:spPr>
+        <p:style>
+          <a:lnRef idx="3">
+            <a:schemeClr val="accent1"/>
+          </a:lnRef>
+          <a:fillRef idx="0">
+            <a:schemeClr val="accent1"/>
+          </a:fillRef>
+          <a:effectRef idx="2">
+            <a:schemeClr val="accent1"/>
+          </a:effectRef>
+          <a:fontRef idx="minor">
+            <a:schemeClr val="tx1"/>
+          </a:fontRef>
+        </p:style>
+      </p:cxnSp>
+      <p:cxnSp>
+        <p:nvCxnSpPr>
+          <p:cNvPr id="259" name="Straight Connector 258"/>
+          <p:cNvCxnSpPr/>
+          <p:nvPr/>
+        </p:nvCxnSpPr>
+        <p:spPr>
+          <a:xfrm flipH="1">
+            <a:off x="7727097" y="6004583"/>
+            <a:ext cx="463204" cy="3501"/>
+          </a:xfrm>
+          <a:prstGeom prst="line">
+            <a:avLst/>
+          </a:prstGeom>
+          <a:ln w="28575">
+            <a:solidFill>
+              <a:srgbClr val="C00000"/>
+            </a:solidFill>
+            <a:headEnd type="stealth" w="lg" len="lg"/>
+          </a:ln>
+        </p:spPr>
+        <p:style>
+          <a:lnRef idx="3">
+            <a:schemeClr val="accent1"/>
+          </a:lnRef>
+          <a:fillRef idx="0">
+            <a:schemeClr val="accent1"/>
+          </a:fillRef>
+          <a:effectRef idx="2">
+            <a:schemeClr val="accent1"/>
+          </a:effectRef>
+          <a:fontRef idx="minor">
+            <a:schemeClr val="tx1"/>
+          </a:fontRef>
+        </p:style>
+      </p:cxnSp>
+      <p:cxnSp>
+        <p:nvCxnSpPr>
+          <p:cNvPr id="263" name="Straight Connector 262"/>
+          <p:cNvCxnSpPr/>
+          <p:nvPr/>
+        </p:nvCxnSpPr>
+        <p:spPr>
+          <a:xfrm flipH="1" flipV="1">
+            <a:off x="7633997" y="6095378"/>
+            <a:ext cx="550023" cy="622"/>
+          </a:xfrm>
+          <a:prstGeom prst="line">
+            <a:avLst/>
+          </a:prstGeom>
+          <a:ln w="28575">
+            <a:solidFill>
+              <a:srgbClr val="C00000"/>
+            </a:solidFill>
+            <a:headEnd type="stealth" w="lg" len="lg"/>
+          </a:ln>
+        </p:spPr>
+        <p:style>
+          <a:lnRef idx="3">
+            <a:schemeClr val="accent1"/>
+          </a:lnRef>
+          <a:fillRef idx="0">
+            <a:schemeClr val="accent1"/>
+          </a:fillRef>
+          <a:effectRef idx="2">
+            <a:schemeClr val="accent1"/>
+          </a:effectRef>
+          <a:fontRef idx="minor">
+            <a:schemeClr val="tx1"/>
+          </a:fontRef>
+        </p:style>
+      </p:cxnSp>
+      <p:sp>
+        <p:nvSpPr>
+          <p:cNvPr id="275" name="TextBox 274"/>
+          <p:cNvSpPr txBox="1"/>
+          <p:nvPr/>
+        </p:nvSpPr>
+        <p:spPr>
+          <a:xfrm>
+            <a:off x="7698317" y="5800926"/>
+            <a:ext cx="435884" cy="246221"/>
+          </a:xfrm>
+          <a:prstGeom prst="rect">
+            <a:avLst/>
+          </a:prstGeom>
+          <a:noFill/>
+        </p:spPr>
+        <p:txBody>
+          <a:bodyPr wrap="square" rtlCol="0">
+            <a:spAutoFit/>
+          </a:bodyPr>
+          <a:lstStyle/>
+          <a:p>
+            <a:r>
+              <a:rPr lang="en-US" sz="1000" dirty="0" smtClean="0">
+                <a:solidFill>
+                  <a:srgbClr val="CC3300"/>
+                </a:solidFill>
+              </a:rPr>
+              <a:t>valid</a:t>
+            </a:r>
+            <a:endParaRPr lang="en-US" sz="1000" dirty="0">
+              <a:solidFill>
+                <a:srgbClr val="CC3300"/>
+              </a:solidFill>
+            </a:endParaRPr>
+          </a:p>
+        </p:txBody>
+      </p:sp>
+      <p:cxnSp>
+        <p:nvCxnSpPr>
+          <p:cNvPr id="277" name="Straight Connector 276"/>
+          <p:cNvCxnSpPr/>
+          <p:nvPr/>
+        </p:nvCxnSpPr>
+        <p:spPr>
+          <a:xfrm flipH="1">
+            <a:off x="7846605" y="5693295"/>
+            <a:ext cx="1613538" cy="0"/>
+          </a:xfrm>
+          <a:prstGeom prst="line">
+            <a:avLst/>
+          </a:prstGeom>
+          <a:ln w="28575">
+            <a:solidFill>
+              <a:srgbClr val="C00000"/>
+            </a:solidFill>
+            <a:headEnd type="none" w="lg" len="lg"/>
+          </a:ln>
+        </p:spPr>
+        <p:style>
+          <a:lnRef idx="3">
+            <a:schemeClr val="accent1"/>
+          </a:lnRef>
+          <a:fillRef idx="0">
+            <a:schemeClr val="accent1"/>
+          </a:fillRef>
+          <a:effectRef idx="2">
+            <a:schemeClr val="accent1"/>
+          </a:effectRef>
+          <a:fontRef idx="minor">
+            <a:schemeClr val="tx1"/>
+          </a:fontRef>
+        </p:style>
+      </p:cxnSp>
+      <p:cxnSp>
+        <p:nvCxnSpPr>
+          <p:cNvPr id="280" name="Straight Connector 279"/>
+          <p:cNvCxnSpPr/>
+          <p:nvPr/>
+        </p:nvCxnSpPr>
+        <p:spPr>
+          <a:xfrm flipH="1" flipV="1">
+            <a:off x="9446373" y="5693295"/>
+            <a:ext cx="110" cy="402083"/>
+          </a:xfrm>
+          <a:prstGeom prst="line">
+            <a:avLst/>
+          </a:prstGeom>
+          <a:ln w="28575">
+            <a:solidFill>
+              <a:srgbClr val="CC3300"/>
+            </a:solidFill>
+          </a:ln>
+        </p:spPr>
+        <p:style>
+          <a:lnRef idx="3">
+            <a:schemeClr val="accent1"/>
+          </a:lnRef>
+          <a:fillRef idx="0">
+            <a:schemeClr val="accent1"/>
+          </a:fillRef>
+          <a:effectRef idx="2">
+            <a:schemeClr val="accent1"/>
+          </a:effectRef>
+          <a:fontRef idx="minor">
+            <a:schemeClr val="tx1"/>
+          </a:fontRef>
+        </p:style>
+      </p:cxnSp>
+      <p:cxnSp>
+        <p:nvCxnSpPr>
+          <p:cNvPr id="283" name="Straight Connector 282"/>
+          <p:cNvCxnSpPr/>
+          <p:nvPr/>
+        </p:nvCxnSpPr>
+        <p:spPr>
+          <a:xfrm flipH="1">
+            <a:off x="9167710" y="6095378"/>
+            <a:ext cx="292433" cy="0"/>
+          </a:xfrm>
+          <a:prstGeom prst="line">
+            <a:avLst/>
+          </a:prstGeom>
+          <a:ln w="28575">
+            <a:solidFill>
+              <a:srgbClr val="C00000"/>
+            </a:solidFill>
+            <a:headEnd type="none" w="lg" len="lg"/>
+          </a:ln>
+        </p:spPr>
+        <p:style>
+          <a:lnRef idx="3">
+            <a:schemeClr val="accent1"/>
+          </a:lnRef>
+          <a:fillRef idx="0">
+            <a:schemeClr val="accent1"/>
+          </a:fillRef>
+          <a:effectRef idx="2">
+            <a:schemeClr val="accent1"/>
+          </a:effectRef>
+          <a:fontRef idx="minor">
+            <a:schemeClr val="tx1"/>
+          </a:fontRef>
+        </p:style>
+      </p:cxnSp>
+      <p:sp>
+        <p:nvSpPr>
+          <p:cNvPr id="287" name="TextBox 286"/>
+          <p:cNvSpPr txBox="1"/>
+          <p:nvPr/>
+        </p:nvSpPr>
+        <p:spPr>
+          <a:xfrm>
+            <a:off x="8360215" y="5484492"/>
+            <a:ext cx="489792" cy="246221"/>
+          </a:xfrm>
+          <a:prstGeom prst="rect">
+            <a:avLst/>
+          </a:prstGeom>
+          <a:noFill/>
+        </p:spPr>
+        <p:txBody>
+          <a:bodyPr wrap="square" rtlCol="0">
+            <a:spAutoFit/>
+          </a:bodyPr>
+          <a:lstStyle/>
+          <a:p>
+            <a:r>
+              <a:rPr lang="en-US" sz="1000" dirty="0" smtClean="0">
+                <a:solidFill>
+                  <a:srgbClr val="CC3300"/>
+                </a:solidFill>
+              </a:rPr>
+              <a:t>ready</a:t>
+            </a:r>
+            <a:endParaRPr lang="en-US" sz="1000" dirty="0">
+              <a:solidFill>
+                <a:srgbClr val="CC3300"/>
+              </a:solidFill>
+            </a:endParaRPr>
+          </a:p>
+        </p:txBody>
+      </p:sp>
+      <p:sp>
+        <p:nvSpPr>
+          <p:cNvPr id="90" name="Oval 89"/>
+          <p:cNvSpPr/>
+          <p:nvPr/>
+        </p:nvSpPr>
+        <p:spPr>
+          <a:xfrm>
+            <a:off x="9717365" y="6361671"/>
+            <a:ext cx="66815" cy="69792"/>
+          </a:xfrm>
+          <a:prstGeom prst="ellipse">
+            <a:avLst/>
+          </a:prstGeom>
+          <a:solidFill>
+            <a:srgbClr val="272A30"/>
+          </a:solidFill>
+          <a:ln>
+            <a:noFill/>
+          </a:ln>
+        </p:spPr>
+        <p:style>
+          <a:lnRef idx="2">
+            <a:schemeClr val="accent1">
+              <a:shade val="50000"/>
+            </a:schemeClr>
+          </a:lnRef>
+          <a:fillRef idx="1">
+            <a:schemeClr val="accent1"/>
+          </a:fillRef>
+          <a:effectRef idx="0">
+            <a:schemeClr val="accent1"/>
+          </a:effectRef>
+          <a:fontRef idx="minor">
+            <a:schemeClr val="lt1"/>
+          </a:fontRef>
+        </p:style>
+        <p:txBody>
+          <a:bodyPr rtlCol="0" anchor="ctr"/>
+          <a:lstStyle/>
+          <a:p>
+            <a:pPr algn="ctr"/>
+            <a:endParaRPr lang="en-US"/>
+          </a:p>
+        </p:txBody>
+      </p:sp>
+      <p:sp>
+        <p:nvSpPr>
+          <p:cNvPr id="98" name="TextBox 97"/>
+          <p:cNvSpPr txBox="1"/>
+          <p:nvPr/>
+        </p:nvSpPr>
+        <p:spPr>
+          <a:xfrm>
+            <a:off x="8331938" y="165130"/>
+            <a:ext cx="457200" cy="276999"/>
+          </a:xfrm>
+          <a:prstGeom prst="rect">
+            <a:avLst/>
+          </a:prstGeom>
+          <a:noFill/>
+        </p:spPr>
+        <p:txBody>
+          <a:bodyPr wrap="square" rtlCol="0">
+            <a:spAutoFit/>
+          </a:bodyPr>
+          <a:lstStyle/>
+          <a:p>
+            <a:r>
+              <a:rPr lang="en-US" sz="1200" dirty="0" smtClean="0">
+                <a:solidFill>
+                  <a:srgbClr val="CC3300"/>
+                </a:solidFill>
+              </a:rPr>
+              <a:t>00</a:t>
+            </a:r>
+            <a:endParaRPr lang="en-US" sz="1200" dirty="0">
+              <a:solidFill>
+                <a:srgbClr val="CC3300"/>
+              </a:solidFill>
+            </a:endParaRPr>
+          </a:p>
+        </p:txBody>
+      </p:sp>
+      <p:pic>
+        <p:nvPicPr>
+          <p:cNvPr id="4" name="Picture 3"/>
+          <p:cNvPicPr>
+            <a:picLocks noChangeAspect="1"/>
+          </p:cNvPicPr>
+          <p:nvPr/>
+        </p:nvPicPr>
+        <p:blipFill>
+          <a:blip r:embed="rId6"/>
+          <a:stretch>
+            <a:fillRect/>
+          </a:stretch>
+        </p:blipFill>
+        <p:spPr>
+          <a:xfrm>
+            <a:off x="8109491" y="1981858"/>
+            <a:ext cx="311166" cy="336567"/>
+          </a:xfrm>
+          <a:prstGeom prst="rect">
+            <a:avLst/>
+          </a:prstGeom>
+        </p:spPr>
+      </p:pic>
+      <p:cxnSp>
+        <p:nvCxnSpPr>
+          <p:cNvPr id="104" name="Straight Connector 103"/>
+          <p:cNvCxnSpPr/>
+          <p:nvPr/>
+        </p:nvCxnSpPr>
+        <p:spPr>
+          <a:xfrm flipH="1" flipV="1">
+            <a:off x="5293597" y="1954709"/>
+            <a:ext cx="1183211" cy="448"/>
+          </a:xfrm>
+          <a:prstGeom prst="line">
+            <a:avLst/>
+          </a:prstGeom>
+          <a:ln w="28575">
+            <a:solidFill>
+              <a:srgbClr val="C00000"/>
+            </a:solidFill>
+          </a:ln>
+        </p:spPr>
+        <p:style>
+          <a:lnRef idx="3">
+            <a:schemeClr val="accent1"/>
+          </a:lnRef>
+          <a:fillRef idx="0">
+            <a:schemeClr val="accent1"/>
+          </a:fillRef>
+          <a:effectRef idx="2">
+            <a:schemeClr val="accent1"/>
+          </a:effectRef>
+          <a:fontRef idx="minor">
+            <a:schemeClr val="tx1"/>
+          </a:fontRef>
+        </p:style>
+      </p:cxnSp>
+      <p:cxnSp>
+        <p:nvCxnSpPr>
+          <p:cNvPr id="106" name="Straight Connector 105"/>
+          <p:cNvCxnSpPr/>
+          <p:nvPr/>
+        </p:nvCxnSpPr>
+        <p:spPr>
+          <a:xfrm flipH="1">
+            <a:off x="6485079" y="2479192"/>
+            <a:ext cx="2012721" cy="0"/>
+          </a:xfrm>
+          <a:prstGeom prst="line">
+            <a:avLst/>
+          </a:prstGeom>
+          <a:ln w="28575">
+            <a:solidFill>
+              <a:srgbClr val="C00000"/>
+            </a:solidFill>
+          </a:ln>
+        </p:spPr>
+        <p:style>
+          <a:lnRef idx="3">
+            <a:schemeClr val="accent1"/>
+          </a:lnRef>
+          <a:fillRef idx="0">
+            <a:schemeClr val="accent1"/>
+          </a:fillRef>
+          <a:effectRef idx="2">
+            <a:schemeClr val="accent1"/>
+          </a:effectRef>
+          <a:fontRef idx="minor">
+            <a:schemeClr val="tx1"/>
+          </a:fontRef>
+        </p:style>
+      </p:cxnSp>
+      <p:cxnSp>
+        <p:nvCxnSpPr>
+          <p:cNvPr id="112" name="Straight Connector 111"/>
+          <p:cNvCxnSpPr/>
+          <p:nvPr/>
+        </p:nvCxnSpPr>
+        <p:spPr>
+          <a:xfrm flipH="1" flipV="1">
+            <a:off x="6475903" y="1945084"/>
+            <a:ext cx="1329" cy="551040"/>
+          </a:xfrm>
+          <a:prstGeom prst="line">
+            <a:avLst/>
+          </a:prstGeom>
+          <a:ln w="28575">
+            <a:solidFill>
+              <a:srgbClr val="CC3300"/>
+            </a:solidFill>
+          </a:ln>
+        </p:spPr>
+        <p:style>
+          <a:lnRef idx="3">
+            <a:schemeClr val="accent1"/>
+          </a:lnRef>
+          <a:fillRef idx="0">
+            <a:schemeClr val="accent1"/>
+          </a:fillRef>
+          <a:effectRef idx="2">
+            <a:schemeClr val="accent1"/>
+          </a:effectRef>
+          <a:fontRef idx="minor">
+            <a:schemeClr val="tx1"/>
+          </a:fontRef>
+        </p:style>
+      </p:cxnSp>
+      <p:cxnSp>
+        <p:nvCxnSpPr>
+          <p:cNvPr id="122" name="Straight Connector 121"/>
+          <p:cNvCxnSpPr/>
+          <p:nvPr/>
+        </p:nvCxnSpPr>
+        <p:spPr>
+          <a:xfrm flipH="1" flipV="1">
+            <a:off x="6123834" y="2172267"/>
+            <a:ext cx="1861496" cy="6338"/>
+          </a:xfrm>
+          <a:prstGeom prst="line">
+            <a:avLst/>
+          </a:prstGeom>
+          <a:ln w="22225">
+            <a:solidFill>
+              <a:srgbClr val="6ED3F4"/>
+            </a:solidFill>
+          </a:ln>
+        </p:spPr>
+        <p:style>
+          <a:lnRef idx="3">
+            <a:schemeClr val="accent1"/>
+          </a:lnRef>
+          <a:fillRef idx="0">
+            <a:schemeClr val="accent1"/>
+          </a:fillRef>
+          <a:effectRef idx="2">
+            <a:schemeClr val="accent1"/>
+          </a:effectRef>
+          <a:fontRef idx="minor">
+            <a:schemeClr val="tx1"/>
+          </a:fontRef>
+        </p:style>
+      </p:cxnSp>
+      <p:cxnSp>
+        <p:nvCxnSpPr>
+          <p:cNvPr id="126" name="Straight Connector 125"/>
+          <p:cNvCxnSpPr/>
+          <p:nvPr/>
+        </p:nvCxnSpPr>
+        <p:spPr>
+          <a:xfrm flipH="1" flipV="1">
+            <a:off x="5341064" y="2044040"/>
+            <a:ext cx="789290" cy="1281"/>
+          </a:xfrm>
+          <a:prstGeom prst="line">
+            <a:avLst/>
+          </a:prstGeom>
+          <a:ln w="22225">
+            <a:solidFill>
+              <a:srgbClr val="6ED3F4"/>
+            </a:solidFill>
+            <a:tailEnd type="stealth" w="med" len="lg"/>
+          </a:ln>
+        </p:spPr>
+        <p:style>
+          <a:lnRef idx="3">
+            <a:schemeClr val="accent1"/>
+          </a:lnRef>
+          <a:fillRef idx="0">
+            <a:schemeClr val="accent1"/>
+          </a:fillRef>
+          <a:effectRef idx="2">
+            <a:schemeClr val="accent1"/>
+          </a:effectRef>
+          <a:fontRef idx="minor">
+            <a:schemeClr val="tx1"/>
+          </a:fontRef>
+        </p:style>
+      </p:cxnSp>
+      <p:cxnSp>
+        <p:nvCxnSpPr>
+          <p:cNvPr id="129" name="Straight Connector 128"/>
+          <p:cNvCxnSpPr/>
+          <p:nvPr/>
+        </p:nvCxnSpPr>
+        <p:spPr>
+          <a:xfrm flipH="1">
+            <a:off x="8445382" y="1940656"/>
+            <a:ext cx="1647" cy="209329"/>
+          </a:xfrm>
+          <a:prstGeom prst="line">
+            <a:avLst/>
+          </a:prstGeom>
+          <a:ln w="22225">
+            <a:solidFill>
+              <a:srgbClr val="6AD4F5"/>
+            </a:solidFill>
+          </a:ln>
+        </p:spPr>
+        <p:style>
+          <a:lnRef idx="3">
+            <a:schemeClr val="accent1"/>
+          </a:lnRef>
+          <a:fillRef idx="0">
+            <a:schemeClr val="accent1"/>
+          </a:fillRef>
+          <a:effectRef idx="2">
+            <a:schemeClr val="accent1"/>
+          </a:effectRef>
+          <a:fontRef idx="minor">
+            <a:schemeClr val="tx1"/>
+          </a:fontRef>
+        </p:style>
+      </p:cxnSp>
+      <p:cxnSp>
+        <p:nvCxnSpPr>
+          <p:cNvPr id="130" name="Straight Connector 129"/>
+          <p:cNvCxnSpPr/>
+          <p:nvPr/>
+        </p:nvCxnSpPr>
+        <p:spPr>
+          <a:xfrm flipH="1">
+            <a:off x="7979344" y="1940362"/>
+            <a:ext cx="1313" cy="237563"/>
+          </a:xfrm>
+          <a:prstGeom prst="line">
+            <a:avLst/>
+          </a:prstGeom>
+          <a:ln w="22225">
+            <a:solidFill>
+              <a:srgbClr val="6AD4F5"/>
+            </a:solidFill>
+          </a:ln>
+        </p:spPr>
+        <p:style>
+          <a:lnRef idx="3">
+            <a:schemeClr val="accent1"/>
+          </a:lnRef>
+          <a:fillRef idx="0">
+            <a:schemeClr val="accent1"/>
+          </a:fillRef>
+          <a:effectRef idx="2">
+            <a:schemeClr val="accent1"/>
+          </a:effectRef>
+          <a:fontRef idx="minor">
+            <a:schemeClr val="tx1"/>
+          </a:fontRef>
+        </p:style>
+      </p:cxnSp>
+      <p:cxnSp>
+        <p:nvCxnSpPr>
+          <p:cNvPr id="131" name="Straight Connector 130"/>
+          <p:cNvCxnSpPr/>
+          <p:nvPr/>
+        </p:nvCxnSpPr>
+        <p:spPr>
+          <a:xfrm>
+            <a:off x="6130354" y="2044040"/>
+            <a:ext cx="394" cy="127511"/>
+          </a:xfrm>
+          <a:prstGeom prst="line">
+            <a:avLst/>
+          </a:prstGeom>
+          <a:ln w="22225">
+            <a:solidFill>
+              <a:srgbClr val="6AD4F5"/>
+            </a:solidFill>
+          </a:ln>
+        </p:spPr>
+        <p:style>
+          <a:lnRef idx="3">
+            <a:schemeClr val="accent1"/>
+          </a:lnRef>
+          <a:fillRef idx="0">
+            <a:schemeClr val="accent1"/>
+          </a:fillRef>
+          <a:effectRef idx="2">
+            <a:schemeClr val="accent1"/>
+          </a:effectRef>
+          <a:fontRef idx="minor">
+            <a:schemeClr val="tx1"/>
+          </a:fontRef>
+        </p:style>
+      </p:cxnSp>
+      <p:cxnSp>
+        <p:nvCxnSpPr>
+          <p:cNvPr id="140" name="Straight Connector 139"/>
+          <p:cNvCxnSpPr/>
+          <p:nvPr/>
+        </p:nvCxnSpPr>
+        <p:spPr>
+          <a:xfrm flipH="1">
+            <a:off x="7974295" y="1951179"/>
+            <a:ext cx="469742" cy="1430"/>
+          </a:xfrm>
+          <a:prstGeom prst="line">
+            <a:avLst/>
+          </a:prstGeom>
+          <a:ln w="22225">
+            <a:solidFill>
+              <a:srgbClr val="6ED3F4"/>
+            </a:solidFill>
+          </a:ln>
+        </p:spPr>
+        <p:style>
+          <a:lnRef idx="3">
+            <a:schemeClr val="accent1"/>
+          </a:lnRef>
+          <a:fillRef idx="0">
+            <a:schemeClr val="accent1"/>
+          </a:fillRef>
+          <a:effectRef idx="2">
+            <a:schemeClr val="accent1"/>
+          </a:effectRef>
+          <a:fontRef idx="minor">
+            <a:schemeClr val="tx1"/>
+          </a:fontRef>
+        </p:style>
+      </p:cxnSp>
+      <p:cxnSp>
+        <p:nvCxnSpPr>
+          <p:cNvPr id="150" name="Straight Connector 149"/>
+          <p:cNvCxnSpPr/>
+          <p:nvPr/>
+        </p:nvCxnSpPr>
+        <p:spPr>
+          <a:xfrm>
+            <a:off x="8380405" y="2142112"/>
+            <a:ext cx="76854" cy="615"/>
+          </a:xfrm>
+          <a:prstGeom prst="line">
+            <a:avLst/>
+          </a:prstGeom>
+          <a:ln w="22225">
+            <a:solidFill>
+              <a:srgbClr val="6ED3F4"/>
+            </a:solidFill>
+          </a:ln>
+        </p:spPr>
+        <p:style>
+          <a:lnRef idx="3">
+            <a:schemeClr val="accent1"/>
+          </a:lnRef>
+          <a:fillRef idx="0">
+            <a:schemeClr val="accent1"/>
+          </a:fillRef>
+          <a:effectRef idx="2">
+            <a:schemeClr val="accent1"/>
+          </a:effectRef>
+          <a:fontRef idx="minor">
+            <a:schemeClr val="tx1"/>
+          </a:fontRef>
+        </p:style>
+      </p:cxnSp>
+      <p:sp>
+        <p:nvSpPr>
+          <p:cNvPr id="173" name="TextBox 172"/>
+          <p:cNvSpPr txBox="1"/>
+          <p:nvPr/>
+        </p:nvSpPr>
+        <p:spPr>
+          <a:xfrm>
+            <a:off x="5089456" y="205581"/>
+            <a:ext cx="245039" cy="276999"/>
+          </a:xfrm>
+          <a:prstGeom prst="rect">
+            <a:avLst/>
+          </a:prstGeom>
+          <a:noFill/>
+        </p:spPr>
+        <p:txBody>
+          <a:bodyPr wrap="square" rtlCol="0">
+            <a:spAutoFit/>
+          </a:bodyPr>
+          <a:lstStyle/>
+          <a:p>
+            <a:r>
+              <a:rPr lang="en-US" sz="1200" dirty="0" smtClean="0">
+                <a:solidFill>
+                  <a:srgbClr val="CC3300"/>
+                </a:solidFill>
+              </a:rPr>
+              <a:t>1</a:t>
+            </a:r>
+            <a:endParaRPr lang="en-US" sz="1200" dirty="0">
+              <a:solidFill>
+                <a:srgbClr val="CC3300"/>
+              </a:solidFill>
+            </a:endParaRPr>
+          </a:p>
+        </p:txBody>
+      </p:sp>
+      <p:cxnSp>
+        <p:nvCxnSpPr>
+          <p:cNvPr id="174" name="Straight Connector 173"/>
+          <p:cNvCxnSpPr>
+            <a:endCxn id="163" idx="1"/>
+          </p:cNvCxnSpPr>
+          <p:nvPr/>
+        </p:nvCxnSpPr>
+        <p:spPr>
+          <a:xfrm flipH="1" flipV="1">
+            <a:off x="8399209" y="402074"/>
+            <a:ext cx="222838" cy="116978"/>
+          </a:xfrm>
+          <a:prstGeom prst="line">
+            <a:avLst/>
+          </a:prstGeom>
+          <a:ln w="28575">
+            <a:solidFill>
+              <a:srgbClr val="CC3300"/>
+            </a:solidFill>
+          </a:ln>
+        </p:spPr>
+        <p:style>
+          <a:lnRef idx="3">
+            <a:schemeClr val="accent1"/>
+          </a:lnRef>
+          <a:fillRef idx="0">
+            <a:schemeClr val="accent1"/>
+          </a:fillRef>
+          <a:effectRef idx="2">
+            <a:schemeClr val="accent1"/>
+          </a:effectRef>
+          <a:fontRef idx="minor">
+            <a:schemeClr val="tx1"/>
+          </a:fontRef>
+        </p:style>
+      </p:cxnSp>
+      <p:cxnSp>
+        <p:nvCxnSpPr>
+          <p:cNvPr id="176" name="Straight Connector 175"/>
+          <p:cNvCxnSpPr/>
+          <p:nvPr/>
+        </p:nvCxnSpPr>
+        <p:spPr>
+          <a:xfrm flipH="1" flipV="1">
+            <a:off x="5099391" y="391288"/>
+            <a:ext cx="239241" cy="205740"/>
+          </a:xfrm>
+          <a:prstGeom prst="line">
+            <a:avLst/>
+          </a:prstGeom>
+          <a:ln w="28575">
+            <a:solidFill>
+              <a:srgbClr val="CC3300"/>
+            </a:solidFill>
+          </a:ln>
+        </p:spPr>
+        <p:style>
+          <a:lnRef idx="3">
+            <a:schemeClr val="accent1"/>
+          </a:lnRef>
+          <a:fillRef idx="0">
+            <a:schemeClr val="accent1"/>
+          </a:fillRef>
+          <a:effectRef idx="2">
+            <a:schemeClr val="accent1"/>
+          </a:effectRef>
+          <a:fontRef idx="minor">
+            <a:schemeClr val="tx1"/>
+          </a:fontRef>
+        </p:style>
+      </p:cxnSp>
+      <p:sp>
+        <p:nvSpPr>
+          <p:cNvPr id="180" name="TextBox 179"/>
+          <p:cNvSpPr txBox="1"/>
+          <p:nvPr/>
+        </p:nvSpPr>
+        <p:spPr>
+          <a:xfrm>
+            <a:off x="4440476" y="438305"/>
+            <a:ext cx="762175" cy="276999"/>
+          </a:xfrm>
+          <a:prstGeom prst="rect">
+            <a:avLst/>
+          </a:prstGeom>
+          <a:noFill/>
+        </p:spPr>
+        <p:txBody>
+          <a:bodyPr wrap="square" rtlCol="0">
+            <a:spAutoFit/>
+          </a:bodyPr>
+          <a:lstStyle/>
+          <a:p>
+            <a:r>
+              <a:rPr lang="en-US" sz="1200" dirty="0" smtClean="0">
+                <a:solidFill>
+                  <a:srgbClr val="CC3300"/>
+                </a:solidFill>
+              </a:rPr>
+              <a:t>MCYCLE</a:t>
+            </a:r>
+            <a:endParaRPr lang="en-US" sz="1200" dirty="0">
+              <a:solidFill>
+                <a:srgbClr val="CC3300"/>
+              </a:solidFill>
+            </a:endParaRPr>
+          </a:p>
+        </p:txBody>
+      </p:sp>
+      <p:sp>
+        <p:nvSpPr>
+          <p:cNvPr id="181" name="TextBox 180"/>
+          <p:cNvSpPr txBox="1"/>
+          <p:nvPr/>
+        </p:nvSpPr>
+        <p:spPr>
+          <a:xfrm>
+            <a:off x="8758042" y="3322459"/>
+            <a:ext cx="245039" cy="276999"/>
+          </a:xfrm>
+          <a:prstGeom prst="rect">
+            <a:avLst/>
+          </a:prstGeom>
+          <a:noFill/>
+        </p:spPr>
+        <p:txBody>
+          <a:bodyPr wrap="square" rtlCol="0">
+            <a:spAutoFit/>
+          </a:bodyPr>
+          <a:lstStyle/>
+          <a:p>
+            <a:r>
+              <a:rPr lang="en-US" sz="1200" dirty="0" smtClean="0">
+                <a:solidFill>
+                  <a:srgbClr val="CC3300"/>
+                </a:solidFill>
+              </a:rPr>
+              <a:t>0</a:t>
+            </a:r>
+            <a:endParaRPr lang="en-US" sz="1200" dirty="0">
+              <a:solidFill>
+                <a:srgbClr val="CC3300"/>
+              </a:solidFill>
+            </a:endParaRPr>
+          </a:p>
+        </p:txBody>
+      </p:sp>
+      <p:cxnSp>
+        <p:nvCxnSpPr>
+          <p:cNvPr id="182" name="Straight Connector 181"/>
+          <p:cNvCxnSpPr/>
+          <p:nvPr/>
+        </p:nvCxnSpPr>
+        <p:spPr>
+          <a:xfrm flipV="1">
+            <a:off x="9754159" y="3969696"/>
+            <a:ext cx="365069" cy="963480"/>
+          </a:xfrm>
+          <a:prstGeom prst="line">
+            <a:avLst/>
+          </a:prstGeom>
+          <a:ln w="28575">
+            <a:solidFill>
+              <a:srgbClr val="CC3300"/>
+            </a:solidFill>
+          </a:ln>
+        </p:spPr>
+        <p:style>
+          <a:lnRef idx="3">
+            <a:schemeClr val="accent1"/>
+          </a:lnRef>
+          <a:fillRef idx="0">
+            <a:schemeClr val="accent1"/>
+          </a:fillRef>
+          <a:effectRef idx="2">
+            <a:schemeClr val="accent1"/>
+          </a:effectRef>
+          <a:fontRef idx="minor">
+            <a:schemeClr val="tx1"/>
+          </a:fontRef>
+        </p:style>
+      </p:cxnSp>
+      <p:sp>
+        <p:nvSpPr>
+          <p:cNvPr id="188" name="TextBox 187"/>
+          <p:cNvSpPr txBox="1"/>
+          <p:nvPr/>
+        </p:nvSpPr>
+        <p:spPr>
+          <a:xfrm>
+            <a:off x="8599580" y="3323802"/>
+            <a:ext cx="245039" cy="276999"/>
+          </a:xfrm>
+          <a:prstGeom prst="rect">
+            <a:avLst/>
+          </a:prstGeom>
+          <a:noFill/>
+        </p:spPr>
+        <p:txBody>
+          <a:bodyPr wrap="square" rtlCol="0">
+            <a:spAutoFit/>
+          </a:bodyPr>
+          <a:lstStyle/>
+          <a:p>
+            <a:r>
+              <a:rPr lang="en-US" sz="1200" dirty="0" smtClean="0">
+                <a:solidFill>
+                  <a:srgbClr val="CC3300"/>
+                </a:solidFill>
+              </a:rPr>
+              <a:t>0</a:t>
+            </a:r>
+            <a:endParaRPr lang="en-US" sz="1200" dirty="0">
+              <a:solidFill>
+                <a:srgbClr val="CC3300"/>
+              </a:solidFill>
+            </a:endParaRPr>
+          </a:p>
+        </p:txBody>
+      </p:sp>
+      <p:sp>
+        <p:nvSpPr>
+          <p:cNvPr id="189" name="TextBox 188"/>
+          <p:cNvSpPr txBox="1"/>
+          <p:nvPr/>
+        </p:nvSpPr>
+        <p:spPr>
+          <a:xfrm>
+            <a:off x="6796862" y="3882376"/>
+            <a:ext cx="245039" cy="276999"/>
+          </a:xfrm>
+          <a:prstGeom prst="rect">
+            <a:avLst/>
+          </a:prstGeom>
+          <a:noFill/>
+        </p:spPr>
+        <p:txBody>
+          <a:bodyPr wrap="square" rtlCol="0">
+            <a:spAutoFit/>
+          </a:bodyPr>
+          <a:lstStyle/>
+          <a:p>
+            <a:r>
+              <a:rPr lang="en-US" sz="1200" dirty="0" smtClean="0">
+                <a:solidFill>
+                  <a:srgbClr val="CC3300"/>
+                </a:solidFill>
+              </a:rPr>
+              <a:t>0</a:t>
+            </a:r>
+            <a:endParaRPr lang="en-US" sz="1200" dirty="0">
+              <a:solidFill>
+                <a:srgbClr val="CC3300"/>
+              </a:solidFill>
+            </a:endParaRPr>
+          </a:p>
+        </p:txBody>
+      </p:sp>
+      <p:sp>
+        <p:nvSpPr>
+          <p:cNvPr id="190" name="TextBox 189"/>
+          <p:cNvSpPr txBox="1"/>
+          <p:nvPr/>
+        </p:nvSpPr>
+        <p:spPr>
+          <a:xfrm>
+            <a:off x="5711780" y="3168719"/>
+            <a:ext cx="245039" cy="276999"/>
+          </a:xfrm>
+          <a:prstGeom prst="rect">
+            <a:avLst/>
+          </a:prstGeom>
+          <a:noFill/>
+        </p:spPr>
+        <p:txBody>
+          <a:bodyPr wrap="square" rtlCol="0">
+            <a:spAutoFit/>
+          </a:bodyPr>
+          <a:lstStyle/>
+          <a:p>
+            <a:r>
+              <a:rPr lang="en-US" sz="1200" dirty="0" smtClean="0">
+                <a:solidFill>
+                  <a:srgbClr val="CC3300"/>
+                </a:solidFill>
+              </a:rPr>
+              <a:t>1</a:t>
+            </a:r>
+            <a:endParaRPr lang="en-US" sz="1200" dirty="0">
+              <a:solidFill>
+                <a:srgbClr val="CC3300"/>
+              </a:solidFill>
+            </a:endParaRPr>
+          </a:p>
+        </p:txBody>
+      </p:sp>
+      <p:cxnSp>
+        <p:nvCxnSpPr>
+          <p:cNvPr id="191" name="Straight Connector 190"/>
+          <p:cNvCxnSpPr/>
+          <p:nvPr/>
+        </p:nvCxnSpPr>
+        <p:spPr>
+          <a:xfrm flipH="1" flipV="1">
+            <a:off x="6741583" y="4332817"/>
+            <a:ext cx="243207" cy="193824"/>
+          </a:xfrm>
+          <a:prstGeom prst="line">
+            <a:avLst/>
+          </a:prstGeom>
+          <a:ln w="28575">
+            <a:solidFill>
+              <a:srgbClr val="CC3300"/>
+            </a:solidFill>
+          </a:ln>
+        </p:spPr>
+        <p:style>
+          <a:lnRef idx="3">
+            <a:schemeClr val="accent1"/>
+          </a:lnRef>
+          <a:fillRef idx="0">
+            <a:schemeClr val="accent1"/>
+          </a:fillRef>
+          <a:effectRef idx="2">
+            <a:schemeClr val="accent1"/>
+          </a:effectRef>
+          <a:fontRef idx="minor">
+            <a:schemeClr val="tx1"/>
+          </a:fontRef>
+        </p:style>
+      </p:cxnSp>
+      <p:sp>
+        <p:nvSpPr>
+          <p:cNvPr id="108" name="TextBox 107"/>
+          <p:cNvSpPr txBox="1"/>
+          <p:nvPr/>
+        </p:nvSpPr>
+        <p:spPr>
+          <a:xfrm>
+            <a:off x="7977687" y="5733478"/>
+            <a:ext cx="245039" cy="276999"/>
+          </a:xfrm>
+          <a:prstGeom prst="rect">
+            <a:avLst/>
+          </a:prstGeom>
+          <a:noFill/>
+        </p:spPr>
+        <p:txBody>
+          <a:bodyPr wrap="square" rtlCol="0">
+            <a:spAutoFit/>
+          </a:bodyPr>
+          <a:lstStyle/>
+          <a:p>
+            <a:r>
+              <a:rPr lang="en-US" sz="1200" dirty="0" smtClean="0">
+                <a:solidFill>
+                  <a:srgbClr val="CC3300"/>
+                </a:solidFill>
+              </a:rPr>
+              <a:t>1</a:t>
+            </a:r>
+            <a:endParaRPr lang="en-US" sz="1200" dirty="0">
+              <a:solidFill>
+                <a:srgbClr val="CC3300"/>
+              </a:solidFill>
+            </a:endParaRPr>
+          </a:p>
+        </p:txBody>
+      </p:sp>
+      <p:sp>
+        <p:nvSpPr>
+          <p:cNvPr id="109" name="TextBox 108"/>
+          <p:cNvSpPr txBox="1"/>
+          <p:nvPr/>
+        </p:nvSpPr>
+        <p:spPr>
+          <a:xfrm>
+            <a:off x="420707" y="300933"/>
+            <a:ext cx="639369" cy="4154984"/>
+          </a:xfrm>
+          <a:prstGeom prst="rect">
+            <a:avLst/>
+          </a:prstGeom>
+          <a:noFill/>
+        </p:spPr>
+        <p:txBody>
+          <a:bodyPr wrap="square" rtlCol="0">
+            <a:spAutoFit/>
+          </a:bodyPr>
+          <a:lstStyle/>
+          <a:p>
+            <a:pPr algn="ctr"/>
+            <a:r>
+              <a:rPr lang="en-US" sz="4400" dirty="0" smtClean="0"/>
+              <a:t>MCYCLE</a:t>
+            </a:r>
+            <a:endParaRPr lang="en-US" sz="4400" dirty="0"/>
+          </a:p>
+        </p:txBody>
+      </p:sp>
+      <p:sp>
+        <p:nvSpPr>
+          <p:cNvPr id="113" name="TextBox 112"/>
+          <p:cNvSpPr txBox="1"/>
+          <p:nvPr/>
+        </p:nvSpPr>
+        <p:spPr>
+          <a:xfrm>
+            <a:off x="7124990" y="5843449"/>
+            <a:ext cx="570434" cy="523220"/>
+          </a:xfrm>
+          <a:prstGeom prst="rect">
+            <a:avLst/>
+          </a:prstGeom>
+          <a:noFill/>
+        </p:spPr>
+        <p:txBody>
+          <a:bodyPr wrap="square" rtlCol="0">
+            <a:spAutoFit/>
+          </a:bodyPr>
+          <a:lstStyle/>
+          <a:p>
+            <a:pPr algn="r"/>
+            <a:r>
+              <a:rPr lang="en-US" sz="1000" dirty="0" smtClean="0">
+                <a:solidFill>
+                  <a:srgbClr val="CC3300"/>
+                </a:solidFill>
+              </a:rPr>
+              <a:t>mode</a:t>
+            </a:r>
+          </a:p>
+          <a:p>
+            <a:pPr algn="r"/>
+            <a:r>
+              <a:rPr lang="en-US" sz="900" dirty="0" smtClean="0">
+                <a:solidFill>
+                  <a:srgbClr val="CC3300"/>
+                </a:solidFill>
+              </a:rPr>
+              <a:t>0: MUL</a:t>
+            </a:r>
+          </a:p>
+          <a:p>
+            <a:pPr algn="r"/>
+            <a:r>
+              <a:rPr lang="en-US" sz="900" dirty="0" smtClean="0">
+                <a:solidFill>
+                  <a:srgbClr val="CC3300"/>
+                </a:solidFill>
+              </a:rPr>
+              <a:t>1: DIV</a:t>
+            </a:r>
+            <a:endParaRPr lang="en-US" sz="900" dirty="0">
+              <a:solidFill>
+                <a:srgbClr val="CC3300"/>
+              </a:solidFill>
+            </a:endParaRPr>
+          </a:p>
+        </p:txBody>
+      </p:sp>
+    </p:spTree>
+    <p:extLst>
+      <p:ext uri="{BB962C8B-B14F-4D97-AF65-F5344CB8AC3E}">
+        <p14:creationId xmlns:p14="http://schemas.microsoft.com/office/powerpoint/2010/main" val="2777659287"/>
       </p:ext>
     </p:extLst>
   </p:cSld>
